--- a/Project Assets/Team Shi Final Presentation.pptx
+++ b/Project Assets/Team Shi Final Presentation.pptx
@@ -39,13 +39,14 @@
     <p:sldId id="282" r:id="rId34"/>
     <p:sldId id="283" r:id="rId35"/>
     <p:sldId id="284" r:id="rId36"/>
+    <p:sldId id="285" r:id="rId37"/>
   </p:sldIdLst>
   <p:sldSz cx="12192000" cy="6858000"/>
   <p:notesSz cx="7772400" cy="10058400"/>
 </p:presentation>
 </file>
 
-<file path=ppt/charts/chart5.xml><?xml version="1.0" encoding="utf-8"?>
+<file path=ppt/charts/chart3.xml><?xml version="1.0" encoding="utf-8"?>
 <c:chartSpace xmlns:c="http://schemas.openxmlformats.org/drawingml/2006/chart" xmlns:a="http://schemas.openxmlformats.org/drawingml/2006/main" xmlns:r="http://schemas.openxmlformats.org/officeDocument/2006/relationships">
   <c:lang val="en-US"/>
   <c:chart>
@@ -268,11 +269,11 @@
           </c:val>
         </c:ser>
         <c:marker val="1"/>
-        <c:axId val="76375484"/>
-        <c:axId val="2082363"/>
+        <c:axId val="62060293"/>
+        <c:axId val="96907657"/>
       </c:lineChart>
       <c:catAx>
-        <c:axId val="76375484"/>
+        <c:axId val="62060293"/>
         <c:scaling>
           <c:orientation val="minMax"/>
         </c:scaling>
@@ -289,14 +290,14 @@
             <a:round/>
           </a:ln>
         </c:spPr>
-        <c:crossAx val="2082363"/>
+        <c:crossAx val="96907657"/>
         <c:crosses val="autoZero"/>
         <c:auto val="1"/>
         <c:lblAlgn val="ctr"/>
         <c:lblOffset val="100"/>
       </c:catAx>
       <c:valAx>
-        <c:axId val="2082363"/>
+        <c:axId val="96907657"/>
         <c:scaling>
           <c:orientation val="minMax"/>
         </c:scaling>
@@ -313,7 +314,7 @@
             <a:round/>
           </a:ln>
         </c:spPr>
-        <c:crossAx val="76375484"/>
+        <c:crossAx val="62060293"/>
         <c:crossesAt val="0"/>
       </c:valAx>
       <c:spPr>
@@ -344,7 +345,7 @@
 </c:chartSpace>
 </file>
 
-<file path=ppt/charts/chart6.xml><?xml version="1.0" encoding="utf-8"?>
+<file path=ppt/charts/chart4.xml><?xml version="1.0" encoding="utf-8"?>
 <c:chartSpace xmlns:c="http://schemas.openxmlformats.org/drawingml/2006/chart" xmlns:a="http://schemas.openxmlformats.org/drawingml/2006/main" xmlns:r="http://schemas.openxmlformats.org/officeDocument/2006/relationships">
   <c:lang val="en-US"/>
   <c:chart>
@@ -402,7 +403,7 @@
             </a:ln>
           </c:spPr>
           <c:marker>
-            <c:size val="5"/>
+            <c:size val="4"/>
           </c:marker>
           <c:dLbls>
             <c:showLegendKey val="0"/>
@@ -497,7 +498,7 @@
             </a:ln>
           </c:spPr>
           <c:marker>
-            <c:size val="5"/>
+            <c:size val="4"/>
           </c:marker>
           <c:dLbls>
             <c:showLegendKey val="0"/>
@@ -581,7 +582,7 @@
             </a:ln>
           </c:spPr>
           <c:marker>
-            <c:size val="5"/>
+            <c:size val="4"/>
           </c:marker>
           <c:dLbls>
             <c:showLegendKey val="0"/>
@@ -632,7 +633,7 @@
             </a:ln>
           </c:spPr>
           <c:marker>
-            <c:size val="5"/>
+            <c:size val="4"/>
           </c:marker>
           <c:dLbls>
             <c:showLegendKey val="0"/>
@@ -672,11 +673,11 @@
           </c:cat>
         </c:ser>
         <c:marker val="1"/>
-        <c:axId val="56643524"/>
-        <c:axId val="23105651"/>
+        <c:axId val="86054094"/>
+        <c:axId val="88893765"/>
       </c:lineChart>
       <c:catAx>
-        <c:axId val="56643524"/>
+        <c:axId val="86054094"/>
         <c:scaling>
           <c:orientation val="minMax"/>
         </c:scaling>
@@ -717,14 +718,14 @@
             <a:round/>
           </a:ln>
         </c:spPr>
-        <c:crossAx val="23105651"/>
+        <c:crossAx val="88893765"/>
         <c:crosses val="autoZero"/>
         <c:auto val="1"/>
         <c:lblAlgn val="ctr"/>
         <c:lblOffset val="100"/>
       </c:catAx>
       <c:valAx>
-        <c:axId val="23105651"/>
+        <c:axId val="88893765"/>
         <c:scaling>
           <c:orientation val="minMax"/>
         </c:scaling>
@@ -772,7 +773,7 @@
             <a:noFill/>
           </a:ln>
         </c:spPr>
-        <c:crossAx val="56643524"/>
+        <c:crossAx val="86054094"/>
         <c:crossesAt val="0"/>
       </c:valAx>
       <c:spPr>
@@ -860,7 +861,7 @@
         <p:spPr>
           <a:xfrm>
             <a:off x="609480" y="273600"/>
-            <a:ext cx="10972080" cy="1145160"/>
+            <a:ext cx="10972440" cy="1145160"/>
           </a:xfrm>
           <a:prstGeom prst="rect">
             <a:avLst/>
@@ -887,7 +888,7 @@
         <p:spPr>
           <a:xfrm>
             <a:off x="609480" y="1604520"/>
-            <a:ext cx="10972080" cy="1896840"/>
+            <a:ext cx="10972440" cy="1896840"/>
           </a:xfrm>
           <a:prstGeom prst="rect">
             <a:avLst/>
@@ -913,7 +914,7 @@
         <p:spPr>
           <a:xfrm>
             <a:off x="609480" y="3682080"/>
-            <a:ext cx="10972080" cy="1896840"/>
+            <a:ext cx="10972440" cy="1896840"/>
           </a:xfrm>
           <a:prstGeom prst="rect">
             <a:avLst/>
@@ -961,7 +962,7 @@
         <p:spPr>
           <a:xfrm>
             <a:off x="609480" y="273600"/>
-            <a:ext cx="10972080" cy="1145160"/>
+            <a:ext cx="10972440" cy="1145160"/>
           </a:xfrm>
           <a:prstGeom prst="rect">
             <a:avLst/>
@@ -1114,7 +1115,7 @@
         <p:spPr>
           <a:xfrm>
             <a:off x="609480" y="273600"/>
-            <a:ext cx="10972080" cy="1145160"/>
+            <a:ext cx="10972440" cy="1145160"/>
           </a:xfrm>
           <a:prstGeom prst="rect">
             <a:avLst/>
@@ -1141,7 +1142,7 @@
         <p:spPr>
           <a:xfrm>
             <a:off x="609480" y="1604520"/>
-            <a:ext cx="10972080" cy="3976920"/>
+            <a:ext cx="10972440" cy="3977280"/>
           </a:xfrm>
           <a:prstGeom prst="rect">
             <a:avLst/>
@@ -1167,7 +1168,7 @@
         <p:spPr>
           <a:xfrm>
             <a:off x="609480" y="1604520"/>
-            <a:ext cx="10972080" cy="3976920"/>
+            <a:ext cx="10972440" cy="3977280"/>
           </a:xfrm>
           <a:prstGeom prst="rect">
             <a:avLst/>
@@ -1194,8 +1195,8 @@
         </p:blipFill>
         <p:spPr>
           <a:xfrm>
-            <a:off x="3603240" y="1604160"/>
-            <a:ext cx="4984200" cy="3976920"/>
+            <a:off x="3602880" y="1604520"/>
+            <a:ext cx="4984920" cy="3977280"/>
           </a:xfrm>
           <a:prstGeom prst="rect">
             <a:avLst/>
@@ -1219,8 +1220,8 @@
         </p:blipFill>
         <p:spPr>
           <a:xfrm>
-            <a:off x="3603240" y="1604160"/>
-            <a:ext cx="4984200" cy="3976920"/>
+            <a:off x="3602880" y="1604520"/>
+            <a:ext cx="4984920" cy="3977280"/>
           </a:xfrm>
           <a:prstGeom prst="rect">
             <a:avLst/>
@@ -1287,7 +1288,7 @@
         <p:spPr>
           <a:xfrm>
             <a:off x="609480" y="273600"/>
-            <a:ext cx="10972080" cy="1145160"/>
+            <a:ext cx="10972440" cy="1145160"/>
           </a:xfrm>
           <a:prstGeom prst="rect">
             <a:avLst/>
@@ -1314,7 +1315,7 @@
         <p:spPr>
           <a:xfrm>
             <a:off x="609480" y="1604520"/>
-            <a:ext cx="10972080" cy="3977280"/>
+            <a:ext cx="10972440" cy="3977640"/>
           </a:xfrm>
           <a:prstGeom prst="rect">
             <a:avLst/>
@@ -1363,7 +1364,7 @@
         <p:spPr>
           <a:xfrm>
             <a:off x="609480" y="273600"/>
-            <a:ext cx="10972080" cy="1145160"/>
+            <a:ext cx="10972440" cy="1145160"/>
           </a:xfrm>
           <a:prstGeom prst="rect">
             <a:avLst/>
@@ -1390,7 +1391,7 @@
         <p:spPr>
           <a:xfrm>
             <a:off x="609480" y="1604520"/>
-            <a:ext cx="10972080" cy="3976920"/>
+            <a:ext cx="10972440" cy="3977280"/>
           </a:xfrm>
           <a:prstGeom prst="rect">
             <a:avLst/>
@@ -1438,7 +1439,7 @@
         <p:spPr>
           <a:xfrm>
             <a:off x="609480" y="273600"/>
-            <a:ext cx="10972080" cy="1145160"/>
+            <a:ext cx="10972440" cy="1145160"/>
           </a:xfrm>
           <a:prstGeom prst="rect">
             <a:avLst/>
@@ -1465,7 +1466,7 @@
         <p:spPr>
           <a:xfrm>
             <a:off x="609480" y="1604520"/>
-            <a:ext cx="5354280" cy="3976920"/>
+            <a:ext cx="5354280" cy="3977280"/>
           </a:xfrm>
           <a:prstGeom prst="rect">
             <a:avLst/>
@@ -1491,7 +1492,7 @@
         <p:spPr>
           <a:xfrm>
             <a:off x="6231960" y="1604520"/>
-            <a:ext cx="5354280" cy="3976920"/>
+            <a:ext cx="5354280" cy="3977280"/>
           </a:xfrm>
           <a:prstGeom prst="rect">
             <a:avLst/>
@@ -1539,7 +1540,7 @@
         <p:spPr>
           <a:xfrm>
             <a:off x="609480" y="273600"/>
-            <a:ext cx="10972080" cy="1145160"/>
+            <a:ext cx="10972440" cy="1145160"/>
           </a:xfrm>
           <a:prstGeom prst="rect">
             <a:avLst/>
@@ -1588,7 +1589,7 @@
         <p:spPr>
           <a:xfrm>
             <a:off x="609480" y="273600"/>
-            <a:ext cx="10972080" cy="5308200"/>
+            <a:ext cx="10972440" cy="5308200"/>
           </a:xfrm>
           <a:prstGeom prst="rect">
             <a:avLst/>
@@ -1637,7 +1638,7 @@
         <p:spPr>
           <a:xfrm>
             <a:off x="609480" y="273600"/>
-            <a:ext cx="10972080" cy="1145160"/>
+            <a:ext cx="10972440" cy="1145160"/>
           </a:xfrm>
           <a:prstGeom prst="rect">
             <a:avLst/>
@@ -1716,7 +1717,7 @@
         <p:spPr>
           <a:xfrm>
             <a:off x="6231960" y="1604520"/>
-            <a:ext cx="5354280" cy="3976920"/>
+            <a:ext cx="5354280" cy="3977280"/>
           </a:xfrm>
           <a:prstGeom prst="rect">
             <a:avLst/>
@@ -1764,7 +1765,7 @@
         <p:spPr>
           <a:xfrm>
             <a:off x="609480" y="273600"/>
-            <a:ext cx="10972080" cy="1145160"/>
+            <a:ext cx="10972440" cy="1145160"/>
           </a:xfrm>
           <a:prstGeom prst="rect">
             <a:avLst/>
@@ -1791,7 +1792,7 @@
         <p:spPr>
           <a:xfrm>
             <a:off x="609480" y="1604520"/>
-            <a:ext cx="10972080" cy="3977280"/>
+            <a:ext cx="10972440" cy="3977640"/>
           </a:xfrm>
           <a:prstGeom prst="rect">
             <a:avLst/>
@@ -1840,7 +1841,7 @@
         <p:spPr>
           <a:xfrm>
             <a:off x="609480" y="273600"/>
-            <a:ext cx="10972080" cy="1145160"/>
+            <a:ext cx="10972440" cy="1145160"/>
           </a:xfrm>
           <a:prstGeom prst="rect">
             <a:avLst/>
@@ -1867,7 +1868,7 @@
         <p:spPr>
           <a:xfrm>
             <a:off x="609480" y="1604520"/>
-            <a:ext cx="5354280" cy="3976920"/>
+            <a:ext cx="5354280" cy="3977280"/>
           </a:xfrm>
           <a:prstGeom prst="rect">
             <a:avLst/>
@@ -1967,7 +1968,7 @@
         <p:spPr>
           <a:xfrm>
             <a:off x="609480" y="273600"/>
-            <a:ext cx="10972080" cy="1145160"/>
+            <a:ext cx="10972440" cy="1145160"/>
           </a:xfrm>
           <a:prstGeom prst="rect">
             <a:avLst/>
@@ -2046,7 +2047,7 @@
         <p:spPr>
           <a:xfrm>
             <a:off x="609480" y="3682080"/>
-            <a:ext cx="10972080" cy="1896840"/>
+            <a:ext cx="10972440" cy="1896840"/>
           </a:xfrm>
           <a:prstGeom prst="rect">
             <a:avLst/>
@@ -2094,7 +2095,7 @@
         <p:spPr>
           <a:xfrm>
             <a:off x="609480" y="273600"/>
-            <a:ext cx="10972080" cy="1145160"/>
+            <a:ext cx="10972440" cy="1145160"/>
           </a:xfrm>
           <a:prstGeom prst="rect">
             <a:avLst/>
@@ -2121,7 +2122,7 @@
         <p:spPr>
           <a:xfrm>
             <a:off x="609480" y="1604520"/>
-            <a:ext cx="10972080" cy="1896840"/>
+            <a:ext cx="10972440" cy="1896840"/>
           </a:xfrm>
           <a:prstGeom prst="rect">
             <a:avLst/>
@@ -2147,7 +2148,7 @@
         <p:spPr>
           <a:xfrm>
             <a:off x="609480" y="3682080"/>
-            <a:ext cx="10972080" cy="1896840"/>
+            <a:ext cx="10972440" cy="1896840"/>
           </a:xfrm>
           <a:prstGeom prst="rect">
             <a:avLst/>
@@ -2195,7 +2196,7 @@
         <p:spPr>
           <a:xfrm>
             <a:off x="609480" y="273600"/>
-            <a:ext cx="10972080" cy="1145160"/>
+            <a:ext cx="10972440" cy="1145160"/>
           </a:xfrm>
           <a:prstGeom prst="rect">
             <a:avLst/>
@@ -2348,7 +2349,7 @@
         <p:spPr>
           <a:xfrm>
             <a:off x="609480" y="273600"/>
-            <a:ext cx="10972080" cy="1145160"/>
+            <a:ext cx="10972440" cy="1145160"/>
           </a:xfrm>
           <a:prstGeom prst="rect">
             <a:avLst/>
@@ -2375,7 +2376,7 @@
         <p:spPr>
           <a:xfrm>
             <a:off x="609480" y="1604520"/>
-            <a:ext cx="10972080" cy="3976920"/>
+            <a:ext cx="10972440" cy="3977280"/>
           </a:xfrm>
           <a:prstGeom prst="rect">
             <a:avLst/>
@@ -2401,7 +2402,7 @@
         <p:spPr>
           <a:xfrm>
             <a:off x="609480" y="1604520"/>
-            <a:ext cx="10972080" cy="3976920"/>
+            <a:ext cx="10972440" cy="3977280"/>
           </a:xfrm>
           <a:prstGeom prst="rect">
             <a:avLst/>
@@ -2428,8 +2429,8 @@
         </p:blipFill>
         <p:spPr>
           <a:xfrm>
-            <a:off x="3603240" y="1604160"/>
-            <a:ext cx="4984200" cy="3976920"/>
+            <a:off x="3602880" y="1604520"/>
+            <a:ext cx="4984920" cy="3977280"/>
           </a:xfrm>
           <a:prstGeom prst="rect">
             <a:avLst/>
@@ -2453,8 +2454,8 @@
         </p:blipFill>
         <p:spPr>
           <a:xfrm>
-            <a:off x="3603240" y="1604160"/>
-            <a:ext cx="4984200" cy="3976920"/>
+            <a:off x="3602880" y="1604520"/>
+            <a:ext cx="4984920" cy="3977280"/>
           </a:xfrm>
           <a:prstGeom prst="rect">
             <a:avLst/>
@@ -2521,7 +2522,7 @@
         <p:spPr>
           <a:xfrm>
             <a:off x="609480" y="273600"/>
-            <a:ext cx="10972080" cy="1145160"/>
+            <a:ext cx="10972440" cy="1145160"/>
           </a:xfrm>
           <a:prstGeom prst="rect">
             <a:avLst/>
@@ -2548,7 +2549,7 @@
         <p:spPr>
           <a:xfrm>
             <a:off x="609480" y="1604520"/>
-            <a:ext cx="10972080" cy="3977280"/>
+            <a:ext cx="10972440" cy="3977640"/>
           </a:xfrm>
           <a:prstGeom prst="rect">
             <a:avLst/>
@@ -2597,7 +2598,7 @@
         <p:spPr>
           <a:xfrm>
             <a:off x="609480" y="273600"/>
-            <a:ext cx="10972080" cy="1145160"/>
+            <a:ext cx="10972440" cy="1145160"/>
           </a:xfrm>
           <a:prstGeom prst="rect">
             <a:avLst/>
@@ -2624,7 +2625,7 @@
         <p:spPr>
           <a:xfrm>
             <a:off x="609480" y="1604520"/>
-            <a:ext cx="10972080" cy="3976920"/>
+            <a:ext cx="10972440" cy="3977280"/>
           </a:xfrm>
           <a:prstGeom prst="rect">
             <a:avLst/>
@@ -2672,7 +2673,7 @@
         <p:spPr>
           <a:xfrm>
             <a:off x="609480" y="273600"/>
-            <a:ext cx="10972080" cy="1145160"/>
+            <a:ext cx="10972440" cy="1145160"/>
           </a:xfrm>
           <a:prstGeom prst="rect">
             <a:avLst/>
@@ -2699,7 +2700,7 @@
         <p:spPr>
           <a:xfrm>
             <a:off x="609480" y="1604520"/>
-            <a:ext cx="5354280" cy="3976920"/>
+            <a:ext cx="5354280" cy="3977280"/>
           </a:xfrm>
           <a:prstGeom prst="rect">
             <a:avLst/>
@@ -2725,7 +2726,7 @@
         <p:spPr>
           <a:xfrm>
             <a:off x="6231960" y="1604520"/>
-            <a:ext cx="5354280" cy="3976920"/>
+            <a:ext cx="5354280" cy="3977280"/>
           </a:xfrm>
           <a:prstGeom prst="rect">
             <a:avLst/>
@@ -2773,7 +2774,7 @@
         <p:spPr>
           <a:xfrm>
             <a:off x="609480" y="273600"/>
-            <a:ext cx="10972080" cy="1145160"/>
+            <a:ext cx="10972440" cy="1145160"/>
           </a:xfrm>
           <a:prstGeom prst="rect">
             <a:avLst/>
@@ -2822,7 +2823,7 @@
         <p:spPr>
           <a:xfrm>
             <a:off x="609480" y="273600"/>
-            <a:ext cx="10972080" cy="1145160"/>
+            <a:ext cx="10972440" cy="1145160"/>
           </a:xfrm>
           <a:prstGeom prst="rect">
             <a:avLst/>
@@ -2849,7 +2850,7 @@
         <p:spPr>
           <a:xfrm>
             <a:off x="609480" y="1604520"/>
-            <a:ext cx="10972080" cy="3976920"/>
+            <a:ext cx="10972440" cy="3977280"/>
           </a:xfrm>
           <a:prstGeom prst="rect">
             <a:avLst/>
@@ -2897,7 +2898,7 @@
         <p:spPr>
           <a:xfrm>
             <a:off x="609480" y="273600"/>
-            <a:ext cx="10972080" cy="5308200"/>
+            <a:ext cx="10972440" cy="5308200"/>
           </a:xfrm>
           <a:prstGeom prst="rect">
             <a:avLst/>
@@ -2946,7 +2947,7 @@
         <p:spPr>
           <a:xfrm>
             <a:off x="609480" y="273600"/>
-            <a:ext cx="10972080" cy="1145160"/>
+            <a:ext cx="10972440" cy="1145160"/>
           </a:xfrm>
           <a:prstGeom prst="rect">
             <a:avLst/>
@@ -3025,7 +3026,7 @@
         <p:spPr>
           <a:xfrm>
             <a:off x="6231960" y="1604520"/>
-            <a:ext cx="5354280" cy="3976920"/>
+            <a:ext cx="5354280" cy="3977280"/>
           </a:xfrm>
           <a:prstGeom prst="rect">
             <a:avLst/>
@@ -3073,7 +3074,7 @@
         <p:spPr>
           <a:xfrm>
             <a:off x="609480" y="273600"/>
-            <a:ext cx="10972080" cy="1145160"/>
+            <a:ext cx="10972440" cy="1145160"/>
           </a:xfrm>
           <a:prstGeom prst="rect">
             <a:avLst/>
@@ -3100,7 +3101,7 @@
         <p:spPr>
           <a:xfrm>
             <a:off x="609480" y="1604520"/>
-            <a:ext cx="5354280" cy="3976920"/>
+            <a:ext cx="5354280" cy="3977280"/>
           </a:xfrm>
           <a:prstGeom prst="rect">
             <a:avLst/>
@@ -3200,7 +3201,7 @@
         <p:spPr>
           <a:xfrm>
             <a:off x="609480" y="273600"/>
-            <a:ext cx="10972080" cy="1145160"/>
+            <a:ext cx="10972440" cy="1145160"/>
           </a:xfrm>
           <a:prstGeom prst="rect">
             <a:avLst/>
@@ -3279,7 +3280,7 @@
         <p:spPr>
           <a:xfrm>
             <a:off x="609480" y="3682080"/>
-            <a:ext cx="10972080" cy="1896840"/>
+            <a:ext cx="10972440" cy="1896840"/>
           </a:xfrm>
           <a:prstGeom prst="rect">
             <a:avLst/>
@@ -3327,7 +3328,7 @@
         <p:spPr>
           <a:xfrm>
             <a:off x="609480" y="273600"/>
-            <a:ext cx="10972080" cy="1145160"/>
+            <a:ext cx="10972440" cy="1145160"/>
           </a:xfrm>
           <a:prstGeom prst="rect">
             <a:avLst/>
@@ -3354,7 +3355,7 @@
         <p:spPr>
           <a:xfrm>
             <a:off x="609480" y="1604520"/>
-            <a:ext cx="10972080" cy="1896840"/>
+            <a:ext cx="10972440" cy="1896840"/>
           </a:xfrm>
           <a:prstGeom prst="rect">
             <a:avLst/>
@@ -3380,7 +3381,7 @@
         <p:spPr>
           <a:xfrm>
             <a:off x="609480" y="3682080"/>
-            <a:ext cx="10972080" cy="1896840"/>
+            <a:ext cx="10972440" cy="1896840"/>
           </a:xfrm>
           <a:prstGeom prst="rect">
             <a:avLst/>
@@ -3428,7 +3429,7 @@
         <p:spPr>
           <a:xfrm>
             <a:off x="609480" y="273600"/>
-            <a:ext cx="10972080" cy="1145160"/>
+            <a:ext cx="10972440" cy="1145160"/>
           </a:xfrm>
           <a:prstGeom prst="rect">
             <a:avLst/>
@@ -3581,7 +3582,7 @@
         <p:spPr>
           <a:xfrm>
             <a:off x="609480" y="273600"/>
-            <a:ext cx="10972080" cy="1145160"/>
+            <a:ext cx="10972440" cy="1145160"/>
           </a:xfrm>
           <a:prstGeom prst="rect">
             <a:avLst/>
@@ -3608,7 +3609,7 @@
         <p:spPr>
           <a:xfrm>
             <a:off x="609480" y="1604520"/>
-            <a:ext cx="10972080" cy="3976920"/>
+            <a:ext cx="10972440" cy="3977280"/>
           </a:xfrm>
           <a:prstGeom prst="rect">
             <a:avLst/>
@@ -3634,7 +3635,7 @@
         <p:spPr>
           <a:xfrm>
             <a:off x="609480" y="1604520"/>
-            <a:ext cx="10972080" cy="3976920"/>
+            <a:ext cx="10972440" cy="3977280"/>
           </a:xfrm>
           <a:prstGeom prst="rect">
             <a:avLst/>
@@ -3661,8 +3662,8 @@
         </p:blipFill>
         <p:spPr>
           <a:xfrm>
-            <a:off x="3603240" y="1604160"/>
-            <a:ext cx="4984200" cy="3976920"/>
+            <a:off x="3602880" y="1604520"/>
+            <a:ext cx="4984920" cy="3977280"/>
           </a:xfrm>
           <a:prstGeom prst="rect">
             <a:avLst/>
@@ -3686,8 +3687,8 @@
         </p:blipFill>
         <p:spPr>
           <a:xfrm>
-            <a:off x="3603240" y="1604160"/>
-            <a:ext cx="4984200" cy="3976920"/>
+            <a:off x="3602880" y="1604520"/>
+            <a:ext cx="4984920" cy="3977280"/>
           </a:xfrm>
           <a:prstGeom prst="rect">
             <a:avLst/>
@@ -3754,7 +3755,7 @@
         <p:spPr>
           <a:xfrm>
             <a:off x="609480" y="273600"/>
-            <a:ext cx="10972080" cy="1145160"/>
+            <a:ext cx="10972440" cy="1145160"/>
           </a:xfrm>
           <a:prstGeom prst="rect">
             <a:avLst/>
@@ -3781,7 +3782,7 @@
         <p:spPr>
           <a:xfrm>
             <a:off x="609480" y="1604520"/>
-            <a:ext cx="10972080" cy="3977280"/>
+            <a:ext cx="10972440" cy="3977640"/>
           </a:xfrm>
           <a:prstGeom prst="rect">
             <a:avLst/>
@@ -3830,7 +3831,7 @@
         <p:spPr>
           <a:xfrm>
             <a:off x="609480" y="273600"/>
-            <a:ext cx="10972080" cy="1145160"/>
+            <a:ext cx="10972440" cy="1145160"/>
           </a:xfrm>
           <a:prstGeom prst="rect">
             <a:avLst/>
@@ -3857,7 +3858,7 @@
         <p:spPr>
           <a:xfrm>
             <a:off x="609480" y="1604520"/>
-            <a:ext cx="10972080" cy="3976920"/>
+            <a:ext cx="10972440" cy="3977280"/>
           </a:xfrm>
           <a:prstGeom prst="rect">
             <a:avLst/>
@@ -3905,7 +3906,7 @@
         <p:spPr>
           <a:xfrm>
             <a:off x="609480" y="273600"/>
-            <a:ext cx="10972080" cy="1145160"/>
+            <a:ext cx="10972440" cy="1145160"/>
           </a:xfrm>
           <a:prstGeom prst="rect">
             <a:avLst/>
@@ -3932,7 +3933,7 @@
         <p:spPr>
           <a:xfrm>
             <a:off x="609480" y="1604520"/>
-            <a:ext cx="5354280" cy="3976920"/>
+            <a:ext cx="5354280" cy="3977280"/>
           </a:xfrm>
           <a:prstGeom prst="rect">
             <a:avLst/>
@@ -3958,7 +3959,7 @@
         <p:spPr>
           <a:xfrm>
             <a:off x="6231960" y="1604520"/>
-            <a:ext cx="5354280" cy="3976920"/>
+            <a:ext cx="5354280" cy="3977280"/>
           </a:xfrm>
           <a:prstGeom prst="rect">
             <a:avLst/>
@@ -4006,7 +4007,7 @@
         <p:spPr>
           <a:xfrm>
             <a:off x="609480" y="273600"/>
-            <a:ext cx="10972080" cy="1145160"/>
+            <a:ext cx="10972440" cy="1145160"/>
           </a:xfrm>
           <a:prstGeom prst="rect">
             <a:avLst/>
@@ -4033,7 +4034,7 @@
         <p:spPr>
           <a:xfrm>
             <a:off x="609480" y="1604520"/>
-            <a:ext cx="5354280" cy="3976920"/>
+            <a:ext cx="5354280" cy="3977280"/>
           </a:xfrm>
           <a:prstGeom prst="rect">
             <a:avLst/>
@@ -4059,7 +4060,7 @@
         <p:spPr>
           <a:xfrm>
             <a:off x="6231960" y="1604520"/>
-            <a:ext cx="5354280" cy="3976920"/>
+            <a:ext cx="5354280" cy="3977280"/>
           </a:xfrm>
           <a:prstGeom prst="rect">
             <a:avLst/>
@@ -4107,7 +4108,7 @@
         <p:spPr>
           <a:xfrm>
             <a:off x="609480" y="273600"/>
-            <a:ext cx="10972080" cy="1145160"/>
+            <a:ext cx="10972440" cy="1145160"/>
           </a:xfrm>
           <a:prstGeom prst="rect">
             <a:avLst/>
@@ -4156,7 +4157,7 @@
         <p:spPr>
           <a:xfrm>
             <a:off x="609480" y="273600"/>
-            <a:ext cx="10972080" cy="5308200"/>
+            <a:ext cx="10972440" cy="5308200"/>
           </a:xfrm>
           <a:prstGeom prst="rect">
             <a:avLst/>
@@ -4205,7 +4206,7 @@
         <p:spPr>
           <a:xfrm>
             <a:off x="609480" y="273600"/>
-            <a:ext cx="10972080" cy="1145160"/>
+            <a:ext cx="10972440" cy="1145160"/>
           </a:xfrm>
           <a:prstGeom prst="rect">
             <a:avLst/>
@@ -4284,7 +4285,7 @@
         <p:spPr>
           <a:xfrm>
             <a:off x="6231960" y="1604520"/>
-            <a:ext cx="5354280" cy="3976920"/>
+            <a:ext cx="5354280" cy="3977280"/>
           </a:xfrm>
           <a:prstGeom prst="rect">
             <a:avLst/>
@@ -4332,7 +4333,7 @@
         <p:spPr>
           <a:xfrm>
             <a:off x="609480" y="273600"/>
-            <a:ext cx="10972080" cy="1145160"/>
+            <a:ext cx="10972440" cy="1145160"/>
           </a:xfrm>
           <a:prstGeom prst="rect">
             <a:avLst/>
@@ -4359,7 +4360,7 @@
         <p:spPr>
           <a:xfrm>
             <a:off x="609480" y="1604520"/>
-            <a:ext cx="5354280" cy="3976920"/>
+            <a:ext cx="5354280" cy="3977280"/>
           </a:xfrm>
           <a:prstGeom prst="rect">
             <a:avLst/>
@@ -4459,7 +4460,7 @@
         <p:spPr>
           <a:xfrm>
             <a:off x="609480" y="273600"/>
-            <a:ext cx="10972080" cy="1145160"/>
+            <a:ext cx="10972440" cy="1145160"/>
           </a:xfrm>
           <a:prstGeom prst="rect">
             <a:avLst/>
@@ -4538,7 +4539,7 @@
         <p:spPr>
           <a:xfrm>
             <a:off x="609480" y="3682080"/>
-            <a:ext cx="10972080" cy="1896840"/>
+            <a:ext cx="10972440" cy="1896840"/>
           </a:xfrm>
           <a:prstGeom prst="rect">
             <a:avLst/>
@@ -4586,7 +4587,7 @@
         <p:spPr>
           <a:xfrm>
             <a:off x="609480" y="273600"/>
-            <a:ext cx="10972080" cy="1145160"/>
+            <a:ext cx="10972440" cy="1145160"/>
           </a:xfrm>
           <a:prstGeom prst="rect">
             <a:avLst/>
@@ -4613,7 +4614,7 @@
         <p:spPr>
           <a:xfrm>
             <a:off x="609480" y="1604520"/>
-            <a:ext cx="10972080" cy="1896840"/>
+            <a:ext cx="10972440" cy="1896840"/>
           </a:xfrm>
           <a:prstGeom prst="rect">
             <a:avLst/>
@@ -4639,7 +4640,7 @@
         <p:spPr>
           <a:xfrm>
             <a:off x="609480" y="3682080"/>
-            <a:ext cx="10972080" cy="1896840"/>
+            <a:ext cx="10972440" cy="1896840"/>
           </a:xfrm>
           <a:prstGeom prst="rect">
             <a:avLst/>
@@ -4687,7 +4688,7 @@
         <p:spPr>
           <a:xfrm>
             <a:off x="609480" y="273600"/>
-            <a:ext cx="10972080" cy="1145160"/>
+            <a:ext cx="10972440" cy="1145160"/>
           </a:xfrm>
           <a:prstGeom prst="rect">
             <a:avLst/>
@@ -4840,7 +4841,7 @@
         <p:spPr>
           <a:xfrm>
             <a:off x="609480" y="273600"/>
-            <a:ext cx="10972080" cy="1145160"/>
+            <a:ext cx="10972440" cy="1145160"/>
           </a:xfrm>
           <a:prstGeom prst="rect">
             <a:avLst/>
@@ -4867,7 +4868,7 @@
         <p:spPr>
           <a:xfrm>
             <a:off x="609480" y="1604520"/>
-            <a:ext cx="10972080" cy="3976920"/>
+            <a:ext cx="10972440" cy="3977280"/>
           </a:xfrm>
           <a:prstGeom prst="rect">
             <a:avLst/>
@@ -4893,7 +4894,7 @@
         <p:spPr>
           <a:xfrm>
             <a:off x="609480" y="1604520"/>
-            <a:ext cx="10972080" cy="3976920"/>
+            <a:ext cx="10972440" cy="3977280"/>
           </a:xfrm>
           <a:prstGeom prst="rect">
             <a:avLst/>
@@ -4920,8 +4921,8 @@
         </p:blipFill>
         <p:spPr>
           <a:xfrm>
-            <a:off x="3603240" y="1604160"/>
-            <a:ext cx="4984200" cy="3976920"/>
+            <a:off x="3602880" y="1604520"/>
+            <a:ext cx="4984920" cy="3977280"/>
           </a:xfrm>
           <a:prstGeom prst="rect">
             <a:avLst/>
@@ -4945,8 +4946,8 @@
         </p:blipFill>
         <p:spPr>
           <a:xfrm>
-            <a:off x="3603240" y="1604160"/>
-            <a:ext cx="4984200" cy="3976920"/>
+            <a:off x="3602880" y="1604520"/>
+            <a:ext cx="4984920" cy="3977280"/>
           </a:xfrm>
           <a:prstGeom prst="rect">
             <a:avLst/>
@@ -5013,7 +5014,7 @@
         <p:spPr>
           <a:xfrm>
             <a:off x="609480" y="273600"/>
-            <a:ext cx="10972080" cy="1145160"/>
+            <a:ext cx="10972440" cy="1145160"/>
           </a:xfrm>
           <a:prstGeom prst="rect">
             <a:avLst/>
@@ -5062,7 +5063,7 @@
         <p:spPr>
           <a:xfrm>
             <a:off x="609480" y="273600"/>
-            <a:ext cx="10972080" cy="1145160"/>
+            <a:ext cx="10972440" cy="1145160"/>
           </a:xfrm>
           <a:prstGeom prst="rect">
             <a:avLst/>
@@ -5089,7 +5090,7 @@
         <p:spPr>
           <a:xfrm>
             <a:off x="609480" y="1604520"/>
-            <a:ext cx="10972080" cy="3977280"/>
+            <a:ext cx="10972440" cy="3977640"/>
           </a:xfrm>
           <a:prstGeom prst="rect">
             <a:avLst/>
@@ -5138,7 +5139,7 @@
         <p:spPr>
           <a:xfrm>
             <a:off x="609480" y="273600"/>
-            <a:ext cx="10972080" cy="1145160"/>
+            <a:ext cx="10972440" cy="1145160"/>
           </a:xfrm>
           <a:prstGeom prst="rect">
             <a:avLst/>
@@ -5165,7 +5166,7 @@
         <p:spPr>
           <a:xfrm>
             <a:off x="609480" y="1604520"/>
-            <a:ext cx="10972080" cy="3976920"/>
+            <a:ext cx="10972440" cy="3977280"/>
           </a:xfrm>
           <a:prstGeom prst="rect">
             <a:avLst/>
@@ -5213,7 +5214,7 @@
         <p:spPr>
           <a:xfrm>
             <a:off x="609480" y="273600"/>
-            <a:ext cx="10972080" cy="1145160"/>
+            <a:ext cx="10972440" cy="1145160"/>
           </a:xfrm>
           <a:prstGeom prst="rect">
             <a:avLst/>
@@ -5240,7 +5241,7 @@
         <p:spPr>
           <a:xfrm>
             <a:off x="609480" y="1604520"/>
-            <a:ext cx="5354280" cy="3976920"/>
+            <a:ext cx="5354280" cy="3977280"/>
           </a:xfrm>
           <a:prstGeom prst="rect">
             <a:avLst/>
@@ -5266,7 +5267,7 @@
         <p:spPr>
           <a:xfrm>
             <a:off x="6231960" y="1604520"/>
-            <a:ext cx="5354280" cy="3976920"/>
+            <a:ext cx="5354280" cy="3977280"/>
           </a:xfrm>
           <a:prstGeom prst="rect">
             <a:avLst/>
@@ -5314,7 +5315,7 @@
         <p:spPr>
           <a:xfrm>
             <a:off x="609480" y="273600"/>
-            <a:ext cx="10972080" cy="1145160"/>
+            <a:ext cx="10972440" cy="1145160"/>
           </a:xfrm>
           <a:prstGeom prst="rect">
             <a:avLst/>
@@ -5363,7 +5364,7 @@
         <p:spPr>
           <a:xfrm>
             <a:off x="609480" y="273600"/>
-            <a:ext cx="10972080" cy="5308200"/>
+            <a:ext cx="10972440" cy="5308200"/>
           </a:xfrm>
           <a:prstGeom prst="rect">
             <a:avLst/>
@@ -5412,7 +5413,7 @@
         <p:spPr>
           <a:xfrm>
             <a:off x="609480" y="273600"/>
-            <a:ext cx="10972080" cy="1145160"/>
+            <a:ext cx="10972440" cy="1145160"/>
           </a:xfrm>
           <a:prstGeom prst="rect">
             <a:avLst/>
@@ -5491,7 +5492,7 @@
         <p:spPr>
           <a:xfrm>
             <a:off x="6231960" y="1604520"/>
-            <a:ext cx="5354280" cy="3976920"/>
+            <a:ext cx="5354280" cy="3977280"/>
           </a:xfrm>
           <a:prstGeom prst="rect">
             <a:avLst/>
@@ -5539,7 +5540,7 @@
         <p:spPr>
           <a:xfrm>
             <a:off x="609480" y="273600"/>
-            <a:ext cx="10972080" cy="1145160"/>
+            <a:ext cx="10972440" cy="1145160"/>
           </a:xfrm>
           <a:prstGeom prst="rect">
             <a:avLst/>
@@ -5566,7 +5567,7 @@
         <p:spPr>
           <a:xfrm>
             <a:off x="609480" y="1604520"/>
-            <a:ext cx="5354280" cy="3976920"/>
+            <a:ext cx="5354280" cy="3977280"/>
           </a:xfrm>
           <a:prstGeom prst="rect">
             <a:avLst/>
@@ -5666,7 +5667,7 @@
         <p:spPr>
           <a:xfrm>
             <a:off x="609480" y="273600"/>
-            <a:ext cx="10972080" cy="1145160"/>
+            <a:ext cx="10972440" cy="1145160"/>
           </a:xfrm>
           <a:prstGeom prst="rect">
             <a:avLst/>
@@ -5745,7 +5746,7 @@
         <p:spPr>
           <a:xfrm>
             <a:off x="609480" y="3682080"/>
-            <a:ext cx="10972080" cy="1896840"/>
+            <a:ext cx="10972440" cy="1896840"/>
           </a:xfrm>
           <a:prstGeom prst="rect">
             <a:avLst/>
@@ -5793,7 +5794,7 @@
         <p:spPr>
           <a:xfrm>
             <a:off x="609480" y="273600"/>
-            <a:ext cx="10972080" cy="1145160"/>
+            <a:ext cx="10972440" cy="1145160"/>
           </a:xfrm>
           <a:prstGeom prst="rect">
             <a:avLst/>
@@ -5820,7 +5821,7 @@
         <p:spPr>
           <a:xfrm>
             <a:off x="609480" y="1604520"/>
-            <a:ext cx="10972080" cy="1896840"/>
+            <a:ext cx="10972440" cy="1896840"/>
           </a:xfrm>
           <a:prstGeom prst="rect">
             <a:avLst/>
@@ -5846,7 +5847,7 @@
         <p:spPr>
           <a:xfrm>
             <a:off x="609480" y="3682080"/>
-            <a:ext cx="10972080" cy="1896840"/>
+            <a:ext cx="10972440" cy="1896840"/>
           </a:xfrm>
           <a:prstGeom prst="rect">
             <a:avLst/>
@@ -5894,7 +5895,7 @@
         <p:spPr>
           <a:xfrm>
             <a:off x="609480" y="273600"/>
-            <a:ext cx="10972080" cy="1145160"/>
+            <a:ext cx="10972440" cy="1145160"/>
           </a:xfrm>
           <a:prstGeom prst="rect">
             <a:avLst/>
@@ -6047,7 +6048,7 @@
         <p:spPr>
           <a:xfrm>
             <a:off x="609480" y="273600"/>
-            <a:ext cx="10972080" cy="5308200"/>
+            <a:ext cx="10972440" cy="5308200"/>
           </a:xfrm>
           <a:prstGeom prst="rect">
             <a:avLst/>
@@ -6096,7 +6097,7 @@
         <p:spPr>
           <a:xfrm>
             <a:off x="609480" y="273600"/>
-            <a:ext cx="10972080" cy="1145160"/>
+            <a:ext cx="10972440" cy="1145160"/>
           </a:xfrm>
           <a:prstGeom prst="rect">
             <a:avLst/>
@@ -6123,7 +6124,7 @@
         <p:spPr>
           <a:xfrm>
             <a:off x="609480" y="1604520"/>
-            <a:ext cx="10972080" cy="3976920"/>
+            <a:ext cx="10972440" cy="3977280"/>
           </a:xfrm>
           <a:prstGeom prst="rect">
             <a:avLst/>
@@ -6149,7 +6150,7 @@
         <p:spPr>
           <a:xfrm>
             <a:off x="609480" y="1604520"/>
-            <a:ext cx="10972080" cy="3976920"/>
+            <a:ext cx="10972440" cy="3977280"/>
           </a:xfrm>
           <a:prstGeom prst="rect">
             <a:avLst/>
@@ -6176,8 +6177,8 @@
         </p:blipFill>
         <p:spPr>
           <a:xfrm>
-            <a:off x="3603240" y="1604160"/>
-            <a:ext cx="4984200" cy="3976920"/>
+            <a:off x="3602880" y="1604520"/>
+            <a:ext cx="4984920" cy="3977280"/>
           </a:xfrm>
           <a:prstGeom prst="rect">
             <a:avLst/>
@@ -6201,8 +6202,8 @@
         </p:blipFill>
         <p:spPr>
           <a:xfrm>
-            <a:off x="3603240" y="1604160"/>
-            <a:ext cx="4984200" cy="3976920"/>
+            <a:off x="3602880" y="1604520"/>
+            <a:ext cx="4984920" cy="3977280"/>
           </a:xfrm>
           <a:prstGeom prst="rect">
             <a:avLst/>
@@ -6269,7 +6270,7 @@
         <p:spPr>
           <a:xfrm>
             <a:off x="609480" y="273600"/>
-            <a:ext cx="10972080" cy="1145160"/>
+            <a:ext cx="10972440" cy="1145160"/>
           </a:xfrm>
           <a:prstGeom prst="rect">
             <a:avLst/>
@@ -6296,7 +6297,7 @@
         <p:spPr>
           <a:xfrm>
             <a:off x="609480" y="1604520"/>
-            <a:ext cx="10972080" cy="3977280"/>
+            <a:ext cx="10972440" cy="3977640"/>
           </a:xfrm>
           <a:prstGeom prst="rect">
             <a:avLst/>
@@ -6345,7 +6346,7 @@
         <p:spPr>
           <a:xfrm>
             <a:off x="609480" y="273600"/>
-            <a:ext cx="10972080" cy="1145160"/>
+            <a:ext cx="10972440" cy="1145160"/>
           </a:xfrm>
           <a:prstGeom prst="rect">
             <a:avLst/>
@@ -6372,7 +6373,7 @@
         <p:spPr>
           <a:xfrm>
             <a:off x="609480" y="1604520"/>
-            <a:ext cx="10972080" cy="3976920"/>
+            <a:ext cx="10972440" cy="3977280"/>
           </a:xfrm>
           <a:prstGeom prst="rect">
             <a:avLst/>
@@ -6420,7 +6421,7 @@
         <p:spPr>
           <a:xfrm>
             <a:off x="609480" y="273600"/>
-            <a:ext cx="10972080" cy="1145160"/>
+            <a:ext cx="10972440" cy="1145160"/>
           </a:xfrm>
           <a:prstGeom prst="rect">
             <a:avLst/>
@@ -6447,7 +6448,7 @@
         <p:spPr>
           <a:xfrm>
             <a:off x="609480" y="1604520"/>
-            <a:ext cx="5354280" cy="3976920"/>
+            <a:ext cx="5354280" cy="3977280"/>
           </a:xfrm>
           <a:prstGeom prst="rect">
             <a:avLst/>
@@ -6473,7 +6474,7 @@
         <p:spPr>
           <a:xfrm>
             <a:off x="6231960" y="1604520"/>
-            <a:ext cx="5354280" cy="3976920"/>
+            <a:ext cx="5354280" cy="3977280"/>
           </a:xfrm>
           <a:prstGeom prst="rect">
             <a:avLst/>
@@ -6521,7 +6522,7 @@
         <p:spPr>
           <a:xfrm>
             <a:off x="609480" y="273600"/>
-            <a:ext cx="10972080" cy="1145160"/>
+            <a:ext cx="10972440" cy="1145160"/>
           </a:xfrm>
           <a:prstGeom prst="rect">
             <a:avLst/>
@@ -6570,7 +6571,7 @@
         <p:spPr>
           <a:xfrm>
             <a:off x="609480" y="273600"/>
-            <a:ext cx="10972080" cy="5308200"/>
+            <a:ext cx="10972440" cy="5308200"/>
           </a:xfrm>
           <a:prstGeom prst="rect">
             <a:avLst/>
@@ -6619,7 +6620,7 @@
         <p:spPr>
           <a:xfrm>
             <a:off x="609480" y="273600"/>
-            <a:ext cx="10972080" cy="1145160"/>
+            <a:ext cx="10972440" cy="1145160"/>
           </a:xfrm>
           <a:prstGeom prst="rect">
             <a:avLst/>
@@ -6698,7 +6699,7 @@
         <p:spPr>
           <a:xfrm>
             <a:off x="6231960" y="1604520"/>
-            <a:ext cx="5354280" cy="3976920"/>
+            <a:ext cx="5354280" cy="3977280"/>
           </a:xfrm>
           <a:prstGeom prst="rect">
             <a:avLst/>
@@ -6746,7 +6747,7 @@
         <p:spPr>
           <a:xfrm>
             <a:off x="609480" y="273600"/>
-            <a:ext cx="10972080" cy="1145160"/>
+            <a:ext cx="10972440" cy="1145160"/>
           </a:xfrm>
           <a:prstGeom prst="rect">
             <a:avLst/>
@@ -6773,7 +6774,7 @@
         <p:spPr>
           <a:xfrm>
             <a:off x="609480" y="1604520"/>
-            <a:ext cx="5354280" cy="3976920"/>
+            <a:ext cx="5354280" cy="3977280"/>
           </a:xfrm>
           <a:prstGeom prst="rect">
             <a:avLst/>
@@ -6873,7 +6874,7 @@
         <p:spPr>
           <a:xfrm>
             <a:off x="609480" y="273600"/>
-            <a:ext cx="10972080" cy="1145160"/>
+            <a:ext cx="10972440" cy="1145160"/>
           </a:xfrm>
           <a:prstGeom prst="rect">
             <a:avLst/>
@@ -6952,7 +6953,7 @@
         <p:spPr>
           <a:xfrm>
             <a:off x="609480" y="3682080"/>
-            <a:ext cx="10972080" cy="1896840"/>
+            <a:ext cx="10972440" cy="1896840"/>
           </a:xfrm>
           <a:prstGeom prst="rect">
             <a:avLst/>
@@ -7000,7 +7001,7 @@
         <p:spPr>
           <a:xfrm>
             <a:off x="609480" y="273600"/>
-            <a:ext cx="10972080" cy="1145160"/>
+            <a:ext cx="10972440" cy="1145160"/>
           </a:xfrm>
           <a:prstGeom prst="rect">
             <a:avLst/>
@@ -7079,7 +7080,7 @@
         <p:spPr>
           <a:xfrm>
             <a:off x="6231960" y="1604520"/>
-            <a:ext cx="5354280" cy="3976920"/>
+            <a:ext cx="5354280" cy="3977280"/>
           </a:xfrm>
           <a:prstGeom prst="rect">
             <a:avLst/>
@@ -7127,7 +7128,7 @@
         <p:spPr>
           <a:xfrm>
             <a:off x="609480" y="273600"/>
-            <a:ext cx="10972080" cy="1145160"/>
+            <a:ext cx="10972440" cy="1145160"/>
           </a:xfrm>
           <a:prstGeom prst="rect">
             <a:avLst/>
@@ -7154,7 +7155,7 @@
         <p:spPr>
           <a:xfrm>
             <a:off x="609480" y="1604520"/>
-            <a:ext cx="10972080" cy="1896840"/>
+            <a:ext cx="10972440" cy="1896840"/>
           </a:xfrm>
           <a:prstGeom prst="rect">
             <a:avLst/>
@@ -7180,7 +7181,7 @@
         <p:spPr>
           <a:xfrm>
             <a:off x="609480" y="3682080"/>
-            <a:ext cx="10972080" cy="1896840"/>
+            <a:ext cx="10972440" cy="1896840"/>
           </a:xfrm>
           <a:prstGeom prst="rect">
             <a:avLst/>
@@ -7228,7 +7229,7 @@
         <p:spPr>
           <a:xfrm>
             <a:off x="609480" y="273600"/>
-            <a:ext cx="10972080" cy="1145160"/>
+            <a:ext cx="10972440" cy="1145160"/>
           </a:xfrm>
           <a:prstGeom prst="rect">
             <a:avLst/>
@@ -7381,7 +7382,7 @@
         <p:spPr>
           <a:xfrm>
             <a:off x="609480" y="273600"/>
-            <a:ext cx="10972080" cy="1145160"/>
+            <a:ext cx="10972440" cy="1145160"/>
           </a:xfrm>
           <a:prstGeom prst="rect">
             <a:avLst/>
@@ -7408,7 +7409,7 @@
         <p:spPr>
           <a:xfrm>
             <a:off x="609480" y="1604520"/>
-            <a:ext cx="10972080" cy="3976920"/>
+            <a:ext cx="10972440" cy="3977280"/>
           </a:xfrm>
           <a:prstGeom prst="rect">
             <a:avLst/>
@@ -7434,7 +7435,7 @@
         <p:spPr>
           <a:xfrm>
             <a:off x="609480" y="1604520"/>
-            <a:ext cx="10972080" cy="3976920"/>
+            <a:ext cx="10972440" cy="3977280"/>
           </a:xfrm>
           <a:prstGeom prst="rect">
             <a:avLst/>
@@ -7461,8 +7462,8 @@
         </p:blipFill>
         <p:spPr>
           <a:xfrm>
-            <a:off x="3603240" y="1604160"/>
-            <a:ext cx="4984200" cy="3976920"/>
+            <a:off x="3602880" y="1604520"/>
+            <a:ext cx="4984920" cy="3977280"/>
           </a:xfrm>
           <a:prstGeom prst="rect">
             <a:avLst/>
@@ -7486,8 +7487,8 @@
         </p:blipFill>
         <p:spPr>
           <a:xfrm>
-            <a:off x="3603240" y="1604160"/>
-            <a:ext cx="4984200" cy="3976920"/>
+            <a:off x="3602880" y="1604520"/>
+            <a:ext cx="4984920" cy="3977280"/>
           </a:xfrm>
           <a:prstGeom prst="rect">
             <a:avLst/>
@@ -7532,7 +7533,7 @@
         <p:spPr>
           <a:xfrm>
             <a:off x="609480" y="273600"/>
-            <a:ext cx="10972080" cy="1145160"/>
+            <a:ext cx="10972440" cy="1145160"/>
           </a:xfrm>
           <a:prstGeom prst="rect">
             <a:avLst/>
@@ -7559,7 +7560,7 @@
         <p:spPr>
           <a:xfrm>
             <a:off x="609480" y="1604520"/>
-            <a:ext cx="5354280" cy="3976920"/>
+            <a:ext cx="5354280" cy="3977280"/>
           </a:xfrm>
           <a:prstGeom prst="rect">
             <a:avLst/>
@@ -7659,7 +7660,7 @@
         <p:spPr>
           <a:xfrm>
             <a:off x="609480" y="273600"/>
-            <a:ext cx="10972080" cy="1145160"/>
+            <a:ext cx="10972440" cy="1145160"/>
           </a:xfrm>
           <a:prstGeom prst="rect">
             <a:avLst/>
@@ -7738,7 +7739,7 @@
         <p:spPr>
           <a:xfrm>
             <a:off x="609480" y="3682080"/>
-            <a:ext cx="10972080" cy="1896840"/>
+            <a:ext cx="10972440" cy="1896840"/>
           </a:xfrm>
           <a:prstGeom prst="rect">
             <a:avLst/>
@@ -7793,7 +7794,7 @@
         <p:spPr>
           <a:xfrm>
             <a:off x="609480" y="273600"/>
-            <a:ext cx="10972080" cy="1144800"/>
+            <a:ext cx="10972440" cy="1144800"/>
           </a:xfrm>
           <a:prstGeom prst="rect">
             <a:avLst/>
@@ -7802,8 +7803,9 @@
         <p:txBody>
           <a:bodyPr lIns="0" rIns="0" tIns="0" bIns="0" anchor="ctr"/>
           <a:p>
+            <a:pPr algn="ctr"/>
             <a:r>
-              <a:rPr lang="en-US">
+              <a:rPr lang="en-US" sz="4400">
                 <a:latin typeface="Arial"/>
               </a:rPr>
               <a:t>Click to edit the title text format</a:t>
@@ -7825,7 +7827,7 @@
         <p:spPr>
           <a:xfrm>
             <a:off x="609480" y="1604520"/>
-            <a:ext cx="10972080" cy="3976920"/>
+            <a:ext cx="10972440" cy="3977280"/>
           </a:xfrm>
           <a:prstGeom prst="rect">
             <a:avLst/>
@@ -7840,7 +7842,7 @@
               <a:buChar char=""/>
             </a:pPr>
             <a:r>
-              <a:rPr lang="en-US">
+              <a:rPr lang="en-US" sz="3200">
                 <a:latin typeface="Arial"/>
               </a:rPr>
               <a:t>Click to edit the outline text format</a:t>
@@ -7854,7 +7856,7 @@
               <a:buChar char=""/>
             </a:pPr>
             <a:r>
-              <a:rPr lang="en-US">
+              <a:rPr lang="en-US" sz="2800">
                 <a:latin typeface="Arial"/>
               </a:rPr>
               <a:t>Second Outline Level</a:t>
@@ -7868,7 +7870,7 @@
               <a:buChar char=""/>
             </a:pPr>
             <a:r>
-              <a:rPr lang="en-US">
+              <a:rPr lang="en-US" sz="2400">
                 <a:latin typeface="Arial"/>
               </a:rPr>
               <a:t>Third Outline Level</a:t>
@@ -7882,7 +7884,7 @@
               <a:buChar char=""/>
             </a:pPr>
             <a:r>
-              <a:rPr lang="en-US">
+              <a:rPr lang="en-US" sz="2000">
                 <a:latin typeface="Arial"/>
               </a:rPr>
               <a:t>Fourth Outline Level</a:t>
@@ -7896,7 +7898,7 @@
               <a:buChar char=""/>
             </a:pPr>
             <a:r>
-              <a:rPr lang="en-US">
+              <a:rPr lang="en-US" sz="2000">
                 <a:latin typeface="Arial"/>
               </a:rPr>
               <a:t>Fifth Outline Level</a:t>
@@ -7910,7 +7912,7 @@
               <a:buChar char=""/>
             </a:pPr>
             <a:r>
-              <a:rPr lang="en-US">
+              <a:rPr lang="en-US" sz="2000">
                 <a:latin typeface="Arial"/>
               </a:rPr>
               <a:t>Sixth Outline Level</a:t>
@@ -7924,7 +7926,7 @@
               <a:buChar char=""/>
             </a:pPr>
             <a:r>
-              <a:rPr lang="en-US">
+              <a:rPr lang="en-US" sz="2000">
                 <a:latin typeface="Arial"/>
               </a:rPr>
               <a:t>Seventh Outline Level</a:t>
@@ -8386,7 +8388,7 @@
         <p:spPr>
           <a:xfrm>
             <a:off x="609480" y="273600"/>
-            <a:ext cx="10972080" cy="1144800"/>
+            <a:ext cx="10972440" cy="1144800"/>
           </a:xfrm>
           <a:prstGeom prst="rect">
             <a:avLst/>
@@ -8395,8 +8397,9 @@
         <p:txBody>
           <a:bodyPr lIns="0" rIns="0" tIns="0" bIns="0" anchor="ctr"/>
           <a:p>
+            <a:pPr algn="ctr"/>
             <a:r>
-              <a:rPr lang="en-US">
+              <a:rPr lang="en-US" sz="4400">
                 <a:latin typeface="Arial"/>
               </a:rPr>
               <a:t>Click to edit the title text format</a:t>
@@ -8418,7 +8421,7 @@
         <p:spPr>
           <a:xfrm>
             <a:off x="609480" y="1604520"/>
-            <a:ext cx="10972080" cy="3976920"/>
+            <a:ext cx="10972440" cy="3977280"/>
           </a:xfrm>
           <a:prstGeom prst="rect">
             <a:avLst/>
@@ -8433,7 +8436,7 @@
               <a:buChar char=""/>
             </a:pPr>
             <a:r>
-              <a:rPr lang="en-US">
+              <a:rPr lang="en-US" sz="3200">
                 <a:latin typeface="Arial"/>
               </a:rPr>
               <a:t>Click to edit the outline text format</a:t>
@@ -8447,7 +8450,7 @@
               <a:buChar char=""/>
             </a:pPr>
             <a:r>
-              <a:rPr lang="en-US">
+              <a:rPr lang="en-US" sz="2800">
                 <a:latin typeface="Arial"/>
               </a:rPr>
               <a:t>Second Outline Level</a:t>
@@ -8461,7 +8464,7 @@
               <a:buChar char=""/>
             </a:pPr>
             <a:r>
-              <a:rPr lang="en-US">
+              <a:rPr lang="en-US" sz="2400">
                 <a:latin typeface="Arial"/>
               </a:rPr>
               <a:t>Third Outline Level</a:t>
@@ -8475,7 +8478,7 @@
               <a:buChar char=""/>
             </a:pPr>
             <a:r>
-              <a:rPr lang="en-US">
+              <a:rPr lang="en-US" sz="2000">
                 <a:latin typeface="Arial"/>
               </a:rPr>
               <a:t>Fourth Outline Level</a:t>
@@ -8489,7 +8492,7 @@
               <a:buChar char=""/>
             </a:pPr>
             <a:r>
-              <a:rPr lang="en-US">
+              <a:rPr lang="en-US" sz="2000">
                 <a:latin typeface="Arial"/>
               </a:rPr>
               <a:t>Fifth Outline Level</a:t>
@@ -8503,7 +8506,7 @@
               <a:buChar char=""/>
             </a:pPr>
             <a:r>
-              <a:rPr lang="en-US">
+              <a:rPr lang="en-US" sz="2000">
                 <a:latin typeface="Arial"/>
               </a:rPr>
               <a:t>Sixth Outline Level</a:t>
@@ -8517,7 +8520,7 @@
               <a:buChar char=""/>
             </a:pPr>
             <a:r>
-              <a:rPr lang="en-US">
+              <a:rPr lang="en-US" sz="2000">
                 <a:latin typeface="Arial"/>
               </a:rPr>
               <a:t>Seventh Outline Level</a:t>
@@ -8583,7 +8586,7 @@
         <p:spPr>
           <a:xfrm>
             <a:off x="609480" y="273600"/>
-            <a:ext cx="10972080" cy="1144800"/>
+            <a:ext cx="10972440" cy="1144800"/>
           </a:xfrm>
           <a:prstGeom prst="rect">
             <a:avLst/>
@@ -8592,8 +8595,9 @@
         <p:txBody>
           <a:bodyPr lIns="0" rIns="0" tIns="0" bIns="0" anchor="ctr"/>
           <a:p>
+            <a:pPr algn="ctr"/>
             <a:r>
-              <a:rPr lang="en-US">
+              <a:rPr lang="en-US" sz="4400">
                 <a:latin typeface="Arial"/>
               </a:rPr>
               <a:t>Click to edit the title text format</a:t>
@@ -8615,7 +8619,7 @@
         <p:spPr>
           <a:xfrm>
             <a:off x="609480" y="1604520"/>
-            <a:ext cx="10972080" cy="3976920"/>
+            <a:ext cx="10972440" cy="3977280"/>
           </a:xfrm>
           <a:prstGeom prst="rect">
             <a:avLst/>
@@ -8630,7 +8634,7 @@
               <a:buChar char=""/>
             </a:pPr>
             <a:r>
-              <a:rPr lang="en-US">
+              <a:rPr lang="en-US" sz="3200">
                 <a:latin typeface="Arial"/>
               </a:rPr>
               <a:t>Click to edit the outline text format</a:t>
@@ -8644,7 +8648,7 @@
               <a:buChar char=""/>
             </a:pPr>
             <a:r>
-              <a:rPr lang="en-US">
+              <a:rPr lang="en-US" sz="2800">
                 <a:latin typeface="Arial"/>
               </a:rPr>
               <a:t>Second Outline Level</a:t>
@@ -8658,7 +8662,7 @@
               <a:buChar char=""/>
             </a:pPr>
             <a:r>
-              <a:rPr lang="en-US">
+              <a:rPr lang="en-US" sz="2400">
                 <a:latin typeface="Arial"/>
               </a:rPr>
               <a:t>Third Outline Level</a:t>
@@ -8672,7 +8676,7 @@
               <a:buChar char=""/>
             </a:pPr>
             <a:r>
-              <a:rPr lang="en-US">
+              <a:rPr lang="en-US" sz="2000">
                 <a:latin typeface="Arial"/>
               </a:rPr>
               <a:t>Fourth Outline Level</a:t>
@@ -8686,7 +8690,7 @@
               <a:buChar char=""/>
             </a:pPr>
             <a:r>
-              <a:rPr lang="en-US">
+              <a:rPr lang="en-US" sz="2000">
                 <a:latin typeface="Arial"/>
               </a:rPr>
               <a:t>Fifth Outline Level</a:t>
@@ -8700,7 +8704,7 @@
               <a:buChar char=""/>
             </a:pPr>
             <a:r>
-              <a:rPr lang="en-US">
+              <a:rPr lang="en-US" sz="2000">
                 <a:latin typeface="Arial"/>
               </a:rPr>
               <a:t>Sixth Outline Level</a:t>
@@ -8714,7 +8718,7 @@
               <a:buChar char=""/>
             </a:pPr>
             <a:r>
-              <a:rPr lang="en-US">
+              <a:rPr lang="en-US" sz="2000">
                 <a:latin typeface="Arial"/>
               </a:rPr>
               <a:t>Seventh Outline Level</a:t>
@@ -8780,7 +8784,7 @@
         <p:spPr>
           <a:xfrm>
             <a:off x="609480" y="273600"/>
-            <a:ext cx="10972080" cy="1144800"/>
+            <a:ext cx="10971720" cy="1144800"/>
           </a:xfrm>
           <a:prstGeom prst="rect">
             <a:avLst/>
@@ -8812,7 +8816,7 @@
         <p:spPr>
           <a:xfrm>
             <a:off x="609480" y="1604520"/>
-            <a:ext cx="10972440" cy="3977280"/>
+            <a:ext cx="10971720" cy="3976560"/>
           </a:xfrm>
           <a:prstGeom prst="rect">
             <a:avLst/>
@@ -8827,7 +8831,7 @@
               <a:buChar char=""/>
             </a:pPr>
             <a:r>
-              <a:rPr lang="en-US" sz="3200">
+              <a:rPr lang="en-US">
                 <a:latin typeface="Arial"/>
               </a:rPr>
               <a:t>Click to edit the outline text format</a:t>
@@ -8841,7 +8845,7 @@
               <a:buChar char=""/>
             </a:pPr>
             <a:r>
-              <a:rPr lang="en-US" sz="2800">
+              <a:rPr lang="en-US">
                 <a:latin typeface="Arial"/>
               </a:rPr>
               <a:t>Second Outline Level</a:t>
@@ -8855,7 +8859,7 @@
               <a:buChar char=""/>
             </a:pPr>
             <a:r>
-              <a:rPr lang="en-US" sz="2400">
+              <a:rPr lang="en-US">
                 <a:latin typeface="Arial"/>
               </a:rPr>
               <a:t>Third Outline Level</a:t>
@@ -8869,7 +8873,7 @@
               <a:buChar char=""/>
             </a:pPr>
             <a:r>
-              <a:rPr lang="en-US" sz="2000">
+              <a:rPr lang="en-US">
                 <a:latin typeface="Arial"/>
               </a:rPr>
               <a:t>Fourth Outline Level</a:t>
@@ -8883,7 +8887,7 @@
               <a:buChar char=""/>
             </a:pPr>
             <a:r>
-              <a:rPr lang="en-US" sz="2000">
+              <a:rPr lang="en-US">
                 <a:latin typeface="Arial"/>
               </a:rPr>
               <a:t>Fifth Outline Level</a:t>
@@ -8897,7 +8901,7 @@
               <a:buChar char=""/>
             </a:pPr>
             <a:r>
-              <a:rPr lang="en-US" sz="2000">
+              <a:rPr lang="en-US">
                 <a:latin typeface="Arial"/>
               </a:rPr>
               <a:t>Sixth Outline Level</a:t>
@@ -8911,7 +8915,7 @@
               <a:buChar char=""/>
             </a:pPr>
             <a:r>
-              <a:rPr lang="en-US" sz="2000">
+              <a:rPr lang="en-US">
                 <a:latin typeface="Arial"/>
               </a:rPr>
               <a:t>Seventh Outline Level</a:t>
@@ -8965,13 +8969,15 @@
         </p:nvSpPr>
         <p:spPr>
           <a:xfrm>
-            <a:off x="1523880" y="1122480"/>
-            <a:ext cx="9142920" cy="2386440"/>
-          </a:xfrm>
-          <a:prstGeom prst="rect">
-            <a:avLst/>
-          </a:prstGeom>
-          <a:noFill/>
+            <a:off x="1554480" y="2628720"/>
+            <a:ext cx="9111960" cy="2400480"/>
+          </a:xfrm>
+          <a:prstGeom prst="rect">
+            <a:avLst/>
+          </a:prstGeom>
+          <a:solidFill>
+            <a:srgbClr val="dddddd"/>
+          </a:solidFill>
           <a:ln>
             <a:noFill/>
           </a:ln>
@@ -8991,7 +8997,16 @@
                 </a:solidFill>
                 <a:latin typeface="Calibri Light"/>
               </a:rPr>
-              <a:t>Team Shi</a:t>
+              <a:t>Team </a:t>
+            </a:r>
+            <a:r>
+              <a:rPr lang="en-US" sz="66600">
+                <a:solidFill>
+                  <a:srgbClr val="000000"/>
+                </a:solidFill>
+                <a:latin typeface="Calibri Light"/>
+              </a:rPr>
+              <a:t>4</a:t>
             </a:r>
             <a:endParaRPr/>
           </a:p>
@@ -9005,13 +9020,15 @@
         </p:nvSpPr>
         <p:spPr>
           <a:xfrm>
-            <a:off x="1523880" y="3602160"/>
-            <a:ext cx="9142920" cy="1654560"/>
-          </a:xfrm>
-          <a:prstGeom prst="rect">
-            <a:avLst/>
-          </a:prstGeom>
-          <a:noFill/>
+            <a:off x="1554480" y="5102280"/>
+            <a:ext cx="9111960" cy="1664280"/>
+          </a:xfrm>
+          <a:prstGeom prst="rect">
+            <a:avLst/>
+          </a:prstGeom>
+          <a:solidFill>
+            <a:srgbClr val="dddddd"/>
+          </a:solidFill>
           <a:ln>
             <a:noFill/>
           </a:ln>
@@ -9094,19 +9111,21 @@
         </p:nvSpPr>
         <p:spPr>
           <a:xfrm>
-            <a:off x="854640" y="2795400"/>
-            <a:ext cx="10514520" cy="1324440"/>
-          </a:xfrm>
-          <a:prstGeom prst="rect">
-            <a:avLst/>
-          </a:prstGeom>
-          <a:noFill/>
+            <a:off x="609480" y="273600"/>
+            <a:ext cx="10971720" cy="1144080"/>
+          </a:xfrm>
+          <a:prstGeom prst="rect">
+            <a:avLst/>
+          </a:prstGeom>
+          <a:solidFill>
+            <a:srgbClr val="ffffff"/>
+          </a:solidFill>
           <a:ln>
             <a:noFill/>
           </a:ln>
         </p:spPr>
         <p:txBody>
-          <a:bodyPr lIns="90000" rIns="90000" tIns="45000" bIns="45000" anchor="ctr"/>
+          <a:bodyPr lIns="0" rIns="0" tIns="0" bIns="0" anchor="ctr"/>
           <a:p>
             <a:pPr algn="ctr">
               <a:lnSpc>
@@ -9115,17 +9134,30 @@
             </a:pPr>
             <a:r>
               <a:rPr lang="en-US" sz="4400">
-                <a:solidFill>
-                  <a:srgbClr val="000000"/>
-                </a:solidFill>
-                <a:latin typeface="Calibri Light"/>
+                <a:latin typeface="Arial"/>
               </a:rPr>
-              <a:t>Sprint 2:</a:t>
+              <a:t>Burndown Chart for Sprint 1:</a:t>
             </a:r>
             <a:endParaRPr/>
           </a:p>
         </p:txBody>
       </p:sp>
+      <p:graphicFrame>
+        <p:nvGraphicFramePr>
+          <p:cNvPr id="231" name="Chart 3"/>
+          <p:cNvGraphicFramePr/>
+          <p:nvPr/>
+        </p:nvGraphicFramePr>
+        <p:xfrm>
+          <a:off x="1645920" y="1188720"/>
+          <a:ext cx="8758800" cy="5375520"/>
+        </p:xfrm>
+        <a:graphic>
+          <a:graphicData uri="http://schemas.openxmlformats.org/drawingml/2006/chart">
+            <c:chart xmlns:c="http://schemas.openxmlformats.org/drawingml/2006/chart" xmlns:r="http://schemas.openxmlformats.org/officeDocument/2006/relationships" r:id="rId1"/>
+          </a:graphicData>
+        </a:graphic>
+      </p:graphicFrame>
     </p:spTree>
   </p:cSld>
   <p:timing>
@@ -9177,145 +9209,41 @@
       </p:grpSpPr>
       <p:sp>
         <p:nvSpPr>
-          <p:cNvPr id="231" name="CustomShape 1"/>
+          <p:cNvPr id="232" name="CustomShape 1"/>
           <p:cNvSpPr/>
           <p:nvPr/>
         </p:nvSpPr>
         <p:spPr>
           <a:xfrm>
-            <a:off x="838080" y="365040"/>
-            <a:ext cx="10514520" cy="1324440"/>
-          </a:xfrm>
-          <a:prstGeom prst="rect">
-            <a:avLst/>
-          </a:prstGeom>
-          <a:noFill/>
+            <a:off x="854640" y="2795400"/>
+            <a:ext cx="10514160" cy="1324080"/>
+          </a:xfrm>
+          <a:prstGeom prst="rect">
+            <a:avLst/>
+          </a:prstGeom>
+          <a:solidFill>
+            <a:srgbClr val="dddddd"/>
+          </a:solidFill>
           <a:ln>
             <a:noFill/>
           </a:ln>
         </p:spPr>
-      </p:sp>
-      <p:sp>
-        <p:nvSpPr>
-          <p:cNvPr id="232" name="CustomShape 2"/>
-          <p:cNvSpPr/>
-          <p:nvPr/>
-        </p:nvSpPr>
-        <p:spPr>
-          <a:xfrm>
-            <a:off x="838080" y="1825560"/>
-            <a:ext cx="10514520" cy="4350240"/>
-          </a:xfrm>
-          <a:prstGeom prst="rect">
-            <a:avLst/>
-          </a:prstGeom>
-          <a:noFill/>
-          <a:ln>
-            <a:noFill/>
-          </a:ln>
-        </p:spPr>
-      </p:sp>
-      <p:sp>
-        <p:nvSpPr>
-          <p:cNvPr id="233" name="CustomShape 3"/>
-          <p:cNvSpPr/>
-          <p:nvPr/>
-        </p:nvSpPr>
-        <p:spPr>
-          <a:xfrm>
-            <a:off x="823680" y="274320"/>
-            <a:ext cx="10514520" cy="1324800"/>
-          </a:xfrm>
-          <a:prstGeom prst="rect">
-            <a:avLst/>
-          </a:prstGeom>
-          <a:noFill/>
-          <a:ln>
-            <a:noFill/>
-          </a:ln>
-        </p:spPr>
-        <p:txBody>
-          <a:bodyPr lIns="0" rIns="0" tIns="0" bIns="0" anchor="ctr"/>
-          <a:p>
-            <a:r>
-              <a:rPr lang="en-US" sz="4400">
-                <a:latin typeface="Arial"/>
-              </a:rPr>
-              <a:t>Good:</a:t>
-            </a:r>
-            <a:endParaRPr/>
-          </a:p>
-        </p:txBody>
-      </p:sp>
-      <p:sp>
-        <p:nvSpPr>
-          <p:cNvPr id="234" name="CustomShape 4"/>
-          <p:cNvSpPr/>
-          <p:nvPr/>
-        </p:nvSpPr>
-        <p:spPr>
-          <a:xfrm>
-            <a:off x="838080" y="1825560"/>
-            <a:ext cx="10514520" cy="4350240"/>
-          </a:xfrm>
-          <a:prstGeom prst="rect">
-            <a:avLst/>
-          </a:prstGeom>
-          <a:noFill/>
-          <a:ln>
-            <a:noFill/>
-          </a:ln>
-        </p:spPr>
-        <p:txBody>
-          <a:bodyPr lIns="0" rIns="0" tIns="0" bIns="0"/>
-          <a:p>
-            <a:pPr>
+        <p:txBody>
+          <a:bodyPr lIns="90000" rIns="90000" tIns="45000" bIns="45000" anchor="ctr"/>
+          <a:p>
+            <a:pPr algn="ctr">
               <a:lnSpc>
                 <a:spcPct val="100000"/>
               </a:lnSpc>
-              <a:buSzPct val="45000"/>
-              <a:buFont typeface="StarSymbol"/>
-              <a:buChar char="l"/>
             </a:pPr>
             <a:r>
-              <a:rPr lang="en-US" sz="3200">
-                <a:latin typeface="Arial"/>
+              <a:rPr lang="en-US" sz="4400">
+                <a:solidFill>
+                  <a:srgbClr val="000000"/>
+                </a:solidFill>
+                <a:latin typeface="Calibri Light"/>
               </a:rPr>
-              <a:t>Working Application – By the end of Sprint 2, we had an application that was playable. Some features were missing, but it could be interacted with.</a:t>
-            </a:r>
-            <a:endParaRPr/>
-          </a:p>
-          <a:p>
-            <a:pPr>
-              <a:lnSpc>
-                <a:spcPct val="100000"/>
-              </a:lnSpc>
-              <a:buSzPct val="45000"/>
-              <a:buFont typeface="StarSymbol"/>
-              <a:buChar char="l"/>
-            </a:pPr>
-            <a:r>
-              <a:rPr lang="en-US" sz="3200">
-                <a:latin typeface="Arial"/>
-              </a:rPr>
-              <a:t>Increased productivity – After Sprint 1 and having set goals, our productivity was way more than the first sprint. Partially because we had more time, but mostly because we had goals in mind.</a:t>
-            </a:r>
-            <a:endParaRPr/>
-          </a:p>
-          <a:p>
-            <a:pPr>
-              <a:lnSpc>
-                <a:spcPct val="100000"/>
-              </a:lnSpc>
-              <a:buSzPct val="45000"/>
-              <a:buFont typeface="StarSymbol"/>
-              <a:buChar char="l"/>
-            </a:pPr>
-            <a:r>
-              <a:rPr lang="en-US" sz="3200">
-                <a:latin typeface="Arial"/>
-              </a:rPr>
-              <a:t>Added features – Remote server, incorrect guess, highlighting numbers, working GUI, etc.</a:t>
+              <a:t>Sprint 2:</a:t>
             </a:r>
             <a:endParaRPr/>
           </a:p>
@@ -9372,14 +9300,14 @@
       </p:grpSpPr>
       <p:sp>
         <p:nvSpPr>
-          <p:cNvPr id="235" name="CustomShape 1"/>
+          <p:cNvPr id="233" name="CustomShape 1"/>
           <p:cNvSpPr/>
           <p:nvPr/>
         </p:nvSpPr>
         <p:spPr>
           <a:xfrm>
             <a:off x="838080" y="365040"/>
-            <a:ext cx="10514520" cy="1324440"/>
+            <a:ext cx="10514160" cy="1324080"/>
           </a:xfrm>
           <a:prstGeom prst="rect">
             <a:avLst/>
@@ -9392,14 +9320,14 @@
       </p:sp>
       <p:sp>
         <p:nvSpPr>
-          <p:cNvPr id="236" name="CustomShape 2"/>
+          <p:cNvPr id="234" name="CustomShape 2"/>
           <p:cNvSpPr/>
           <p:nvPr/>
         </p:nvSpPr>
         <p:spPr>
           <a:xfrm>
             <a:off x="838080" y="1825560"/>
-            <a:ext cx="10514520" cy="4350240"/>
+            <a:ext cx="10514160" cy="4349880"/>
           </a:xfrm>
           <a:prstGeom prst="rect">
             <a:avLst/>
@@ -9412,19 +9340,21 @@
       </p:sp>
       <p:sp>
         <p:nvSpPr>
-          <p:cNvPr id="237" name="CustomShape 3"/>
+          <p:cNvPr id="235" name="CustomShape 3"/>
           <p:cNvSpPr/>
           <p:nvPr/>
         </p:nvSpPr>
         <p:spPr>
           <a:xfrm>
-            <a:off x="838080" y="365040"/>
-            <a:ext cx="10514520" cy="1324800"/>
-          </a:xfrm>
-          <a:prstGeom prst="rect">
-            <a:avLst/>
-          </a:prstGeom>
-          <a:noFill/>
+            <a:off x="823680" y="274320"/>
+            <a:ext cx="10514160" cy="1324440"/>
+          </a:xfrm>
+          <a:prstGeom prst="rect">
+            <a:avLst/>
+          </a:prstGeom>
+          <a:solidFill>
+            <a:srgbClr val="dddddd"/>
+          </a:solidFill>
           <a:ln>
             <a:noFill/>
           </a:ln>
@@ -9436,7 +9366,7 @@
               <a:rPr lang="en-US" sz="4400">
                 <a:latin typeface="Arial"/>
               </a:rPr>
-              <a:t>Bad:</a:t>
+              <a:t>Good:</a:t>
             </a:r>
             <a:endParaRPr/>
           </a:p>
@@ -9444,19 +9374,21 @@
       </p:sp>
       <p:sp>
         <p:nvSpPr>
-          <p:cNvPr id="238" name="CustomShape 4"/>
+          <p:cNvPr id="236" name="CustomShape 4"/>
           <p:cNvSpPr/>
           <p:nvPr/>
         </p:nvSpPr>
         <p:spPr>
           <a:xfrm>
             <a:off x="838080" y="1825560"/>
-            <a:ext cx="10514520" cy="4350240"/>
-          </a:xfrm>
-          <a:prstGeom prst="rect">
-            <a:avLst/>
-          </a:prstGeom>
-          <a:noFill/>
+            <a:ext cx="10514160" cy="4349880"/>
+          </a:xfrm>
+          <a:prstGeom prst="rect">
+            <a:avLst/>
+          </a:prstGeom>
+          <a:solidFill>
+            <a:srgbClr val="dddddd"/>
+          </a:solidFill>
           <a:ln>
             <a:noFill/>
           </a:ln>
@@ -9473,10 +9405,10 @@
               <a:buChar char="l"/>
             </a:pPr>
             <a:r>
-              <a:rPr lang="en-US" sz="3200">
+              <a:rPr lang="en-US" sz="2800">
                 <a:latin typeface="Arial"/>
               </a:rPr>
-              <a:t>More minor bugs – We added a lot of code in Sprint 2, so there were a few minor GUI bugs to iron out along the way. Some of them are still in there.</a:t>
+              <a:t>Working Application – By the end of Sprint 2, we had an application that was playable. Some features were missing, but it could be interacted with.</a:t>
             </a:r>
             <a:endParaRPr/>
           </a:p>
@@ -9490,10 +9422,10 @@
               <a:buChar char="l"/>
             </a:pPr>
             <a:r>
-              <a:rPr lang="en-US" sz="3200">
+              <a:rPr lang="en-US" sz="2800">
                 <a:latin typeface="Arial"/>
               </a:rPr>
-              <a:t>Clock – Our application utilizes the clock. If this clock is off, things won't update in time (too slow or too fast), etc. It also has online capabilities, so the clock serves an important role there. It pings the server for updates.</a:t>
+              <a:t>Increased productivity – After Sprint 1 and having set goals, our productivity was way more than the first sprint. Partially because we had more time, but mostly because we had goals in mind.</a:t>
             </a:r>
             <a:endParaRPr/>
           </a:p>
@@ -9507,10 +9439,10 @@
               <a:buChar char="l"/>
             </a:pPr>
             <a:r>
-              <a:rPr lang="en-US" sz="3200">
+              <a:rPr lang="en-US" sz="2800">
                 <a:latin typeface="Arial"/>
               </a:rPr>
-              <a:t>Changed focus a bit – We had to figure out what we needed to get done and what couldn't get done, so we changed our focus a little bit. </a:t>
+              <a:t>Added features – Remote server, incorrect guess, highlighting numbers, working GUI, etc.</a:t>
             </a:r>
             <a:endParaRPr/>
           </a:p>
@@ -9565,31 +9497,156 @@
           <a:chExt cx="0" cy="0"/>
         </a:xfrm>
       </p:grpSpPr>
-      <p:pic>
-        <p:nvPicPr>
-          <p:cNvPr id="239" name="Picture 4" descr=""/>
-          <p:cNvPicPr/>
+      <p:sp>
+        <p:nvSpPr>
+          <p:cNvPr id="237" name="CustomShape 1"/>
+          <p:cNvSpPr/>
           <p:nvPr/>
-        </p:nvPicPr>
-        <p:blipFill>
-          <a:blip r:embed="rId1"/>
-          <a:stretch>
-            <a:fillRect/>
-          </a:stretch>
-        </p:blipFill>
-        <p:spPr>
-          <a:xfrm>
-            <a:off x="609480" y="0"/>
-            <a:ext cx="10971720" cy="6856920"/>
-          </a:xfrm>
-          <a:prstGeom prst="rect">
-            <a:avLst/>
-          </a:prstGeom>
+        </p:nvSpPr>
+        <p:spPr>
+          <a:xfrm>
+            <a:off x="838080" y="365040"/>
+            <a:ext cx="10514160" cy="1324080"/>
+          </a:xfrm>
+          <a:prstGeom prst="rect">
+            <a:avLst/>
+          </a:prstGeom>
+          <a:noFill/>
           <a:ln>
             <a:noFill/>
           </a:ln>
         </p:spPr>
-      </p:pic>
+      </p:sp>
+      <p:sp>
+        <p:nvSpPr>
+          <p:cNvPr id="238" name="CustomShape 2"/>
+          <p:cNvSpPr/>
+          <p:nvPr/>
+        </p:nvSpPr>
+        <p:spPr>
+          <a:xfrm>
+            <a:off x="838080" y="1825560"/>
+            <a:ext cx="10514160" cy="4349880"/>
+          </a:xfrm>
+          <a:prstGeom prst="rect">
+            <a:avLst/>
+          </a:prstGeom>
+          <a:noFill/>
+          <a:ln>
+            <a:noFill/>
+          </a:ln>
+        </p:spPr>
+      </p:sp>
+      <p:sp>
+        <p:nvSpPr>
+          <p:cNvPr id="239" name="CustomShape 3"/>
+          <p:cNvSpPr/>
+          <p:nvPr/>
+        </p:nvSpPr>
+        <p:spPr>
+          <a:xfrm>
+            <a:off x="838080" y="365040"/>
+            <a:ext cx="10514160" cy="1324440"/>
+          </a:xfrm>
+          <a:prstGeom prst="rect">
+            <a:avLst/>
+          </a:prstGeom>
+          <a:solidFill>
+            <a:srgbClr val="dddddd"/>
+          </a:solidFill>
+          <a:ln>
+            <a:noFill/>
+          </a:ln>
+        </p:spPr>
+        <p:txBody>
+          <a:bodyPr lIns="0" rIns="0" tIns="0" bIns="0" anchor="ctr"/>
+          <a:p>
+            <a:r>
+              <a:rPr lang="en-US" sz="4400">
+                <a:latin typeface="Arial"/>
+              </a:rPr>
+              <a:t>Bad:</a:t>
+            </a:r>
+            <a:endParaRPr/>
+          </a:p>
+        </p:txBody>
+      </p:sp>
+      <p:sp>
+        <p:nvSpPr>
+          <p:cNvPr id="240" name="CustomShape 4"/>
+          <p:cNvSpPr/>
+          <p:nvPr/>
+        </p:nvSpPr>
+        <p:spPr>
+          <a:xfrm>
+            <a:off x="838080" y="1825560"/>
+            <a:ext cx="10514160" cy="4349880"/>
+          </a:xfrm>
+          <a:prstGeom prst="rect">
+            <a:avLst/>
+          </a:prstGeom>
+          <a:solidFill>
+            <a:srgbClr val="dddddd"/>
+          </a:solidFill>
+          <a:ln>
+            <a:noFill/>
+          </a:ln>
+        </p:spPr>
+        <p:txBody>
+          <a:bodyPr lIns="0" rIns="0" tIns="0" bIns="0"/>
+          <a:p>
+            <a:pPr>
+              <a:lnSpc>
+                <a:spcPct val="100000"/>
+              </a:lnSpc>
+              <a:buSzPct val="45000"/>
+              <a:buFont typeface="StarSymbol"/>
+              <a:buChar char="l"/>
+            </a:pPr>
+            <a:r>
+              <a:rPr lang="en-US" sz="2800">
+                <a:latin typeface="Arial"/>
+              </a:rPr>
+              <a:t>More minor bugs – We added a lot of code in Sprint 2, so there were a few minor GUI bugs to iron out along the way. Some of them are still in there.</a:t>
+            </a:r>
+            <a:endParaRPr/>
+          </a:p>
+          <a:p>
+            <a:pPr>
+              <a:lnSpc>
+                <a:spcPct val="100000"/>
+              </a:lnSpc>
+              <a:buSzPct val="45000"/>
+              <a:buFont typeface="StarSymbol"/>
+              <a:buChar char="l"/>
+            </a:pPr>
+            <a:r>
+              <a:rPr lang="en-US" sz="2800">
+                <a:latin typeface="Arial"/>
+              </a:rPr>
+              <a:t>Clock – Our application utilizes the clock. If this clock is off, things won't update in time (too slow or too fast), etc. It also has online capabilities, so the clock serves an important role there. It pings the server for updates.</a:t>
+            </a:r>
+            <a:endParaRPr/>
+          </a:p>
+          <a:p>
+            <a:pPr>
+              <a:lnSpc>
+                <a:spcPct val="100000"/>
+              </a:lnSpc>
+              <a:buSzPct val="45000"/>
+              <a:buFont typeface="StarSymbol"/>
+              <a:buChar char="l"/>
+            </a:pPr>
+            <a:r>
+              <a:rPr lang="en-US" sz="2800">
+                <a:latin typeface="Arial"/>
+              </a:rPr>
+              <a:t>Changed focus a bit – We had to figure out what we needed to get done and what couldn't get done, so we changed our focus a little bit. </a:t>
+            </a:r>
+            <a:endParaRPr/>
+          </a:p>
+        </p:txBody>
+      </p:sp>
     </p:spTree>
   </p:cSld>
   <p:timing>
@@ -9641,7 +9698,7 @@
       </p:grpSpPr>
       <p:pic>
         <p:nvPicPr>
-          <p:cNvPr id="240" name="Picture 3" descr=""/>
+          <p:cNvPr id="241" name="Picture 4" descr=""/>
           <p:cNvPicPr/>
           <p:nvPr/>
         </p:nvPicPr>
@@ -9654,7 +9711,7 @@
         <p:spPr>
           <a:xfrm>
             <a:off x="609480" y="0"/>
-            <a:ext cx="10971720" cy="6856920"/>
+            <a:ext cx="10971360" cy="6856560"/>
           </a:xfrm>
           <a:prstGeom prst="rect">
             <a:avLst/>
@@ -9715,7 +9772,7 @@
       </p:grpSpPr>
       <p:pic>
         <p:nvPicPr>
-          <p:cNvPr id="241" name="Picture 3" descr=""/>
+          <p:cNvPr id="242" name="Picture 3" descr=""/>
           <p:cNvPicPr/>
           <p:nvPr/>
         </p:nvPicPr>
@@ -9728,7 +9785,7 @@
         <p:spPr>
           <a:xfrm>
             <a:off x="609480" y="0"/>
-            <a:ext cx="10971720" cy="6856920"/>
+            <a:ext cx="10971360" cy="6856560"/>
           </a:xfrm>
           <a:prstGeom prst="rect">
             <a:avLst/>
@@ -9787,46 +9844,9 @@
           <a:chExt cx="0" cy="0"/>
         </a:xfrm>
       </p:grpSpPr>
-      <p:sp>
-        <p:nvSpPr>
-          <p:cNvPr id="242" name="CustomShape 1"/>
-          <p:cNvSpPr/>
-          <p:nvPr/>
-        </p:nvSpPr>
-        <p:spPr>
-          <a:xfrm>
-            <a:off x="609480" y="273600"/>
-            <a:ext cx="10972080" cy="1144440"/>
-          </a:xfrm>
-          <a:prstGeom prst="rect">
-            <a:avLst/>
-          </a:prstGeom>
-          <a:noFill/>
-          <a:ln>
-            <a:noFill/>
-          </a:ln>
-        </p:spPr>
-        <p:txBody>
-          <a:bodyPr lIns="0" rIns="0" tIns="0" bIns="0" anchor="ctr"/>
-          <a:p>
-            <a:pPr algn="ctr">
-              <a:lnSpc>
-                <a:spcPct val="100000"/>
-              </a:lnSpc>
-            </a:pPr>
-            <a:r>
-              <a:rPr lang="en-US" sz="4400">
-                <a:latin typeface="Arial"/>
-              </a:rPr>
-              <a:t>Burndown Chart for Sprint 2:</a:t>
-            </a:r>
-            <a:endParaRPr/>
-          </a:p>
-        </p:txBody>
-      </p:sp>
       <p:pic>
         <p:nvPicPr>
-          <p:cNvPr id="243" name="" descr=""/>
+          <p:cNvPr id="243" name="Picture 3" descr=""/>
           <p:cNvPicPr/>
           <p:nvPr/>
         </p:nvPicPr>
@@ -9838,8 +9858,8 @@
         </p:blipFill>
         <p:spPr>
           <a:xfrm>
-            <a:off x="1829160" y="1280520"/>
-            <a:ext cx="8686080" cy="5577120"/>
+            <a:off x="609480" y="0"/>
+            <a:ext cx="10971360" cy="6856560"/>
           </a:xfrm>
           <a:prstGeom prst="rect">
             <a:avLst/>
@@ -9907,7 +9927,7 @@
         <p:spPr>
           <a:xfrm>
             <a:off x="609480" y="273600"/>
-            <a:ext cx="10972080" cy="1144440"/>
+            <a:ext cx="10971720" cy="1144080"/>
           </a:xfrm>
           <a:prstGeom prst="rect">
             <a:avLst/>
@@ -9920,123 +9940,46 @@
         <p:txBody>
           <a:bodyPr lIns="0" rIns="0" tIns="0" bIns="0" anchor="ctr"/>
           <a:p>
+            <a:pPr algn="ctr">
+              <a:lnSpc>
+                <a:spcPct val="100000"/>
+              </a:lnSpc>
+            </a:pPr>
             <a:r>
               <a:rPr lang="en-US" sz="4400">
                 <a:latin typeface="Arial"/>
               </a:rPr>
-              <a:t>Unit Tests:</a:t>
+              <a:t>Burndown Chart for Sprint 2:</a:t>
             </a:r>
             <a:endParaRPr/>
           </a:p>
         </p:txBody>
       </p:sp>
-      <p:sp>
-        <p:nvSpPr>
-          <p:cNvPr id="245" name="CustomShape 2"/>
-          <p:cNvSpPr/>
+      <p:pic>
+        <p:nvPicPr>
+          <p:cNvPr id="245" name="" descr=""/>
+          <p:cNvPicPr/>
           <p:nvPr/>
-        </p:nvSpPr>
-        <p:spPr>
-          <a:xfrm>
-            <a:off x="609480" y="1604520"/>
-            <a:ext cx="10972080" cy="3976920"/>
-          </a:xfrm>
-          <a:prstGeom prst="rect">
-            <a:avLst/>
-          </a:prstGeom>
-          <a:noFill/>
+        </p:nvPicPr>
+        <p:blipFill>
+          <a:blip r:embed="rId1"/>
+          <a:stretch>
+            <a:fillRect/>
+          </a:stretch>
+        </p:blipFill>
+        <p:spPr>
+          <a:xfrm>
+            <a:off x="1829160" y="1280520"/>
+            <a:ext cx="8685720" cy="5576760"/>
+          </a:xfrm>
+          <a:prstGeom prst="rect">
+            <a:avLst/>
+          </a:prstGeom>
           <a:ln>
             <a:noFill/>
           </a:ln>
         </p:spPr>
-        <p:txBody>
-          <a:bodyPr lIns="0" rIns="0" tIns="0" bIns="0"/>
-          <a:p>
-            <a:pPr>
-              <a:lnSpc>
-                <a:spcPct val="100000"/>
-              </a:lnSpc>
-              <a:buSzPct val="45000"/>
-              <a:buFont typeface="StarSymbol"/>
-              <a:buChar char="l"/>
-            </a:pPr>
-            <a:r>
-              <a:rPr lang="en-US" sz="3200">
-                <a:latin typeface="Arial"/>
-              </a:rPr>
-              <a:t>We took advantage of J-Unit for our unit tests.</a:t>
-            </a:r>
-            <a:endParaRPr/>
-          </a:p>
-          <a:p>
-            <a:pPr>
-              <a:lnSpc>
-                <a:spcPct val="100000"/>
-              </a:lnSpc>
-              <a:buSzPct val="45000"/>
-              <a:buFont typeface="StarSymbol"/>
-              <a:buChar char="l"/>
-            </a:pPr>
-            <a:r>
-              <a:rPr lang="en-US" sz="3200">
-                <a:latin typeface="Arial"/>
-              </a:rPr>
-              <a:t>As opposed to what was seen previously, these are actual unit tests.</a:t>
-            </a:r>
-            <a:endParaRPr/>
-          </a:p>
-          <a:p>
-            <a:pPr>
-              <a:lnSpc>
-                <a:spcPct val="100000"/>
-              </a:lnSpc>
-              <a:buSzPct val="45000"/>
-              <a:buFont typeface="StarSymbol"/>
-              <a:buChar char="l"/>
-            </a:pPr>
-            <a:r>
-              <a:rPr lang="en-US" sz="3200">
-                <a:latin typeface="Arial"/>
-              </a:rPr>
-              <a:t>One thing we had to keep in mind: For most of our tests, we had to check whether or not they failed them. By failing them, they were in fact passing the tests, so it  took a different way of thinking to make sure they were set up correctly.</a:t>
-            </a:r>
-            <a:endParaRPr/>
-          </a:p>
-          <a:p>
-            <a:pPr>
-              <a:lnSpc>
-                <a:spcPct val="100000"/>
-              </a:lnSpc>
-            </a:pPr>
-            <a:endParaRPr/>
-          </a:p>
-          <a:p>
-            <a:pPr>
-              <a:lnSpc>
-                <a:spcPct val="100000"/>
-              </a:lnSpc>
-              <a:buSzPct val="45000"/>
-              <a:buFont typeface="StarSymbol"/>
-              <a:buChar char="l"/>
-            </a:pPr>
-            <a:r>
-              <a:rPr b="1" lang="en-US" sz="3200" u="sng">
-                <a:latin typeface="Arial"/>
-              </a:rPr>
-              <a:t>DEMO OF UNIT TESTS</a:t>
-            </a:r>
-            <a:endParaRPr/>
-          </a:p>
-          <a:p>
-            <a:pPr>
-              <a:lnSpc>
-                <a:spcPct val="100000"/>
-              </a:lnSpc>
-            </a:pPr>
-            <a:endParaRPr/>
-          </a:p>
-        </p:txBody>
-      </p:sp>
+      </p:pic>
     </p:spTree>
   </p:cSld>
   <p:timing>
@@ -10094,34 +10037,137 @@
         </p:nvSpPr>
         <p:spPr>
           <a:xfrm>
-            <a:off x="821880" y="2811600"/>
-            <a:ext cx="10514520" cy="1324440"/>
-          </a:xfrm>
-          <a:prstGeom prst="rect">
-            <a:avLst/>
-          </a:prstGeom>
-          <a:noFill/>
+            <a:off x="609480" y="273600"/>
+            <a:ext cx="10971720" cy="1144080"/>
+          </a:xfrm>
+          <a:prstGeom prst="rect">
+            <a:avLst/>
+          </a:prstGeom>
+          <a:solidFill>
+            <a:srgbClr val="dddddd"/>
+          </a:solidFill>
           <a:ln>
             <a:noFill/>
           </a:ln>
         </p:spPr>
         <p:txBody>
-          <a:bodyPr lIns="90000" rIns="90000" tIns="45000" bIns="45000" anchor="ctr"/>
-          <a:p>
-            <a:pPr algn="ctr">
+          <a:bodyPr lIns="0" rIns="0" tIns="0" bIns="0" anchor="ctr"/>
+          <a:p>
+            <a:r>
+              <a:rPr lang="en-US" sz="4400">
+                <a:latin typeface="Arial"/>
+              </a:rPr>
+              <a:t>Unit Tests:</a:t>
+            </a:r>
+            <a:endParaRPr/>
+          </a:p>
+        </p:txBody>
+      </p:sp>
+      <p:sp>
+        <p:nvSpPr>
+          <p:cNvPr id="247" name="CustomShape 2"/>
+          <p:cNvSpPr/>
+          <p:nvPr/>
+        </p:nvSpPr>
+        <p:spPr>
+          <a:xfrm>
+            <a:off x="609480" y="1604520"/>
+            <a:ext cx="10971720" cy="3976560"/>
+          </a:xfrm>
+          <a:prstGeom prst="rect">
+            <a:avLst/>
+          </a:prstGeom>
+          <a:solidFill>
+            <a:srgbClr val="dddddd"/>
+          </a:solidFill>
+          <a:ln>
+            <a:noFill/>
+          </a:ln>
+        </p:spPr>
+        <p:txBody>
+          <a:bodyPr lIns="0" rIns="0" tIns="0" bIns="0"/>
+          <a:p>
+            <a:pPr>
+              <a:lnSpc>
+                <a:spcPct val="100000"/>
+              </a:lnSpc>
+              <a:buSzPct val="45000"/>
+              <a:buFont typeface="StarSymbol"/>
+              <a:buChar char="l"/>
+            </a:pPr>
+            <a:r>
+              <a:rPr lang="en-US" sz="2800">
+                <a:latin typeface="Arial"/>
+              </a:rPr>
+              <a:t>We took advantage of J-Unit for our unit tests.</a:t>
+            </a:r>
+            <a:endParaRPr/>
+          </a:p>
+          <a:p>
+            <a:pPr>
+              <a:lnSpc>
+                <a:spcPct val="100000"/>
+              </a:lnSpc>
+              <a:buSzPct val="45000"/>
+              <a:buFont typeface="StarSymbol"/>
+              <a:buChar char="l"/>
+            </a:pPr>
+            <a:r>
+              <a:rPr lang="en-US" sz="2800">
+                <a:latin typeface="Arial"/>
+              </a:rPr>
+              <a:t>As opposed to what was seen previously, these are actual unit tests.</a:t>
+            </a:r>
+            <a:endParaRPr/>
+          </a:p>
+          <a:p>
+            <a:pPr>
+              <a:lnSpc>
+                <a:spcPct val="100000"/>
+              </a:lnSpc>
+              <a:buSzPct val="45000"/>
+              <a:buFont typeface="StarSymbol"/>
+              <a:buChar char="l"/>
+            </a:pPr>
+            <a:r>
+              <a:rPr lang="en-US" sz="2800">
+                <a:latin typeface="Arial"/>
+              </a:rPr>
+              <a:t>One thing we had to keep in mind: For most of our tests, we had to check whether or not they failed them. By failing them, they were in fact passing the tests, so it  took a different way of thinking to make sure they were set up correctly.</a:t>
+            </a:r>
+            <a:endParaRPr/>
+          </a:p>
+          <a:p>
+            <a:pPr>
               <a:lnSpc>
                 <a:spcPct val="100000"/>
               </a:lnSpc>
             </a:pPr>
+            <a:endParaRPr/>
+          </a:p>
+          <a:p>
+            <a:pPr>
+              <a:lnSpc>
+                <a:spcPct val="100000"/>
+              </a:lnSpc>
+              <a:buSzPct val="45000"/>
+              <a:buFont typeface="StarSymbol"/>
+              <a:buChar char="l"/>
+            </a:pPr>
             <a:r>
-              <a:rPr lang="en-US" sz="4400">
-                <a:solidFill>
-                  <a:srgbClr val="000000"/>
-                </a:solidFill>
-                <a:latin typeface="Calibri Light"/>
+              <a:rPr b="1" lang="en-US" sz="2800" u="sng">
+                <a:latin typeface="Arial"/>
               </a:rPr>
-              <a:t>Sprint 3:</a:t>
+              <a:t>DEMO OF UNIT TESTS</a:t>
             </a:r>
+            <a:endParaRPr/>
+          </a:p>
+          <a:p>
+            <a:pPr>
+              <a:lnSpc>
+                <a:spcPct val="100000"/>
+              </a:lnSpc>
+            </a:pPr>
             <a:endParaRPr/>
           </a:p>
         </p:txBody>
@@ -10177,145 +10223,41 @@
       </p:grpSpPr>
       <p:sp>
         <p:nvSpPr>
-          <p:cNvPr id="247" name="CustomShape 1"/>
+          <p:cNvPr id="248" name="CustomShape 1"/>
           <p:cNvSpPr/>
           <p:nvPr/>
         </p:nvSpPr>
         <p:spPr>
           <a:xfrm>
-            <a:off x="838080" y="365040"/>
-            <a:ext cx="10514520" cy="1324440"/>
-          </a:xfrm>
-          <a:prstGeom prst="rect">
-            <a:avLst/>
-          </a:prstGeom>
-          <a:noFill/>
+            <a:off x="821880" y="2811600"/>
+            <a:ext cx="10514160" cy="1324080"/>
+          </a:xfrm>
+          <a:prstGeom prst="rect">
+            <a:avLst/>
+          </a:prstGeom>
+          <a:solidFill>
+            <a:srgbClr val="dddddd"/>
+          </a:solidFill>
           <a:ln>
             <a:noFill/>
           </a:ln>
         </p:spPr>
-      </p:sp>
-      <p:sp>
-        <p:nvSpPr>
-          <p:cNvPr id="248" name="CustomShape 2"/>
-          <p:cNvSpPr/>
-          <p:nvPr/>
-        </p:nvSpPr>
-        <p:spPr>
-          <a:xfrm>
-            <a:off x="838080" y="1825560"/>
-            <a:ext cx="10514520" cy="4350240"/>
-          </a:xfrm>
-          <a:prstGeom prst="rect">
-            <a:avLst/>
-          </a:prstGeom>
-          <a:noFill/>
-          <a:ln>
-            <a:noFill/>
-          </a:ln>
-        </p:spPr>
-      </p:sp>
-      <p:sp>
-        <p:nvSpPr>
-          <p:cNvPr id="249" name="CustomShape 3"/>
-          <p:cNvSpPr/>
-          <p:nvPr/>
-        </p:nvSpPr>
-        <p:spPr>
-          <a:xfrm>
-            <a:off x="838080" y="365040"/>
-            <a:ext cx="10514520" cy="1324800"/>
-          </a:xfrm>
-          <a:prstGeom prst="rect">
-            <a:avLst/>
-          </a:prstGeom>
-          <a:noFill/>
-          <a:ln>
-            <a:noFill/>
-          </a:ln>
-        </p:spPr>
-        <p:txBody>
-          <a:bodyPr lIns="0" rIns="0" tIns="0" bIns="0" anchor="ctr"/>
-          <a:p>
-            <a:r>
-              <a:rPr lang="en-US" sz="4400">
-                <a:latin typeface="Arial"/>
-              </a:rPr>
-              <a:t>Good:</a:t>
-            </a:r>
-            <a:endParaRPr/>
-          </a:p>
-        </p:txBody>
-      </p:sp>
-      <p:sp>
-        <p:nvSpPr>
-          <p:cNvPr id="250" name="CustomShape 4"/>
-          <p:cNvSpPr/>
-          <p:nvPr/>
-        </p:nvSpPr>
-        <p:spPr>
-          <a:xfrm>
-            <a:off x="838080" y="1825560"/>
-            <a:ext cx="10514520" cy="4350240"/>
-          </a:xfrm>
-          <a:prstGeom prst="rect">
-            <a:avLst/>
-          </a:prstGeom>
-          <a:noFill/>
-          <a:ln>
-            <a:noFill/>
-          </a:ln>
-        </p:spPr>
-        <p:txBody>
-          <a:bodyPr lIns="0" rIns="0" tIns="0" bIns="0"/>
-          <a:p>
-            <a:pPr>
+        <p:txBody>
+          <a:bodyPr lIns="90000" rIns="90000" tIns="45000" bIns="45000" anchor="ctr"/>
+          <a:p>
+            <a:pPr algn="ctr">
               <a:lnSpc>
                 <a:spcPct val="100000"/>
               </a:lnSpc>
-              <a:buSzPct val="45000"/>
-              <a:buFont typeface="StarSymbol"/>
-              <a:buChar char="l"/>
             </a:pPr>
             <a:r>
-              <a:rPr lang="en-US" sz="3200">
-                <a:latin typeface="Arial"/>
+              <a:rPr lang="en-US" sz="4400">
+                <a:solidFill>
+                  <a:srgbClr val="000000"/>
+                </a:solidFill>
+                <a:latin typeface="Calibri Light"/>
               </a:rPr>
-              <a:t>Even more added features – This final sprint was the one where we spent most of the time adding features. Timer, win condition, usernames, etc.</a:t>
-            </a:r>
-            <a:endParaRPr/>
-          </a:p>
-          <a:p>
-            <a:pPr>
-              <a:lnSpc>
-                <a:spcPct val="100000"/>
-              </a:lnSpc>
-              <a:buSzPct val="45000"/>
-              <a:buFont typeface="StarSymbol"/>
-              <a:buChar char="l"/>
-            </a:pPr>
-            <a:r>
-              <a:rPr lang="en-US" sz="3200">
-                <a:latin typeface="Arial"/>
-              </a:rPr>
-              <a:t>More Unit tests – Had to add more methods to the GameLogic, so that meant more unit tests could be written. Ensured the code was working correctly still.</a:t>
-            </a:r>
-            <a:endParaRPr/>
-          </a:p>
-          <a:p>
-            <a:pPr>
-              <a:lnSpc>
-                <a:spcPct val="100000"/>
-              </a:lnSpc>
-              <a:buSzPct val="45000"/>
-              <a:buFont typeface="StarSymbol"/>
-              <a:buChar char="l"/>
-            </a:pPr>
-            <a:r>
-              <a:rPr lang="en-US" sz="3200">
-                <a:latin typeface="Arial"/>
-              </a:rPr>
-              <a:t>Increased productivity – Like sprint 2, we increased our productivity even more so that in sprint 2. We got more done and optimized a few different things.</a:t>
+              <a:t>Sprint 3:</a:t>
             </a:r>
             <a:endParaRPr/>
           </a:p>
@@ -10379,12 +10321,14 @@
         <p:spPr>
           <a:xfrm>
             <a:off x="838080" y="365040"/>
-            <a:ext cx="10514520" cy="1324440"/>
-          </a:xfrm>
-          <a:prstGeom prst="rect">
-            <a:avLst/>
-          </a:prstGeom>
-          <a:noFill/>
+            <a:ext cx="10514160" cy="1324080"/>
+          </a:xfrm>
+          <a:prstGeom prst="rect">
+            <a:avLst/>
+          </a:prstGeom>
+          <a:solidFill>
+            <a:srgbClr val="dddddd"/>
+          </a:solidFill>
           <a:ln>
             <a:noFill/>
           </a:ln>
@@ -10419,12 +10363,14 @@
         <p:spPr>
           <a:xfrm>
             <a:off x="838080" y="1825560"/>
-            <a:ext cx="10514520" cy="4350240"/>
-          </a:xfrm>
-          <a:prstGeom prst="rect">
-            <a:avLst/>
-          </a:prstGeom>
-          <a:noFill/>
+            <a:ext cx="10514160" cy="4349880"/>
+          </a:xfrm>
+          <a:prstGeom prst="rect">
+            <a:avLst/>
+          </a:prstGeom>
+          <a:solidFill>
+            <a:srgbClr val="dddddd"/>
+          </a:solidFill>
           <a:ln>
             <a:noFill/>
           </a:ln>
@@ -10541,14 +10487,14 @@
       </p:grpSpPr>
       <p:sp>
         <p:nvSpPr>
-          <p:cNvPr id="251" name="CustomShape 1"/>
+          <p:cNvPr id="249" name="CustomShape 1"/>
           <p:cNvSpPr/>
           <p:nvPr/>
         </p:nvSpPr>
         <p:spPr>
           <a:xfrm>
-            <a:off x="838080" y="1825560"/>
-            <a:ext cx="10514520" cy="4350240"/>
+            <a:off x="838080" y="365040"/>
+            <a:ext cx="10514160" cy="1324080"/>
           </a:xfrm>
           <a:prstGeom prst="rect">
             <a:avLst/>
@@ -10561,14 +10507,14 @@
       </p:sp>
       <p:sp>
         <p:nvSpPr>
-          <p:cNvPr id="252" name="CustomShape 2"/>
+          <p:cNvPr id="250" name="CustomShape 2"/>
           <p:cNvSpPr/>
           <p:nvPr/>
         </p:nvSpPr>
         <p:spPr>
           <a:xfrm>
-            <a:off x="838080" y="365040"/>
-            <a:ext cx="10514520" cy="1324800"/>
+            <a:off x="838080" y="1825560"/>
+            <a:ext cx="10514160" cy="4349880"/>
           </a:xfrm>
           <a:prstGeom prst="rect">
             <a:avLst/>
@@ -10578,6 +10524,28 @@
             <a:noFill/>
           </a:ln>
         </p:spPr>
+      </p:sp>
+      <p:sp>
+        <p:nvSpPr>
+          <p:cNvPr id="251" name="CustomShape 3"/>
+          <p:cNvSpPr/>
+          <p:nvPr/>
+        </p:nvSpPr>
+        <p:spPr>
+          <a:xfrm>
+            <a:off x="838080" y="365040"/>
+            <a:ext cx="10514160" cy="1324440"/>
+          </a:xfrm>
+          <a:prstGeom prst="rect">
+            <a:avLst/>
+          </a:prstGeom>
+          <a:solidFill>
+            <a:srgbClr val="dddddd"/>
+          </a:solidFill>
+          <a:ln>
+            <a:noFill/>
+          </a:ln>
+        </p:spPr>
         <p:txBody>
           <a:bodyPr lIns="0" rIns="0" tIns="0" bIns="0" anchor="ctr"/>
           <a:p>
@@ -10585,7 +10553,7 @@
               <a:rPr lang="en-US" sz="4400">
                 <a:latin typeface="Arial"/>
               </a:rPr>
-              <a:t>Bad:</a:t>
+              <a:t>Good:</a:t>
             </a:r>
             <a:endParaRPr/>
           </a:p>
@@ -10593,19 +10561,21 @@
       </p:sp>
       <p:sp>
         <p:nvSpPr>
-          <p:cNvPr id="253" name="CustomShape 3"/>
+          <p:cNvPr id="252" name="CustomShape 4"/>
           <p:cNvSpPr/>
           <p:nvPr/>
         </p:nvSpPr>
         <p:spPr>
           <a:xfrm>
             <a:off x="838080" y="1825560"/>
-            <a:ext cx="10514520" cy="4350240"/>
-          </a:xfrm>
-          <a:prstGeom prst="rect">
-            <a:avLst/>
-          </a:prstGeom>
-          <a:noFill/>
+            <a:ext cx="10514160" cy="4349880"/>
+          </a:xfrm>
+          <a:prstGeom prst="rect">
+            <a:avLst/>
+          </a:prstGeom>
+          <a:solidFill>
+            <a:srgbClr val="dddddd"/>
+          </a:solidFill>
           <a:ln>
             <a:noFill/>
           </a:ln>
@@ -10622,10 +10592,10 @@
               <a:buChar char="l"/>
             </a:pPr>
             <a:r>
-              <a:rPr lang="en-US" sz="3200">
+              <a:rPr lang="en-US" sz="2800">
                 <a:latin typeface="Arial"/>
               </a:rPr>
-              <a:t>Serious Git Issue – Other than initially learning git, we only had one disaster and it happened this sprint. Almost lost hours of work. Had to fix the repo and revert it back to a previous version. Wasn't too bad fixing, but was definitely scary.</a:t>
+              <a:t>Even more added features – This final sprint was the one where we spent most of the time adding features. Timer, win condition, usernames, etc.</a:t>
             </a:r>
             <a:endParaRPr/>
           </a:p>
@@ -10639,10 +10609,27 @@
               <a:buChar char="l"/>
             </a:pPr>
             <a:r>
-              <a:rPr lang="en-US" sz="3200">
+              <a:rPr lang="en-US" sz="2800">
                 <a:latin typeface="Arial"/>
               </a:rPr>
-              <a:t>Bugs – Nothing really serious here. These were expected. When you add a feature, very rarely do they work the first time over. Just took some minor tweaking to get all of the code running together again.</a:t>
+              <a:t>More Unit tests – Had to add more methods to the GameLogic, so that meant more unit tests could be written. Ensured the code was working correctly still.</a:t>
+            </a:r>
+            <a:endParaRPr/>
+          </a:p>
+          <a:p>
+            <a:pPr>
+              <a:lnSpc>
+                <a:spcPct val="100000"/>
+              </a:lnSpc>
+              <a:buSzPct val="45000"/>
+              <a:buFont typeface="StarSymbol"/>
+              <a:buChar char="l"/>
+            </a:pPr>
+            <a:r>
+              <a:rPr lang="en-US" sz="2800">
+                <a:latin typeface="Arial"/>
+              </a:rPr>
+              <a:t>Increased productivity – Like sprint 2, we increased our productivity even more so that in sprint 2. We got more done and optimized a few different things.</a:t>
             </a:r>
             <a:endParaRPr/>
           </a:p>
@@ -10697,31 +10684,119 @@
           <a:chExt cx="0" cy="0"/>
         </a:xfrm>
       </p:grpSpPr>
-      <p:pic>
-        <p:nvPicPr>
-          <p:cNvPr id="254" name="Picture 3" descr=""/>
-          <p:cNvPicPr/>
+      <p:sp>
+        <p:nvSpPr>
+          <p:cNvPr id="253" name="CustomShape 1"/>
+          <p:cNvSpPr/>
           <p:nvPr/>
-        </p:nvPicPr>
-        <p:blipFill>
-          <a:blip r:embed="rId1"/>
-          <a:stretch>
-            <a:fillRect/>
-          </a:stretch>
-        </p:blipFill>
-        <p:spPr>
-          <a:xfrm>
-            <a:off x="609480" y="0"/>
-            <a:ext cx="10971720" cy="6856920"/>
-          </a:xfrm>
-          <a:prstGeom prst="rect">
-            <a:avLst/>
-          </a:prstGeom>
+        </p:nvSpPr>
+        <p:spPr>
+          <a:xfrm>
+            <a:off x="838080" y="1825560"/>
+            <a:ext cx="10514160" cy="4349880"/>
+          </a:xfrm>
+          <a:prstGeom prst="rect">
+            <a:avLst/>
+          </a:prstGeom>
+          <a:noFill/>
           <a:ln>
             <a:noFill/>
           </a:ln>
         </p:spPr>
-      </p:pic>
+      </p:sp>
+      <p:sp>
+        <p:nvSpPr>
+          <p:cNvPr id="254" name="CustomShape 2"/>
+          <p:cNvSpPr/>
+          <p:nvPr/>
+        </p:nvSpPr>
+        <p:spPr>
+          <a:xfrm>
+            <a:off x="838080" y="365040"/>
+            <a:ext cx="10514160" cy="1324440"/>
+          </a:xfrm>
+          <a:prstGeom prst="rect">
+            <a:avLst/>
+          </a:prstGeom>
+          <a:solidFill>
+            <a:srgbClr val="dddddd"/>
+          </a:solidFill>
+          <a:ln>
+            <a:noFill/>
+          </a:ln>
+        </p:spPr>
+        <p:txBody>
+          <a:bodyPr lIns="0" rIns="0" tIns="0" bIns="0" anchor="ctr"/>
+          <a:p>
+            <a:r>
+              <a:rPr lang="en-US" sz="4400">
+                <a:latin typeface="Arial"/>
+              </a:rPr>
+              <a:t>Bad:</a:t>
+            </a:r>
+            <a:endParaRPr/>
+          </a:p>
+        </p:txBody>
+      </p:sp>
+      <p:sp>
+        <p:nvSpPr>
+          <p:cNvPr id="255" name="CustomShape 3"/>
+          <p:cNvSpPr/>
+          <p:nvPr/>
+        </p:nvSpPr>
+        <p:spPr>
+          <a:xfrm>
+            <a:off x="838080" y="1825560"/>
+            <a:ext cx="10514160" cy="4349880"/>
+          </a:xfrm>
+          <a:prstGeom prst="rect">
+            <a:avLst/>
+          </a:prstGeom>
+          <a:solidFill>
+            <a:srgbClr val="dddddd"/>
+          </a:solidFill>
+          <a:ln>
+            <a:noFill/>
+          </a:ln>
+        </p:spPr>
+        <p:txBody>
+          <a:bodyPr lIns="0" rIns="0" tIns="0" bIns="0"/>
+          <a:p>
+            <a:pPr>
+              <a:lnSpc>
+                <a:spcPct val="100000"/>
+              </a:lnSpc>
+              <a:buSzPct val="45000"/>
+              <a:buFont typeface="StarSymbol"/>
+              <a:buChar char="l"/>
+            </a:pPr>
+            <a:r>
+              <a:rPr lang="en-US" sz="2800">
+                <a:latin typeface="Arial"/>
+              </a:rPr>
+              <a:t>Serious Git Issue – Other than initially learning git, we only had one disaster and it happened this sprint. Almost lost hours of work. Had to fix the repo and revert it back to a previous version. Wasn't too bad fixing, but was definitely scary.</a:t>
+            </a:r>
+            <a:endParaRPr/>
+          </a:p>
+          <a:p>
+            <a:pPr>
+              <a:lnSpc>
+                <a:spcPct val="100000"/>
+              </a:lnSpc>
+              <a:buSzPct val="45000"/>
+              <a:buFont typeface="StarSymbol"/>
+              <a:buChar char="l"/>
+            </a:pPr>
+            <a:r>
+              <a:rPr lang="en-US" sz="2800">
+                <a:latin typeface="Arial"/>
+              </a:rPr>
+              <a:t>Bugs – Nothing really serious here. These were expected. When you add a feature, very rarely do they work the first time over. Just took some minor tweaking to get all of the code running together again.</a:t>
+            </a:r>
+            <a:endParaRPr/>
+          </a:p>
+        </p:txBody>
+      </p:sp>
     </p:spTree>
   </p:cSld>
   <p:timing>
@@ -10773,7 +10848,7 @@
       </p:grpSpPr>
       <p:pic>
         <p:nvPicPr>
-          <p:cNvPr id="255" name="Picture 3" descr=""/>
+          <p:cNvPr id="256" name="Picture 3" descr=""/>
           <p:cNvPicPr/>
           <p:nvPr/>
         </p:nvPicPr>
@@ -10786,7 +10861,7 @@
         <p:spPr>
           <a:xfrm>
             <a:off x="609480" y="0"/>
-            <a:ext cx="10971720" cy="6856920"/>
+            <a:ext cx="10971360" cy="6856560"/>
           </a:xfrm>
           <a:prstGeom prst="rect">
             <a:avLst/>
@@ -10847,7 +10922,7 @@
       </p:grpSpPr>
       <p:pic>
         <p:nvPicPr>
-          <p:cNvPr id="256" name="Picture 3" descr=""/>
+          <p:cNvPr id="257" name="Picture 3" descr=""/>
           <p:cNvPicPr/>
           <p:nvPr/>
         </p:nvPicPr>
@@ -10860,7 +10935,7 @@
         <p:spPr>
           <a:xfrm>
             <a:off x="609480" y="0"/>
-            <a:ext cx="10971720" cy="6856920"/>
+            <a:ext cx="10971360" cy="6856560"/>
           </a:xfrm>
           <a:prstGeom prst="rect">
             <a:avLst/>
@@ -10919,59 +10994,31 @@
           <a:chExt cx="0" cy="0"/>
         </a:xfrm>
       </p:grpSpPr>
-      <p:sp>
-        <p:nvSpPr>
-          <p:cNvPr id="257" name="CustomShape 1"/>
-          <p:cNvSpPr/>
+      <p:pic>
+        <p:nvPicPr>
+          <p:cNvPr id="258" name="Picture 3" descr=""/>
+          <p:cNvPicPr/>
           <p:nvPr/>
-        </p:nvSpPr>
-        <p:spPr>
-          <a:xfrm>
-            <a:off x="609480" y="273600"/>
-            <a:ext cx="10972080" cy="1144440"/>
-          </a:xfrm>
-          <a:prstGeom prst="rect">
-            <a:avLst/>
-          </a:prstGeom>
-          <a:noFill/>
+        </p:nvPicPr>
+        <p:blipFill>
+          <a:blip r:embed="rId1"/>
+          <a:stretch>
+            <a:fillRect/>
+          </a:stretch>
+        </p:blipFill>
+        <p:spPr>
+          <a:xfrm>
+            <a:off x="609480" y="0"/>
+            <a:ext cx="10971360" cy="6856560"/>
+          </a:xfrm>
+          <a:prstGeom prst="rect">
+            <a:avLst/>
+          </a:prstGeom>
           <a:ln>
             <a:noFill/>
           </a:ln>
         </p:spPr>
-        <p:txBody>
-          <a:bodyPr lIns="0" rIns="0" tIns="0" bIns="0" anchor="ctr"/>
-          <a:p>
-            <a:pPr algn="ctr">
-              <a:lnSpc>
-                <a:spcPct val="100000"/>
-              </a:lnSpc>
-            </a:pPr>
-            <a:r>
-              <a:rPr lang="en-US" sz="4400">
-                <a:latin typeface="Arial"/>
-              </a:rPr>
-              <a:t>Burndown Chart for Sprint 3:</a:t>
-            </a:r>
-            <a:endParaRPr/>
-          </a:p>
-        </p:txBody>
-      </p:sp>
-      <p:graphicFrame>
-        <p:nvGraphicFramePr>
-          <p:cNvPr id="258" name=""/>
-          <p:cNvGraphicFramePr/>
-          <p:nvPr/>
-        </p:nvGraphicFramePr>
-        <p:xfrm>
-          <a:off x="1920600" y="1271160"/>
-          <a:ext cx="8686080" cy="5495040"/>
-        </p:xfrm>
-        <a:graphic>
-          <a:graphicData uri="http://schemas.openxmlformats.org/drawingml/2006/chart">
-            <c:chart xmlns:c="http://schemas.openxmlformats.org/drawingml/2006/chart" xmlns:r="http://schemas.openxmlformats.org/officeDocument/2006/relationships" r:id="rId1"/>
-          </a:graphicData>
-        </a:graphic>
-      </p:graphicFrame>
+      </p:pic>
     </p:spTree>
   </p:cSld>
   <p:timing>
@@ -11030,7 +11077,7 @@
         <p:spPr>
           <a:xfrm>
             <a:off x="609480" y="273600"/>
-            <a:ext cx="10972080" cy="1144440"/>
+            <a:ext cx="10971720" cy="1144080"/>
           </a:xfrm>
           <a:prstGeom prst="rect">
             <a:avLst/>
@@ -11043,36 +11090,37 @@
         <p:txBody>
           <a:bodyPr lIns="0" rIns="0" tIns="0" bIns="0" anchor="ctr"/>
           <a:p>
+            <a:pPr algn="ctr">
+              <a:lnSpc>
+                <a:spcPct val="100000"/>
+              </a:lnSpc>
+            </a:pPr>
             <a:r>
               <a:rPr lang="en-US" sz="4400">
                 <a:latin typeface="Arial"/>
               </a:rPr>
-              <a:t>Bugs:</a:t>
+              <a:t>Burndown Chart for Sprint 3:</a:t>
             </a:r>
             <a:endParaRPr/>
           </a:p>
         </p:txBody>
       </p:sp>
-      <p:sp>
-        <p:nvSpPr>
-          <p:cNvPr id="260" name="CustomShape 2"/>
-          <p:cNvSpPr/>
+      <p:graphicFrame>
+        <p:nvGraphicFramePr>
+          <p:cNvPr id="260" name=""/>
+          <p:cNvGraphicFramePr/>
           <p:nvPr/>
-        </p:nvSpPr>
-        <p:spPr>
-          <a:xfrm>
-            <a:off x="609480" y="1604520"/>
-            <a:ext cx="10972080" cy="3976920"/>
-          </a:xfrm>
-          <a:prstGeom prst="rect">
-            <a:avLst/>
-          </a:prstGeom>
-          <a:noFill/>
-          <a:ln>
-            <a:noFill/>
-          </a:ln>
-        </p:spPr>
-      </p:sp>
+        </p:nvGraphicFramePr>
+        <p:xfrm>
+          <a:off x="1920600" y="1271160"/>
+          <a:ext cx="8685720" cy="5494680"/>
+        </p:xfrm>
+        <a:graphic>
+          <a:graphicData uri="http://schemas.openxmlformats.org/drawingml/2006/chart">
+            <c:chart xmlns:c="http://schemas.openxmlformats.org/drawingml/2006/chart" xmlns:r="http://schemas.openxmlformats.org/officeDocument/2006/relationships" r:id="rId1"/>
+          </a:graphicData>
+        </a:graphic>
+      </p:graphicFrame>
     </p:spTree>
   </p:cSld>
   <p:timing>
@@ -11130,13 +11178,15 @@
         </p:nvSpPr>
         <p:spPr>
           <a:xfrm>
-            <a:off x="609480" y="273600"/>
-            <a:ext cx="10972080" cy="1144440"/>
-          </a:xfrm>
-          <a:prstGeom prst="rect">
-            <a:avLst/>
-          </a:prstGeom>
-          <a:noFill/>
+            <a:off x="731520" y="2743200"/>
+            <a:ext cx="10971720" cy="1144080"/>
+          </a:xfrm>
+          <a:prstGeom prst="rect">
+            <a:avLst/>
+          </a:prstGeom>
+          <a:solidFill>
+            <a:srgbClr val="dddddd"/>
+          </a:solidFill>
           <a:ln>
             <a:noFill/>
           </a:ln>
@@ -11144,11 +11194,12 @@
         <p:txBody>
           <a:bodyPr lIns="0" rIns="0" tIns="0" bIns="0" anchor="ctr"/>
           <a:p>
+            <a:pPr algn="ctr"/>
             <a:r>
               <a:rPr lang="en-US" sz="4400">
                 <a:latin typeface="Arial"/>
               </a:rPr>
-              <a:t>Cool Features:</a:t>
+              <a:t>Neat Code We Like</a:t>
             </a:r>
             <a:endParaRPr/>
           </a:p>
@@ -11163,7 +11214,7 @@
         <p:spPr>
           <a:xfrm>
             <a:off x="609480" y="1604520"/>
-            <a:ext cx="10972080" cy="3976920"/>
+            <a:ext cx="10971720" cy="3976560"/>
           </a:xfrm>
           <a:prstGeom prst="rect">
             <a:avLst/>
@@ -11225,22 +11276,18 @@
       </p:grpSpPr>
       <p:sp>
         <p:nvSpPr>
-          <p:cNvPr id="263" name="CustomShape 1"/>
-          <p:cNvSpPr/>
+          <p:cNvPr id="263" name="TextShape 1"/>
+          <p:cNvSpPr txBox="1"/>
           <p:nvPr/>
         </p:nvSpPr>
         <p:spPr>
           <a:xfrm>
             <a:off x="609480" y="273600"/>
-            <a:ext cx="10972080" cy="1144440"/>
-          </a:xfrm>
-          <a:prstGeom prst="rect">
-            <a:avLst/>
-          </a:prstGeom>
-          <a:noFill/>
-          <a:ln>
-            <a:noFill/>
-          </a:ln>
+            <a:ext cx="10972440" cy="1144800"/>
+          </a:xfrm>
+          <a:prstGeom prst="rect">
+            <a:avLst/>
+          </a:prstGeom>
         </p:spPr>
         <p:txBody>
           <a:bodyPr lIns="0" rIns="0" tIns="0" bIns="0" anchor="ctr"/>
@@ -11257,23 +11304,58 @@
       </p:sp>
       <p:sp>
         <p:nvSpPr>
-          <p:cNvPr id="264" name="CustomShape 2"/>
-          <p:cNvSpPr/>
+          <p:cNvPr id="264" name="TextShape 2"/>
+          <p:cNvSpPr txBox="1"/>
           <p:nvPr/>
         </p:nvSpPr>
         <p:spPr>
           <a:xfrm>
             <a:off x="609480" y="1604520"/>
-            <a:ext cx="10972080" cy="3976920"/>
-          </a:xfrm>
-          <a:prstGeom prst="rect">
-            <a:avLst/>
-          </a:prstGeom>
-          <a:noFill/>
-          <a:ln>
-            <a:noFill/>
-          </a:ln>
-        </p:spPr>
+            <a:ext cx="10972440" cy="3790440"/>
+          </a:xfrm>
+          <a:prstGeom prst="rect">
+            <a:avLst/>
+          </a:prstGeom>
+        </p:spPr>
+        <p:txBody>
+          <a:bodyPr lIns="0" rIns="0" tIns="0" bIns="0"/>
+          <a:p>
+            <a:r>
+              <a:rPr lang="en-US" sz="3200">
+                <a:latin typeface="Arial"/>
+              </a:rPr>
+              <a:t>Communication: Text, Email</a:t>
+            </a:r>
+            <a:endParaRPr/>
+          </a:p>
+          <a:p>
+            <a:r>
+              <a:rPr lang="en-US" sz="3200">
+                <a:latin typeface="Arial"/>
+              </a:rPr>
+              <a:t>Meetings: Met 5 times a week (MWF in Class, TR outside)</a:t>
+            </a:r>
+            <a:endParaRPr/>
+          </a:p>
+          <a:p>
+            <a:r>
+              <a:rPr lang="en-US" sz="3200">
+                <a:latin typeface="Arial"/>
+              </a:rPr>
+              <a:t>Difficulties: New to SCRUM. Tried to follow as closely as possible.</a:t>
+            </a:r>
+            <a:endParaRPr/>
+          </a:p>
+          <a:p>
+            <a:r>
+              <a:rPr lang="en-US" sz="3200">
+                <a:latin typeface="Arial"/>
+              </a:rPr>
+              <a:t>Development Process: Set achievable goals which allowed the Sprints to go smoothly. Everybody had set roles, but helped one another out if needed. Reflection on the previous days work and what the goals of that day were. Etc.</a:t>
+            </a:r>
+            <a:endParaRPr/>
+          </a:p>
+        </p:txBody>
       </p:sp>
     </p:spTree>
   </p:cSld>
@@ -11326,36 +11408,122 @@
       </p:grpSpPr>
       <p:sp>
         <p:nvSpPr>
-          <p:cNvPr id="265" name="CustomShape 1"/>
-          <p:cNvSpPr/>
+          <p:cNvPr id="265" name="TextShape 1"/>
+          <p:cNvSpPr txBox="1"/>
           <p:nvPr/>
         </p:nvSpPr>
         <p:spPr>
           <a:xfrm>
-            <a:off x="640440" y="2743200"/>
-            <a:ext cx="10972080" cy="1144440"/>
-          </a:xfrm>
-          <a:prstGeom prst="rect">
-            <a:avLst/>
-          </a:prstGeom>
-          <a:noFill/>
-          <a:ln>
-            <a:noFill/>
-          </a:ln>
+            <a:off x="609480" y="273600"/>
+            <a:ext cx="10972440" cy="1144800"/>
+          </a:xfrm>
+          <a:prstGeom prst="rect">
+            <a:avLst/>
+          </a:prstGeom>
         </p:spPr>
         <p:txBody>
           <a:bodyPr lIns="0" rIns="0" tIns="0" bIns="0" anchor="ctr"/>
           <a:p>
-            <a:pPr algn="ctr">
-              <a:lnSpc>
-                <a:spcPct val="100000"/>
-              </a:lnSpc>
-            </a:pPr>
             <a:r>
               <a:rPr lang="en-US" sz="4400">
                 <a:latin typeface="Arial"/>
               </a:rPr>
-              <a:t>Finished Product Demo</a:t>
+              <a:t>What We Learned:</a:t>
+            </a:r>
+            <a:endParaRPr/>
+          </a:p>
+        </p:txBody>
+      </p:sp>
+      <p:sp>
+        <p:nvSpPr>
+          <p:cNvPr id="266" name="TextShape 2"/>
+          <p:cNvSpPr txBox="1"/>
+          <p:nvPr/>
+        </p:nvSpPr>
+        <p:spPr>
+          <a:xfrm>
+            <a:off x="609480" y="1604520"/>
+            <a:ext cx="10972440" cy="3977280"/>
+          </a:xfrm>
+          <a:prstGeom prst="rect">
+            <a:avLst/>
+          </a:prstGeom>
+        </p:spPr>
+        <p:txBody>
+          <a:bodyPr lIns="0" rIns="0" tIns="0" bIns="0"/>
+          <a:p>
+            <a:pPr>
+              <a:buSzPct val="45000"/>
+              <a:buFont typeface="StarSymbol"/>
+              <a:buChar char=""/>
+            </a:pPr>
+            <a:r>
+              <a:rPr lang="en-US" sz="3200">
+                <a:latin typeface="Arial"/>
+              </a:rPr>
+              <a:t>Project Planning – Our project didn't extend past our experience level, but it provided enough of a challenge that it wasn't done in one day.</a:t>
+            </a:r>
+            <a:endParaRPr/>
+          </a:p>
+          <a:p>
+            <a:pPr>
+              <a:buSzPct val="45000"/>
+              <a:buFont typeface="StarSymbol"/>
+              <a:buChar char=""/>
+            </a:pPr>
+            <a:r>
+              <a:rPr lang="en-US" sz="3200">
+                <a:latin typeface="Arial"/>
+              </a:rPr>
+              <a:t>Setting Goals – Initially, our goals (user stories) were very vague. They developed as the project went along and certain demands needed to be met.</a:t>
+            </a:r>
+            <a:endParaRPr/>
+          </a:p>
+          <a:p>
+            <a:pPr>
+              <a:buSzPct val="45000"/>
+              <a:buFont typeface="StarSymbol"/>
+              <a:buChar char=""/>
+            </a:pPr>
+            <a:r>
+              <a:rPr lang="en-US" sz="3200">
+                <a:latin typeface="Arial"/>
+              </a:rPr>
+              <a:t>Communication – Our meetings were productive, everybody asked plenty of questions and made it clear what they were going to work on that day. </a:t>
+            </a:r>
+            <a:endParaRPr/>
+          </a:p>
+          <a:p>
+            <a:pPr>
+              <a:buSzPct val="45000"/>
+              <a:buFont typeface="StarSymbol"/>
+              <a:buChar char=""/>
+            </a:pPr>
+            <a:r>
+              <a:rPr lang="en-US" sz="3200">
+                <a:latin typeface="Arial"/>
+              </a:rPr>
+              <a:t> </a:t>
+            </a:r>
+            <a:r>
+              <a:rPr lang="en-US" sz="3200">
+                <a:latin typeface="Arial"/>
+              </a:rPr>
+              <a:t>Git – Git is extremely difficult to master, but extremely useful, so exposure like this was good to break the ice. We didn't use it as efficiently as possible, but we figured out a way that worked for us and only ran into issues a few times.</a:t>
+            </a:r>
+            <a:endParaRPr/>
+          </a:p>
+          <a:p>
+            <a:pPr>
+              <a:buSzPct val="45000"/>
+              <a:buFont typeface="StarSymbol"/>
+              <a:buChar char=""/>
+            </a:pPr>
+            <a:r>
+              <a:rPr lang="en-US" sz="3200">
+                <a:latin typeface="Arial"/>
+              </a:rPr>
+              <a:t>Programming – Game development, optimization, little things to make your life easier as a programmer.</a:t>
             </a:r>
             <a:endParaRPr/>
           </a:p>
@@ -11412,19 +11580,21 @@
       </p:grpSpPr>
       <p:sp>
         <p:nvSpPr>
-          <p:cNvPr id="266" name="CustomShape 1"/>
+          <p:cNvPr id="267" name="CustomShape 1"/>
           <p:cNvSpPr/>
           <p:nvPr/>
         </p:nvSpPr>
         <p:spPr>
           <a:xfrm>
-            <a:off x="731880" y="2834640"/>
-            <a:ext cx="10972080" cy="1144440"/>
-          </a:xfrm>
-          <a:prstGeom prst="rect">
-            <a:avLst/>
-          </a:prstGeom>
-          <a:noFill/>
+            <a:off x="640440" y="2743200"/>
+            <a:ext cx="10971720" cy="1144080"/>
+          </a:xfrm>
+          <a:prstGeom prst="rect">
+            <a:avLst/>
+          </a:prstGeom>
+          <a:solidFill>
+            <a:srgbClr val="dddddd"/>
+          </a:solidFill>
           <a:ln>
             <a:noFill/>
           </a:ln>
@@ -11439,9 +11609,9 @@
             </a:pPr>
             <a:r>
               <a:rPr lang="en-US" sz="4400">
-                <a:latin typeface="Impact"/>
+                <a:latin typeface="Arial"/>
               </a:rPr>
-              <a:t>Questions?</a:t>
+              <a:t>Finished Product Demo</a:t>
             </a:r>
             <a:endParaRPr/>
           </a:p>
@@ -11498,39 +11668,112 @@
       </p:grpSpPr>
       <p:sp>
         <p:nvSpPr>
-          <p:cNvPr id="220" name="CustomShape 1"/>
-          <p:cNvSpPr/>
+          <p:cNvPr id="220" name="TextShape 1"/>
+          <p:cNvSpPr txBox="1"/>
           <p:nvPr/>
         </p:nvSpPr>
         <p:spPr>
           <a:xfrm>
-            <a:off x="763920" y="2671560"/>
-            <a:ext cx="10514520" cy="1324440"/>
-          </a:xfrm>
-          <a:prstGeom prst="rect">
-            <a:avLst/>
-          </a:prstGeom>
-          <a:noFill/>
-          <a:ln>
-            <a:noFill/>
-          </a:ln>
-        </p:spPr>
-        <p:txBody>
-          <a:bodyPr lIns="90000" rIns="90000" tIns="45000" bIns="45000" anchor="ctr"/>
-          <a:p>
-            <a:pPr algn="ctr">
-              <a:lnSpc>
-                <a:spcPct val="100000"/>
-              </a:lnSpc>
-            </a:pPr>
+            <a:off x="609480" y="273600"/>
+            <a:ext cx="10972440" cy="1144800"/>
+          </a:xfrm>
+          <a:prstGeom prst="rect">
+            <a:avLst/>
+          </a:prstGeom>
+        </p:spPr>
+        <p:txBody>
+          <a:bodyPr lIns="0" rIns="0" tIns="0" bIns="0" anchor="ctr"/>
+          <a:p>
             <a:r>
               <a:rPr lang="en-US" sz="4400">
-                <a:solidFill>
-                  <a:srgbClr val="000000"/>
-                </a:solidFill>
-                <a:latin typeface="Calibri Light"/>
+                <a:latin typeface="Arial"/>
               </a:rPr>
-              <a:t>Sprint 1:</a:t>
+              <a:t>User Stories:</a:t>
+            </a:r>
+            <a:endParaRPr/>
+          </a:p>
+        </p:txBody>
+      </p:sp>
+      <p:sp>
+        <p:nvSpPr>
+          <p:cNvPr id="221" name="TextShape 2"/>
+          <p:cNvSpPr txBox="1"/>
+          <p:nvPr/>
+        </p:nvSpPr>
+        <p:spPr>
+          <a:xfrm>
+            <a:off x="609480" y="1604520"/>
+            <a:ext cx="10972440" cy="3977280"/>
+          </a:xfrm>
+          <a:prstGeom prst="rect">
+            <a:avLst/>
+          </a:prstGeom>
+        </p:spPr>
+        <p:txBody>
+          <a:bodyPr lIns="0" rIns="0" tIns="0" bIns="0"/>
+          <a:p>
+            <a:r>
+              <a:rPr lang="en-US" sz="2400">
+                <a:latin typeface="Arial"/>
+              </a:rPr>
+              <a:t>-As a user, I want a solve function to get a solution to the puzzle.</a:t>
+            </a:r>
+            <a:endParaRPr/>
+          </a:p>
+          <a:p>
+            <a:r>
+              <a:rPr lang="en-US" sz="2400">
+                <a:latin typeface="Arial"/>
+              </a:rPr>
+              <a:t>-As a user, I want a connection to a server for multiplayer capabilities.</a:t>
+            </a:r>
+            <a:endParaRPr/>
+          </a:p>
+          <a:p>
+            <a:r>
+              <a:rPr lang="en-US" sz="2400">
+                <a:latin typeface="Arial"/>
+              </a:rPr>
+              <a:t>-As a user, I want a set of rules to insure the other users don’t cheat or break the rules.</a:t>
+            </a:r>
+            <a:endParaRPr/>
+          </a:p>
+          <a:p>
+            <a:r>
+              <a:rPr lang="en-US" sz="2400">
+                <a:latin typeface="Arial"/>
+              </a:rPr>
+              <a:t>-As a user, I want a GUI that makes my experience more pleasant.</a:t>
+            </a:r>
+            <a:endParaRPr/>
+          </a:p>
+          <a:p>
+            <a:r>
+              <a:rPr lang="en-US" sz="2400">
+                <a:latin typeface="Arial"/>
+              </a:rPr>
+              <a:t>-As a user, I want extended GUI features (scrolling, options, colors, etc).</a:t>
+            </a:r>
+            <a:endParaRPr/>
+          </a:p>
+          <a:p>
+            <a:endParaRPr/>
+          </a:p>
+          <a:p>
+            <a:r>
+              <a:rPr lang="en-US" sz="2400">
+                <a:latin typeface="Arial"/>
+              </a:rPr>
+              <a:t>-As a user, I want a generate my own puzzle option to ensure unique user experience.</a:t>
+            </a:r>
+            <a:endParaRPr/>
+          </a:p>
+          <a:p>
+            <a:r>
+              <a:rPr lang="en-US" sz="2400">
+                <a:latin typeface="Arial"/>
+              </a:rPr>
+              <a:t> </a:t>
             </a:r>
             <a:endParaRPr/>
           </a:p>
@@ -11545,6 +11788,92 @@
           <p:childTnLst>
             <p:seq>
               <p:cTn id="6" nodeType="mainSeq"/>
+              <p:prevCondLst>
+                <p:cond delay="0" evt="onPrev">
+                  <p:tgtEl>
+                    <p:sldTgt/>
+                  </p:tgtEl>
+                </p:cond>
+              </p:prevCondLst>
+              <p:nextCondLst>
+                <p:cond delay="0" evt="onNext">
+                  <p:tgtEl>
+                    <p:sldTgt/>
+                  </p:tgtEl>
+                </p:cond>
+              </p:nextCondLst>
+            </p:seq>
+          </p:childTnLst>
+        </p:cTn>
+      </p:par>
+    </p:tnLst>
+  </p:timing>
+</p:sld>
+</file>
+
+<file path=ppt/slides/slide30.xml><?xml version="1.0" encoding="utf-8"?>
+<p:sld xmlns:a="http://schemas.openxmlformats.org/drawingml/2006/main" xmlns:p="http://schemas.openxmlformats.org/presentationml/2006/main" xmlns:r="http://schemas.openxmlformats.org/officeDocument/2006/relationships">
+  <p:cSld>
+    <p:spTree>
+      <p:nvGrpSpPr>
+        <p:cNvPr id="1" name=""/>
+        <p:cNvGrpSpPr/>
+        <p:nvPr/>
+      </p:nvGrpSpPr>
+      <p:grpSpPr>
+        <a:xfrm>
+          <a:off x="0" y="0"/>
+          <a:ext cx="0" cy="0"/>
+          <a:chOff x="0" y="0"/>
+          <a:chExt cx="0" cy="0"/>
+        </a:xfrm>
+      </p:grpSpPr>
+      <p:sp>
+        <p:nvSpPr>
+          <p:cNvPr id="268" name="CustomShape 1"/>
+          <p:cNvSpPr/>
+          <p:nvPr/>
+        </p:nvSpPr>
+        <p:spPr>
+          <a:xfrm>
+            <a:off x="731880" y="2834640"/>
+            <a:ext cx="10971720" cy="1144080"/>
+          </a:xfrm>
+          <a:prstGeom prst="rect">
+            <a:avLst/>
+          </a:prstGeom>
+          <a:noFill/>
+          <a:ln>
+            <a:noFill/>
+          </a:ln>
+        </p:spPr>
+        <p:txBody>
+          <a:bodyPr lIns="0" rIns="0" tIns="0" bIns="0" anchor="ctr"/>
+          <a:p>
+            <a:pPr algn="ctr">
+              <a:lnSpc>
+                <a:spcPct val="100000"/>
+              </a:lnSpc>
+            </a:pPr>
+            <a:r>
+              <a:rPr lang="en-US" sz="4400">
+                <a:latin typeface="Impact"/>
+              </a:rPr>
+              <a:t>Questions?</a:t>
+            </a:r>
+            <a:endParaRPr/>
+          </a:p>
+        </p:txBody>
+      </p:sp>
+    </p:spTree>
+  </p:cSld>
+  <p:timing>
+    <p:tnLst>
+      <p:par>
+        <p:cTn id="59" dur="indefinite" restart="never" nodeType="tmRoot">
+          <p:childTnLst>
+            <p:seq>
+              <p:cTn id="60" nodeType="mainSeq"/>
               <p:prevCondLst>
                 <p:cond delay="0" evt="onPrev">
                   <p:tgtEl>
@@ -11585,31 +11914,48 @@
           <a:chExt cx="0" cy="0"/>
         </a:xfrm>
       </p:grpSpPr>
-      <p:pic>
-        <p:nvPicPr>
-          <p:cNvPr id="221" name="" descr=""/>
-          <p:cNvPicPr/>
+      <p:sp>
+        <p:nvSpPr>
+          <p:cNvPr id="222" name="CustomShape 1"/>
+          <p:cNvSpPr/>
           <p:nvPr/>
-        </p:nvPicPr>
-        <p:blipFill>
-          <a:blip r:embed="rId1"/>
-          <a:stretch>
-            <a:fillRect/>
-          </a:stretch>
-        </p:blipFill>
-        <p:spPr>
-          <a:xfrm>
-            <a:off x="548640" y="360"/>
-            <a:ext cx="10971720" cy="6856920"/>
-          </a:xfrm>
-          <a:prstGeom prst="rect">
-            <a:avLst/>
-          </a:prstGeom>
+        </p:nvSpPr>
+        <p:spPr>
+          <a:xfrm>
+            <a:off x="763920" y="2671560"/>
+            <a:ext cx="10514160" cy="1324080"/>
+          </a:xfrm>
+          <a:prstGeom prst="rect">
+            <a:avLst/>
+          </a:prstGeom>
+          <a:solidFill>
+            <a:srgbClr val="dddddd"/>
+          </a:solidFill>
           <a:ln>
             <a:noFill/>
           </a:ln>
         </p:spPr>
-      </p:pic>
+        <p:txBody>
+          <a:bodyPr lIns="90000" rIns="90000" tIns="45000" bIns="45000" anchor="ctr"/>
+          <a:p>
+            <a:pPr algn="ctr">
+              <a:lnSpc>
+                <a:spcPct val="100000"/>
+              </a:lnSpc>
+            </a:pPr>
+            <a:r>
+              <a:rPr lang="en-US" sz="4400">
+                <a:solidFill>
+                  <a:srgbClr val="000000"/>
+                </a:solidFill>
+                <a:latin typeface="Calibri Light"/>
+              </a:rPr>
+              <a:t>Sprint 1:</a:t>
+            </a:r>
+            <a:endParaRPr/>
+          </a:p>
+        </p:txBody>
+      </p:sp>
     </p:spTree>
   </p:cSld>
   <p:timing>
@@ -11659,112 +12005,31 @@
           <a:chExt cx="0" cy="0"/>
         </a:xfrm>
       </p:grpSpPr>
-      <p:sp>
-        <p:nvSpPr>
-          <p:cNvPr id="222" name="CustomShape 1"/>
-          <p:cNvSpPr/>
+      <p:pic>
+        <p:nvPicPr>
+          <p:cNvPr id="223" name="" descr=""/>
+          <p:cNvPicPr/>
           <p:nvPr/>
-        </p:nvSpPr>
-        <p:spPr>
-          <a:xfrm>
-            <a:off x="838080" y="365040"/>
-            <a:ext cx="10514520" cy="1324440"/>
-          </a:xfrm>
-          <a:prstGeom prst="rect">
-            <a:avLst/>
-          </a:prstGeom>
-          <a:noFill/>
+        </p:nvPicPr>
+        <p:blipFill>
+          <a:blip r:embed="rId1"/>
+          <a:stretch>
+            <a:fillRect/>
+          </a:stretch>
+        </p:blipFill>
+        <p:spPr>
+          <a:xfrm>
+            <a:off x="548640" y="360"/>
+            <a:ext cx="10971360" cy="6856560"/>
+          </a:xfrm>
+          <a:prstGeom prst="rect">
+            <a:avLst/>
+          </a:prstGeom>
           <a:ln>
             <a:noFill/>
           </a:ln>
         </p:spPr>
-        <p:txBody>
-          <a:bodyPr lIns="0" rIns="0" tIns="0" bIns="0" anchor="ctr"/>
-          <a:p>
-            <a:r>
-              <a:rPr lang="en-US" sz="4400">
-                <a:latin typeface="Calibri"/>
-              </a:rPr>
-              <a:t>Good:</a:t>
-            </a:r>
-            <a:endParaRPr/>
-          </a:p>
-        </p:txBody>
-      </p:sp>
-      <p:sp>
-        <p:nvSpPr>
-          <p:cNvPr id="223" name="CustomShape 2"/>
-          <p:cNvSpPr/>
-          <p:nvPr/>
-        </p:nvSpPr>
-        <p:spPr>
-          <a:xfrm>
-            <a:off x="838080" y="1825560"/>
-            <a:ext cx="10514520" cy="4350240"/>
-          </a:xfrm>
-          <a:prstGeom prst="rect">
-            <a:avLst/>
-          </a:prstGeom>
-          <a:noFill/>
-          <a:ln>
-            <a:noFill/>
-          </a:ln>
-        </p:spPr>
-        <p:txBody>
-          <a:bodyPr lIns="0" rIns="0" tIns="0" bIns="0"/>
-          <a:p>
-            <a:pPr>
-              <a:lnSpc>
-                <a:spcPct val="100000"/>
-              </a:lnSpc>
-              <a:buSzPct val="45000"/>
-              <a:buFont typeface="StarSymbol"/>
-              <a:buChar char="l"/>
-            </a:pPr>
-            <a:r>
-              <a:rPr lang="en-US" sz="2800">
-                <a:latin typeface="Calibri"/>
-              </a:rPr>
-              <a:t>Developed a good plan (Diagrams) – When we were designing our application, we spent a good deal of time figure out what exactly we needed to do to stay busy and what was important versus what could be added in if we needed to, etc.</a:t>
-            </a:r>
-            <a:endParaRPr/>
-          </a:p>
-          <a:p>
-            <a:pPr>
-              <a:lnSpc>
-                <a:spcPct val="100000"/>
-              </a:lnSpc>
-              <a:buSzPct val="45000"/>
-              <a:buFont typeface="StarSymbol"/>
-              <a:buChar char="l"/>
-            </a:pPr>
-            <a:r>
-              <a:rPr lang="en-US" sz="2800">
-                <a:latin typeface="Calibri"/>
-              </a:rPr>
-              <a:t>Finished all of base code (GameLogic) – With all applications, a good base is fundamental. The GameLogic code is referenced a lot throughout all of the code, so if there was a small bug deep down, it needed to be fixed.</a:t>
-            </a:r>
-            <a:endParaRPr/>
-          </a:p>
-          <a:p>
-            <a:pPr>
-              <a:lnSpc>
-                <a:spcPct val="100000"/>
-              </a:lnSpc>
-              <a:buSzPct val="45000"/>
-              <a:buFont typeface="StarSymbol"/>
-              <a:buChar char="l"/>
-            </a:pPr>
-            <a:r>
-              <a:rPr lang="en-US" sz="2800">
-                <a:latin typeface="Calibri"/>
-              </a:rPr>
-              <a:t>Made better goals for Sprint #2. - We figured out what worked and what didn't and improved on that.</a:t>
-            </a:r>
-            <a:endParaRPr/>
-          </a:p>
-        </p:txBody>
-      </p:sp>
+      </p:pic>
     </p:spTree>
   </p:cSld>
   <p:timing>
@@ -11823,12 +12088,14 @@
         <p:spPr>
           <a:xfrm>
             <a:off x="838080" y="365040"/>
-            <a:ext cx="10514520" cy="1324440"/>
-          </a:xfrm>
-          <a:prstGeom prst="rect">
-            <a:avLst/>
-          </a:prstGeom>
-          <a:noFill/>
+            <a:ext cx="10514160" cy="1324080"/>
+          </a:xfrm>
+          <a:prstGeom prst="rect">
+            <a:avLst/>
+          </a:prstGeom>
+          <a:solidFill>
+            <a:srgbClr val="dddddd"/>
+          </a:solidFill>
           <a:ln>
             <a:noFill/>
           </a:ln>
@@ -11840,7 +12107,7 @@
               <a:rPr lang="en-US" sz="4400">
                 <a:latin typeface="Calibri"/>
               </a:rPr>
-              <a:t>Bad:</a:t>
+              <a:t>Good:</a:t>
             </a:r>
             <a:endParaRPr/>
           </a:p>
@@ -11855,12 +12122,14 @@
         <p:spPr>
           <a:xfrm>
             <a:off x="838080" y="1825560"/>
-            <a:ext cx="10514520" cy="4350240"/>
-          </a:xfrm>
-          <a:prstGeom prst="rect">
-            <a:avLst/>
-          </a:prstGeom>
-          <a:noFill/>
+            <a:ext cx="10514160" cy="4349880"/>
+          </a:xfrm>
+          <a:prstGeom prst="rect">
+            <a:avLst/>
+          </a:prstGeom>
+          <a:solidFill>
+            <a:srgbClr val="dddddd"/>
+          </a:solidFill>
           <a:ln>
             <a:noFill/>
           </a:ln>
@@ -11880,7 +12149,7 @@
               <a:rPr lang="en-US" sz="2800">
                 <a:latin typeface="Calibri"/>
               </a:rPr>
-              <a:t>Git-hub – Only one member had experience. </a:t>
+              <a:t>Developed a good plan (Diagrams) – When we were designing our application, we spent a good deal of time figure out what exactly we needed to do to stay busy and what was important versus what could be added in if we needed to, etc.</a:t>
             </a:r>
             <a:endParaRPr/>
           </a:p>
@@ -11897,7 +12166,7 @@
               <a:rPr lang="en-US" sz="2800">
                 <a:latin typeface="Calibri"/>
               </a:rPr>
-              <a:t>Timing – Didn't dedicate very much time towards actual programming. - We deemed it important to develop a good plan in order to make sure the application was the best it could be in the given time. Planning took a week, so now we only had 5 weeks of actual development time.</a:t>
+              <a:t>Finished all of base code (GameLogic) – With all applications, a good base is fundamental. The GameLogic code is referenced a lot throughout all of the code, so if there was a small bug deep down, it needed to be fixed.</a:t>
             </a:r>
             <a:endParaRPr/>
           </a:p>
@@ -11914,24 +12183,7 @@
               <a:rPr lang="en-US" sz="2800">
                 <a:latin typeface="Calibri"/>
               </a:rPr>
-              <a:t>Minor bugs to work through with getting everyone's code working together – Making sure variables were correct, get/set methods, etc. All had to work together.</a:t>
-            </a:r>
-            <a:endParaRPr/>
-          </a:p>
-          <a:p>
-            <a:pPr>
-              <a:lnSpc>
-                <a:spcPct val="100000"/>
-              </a:lnSpc>
-              <a:buSzPct val="45000"/>
-              <a:buFont typeface="StarSymbol"/>
-              <a:buChar char="l"/>
-            </a:pPr>
-            <a:r>
-              <a:rPr lang="en-US" sz="2800">
-                <a:latin typeface="Calibri"/>
-              </a:rPr>
-              <a:t>Burn-down Chart – We all don't have much experience with group projects, so we over budgeted everything, so our burn-down chart looks a little different from most peoples. </a:t>
+              <a:t>Made better goals for Sprint #2. - We figured out what worked and what didn't and improved on that.</a:t>
             </a:r>
             <a:endParaRPr/>
           </a:p>
@@ -11986,31 +12238,133 @@
           <a:chExt cx="0" cy="0"/>
         </a:xfrm>
       </p:grpSpPr>
-      <p:pic>
-        <p:nvPicPr>
-          <p:cNvPr id="226" name="Picture 3" descr=""/>
-          <p:cNvPicPr/>
+      <p:sp>
+        <p:nvSpPr>
+          <p:cNvPr id="226" name="CustomShape 1"/>
+          <p:cNvSpPr/>
           <p:nvPr/>
-        </p:nvPicPr>
-        <p:blipFill>
-          <a:blip r:embed="rId1"/>
-          <a:stretch>
-            <a:fillRect/>
-          </a:stretch>
-        </p:blipFill>
-        <p:spPr>
-          <a:xfrm>
-            <a:off x="609480" y="0"/>
-            <a:ext cx="10971720" cy="6856920"/>
-          </a:xfrm>
-          <a:prstGeom prst="rect">
-            <a:avLst/>
-          </a:prstGeom>
+        </p:nvSpPr>
+        <p:spPr>
+          <a:xfrm>
+            <a:off x="838080" y="365040"/>
+            <a:ext cx="10514160" cy="1324080"/>
+          </a:xfrm>
+          <a:prstGeom prst="rect">
+            <a:avLst/>
+          </a:prstGeom>
+          <a:solidFill>
+            <a:srgbClr val="dddddd"/>
+          </a:solidFill>
           <a:ln>
             <a:noFill/>
           </a:ln>
         </p:spPr>
-      </p:pic>
+        <p:txBody>
+          <a:bodyPr lIns="0" rIns="0" tIns="0" bIns="0" anchor="ctr"/>
+          <a:p>
+            <a:r>
+              <a:rPr lang="en-US" sz="4400">
+                <a:latin typeface="Calibri"/>
+              </a:rPr>
+              <a:t>Bad:</a:t>
+            </a:r>
+            <a:endParaRPr/>
+          </a:p>
+        </p:txBody>
+      </p:sp>
+      <p:sp>
+        <p:nvSpPr>
+          <p:cNvPr id="227" name="CustomShape 2"/>
+          <p:cNvSpPr/>
+          <p:nvPr/>
+        </p:nvSpPr>
+        <p:spPr>
+          <a:xfrm>
+            <a:off x="838080" y="1825560"/>
+            <a:ext cx="10514160" cy="4349880"/>
+          </a:xfrm>
+          <a:prstGeom prst="rect">
+            <a:avLst/>
+          </a:prstGeom>
+          <a:solidFill>
+            <a:srgbClr val="dddddd"/>
+          </a:solidFill>
+          <a:ln>
+            <a:noFill/>
+          </a:ln>
+        </p:spPr>
+        <p:txBody>
+          <a:bodyPr lIns="0" rIns="0" tIns="0" bIns="0"/>
+          <a:p>
+            <a:pPr>
+              <a:lnSpc>
+                <a:spcPct val="100000"/>
+              </a:lnSpc>
+              <a:buSzPct val="45000"/>
+              <a:buFont typeface="StarSymbol"/>
+              <a:buChar char="l"/>
+            </a:pPr>
+            <a:r>
+              <a:rPr lang="en-US" sz="2600">
+                <a:latin typeface="Calibri"/>
+              </a:rPr>
+              <a:t>Git-hub – Only one member had experience. </a:t>
+            </a:r>
+            <a:endParaRPr/>
+          </a:p>
+          <a:p>
+            <a:pPr>
+              <a:lnSpc>
+                <a:spcPct val="100000"/>
+              </a:lnSpc>
+              <a:buSzPct val="45000"/>
+              <a:buFont typeface="StarSymbol"/>
+              <a:buChar char="l"/>
+            </a:pPr>
+            <a:r>
+              <a:rPr lang="en-US" sz="2600">
+                <a:latin typeface="Calibri"/>
+              </a:rPr>
+              <a:t>Timing – Didn't dedicate very much time towards actual programming. - We deemed it important to develop a good plan in order to make sure the application was the best it could be in the given time. Planning took a week, so now we only had 5 weeks of actual development time.</a:t>
+            </a:r>
+            <a:endParaRPr/>
+          </a:p>
+          <a:p>
+            <a:pPr>
+              <a:lnSpc>
+                <a:spcPct val="100000"/>
+              </a:lnSpc>
+              <a:buSzPct val="45000"/>
+              <a:buFont typeface="StarSymbol"/>
+              <a:buChar char="l"/>
+            </a:pPr>
+            <a:r>
+              <a:rPr lang="en-US" sz="2600">
+                <a:latin typeface="Calibri"/>
+              </a:rPr>
+              <a:t>Minor bugs to work through with getting everyone's code working together – Making sure variables were correct, get/set methods, etc. All had to work together.</a:t>
+            </a:r>
+            <a:endParaRPr/>
+          </a:p>
+          <a:p>
+            <a:pPr>
+              <a:lnSpc>
+                <a:spcPct val="100000"/>
+              </a:lnSpc>
+              <a:buSzPct val="45000"/>
+              <a:buFont typeface="StarSymbol"/>
+              <a:buChar char="l"/>
+            </a:pPr>
+            <a:r>
+              <a:rPr lang="en-US" sz="2600">
+                <a:latin typeface="Calibri"/>
+              </a:rPr>
+              <a:t>Burn-down Chart – We all don't have much experience with group projects, so we over budgeted everything, so our burn-down chart looks a little different from most peoples. </a:t>
+            </a:r>
+            <a:endParaRPr/>
+          </a:p>
+        </p:txBody>
+      </p:sp>
     </p:spTree>
   </p:cSld>
   <p:timing>
@@ -12062,7 +12416,7 @@
       </p:grpSpPr>
       <p:pic>
         <p:nvPicPr>
-          <p:cNvPr id="227" name="Picture 3" descr=""/>
+          <p:cNvPr id="228" name="Picture 3" descr=""/>
           <p:cNvPicPr/>
           <p:nvPr/>
         </p:nvPicPr>
@@ -12075,7 +12429,7 @@
         <p:spPr>
           <a:xfrm>
             <a:off x="609480" y="0"/>
-            <a:ext cx="10971720" cy="6856920"/>
+            <a:ext cx="10971360" cy="6856560"/>
           </a:xfrm>
           <a:prstGeom prst="rect">
             <a:avLst/>
@@ -12134,59 +12488,31 @@
           <a:chExt cx="0" cy="0"/>
         </a:xfrm>
       </p:grpSpPr>
-      <p:sp>
-        <p:nvSpPr>
-          <p:cNvPr id="228" name="CustomShape 1"/>
-          <p:cNvSpPr/>
+      <p:pic>
+        <p:nvPicPr>
+          <p:cNvPr id="229" name="Picture 3" descr=""/>
+          <p:cNvPicPr/>
           <p:nvPr/>
-        </p:nvSpPr>
-        <p:spPr>
-          <a:xfrm>
-            <a:off x="609480" y="273600"/>
-            <a:ext cx="10972080" cy="1144440"/>
-          </a:xfrm>
-          <a:prstGeom prst="rect">
-            <a:avLst/>
-          </a:prstGeom>
-          <a:noFill/>
+        </p:nvPicPr>
+        <p:blipFill>
+          <a:blip r:embed="rId1"/>
+          <a:stretch>
+            <a:fillRect/>
+          </a:stretch>
+        </p:blipFill>
+        <p:spPr>
+          <a:xfrm>
+            <a:off x="609480" y="0"/>
+            <a:ext cx="10971360" cy="6856560"/>
+          </a:xfrm>
+          <a:prstGeom prst="rect">
+            <a:avLst/>
+          </a:prstGeom>
           <a:ln>
             <a:noFill/>
           </a:ln>
         </p:spPr>
-        <p:txBody>
-          <a:bodyPr lIns="0" rIns="0" tIns="0" bIns="0" anchor="ctr"/>
-          <a:p>
-            <a:pPr algn="ctr">
-              <a:lnSpc>
-                <a:spcPct val="100000"/>
-              </a:lnSpc>
-            </a:pPr>
-            <a:r>
-              <a:rPr lang="en-US" sz="4400">
-                <a:latin typeface="Arial"/>
-              </a:rPr>
-              <a:t>Burndown Chart for Sprint 1:</a:t>
-            </a:r>
-            <a:endParaRPr/>
-          </a:p>
-        </p:txBody>
-      </p:sp>
-      <p:graphicFrame>
-        <p:nvGraphicFramePr>
-          <p:cNvPr id="229" name="Chart 3"/>
-          <p:cNvGraphicFramePr/>
-          <p:nvPr/>
-        </p:nvGraphicFramePr>
-        <p:xfrm>
-          <a:off x="1645920" y="1188720"/>
-          <a:ext cx="8759160" cy="5375880"/>
-        </p:xfrm>
-        <a:graphic>
-          <a:graphicData uri="http://schemas.openxmlformats.org/drawingml/2006/chart">
-            <c:chart xmlns:c="http://schemas.openxmlformats.org/drawingml/2006/chart" xmlns:r="http://schemas.openxmlformats.org/officeDocument/2006/relationships" r:id="rId1"/>
-          </a:graphicData>
-        </a:graphic>
-      </p:graphicFrame>
+      </p:pic>
     </p:spTree>
   </p:cSld>
   <p:timing>

--- a/Project Assets/Team Shi Final Presentation.pptx
+++ b/Project Assets/Team Shi Final Presentation.pptx
@@ -8,45 +8,48 @@
     <p:sldMasterId id="2147483687" r:id="rId5"/>
     <p:sldMasterId id="2147483700" r:id="rId6"/>
     <p:sldMasterId id="2147483713" r:id="rId7"/>
+    <p:sldMasterId id="2147483726" r:id="rId8"/>
+    <p:sldMasterId id="2147483739" r:id="rId9"/>
+    <p:sldMasterId id="2147483752" r:id="rId10"/>
   </p:sldMasterIdLst>
   <p:sldIdLst>
-    <p:sldId id="256" r:id="rId8"/>
-    <p:sldId id="257" r:id="rId9"/>
-    <p:sldId id="258" r:id="rId10"/>
-    <p:sldId id="259" r:id="rId11"/>
-    <p:sldId id="260" r:id="rId12"/>
-    <p:sldId id="261" r:id="rId13"/>
-    <p:sldId id="262" r:id="rId14"/>
-    <p:sldId id="263" r:id="rId15"/>
-    <p:sldId id="264" r:id="rId16"/>
-    <p:sldId id="265" r:id="rId17"/>
-    <p:sldId id="266" r:id="rId18"/>
-    <p:sldId id="267" r:id="rId19"/>
-    <p:sldId id="268" r:id="rId20"/>
-    <p:sldId id="269" r:id="rId21"/>
-    <p:sldId id="270" r:id="rId22"/>
-    <p:sldId id="271" r:id="rId23"/>
-    <p:sldId id="272" r:id="rId24"/>
-    <p:sldId id="273" r:id="rId25"/>
-    <p:sldId id="274" r:id="rId26"/>
-    <p:sldId id="275" r:id="rId27"/>
-    <p:sldId id="276" r:id="rId28"/>
-    <p:sldId id="277" r:id="rId29"/>
-    <p:sldId id="278" r:id="rId30"/>
-    <p:sldId id="279" r:id="rId31"/>
-    <p:sldId id="280" r:id="rId32"/>
-    <p:sldId id="281" r:id="rId33"/>
-    <p:sldId id="282" r:id="rId34"/>
-    <p:sldId id="283" r:id="rId35"/>
-    <p:sldId id="284" r:id="rId36"/>
-    <p:sldId id="285" r:id="rId37"/>
+    <p:sldId id="256" r:id="rId11"/>
+    <p:sldId id="257" r:id="rId12"/>
+    <p:sldId id="258" r:id="rId13"/>
+    <p:sldId id="259" r:id="rId14"/>
+    <p:sldId id="260" r:id="rId15"/>
+    <p:sldId id="261" r:id="rId16"/>
+    <p:sldId id="262" r:id="rId17"/>
+    <p:sldId id="263" r:id="rId18"/>
+    <p:sldId id="264" r:id="rId19"/>
+    <p:sldId id="265" r:id="rId20"/>
+    <p:sldId id="266" r:id="rId21"/>
+    <p:sldId id="267" r:id="rId22"/>
+    <p:sldId id="268" r:id="rId23"/>
+    <p:sldId id="269" r:id="rId24"/>
+    <p:sldId id="270" r:id="rId25"/>
+    <p:sldId id="271" r:id="rId26"/>
+    <p:sldId id="272" r:id="rId27"/>
+    <p:sldId id="273" r:id="rId28"/>
+    <p:sldId id="274" r:id="rId29"/>
+    <p:sldId id="275" r:id="rId30"/>
+    <p:sldId id="276" r:id="rId31"/>
+    <p:sldId id="277" r:id="rId32"/>
+    <p:sldId id="278" r:id="rId33"/>
+    <p:sldId id="279" r:id="rId34"/>
+    <p:sldId id="280" r:id="rId35"/>
+    <p:sldId id="281" r:id="rId36"/>
+    <p:sldId id="282" r:id="rId37"/>
+    <p:sldId id="283" r:id="rId38"/>
+    <p:sldId id="284" r:id="rId39"/>
+    <p:sldId id="285" r:id="rId40"/>
   </p:sldIdLst>
   <p:sldSz cx="12192000" cy="6858000"/>
   <p:notesSz cx="7772400" cy="10058400"/>
 </p:presentation>
 </file>
 
-<file path=ppt/charts/chart3.xml><?xml version="1.0" encoding="utf-8"?>
+<file path=ppt/charts/chart1.xml><?xml version="1.0" encoding="utf-8"?>
 <c:chartSpace xmlns:c="http://schemas.openxmlformats.org/drawingml/2006/chart" xmlns:a="http://schemas.openxmlformats.org/drawingml/2006/main" xmlns:r="http://schemas.openxmlformats.org/officeDocument/2006/relationships">
   <c:lang val="en-US"/>
   <c:chart>
@@ -269,11 +272,11 @@
           </c:val>
         </c:ser>
         <c:marker val="1"/>
-        <c:axId val="62060293"/>
-        <c:axId val="96907657"/>
+        <c:axId val="67280468"/>
+        <c:axId val="49859472"/>
       </c:lineChart>
       <c:catAx>
-        <c:axId val="62060293"/>
+        <c:axId val="67280468"/>
         <c:scaling>
           <c:orientation val="minMax"/>
         </c:scaling>
@@ -290,14 +293,14 @@
             <a:round/>
           </a:ln>
         </c:spPr>
-        <c:crossAx val="96907657"/>
-        <c:crosses val="autoZero"/>
+        <c:crossAx val="49859472"/>
+        <c:crossesAt val="0"/>
         <c:auto val="1"/>
         <c:lblAlgn val="ctr"/>
         <c:lblOffset val="100"/>
       </c:catAx>
       <c:valAx>
-        <c:axId val="96907657"/>
+        <c:axId val="49859472"/>
         <c:scaling>
           <c:orientation val="minMax"/>
         </c:scaling>
@@ -314,7 +317,7 @@
             <a:round/>
           </a:ln>
         </c:spPr>
-        <c:crossAx val="62060293"/>
+        <c:crossAx val="67280468"/>
         <c:crossesAt val="0"/>
       </c:valAx>
       <c:spPr>
@@ -345,7 +348,7 @@
 </c:chartSpace>
 </file>
 
-<file path=ppt/charts/chart4.xml><?xml version="1.0" encoding="utf-8"?>
+<file path=ppt/charts/chart2.xml><?xml version="1.0" encoding="utf-8"?>
 <c:chartSpace xmlns:c="http://schemas.openxmlformats.org/drawingml/2006/chart" xmlns:a="http://schemas.openxmlformats.org/drawingml/2006/main" xmlns:r="http://schemas.openxmlformats.org/officeDocument/2006/relationships">
   <c:lang val="en-US"/>
   <c:chart>
@@ -403,7 +406,7 @@
             </a:ln>
           </c:spPr>
           <c:marker>
-            <c:size val="4"/>
+            <c:size val="3"/>
           </c:marker>
           <c:dLbls>
             <c:showLegendKey val="0"/>
@@ -498,7 +501,7 @@
             </a:ln>
           </c:spPr>
           <c:marker>
-            <c:size val="4"/>
+            <c:size val="3"/>
           </c:marker>
           <c:dLbls>
             <c:showLegendKey val="0"/>
@@ -582,7 +585,7 @@
             </a:ln>
           </c:spPr>
           <c:marker>
-            <c:size val="4"/>
+            <c:size val="3"/>
           </c:marker>
           <c:dLbls>
             <c:showLegendKey val="0"/>
@@ -633,7 +636,7 @@
             </a:ln>
           </c:spPr>
           <c:marker>
-            <c:size val="4"/>
+            <c:size val="3"/>
           </c:marker>
           <c:dLbls>
             <c:showLegendKey val="0"/>
@@ -673,11 +676,11 @@
           </c:cat>
         </c:ser>
         <c:marker val="1"/>
-        <c:axId val="86054094"/>
-        <c:axId val="88893765"/>
+        <c:axId val="90247621"/>
+        <c:axId val="33012297"/>
       </c:lineChart>
       <c:catAx>
-        <c:axId val="86054094"/>
+        <c:axId val="90247621"/>
         <c:scaling>
           <c:orientation val="minMax"/>
         </c:scaling>
@@ -718,14 +721,14 @@
             <a:round/>
           </a:ln>
         </c:spPr>
-        <c:crossAx val="88893765"/>
-        <c:crosses val="autoZero"/>
+        <c:crossAx val="33012297"/>
+        <c:crossesAt val="0"/>
         <c:auto val="1"/>
         <c:lblAlgn val="ctr"/>
         <c:lblOffset val="100"/>
       </c:catAx>
       <c:valAx>
-        <c:axId val="88893765"/>
+        <c:axId val="33012297"/>
         <c:scaling>
           <c:orientation val="minMax"/>
         </c:scaling>
@@ -773,7 +776,7 @@
             <a:noFill/>
           </a:ln>
         </c:spPr>
-        <c:crossAx val="86054094"/>
+        <c:crossAx val="90247621"/>
         <c:crossesAt val="0"/>
       </c:valAx>
       <c:spPr>
@@ -932,6 +935,991 @@
 </p:sldLayout>
 </file>
 
+<file path=ppt/slideLayouts/slideLayout100.xml><?xml version="1.0" encoding="utf-8"?>
+<p:sldLayout xmlns:a="http://schemas.openxmlformats.org/drawingml/2006/main" xmlns:p="http://schemas.openxmlformats.org/presentationml/2006/main" xmlns:r="http://schemas.openxmlformats.org/officeDocument/2006/relationships" type="twoObj" preserve="1">
+  <p:cSld name="Title, 2 Content">
+    <p:spTree>
+      <p:nvGrpSpPr>
+        <p:cNvPr id="1" name=""/>
+        <p:cNvGrpSpPr/>
+        <p:nvPr/>
+      </p:nvGrpSpPr>
+      <p:grpSpPr>
+        <a:xfrm>
+          <a:off x="0" y="0"/>
+          <a:ext cx="0" cy="0"/>
+          <a:chOff x="0" y="0"/>
+          <a:chExt cx="0" cy="0"/>
+        </a:xfrm>
+      </p:grpSpPr>
+      <p:sp>
+        <p:nvSpPr>
+          <p:cNvPr id="294" name="PlaceHolder 1"/>
+          <p:cNvSpPr>
+            <a:spLocks noGrp="1"/>
+          </p:cNvSpPr>
+          <p:nvPr>
+            <p:ph type="title"/>
+          </p:nvPr>
+        </p:nvSpPr>
+        <p:spPr>
+          <a:xfrm>
+            <a:off x="609480" y="273600"/>
+            <a:ext cx="10972440" cy="1145160"/>
+          </a:xfrm>
+          <a:prstGeom prst="rect">
+            <a:avLst/>
+          </a:prstGeom>
+        </p:spPr>
+        <p:txBody>
+          <a:bodyPr lIns="0" rIns="0" tIns="0" bIns="0" anchor="ctr"/>
+          <a:p>
+            <a:pPr algn="ctr"/>
+            <a:endParaRPr/>
+          </a:p>
+        </p:txBody>
+      </p:sp>
+      <p:sp>
+        <p:nvSpPr>
+          <p:cNvPr id="295" name="PlaceHolder 2"/>
+          <p:cNvSpPr>
+            <a:spLocks noGrp="1"/>
+          </p:cNvSpPr>
+          <p:nvPr>
+            <p:ph type="body"/>
+          </p:nvPr>
+        </p:nvSpPr>
+        <p:spPr>
+          <a:xfrm>
+            <a:off x="609480" y="1604520"/>
+            <a:ext cx="5354280" cy="3977280"/>
+          </a:xfrm>
+          <a:prstGeom prst="rect">
+            <a:avLst/>
+          </a:prstGeom>
+        </p:spPr>
+        <p:txBody>
+          <a:bodyPr lIns="0" rIns="0" tIns="0" bIns="0"/>
+          <a:p>
+            <a:endParaRPr/>
+          </a:p>
+        </p:txBody>
+      </p:sp>
+      <p:sp>
+        <p:nvSpPr>
+          <p:cNvPr id="296" name="PlaceHolder 3"/>
+          <p:cNvSpPr>
+            <a:spLocks noGrp="1"/>
+          </p:cNvSpPr>
+          <p:nvPr>
+            <p:ph type="body"/>
+          </p:nvPr>
+        </p:nvSpPr>
+        <p:spPr>
+          <a:xfrm>
+            <a:off x="6231960" y="1604520"/>
+            <a:ext cx="5354280" cy="3977280"/>
+          </a:xfrm>
+          <a:prstGeom prst="rect">
+            <a:avLst/>
+          </a:prstGeom>
+        </p:spPr>
+        <p:txBody>
+          <a:bodyPr lIns="0" rIns="0" tIns="0" bIns="0"/>
+          <a:p>
+            <a:endParaRPr/>
+          </a:p>
+        </p:txBody>
+      </p:sp>
+    </p:spTree>
+  </p:cSld>
+</p:sldLayout>
+</file>
+
+<file path=ppt/slideLayouts/slideLayout101.xml><?xml version="1.0" encoding="utf-8"?>
+<p:sldLayout xmlns:a="http://schemas.openxmlformats.org/drawingml/2006/main" xmlns:p="http://schemas.openxmlformats.org/presentationml/2006/main" xmlns:r="http://schemas.openxmlformats.org/officeDocument/2006/relationships" type="titleOnly" preserve="1">
+  <p:cSld name="Title Only">
+    <p:spTree>
+      <p:nvGrpSpPr>
+        <p:cNvPr id="1" name=""/>
+        <p:cNvGrpSpPr/>
+        <p:nvPr/>
+      </p:nvGrpSpPr>
+      <p:grpSpPr>
+        <a:xfrm>
+          <a:off x="0" y="0"/>
+          <a:ext cx="0" cy="0"/>
+          <a:chOff x="0" y="0"/>
+          <a:chExt cx="0" cy="0"/>
+        </a:xfrm>
+      </p:grpSpPr>
+      <p:sp>
+        <p:nvSpPr>
+          <p:cNvPr id="297" name="PlaceHolder 1"/>
+          <p:cNvSpPr>
+            <a:spLocks noGrp="1"/>
+          </p:cNvSpPr>
+          <p:nvPr>
+            <p:ph type="title"/>
+          </p:nvPr>
+        </p:nvSpPr>
+        <p:spPr>
+          <a:xfrm>
+            <a:off x="609480" y="273600"/>
+            <a:ext cx="10972440" cy="1145160"/>
+          </a:xfrm>
+          <a:prstGeom prst="rect">
+            <a:avLst/>
+          </a:prstGeom>
+        </p:spPr>
+        <p:txBody>
+          <a:bodyPr lIns="0" rIns="0" tIns="0" bIns="0" anchor="ctr"/>
+          <a:p>
+            <a:pPr algn="ctr"/>
+            <a:endParaRPr/>
+          </a:p>
+        </p:txBody>
+      </p:sp>
+    </p:spTree>
+  </p:cSld>
+</p:sldLayout>
+</file>
+
+<file path=ppt/slideLayouts/slideLayout102.xml><?xml version="1.0" encoding="utf-8"?>
+<p:sldLayout xmlns:a="http://schemas.openxmlformats.org/drawingml/2006/main" xmlns:p="http://schemas.openxmlformats.org/presentationml/2006/main" xmlns:r="http://schemas.openxmlformats.org/officeDocument/2006/relationships" type="objOnly" preserve="1">
+  <p:cSld name="Centered Text">
+    <p:spTree>
+      <p:nvGrpSpPr>
+        <p:cNvPr id="1" name=""/>
+        <p:cNvGrpSpPr/>
+        <p:nvPr/>
+      </p:nvGrpSpPr>
+      <p:grpSpPr>
+        <a:xfrm>
+          <a:off x="0" y="0"/>
+          <a:ext cx="0" cy="0"/>
+          <a:chOff x="0" y="0"/>
+          <a:chExt cx="0" cy="0"/>
+        </a:xfrm>
+      </p:grpSpPr>
+      <p:sp>
+        <p:nvSpPr>
+          <p:cNvPr id="298" name="PlaceHolder 1"/>
+          <p:cNvSpPr>
+            <a:spLocks noGrp="1"/>
+          </p:cNvSpPr>
+          <p:nvPr>
+            <p:ph type="subTitle"/>
+          </p:nvPr>
+        </p:nvSpPr>
+        <p:spPr>
+          <a:xfrm>
+            <a:off x="609480" y="273600"/>
+            <a:ext cx="10972440" cy="5308200"/>
+          </a:xfrm>
+          <a:prstGeom prst="rect">
+            <a:avLst/>
+          </a:prstGeom>
+        </p:spPr>
+        <p:txBody>
+          <a:bodyPr lIns="0" rIns="0" tIns="0" bIns="0" anchor="ctr"/>
+          <a:p>
+            <a:pPr algn="ctr"/>
+            <a:endParaRPr/>
+          </a:p>
+        </p:txBody>
+      </p:sp>
+    </p:spTree>
+  </p:cSld>
+</p:sldLayout>
+</file>
+
+<file path=ppt/slideLayouts/slideLayout103.xml><?xml version="1.0" encoding="utf-8"?>
+<p:sldLayout xmlns:a="http://schemas.openxmlformats.org/drawingml/2006/main" xmlns:p="http://schemas.openxmlformats.org/presentationml/2006/main" xmlns:r="http://schemas.openxmlformats.org/officeDocument/2006/relationships" type="twoObjAndObj" preserve="1">
+  <p:cSld name="Title, 2 Content and Content">
+    <p:spTree>
+      <p:nvGrpSpPr>
+        <p:cNvPr id="1" name=""/>
+        <p:cNvGrpSpPr/>
+        <p:nvPr/>
+      </p:nvGrpSpPr>
+      <p:grpSpPr>
+        <a:xfrm>
+          <a:off x="0" y="0"/>
+          <a:ext cx="0" cy="0"/>
+          <a:chOff x="0" y="0"/>
+          <a:chExt cx="0" cy="0"/>
+        </a:xfrm>
+      </p:grpSpPr>
+      <p:sp>
+        <p:nvSpPr>
+          <p:cNvPr id="299" name="PlaceHolder 1"/>
+          <p:cNvSpPr>
+            <a:spLocks noGrp="1"/>
+          </p:cNvSpPr>
+          <p:nvPr>
+            <p:ph type="title"/>
+          </p:nvPr>
+        </p:nvSpPr>
+        <p:spPr>
+          <a:xfrm>
+            <a:off x="609480" y="273600"/>
+            <a:ext cx="10972440" cy="1145160"/>
+          </a:xfrm>
+          <a:prstGeom prst="rect">
+            <a:avLst/>
+          </a:prstGeom>
+        </p:spPr>
+        <p:txBody>
+          <a:bodyPr lIns="0" rIns="0" tIns="0" bIns="0" anchor="ctr"/>
+          <a:p>
+            <a:pPr algn="ctr"/>
+            <a:endParaRPr/>
+          </a:p>
+        </p:txBody>
+      </p:sp>
+      <p:sp>
+        <p:nvSpPr>
+          <p:cNvPr id="300" name="PlaceHolder 2"/>
+          <p:cNvSpPr>
+            <a:spLocks noGrp="1"/>
+          </p:cNvSpPr>
+          <p:nvPr>
+            <p:ph type="body"/>
+          </p:nvPr>
+        </p:nvSpPr>
+        <p:spPr>
+          <a:xfrm>
+            <a:off x="609480" y="1604520"/>
+            <a:ext cx="5354280" cy="1896840"/>
+          </a:xfrm>
+          <a:prstGeom prst="rect">
+            <a:avLst/>
+          </a:prstGeom>
+        </p:spPr>
+        <p:txBody>
+          <a:bodyPr lIns="0" rIns="0" tIns="0" bIns="0"/>
+          <a:p>
+            <a:endParaRPr/>
+          </a:p>
+        </p:txBody>
+      </p:sp>
+      <p:sp>
+        <p:nvSpPr>
+          <p:cNvPr id="301" name="PlaceHolder 3"/>
+          <p:cNvSpPr>
+            <a:spLocks noGrp="1"/>
+          </p:cNvSpPr>
+          <p:nvPr>
+            <p:ph type="body"/>
+          </p:nvPr>
+        </p:nvSpPr>
+        <p:spPr>
+          <a:xfrm>
+            <a:off x="609480" y="3682080"/>
+            <a:ext cx="5354280" cy="1896840"/>
+          </a:xfrm>
+          <a:prstGeom prst="rect">
+            <a:avLst/>
+          </a:prstGeom>
+        </p:spPr>
+        <p:txBody>
+          <a:bodyPr lIns="0" rIns="0" tIns="0" bIns="0"/>
+          <a:p>
+            <a:endParaRPr/>
+          </a:p>
+        </p:txBody>
+      </p:sp>
+      <p:sp>
+        <p:nvSpPr>
+          <p:cNvPr id="302" name="PlaceHolder 4"/>
+          <p:cNvSpPr>
+            <a:spLocks noGrp="1"/>
+          </p:cNvSpPr>
+          <p:nvPr>
+            <p:ph type="body"/>
+          </p:nvPr>
+        </p:nvSpPr>
+        <p:spPr>
+          <a:xfrm>
+            <a:off x="6231960" y="1604520"/>
+            <a:ext cx="5354280" cy="3977280"/>
+          </a:xfrm>
+          <a:prstGeom prst="rect">
+            <a:avLst/>
+          </a:prstGeom>
+        </p:spPr>
+        <p:txBody>
+          <a:bodyPr lIns="0" rIns="0" tIns="0" bIns="0"/>
+          <a:p>
+            <a:endParaRPr/>
+          </a:p>
+        </p:txBody>
+      </p:sp>
+    </p:spTree>
+  </p:cSld>
+</p:sldLayout>
+</file>
+
+<file path=ppt/slideLayouts/slideLayout104.xml><?xml version="1.0" encoding="utf-8"?>
+<p:sldLayout xmlns:a="http://schemas.openxmlformats.org/drawingml/2006/main" xmlns:p="http://schemas.openxmlformats.org/presentationml/2006/main" xmlns:r="http://schemas.openxmlformats.org/officeDocument/2006/relationships" type="objAndTwoObj" preserve="1">
+  <p:cSld name="Title Content and 2 Content">
+    <p:spTree>
+      <p:nvGrpSpPr>
+        <p:cNvPr id="1" name=""/>
+        <p:cNvGrpSpPr/>
+        <p:nvPr/>
+      </p:nvGrpSpPr>
+      <p:grpSpPr>
+        <a:xfrm>
+          <a:off x="0" y="0"/>
+          <a:ext cx="0" cy="0"/>
+          <a:chOff x="0" y="0"/>
+          <a:chExt cx="0" cy="0"/>
+        </a:xfrm>
+      </p:grpSpPr>
+      <p:sp>
+        <p:nvSpPr>
+          <p:cNvPr id="303" name="PlaceHolder 1"/>
+          <p:cNvSpPr>
+            <a:spLocks noGrp="1"/>
+          </p:cNvSpPr>
+          <p:nvPr>
+            <p:ph type="title"/>
+          </p:nvPr>
+        </p:nvSpPr>
+        <p:spPr>
+          <a:xfrm>
+            <a:off x="609480" y="273600"/>
+            <a:ext cx="10972440" cy="1145160"/>
+          </a:xfrm>
+          <a:prstGeom prst="rect">
+            <a:avLst/>
+          </a:prstGeom>
+        </p:spPr>
+        <p:txBody>
+          <a:bodyPr lIns="0" rIns="0" tIns="0" bIns="0" anchor="ctr"/>
+          <a:p>
+            <a:pPr algn="ctr"/>
+            <a:endParaRPr/>
+          </a:p>
+        </p:txBody>
+      </p:sp>
+      <p:sp>
+        <p:nvSpPr>
+          <p:cNvPr id="304" name="PlaceHolder 2"/>
+          <p:cNvSpPr>
+            <a:spLocks noGrp="1"/>
+          </p:cNvSpPr>
+          <p:nvPr>
+            <p:ph type="body"/>
+          </p:nvPr>
+        </p:nvSpPr>
+        <p:spPr>
+          <a:xfrm>
+            <a:off x="609480" y="1604520"/>
+            <a:ext cx="5354280" cy="3977280"/>
+          </a:xfrm>
+          <a:prstGeom prst="rect">
+            <a:avLst/>
+          </a:prstGeom>
+        </p:spPr>
+        <p:txBody>
+          <a:bodyPr lIns="0" rIns="0" tIns="0" bIns="0"/>
+          <a:p>
+            <a:endParaRPr/>
+          </a:p>
+        </p:txBody>
+      </p:sp>
+      <p:sp>
+        <p:nvSpPr>
+          <p:cNvPr id="305" name="PlaceHolder 3"/>
+          <p:cNvSpPr>
+            <a:spLocks noGrp="1"/>
+          </p:cNvSpPr>
+          <p:nvPr>
+            <p:ph type="body"/>
+          </p:nvPr>
+        </p:nvSpPr>
+        <p:spPr>
+          <a:xfrm>
+            <a:off x="6231960" y="1604520"/>
+            <a:ext cx="5354280" cy="1896840"/>
+          </a:xfrm>
+          <a:prstGeom prst="rect">
+            <a:avLst/>
+          </a:prstGeom>
+        </p:spPr>
+        <p:txBody>
+          <a:bodyPr lIns="0" rIns="0" tIns="0" bIns="0"/>
+          <a:p>
+            <a:endParaRPr/>
+          </a:p>
+        </p:txBody>
+      </p:sp>
+      <p:sp>
+        <p:nvSpPr>
+          <p:cNvPr id="306" name="PlaceHolder 4"/>
+          <p:cNvSpPr>
+            <a:spLocks noGrp="1"/>
+          </p:cNvSpPr>
+          <p:nvPr>
+            <p:ph type="body"/>
+          </p:nvPr>
+        </p:nvSpPr>
+        <p:spPr>
+          <a:xfrm>
+            <a:off x="6231960" y="3682080"/>
+            <a:ext cx="5354280" cy="1896840"/>
+          </a:xfrm>
+          <a:prstGeom prst="rect">
+            <a:avLst/>
+          </a:prstGeom>
+        </p:spPr>
+        <p:txBody>
+          <a:bodyPr lIns="0" rIns="0" tIns="0" bIns="0"/>
+          <a:p>
+            <a:endParaRPr/>
+          </a:p>
+        </p:txBody>
+      </p:sp>
+    </p:spTree>
+  </p:cSld>
+</p:sldLayout>
+</file>
+
+<file path=ppt/slideLayouts/slideLayout105.xml><?xml version="1.0" encoding="utf-8"?>
+<p:sldLayout xmlns:a="http://schemas.openxmlformats.org/drawingml/2006/main" xmlns:p="http://schemas.openxmlformats.org/presentationml/2006/main" xmlns:r="http://schemas.openxmlformats.org/officeDocument/2006/relationships" type="twoObjOverTx" preserve="1">
+  <p:cSld name="Title, 2 Content over Content">
+    <p:spTree>
+      <p:nvGrpSpPr>
+        <p:cNvPr id="1" name=""/>
+        <p:cNvGrpSpPr/>
+        <p:nvPr/>
+      </p:nvGrpSpPr>
+      <p:grpSpPr>
+        <a:xfrm>
+          <a:off x="0" y="0"/>
+          <a:ext cx="0" cy="0"/>
+          <a:chOff x="0" y="0"/>
+          <a:chExt cx="0" cy="0"/>
+        </a:xfrm>
+      </p:grpSpPr>
+      <p:sp>
+        <p:nvSpPr>
+          <p:cNvPr id="307" name="PlaceHolder 1"/>
+          <p:cNvSpPr>
+            <a:spLocks noGrp="1"/>
+          </p:cNvSpPr>
+          <p:nvPr>
+            <p:ph type="title"/>
+          </p:nvPr>
+        </p:nvSpPr>
+        <p:spPr>
+          <a:xfrm>
+            <a:off x="609480" y="273600"/>
+            <a:ext cx="10972440" cy="1145160"/>
+          </a:xfrm>
+          <a:prstGeom prst="rect">
+            <a:avLst/>
+          </a:prstGeom>
+        </p:spPr>
+        <p:txBody>
+          <a:bodyPr lIns="0" rIns="0" tIns="0" bIns="0" anchor="ctr"/>
+          <a:p>
+            <a:pPr algn="ctr"/>
+            <a:endParaRPr/>
+          </a:p>
+        </p:txBody>
+      </p:sp>
+      <p:sp>
+        <p:nvSpPr>
+          <p:cNvPr id="308" name="PlaceHolder 2"/>
+          <p:cNvSpPr>
+            <a:spLocks noGrp="1"/>
+          </p:cNvSpPr>
+          <p:nvPr>
+            <p:ph type="body"/>
+          </p:nvPr>
+        </p:nvSpPr>
+        <p:spPr>
+          <a:xfrm>
+            <a:off x="609480" y="1604520"/>
+            <a:ext cx="5354280" cy="1896840"/>
+          </a:xfrm>
+          <a:prstGeom prst="rect">
+            <a:avLst/>
+          </a:prstGeom>
+        </p:spPr>
+        <p:txBody>
+          <a:bodyPr lIns="0" rIns="0" tIns="0" bIns="0"/>
+          <a:p>
+            <a:endParaRPr/>
+          </a:p>
+        </p:txBody>
+      </p:sp>
+      <p:sp>
+        <p:nvSpPr>
+          <p:cNvPr id="309" name="PlaceHolder 3"/>
+          <p:cNvSpPr>
+            <a:spLocks noGrp="1"/>
+          </p:cNvSpPr>
+          <p:nvPr>
+            <p:ph type="body"/>
+          </p:nvPr>
+        </p:nvSpPr>
+        <p:spPr>
+          <a:xfrm>
+            <a:off x="6231960" y="1604520"/>
+            <a:ext cx="5354280" cy="1896840"/>
+          </a:xfrm>
+          <a:prstGeom prst="rect">
+            <a:avLst/>
+          </a:prstGeom>
+        </p:spPr>
+        <p:txBody>
+          <a:bodyPr lIns="0" rIns="0" tIns="0" bIns="0"/>
+          <a:p>
+            <a:endParaRPr/>
+          </a:p>
+        </p:txBody>
+      </p:sp>
+      <p:sp>
+        <p:nvSpPr>
+          <p:cNvPr id="310" name="PlaceHolder 4"/>
+          <p:cNvSpPr>
+            <a:spLocks noGrp="1"/>
+          </p:cNvSpPr>
+          <p:nvPr>
+            <p:ph type="body"/>
+          </p:nvPr>
+        </p:nvSpPr>
+        <p:spPr>
+          <a:xfrm>
+            <a:off x="609480" y="3682080"/>
+            <a:ext cx="10972440" cy="1896840"/>
+          </a:xfrm>
+          <a:prstGeom prst="rect">
+            <a:avLst/>
+          </a:prstGeom>
+        </p:spPr>
+        <p:txBody>
+          <a:bodyPr lIns="0" rIns="0" tIns="0" bIns="0"/>
+          <a:p>
+            <a:endParaRPr/>
+          </a:p>
+        </p:txBody>
+      </p:sp>
+    </p:spTree>
+  </p:cSld>
+</p:sldLayout>
+</file>
+
+<file path=ppt/slideLayouts/slideLayout106.xml><?xml version="1.0" encoding="utf-8"?>
+<p:sldLayout xmlns:a="http://schemas.openxmlformats.org/drawingml/2006/main" xmlns:p="http://schemas.openxmlformats.org/presentationml/2006/main" xmlns:r="http://schemas.openxmlformats.org/officeDocument/2006/relationships" type="objOverTx" preserve="1">
+  <p:cSld name="Title, Content over Content">
+    <p:spTree>
+      <p:nvGrpSpPr>
+        <p:cNvPr id="1" name=""/>
+        <p:cNvGrpSpPr/>
+        <p:nvPr/>
+      </p:nvGrpSpPr>
+      <p:grpSpPr>
+        <a:xfrm>
+          <a:off x="0" y="0"/>
+          <a:ext cx="0" cy="0"/>
+          <a:chOff x="0" y="0"/>
+          <a:chExt cx="0" cy="0"/>
+        </a:xfrm>
+      </p:grpSpPr>
+      <p:sp>
+        <p:nvSpPr>
+          <p:cNvPr id="311" name="PlaceHolder 1"/>
+          <p:cNvSpPr>
+            <a:spLocks noGrp="1"/>
+          </p:cNvSpPr>
+          <p:nvPr>
+            <p:ph type="title"/>
+          </p:nvPr>
+        </p:nvSpPr>
+        <p:spPr>
+          <a:xfrm>
+            <a:off x="609480" y="273600"/>
+            <a:ext cx="10972440" cy="1145160"/>
+          </a:xfrm>
+          <a:prstGeom prst="rect">
+            <a:avLst/>
+          </a:prstGeom>
+        </p:spPr>
+        <p:txBody>
+          <a:bodyPr lIns="0" rIns="0" tIns="0" bIns="0" anchor="ctr"/>
+          <a:p>
+            <a:pPr algn="ctr"/>
+            <a:endParaRPr/>
+          </a:p>
+        </p:txBody>
+      </p:sp>
+      <p:sp>
+        <p:nvSpPr>
+          <p:cNvPr id="312" name="PlaceHolder 2"/>
+          <p:cNvSpPr>
+            <a:spLocks noGrp="1"/>
+          </p:cNvSpPr>
+          <p:nvPr>
+            <p:ph type="body"/>
+          </p:nvPr>
+        </p:nvSpPr>
+        <p:spPr>
+          <a:xfrm>
+            <a:off x="609480" y="1604520"/>
+            <a:ext cx="10972440" cy="1896840"/>
+          </a:xfrm>
+          <a:prstGeom prst="rect">
+            <a:avLst/>
+          </a:prstGeom>
+        </p:spPr>
+        <p:txBody>
+          <a:bodyPr lIns="0" rIns="0" tIns="0" bIns="0"/>
+          <a:p>
+            <a:endParaRPr/>
+          </a:p>
+        </p:txBody>
+      </p:sp>
+      <p:sp>
+        <p:nvSpPr>
+          <p:cNvPr id="313" name="PlaceHolder 3"/>
+          <p:cNvSpPr>
+            <a:spLocks noGrp="1"/>
+          </p:cNvSpPr>
+          <p:nvPr>
+            <p:ph type="body"/>
+          </p:nvPr>
+        </p:nvSpPr>
+        <p:spPr>
+          <a:xfrm>
+            <a:off x="609480" y="3682080"/>
+            <a:ext cx="10972440" cy="1896840"/>
+          </a:xfrm>
+          <a:prstGeom prst="rect">
+            <a:avLst/>
+          </a:prstGeom>
+        </p:spPr>
+        <p:txBody>
+          <a:bodyPr lIns="0" rIns="0" tIns="0" bIns="0"/>
+          <a:p>
+            <a:endParaRPr/>
+          </a:p>
+        </p:txBody>
+      </p:sp>
+    </p:spTree>
+  </p:cSld>
+</p:sldLayout>
+</file>
+
+<file path=ppt/slideLayouts/slideLayout107.xml><?xml version="1.0" encoding="utf-8"?>
+<p:sldLayout xmlns:a="http://schemas.openxmlformats.org/drawingml/2006/main" xmlns:p="http://schemas.openxmlformats.org/presentationml/2006/main" xmlns:r="http://schemas.openxmlformats.org/officeDocument/2006/relationships" type="fourObj" preserve="1">
+  <p:cSld name="Title, 4 Content">
+    <p:spTree>
+      <p:nvGrpSpPr>
+        <p:cNvPr id="1" name=""/>
+        <p:cNvGrpSpPr/>
+        <p:nvPr/>
+      </p:nvGrpSpPr>
+      <p:grpSpPr>
+        <a:xfrm>
+          <a:off x="0" y="0"/>
+          <a:ext cx="0" cy="0"/>
+          <a:chOff x="0" y="0"/>
+          <a:chExt cx="0" cy="0"/>
+        </a:xfrm>
+      </p:grpSpPr>
+      <p:sp>
+        <p:nvSpPr>
+          <p:cNvPr id="314" name="PlaceHolder 1"/>
+          <p:cNvSpPr>
+            <a:spLocks noGrp="1"/>
+          </p:cNvSpPr>
+          <p:nvPr>
+            <p:ph type="title"/>
+          </p:nvPr>
+        </p:nvSpPr>
+        <p:spPr>
+          <a:xfrm>
+            <a:off x="609480" y="273600"/>
+            <a:ext cx="10972440" cy="1145160"/>
+          </a:xfrm>
+          <a:prstGeom prst="rect">
+            <a:avLst/>
+          </a:prstGeom>
+        </p:spPr>
+        <p:txBody>
+          <a:bodyPr lIns="0" rIns="0" tIns="0" bIns="0" anchor="ctr"/>
+          <a:p>
+            <a:pPr algn="ctr"/>
+            <a:endParaRPr/>
+          </a:p>
+        </p:txBody>
+      </p:sp>
+      <p:sp>
+        <p:nvSpPr>
+          <p:cNvPr id="315" name="PlaceHolder 2"/>
+          <p:cNvSpPr>
+            <a:spLocks noGrp="1"/>
+          </p:cNvSpPr>
+          <p:nvPr>
+            <p:ph type="body"/>
+          </p:nvPr>
+        </p:nvSpPr>
+        <p:spPr>
+          <a:xfrm>
+            <a:off x="609480" y="1604520"/>
+            <a:ext cx="5354280" cy="1896840"/>
+          </a:xfrm>
+          <a:prstGeom prst="rect">
+            <a:avLst/>
+          </a:prstGeom>
+        </p:spPr>
+        <p:txBody>
+          <a:bodyPr lIns="0" rIns="0" tIns="0" bIns="0"/>
+          <a:p>
+            <a:endParaRPr/>
+          </a:p>
+        </p:txBody>
+      </p:sp>
+      <p:sp>
+        <p:nvSpPr>
+          <p:cNvPr id="316" name="PlaceHolder 3"/>
+          <p:cNvSpPr>
+            <a:spLocks noGrp="1"/>
+          </p:cNvSpPr>
+          <p:nvPr>
+            <p:ph type="body"/>
+          </p:nvPr>
+        </p:nvSpPr>
+        <p:spPr>
+          <a:xfrm>
+            <a:off x="6231960" y="1604520"/>
+            <a:ext cx="5354280" cy="1896840"/>
+          </a:xfrm>
+          <a:prstGeom prst="rect">
+            <a:avLst/>
+          </a:prstGeom>
+        </p:spPr>
+        <p:txBody>
+          <a:bodyPr lIns="0" rIns="0" tIns="0" bIns="0"/>
+          <a:p>
+            <a:endParaRPr/>
+          </a:p>
+        </p:txBody>
+      </p:sp>
+      <p:sp>
+        <p:nvSpPr>
+          <p:cNvPr id="317" name="PlaceHolder 4"/>
+          <p:cNvSpPr>
+            <a:spLocks noGrp="1"/>
+          </p:cNvSpPr>
+          <p:nvPr>
+            <p:ph type="body"/>
+          </p:nvPr>
+        </p:nvSpPr>
+        <p:spPr>
+          <a:xfrm>
+            <a:off x="6231960" y="3682080"/>
+            <a:ext cx="5354280" cy="1896840"/>
+          </a:xfrm>
+          <a:prstGeom prst="rect">
+            <a:avLst/>
+          </a:prstGeom>
+        </p:spPr>
+        <p:txBody>
+          <a:bodyPr lIns="0" rIns="0" tIns="0" bIns="0"/>
+          <a:p>
+            <a:endParaRPr/>
+          </a:p>
+        </p:txBody>
+      </p:sp>
+      <p:sp>
+        <p:nvSpPr>
+          <p:cNvPr id="318" name="PlaceHolder 5"/>
+          <p:cNvSpPr>
+            <a:spLocks noGrp="1"/>
+          </p:cNvSpPr>
+          <p:nvPr>
+            <p:ph type="body"/>
+          </p:nvPr>
+        </p:nvSpPr>
+        <p:spPr>
+          <a:xfrm>
+            <a:off x="609480" y="3682080"/>
+            <a:ext cx="5354280" cy="1896840"/>
+          </a:xfrm>
+          <a:prstGeom prst="rect">
+            <a:avLst/>
+          </a:prstGeom>
+        </p:spPr>
+        <p:txBody>
+          <a:bodyPr lIns="0" rIns="0" tIns="0" bIns="0"/>
+          <a:p>
+            <a:endParaRPr/>
+          </a:p>
+        </p:txBody>
+      </p:sp>
+    </p:spTree>
+  </p:cSld>
+</p:sldLayout>
+</file>
+
+<file path=ppt/slideLayouts/slideLayout108.xml><?xml version="1.0" encoding="utf-8"?>
+<p:sldLayout xmlns:a="http://schemas.openxmlformats.org/drawingml/2006/main" xmlns:p="http://schemas.openxmlformats.org/presentationml/2006/main" xmlns:r="http://schemas.openxmlformats.org/officeDocument/2006/relationships" type="blank" preserve="1">
+  <p:cSld name="Title, 6 Content">
+    <p:spTree>
+      <p:nvGrpSpPr>
+        <p:cNvPr id="1" name=""/>
+        <p:cNvGrpSpPr/>
+        <p:nvPr/>
+      </p:nvGrpSpPr>
+      <p:grpSpPr>
+        <a:xfrm>
+          <a:off x="0" y="0"/>
+          <a:ext cx="0" cy="0"/>
+          <a:chOff x="0" y="0"/>
+          <a:chExt cx="0" cy="0"/>
+        </a:xfrm>
+      </p:grpSpPr>
+      <p:sp>
+        <p:nvSpPr>
+          <p:cNvPr id="319" name="PlaceHolder 1"/>
+          <p:cNvSpPr>
+            <a:spLocks noGrp="1"/>
+          </p:cNvSpPr>
+          <p:nvPr>
+            <p:ph type="title"/>
+          </p:nvPr>
+        </p:nvSpPr>
+        <p:spPr>
+          <a:xfrm>
+            <a:off x="609480" y="273600"/>
+            <a:ext cx="10972440" cy="1145160"/>
+          </a:xfrm>
+          <a:prstGeom prst="rect">
+            <a:avLst/>
+          </a:prstGeom>
+        </p:spPr>
+        <p:txBody>
+          <a:bodyPr lIns="0" rIns="0" tIns="0" bIns="0" anchor="ctr"/>
+          <a:p>
+            <a:pPr algn="ctr"/>
+            <a:endParaRPr/>
+          </a:p>
+        </p:txBody>
+      </p:sp>
+      <p:sp>
+        <p:nvSpPr>
+          <p:cNvPr id="320" name="PlaceHolder 2"/>
+          <p:cNvSpPr>
+            <a:spLocks noGrp="1"/>
+          </p:cNvSpPr>
+          <p:nvPr>
+            <p:ph type="body"/>
+          </p:nvPr>
+        </p:nvSpPr>
+        <p:spPr>
+          <a:xfrm>
+            <a:off x="609480" y="1604520"/>
+            <a:ext cx="10972440" cy="3977280"/>
+          </a:xfrm>
+          <a:prstGeom prst="rect">
+            <a:avLst/>
+          </a:prstGeom>
+        </p:spPr>
+        <p:txBody>
+          <a:bodyPr lIns="0" rIns="0" tIns="0" bIns="0"/>
+          <a:p>
+            <a:endParaRPr/>
+          </a:p>
+        </p:txBody>
+      </p:sp>
+      <p:sp>
+        <p:nvSpPr>
+          <p:cNvPr id="321" name="PlaceHolder 3"/>
+          <p:cNvSpPr>
+            <a:spLocks noGrp="1"/>
+          </p:cNvSpPr>
+          <p:nvPr>
+            <p:ph type="body"/>
+          </p:nvPr>
+        </p:nvSpPr>
+        <p:spPr>
+          <a:xfrm>
+            <a:off x="609480" y="1604520"/>
+            <a:ext cx="10972440" cy="3977280"/>
+          </a:xfrm>
+          <a:prstGeom prst="rect">
+            <a:avLst/>
+          </a:prstGeom>
+        </p:spPr>
+        <p:txBody>
+          <a:bodyPr lIns="0" rIns="0" tIns="0" bIns="0"/>
+          <a:p>
+            <a:endParaRPr/>
+          </a:p>
+        </p:txBody>
+      </p:sp>
+      <p:pic>
+        <p:nvPicPr>
+          <p:cNvPr id="322" name="" descr=""/>
+          <p:cNvPicPr/>
+          <p:nvPr/>
+        </p:nvPicPr>
+        <p:blipFill>
+          <a:blip r:embed="rId2"/>
+          <a:stretch>
+            <a:fillRect/>
+          </a:stretch>
+        </p:blipFill>
+        <p:spPr>
+          <a:xfrm>
+            <a:off x="3602880" y="1604520"/>
+            <a:ext cx="4984920" cy="3977280"/>
+          </a:xfrm>
+          <a:prstGeom prst="rect">
+            <a:avLst/>
+          </a:prstGeom>
+          <a:ln>
+            <a:noFill/>
+          </a:ln>
+        </p:spPr>
+      </p:pic>
+      <p:pic>
+        <p:nvPicPr>
+          <p:cNvPr id="323" name="" descr=""/>
+          <p:cNvPicPr/>
+          <p:nvPr/>
+        </p:nvPicPr>
+        <p:blipFill>
+          <a:blip r:embed="rId3"/>
+          <a:stretch>
+            <a:fillRect/>
+          </a:stretch>
+        </p:blipFill>
+        <p:spPr>
+          <a:xfrm>
+            <a:off x="3602880" y="1604520"/>
+            <a:ext cx="4984920" cy="3977280"/>
+          </a:xfrm>
+          <a:prstGeom prst="rect">
+            <a:avLst/>
+          </a:prstGeom>
+          <a:ln>
+            <a:noFill/>
+          </a:ln>
+        </p:spPr>
+      </p:pic>
+    </p:spTree>
+  </p:cSld>
+</p:sldLayout>
+</file>
+
 <file path=ppt/slideLayouts/slideLayout11.xml><?xml version="1.0" encoding="utf-8"?>
 <p:sldLayout xmlns:a="http://schemas.openxmlformats.org/drawingml/2006/main" xmlns:p="http://schemas.openxmlformats.org/presentationml/2006/main" xmlns:r="http://schemas.openxmlformats.org/officeDocument/2006/relationships" type="fourObj" preserve="1">
   <p:cSld name="Title, 4 Content">
@@ -7503,6 +8491,505 @@
 </p:sldLayout>
 </file>
 
+<file path=ppt/slideLayouts/slideLayout73.xml><?xml version="1.0" encoding="utf-8"?>
+<p:sldLayout xmlns:a="http://schemas.openxmlformats.org/drawingml/2006/main" xmlns:p="http://schemas.openxmlformats.org/presentationml/2006/main" xmlns:r="http://schemas.openxmlformats.org/officeDocument/2006/relationships" type="blank" preserve="1">
+  <p:cSld name="Blank Slide">
+    <p:spTree>
+      <p:nvGrpSpPr>
+        <p:cNvPr id="1" name=""/>
+        <p:cNvGrpSpPr/>
+        <p:nvPr/>
+      </p:nvGrpSpPr>
+      <p:grpSpPr>
+        <a:xfrm>
+          <a:off x="0" y="0"/>
+          <a:ext cx="0" cy="0"/>
+          <a:chOff x="0" y="0"/>
+          <a:chExt cx="0" cy="0"/>
+        </a:xfrm>
+      </p:grpSpPr>
+    </p:spTree>
+  </p:cSld>
+</p:sldLayout>
+</file>
+
+<file path=ppt/slideLayouts/slideLayout74.xml><?xml version="1.0" encoding="utf-8"?>
+<p:sldLayout xmlns:a="http://schemas.openxmlformats.org/drawingml/2006/main" xmlns:p="http://schemas.openxmlformats.org/presentationml/2006/main" xmlns:r="http://schemas.openxmlformats.org/officeDocument/2006/relationships" type="tx" preserve="1">
+  <p:cSld name="Title Slide">
+    <p:spTree>
+      <p:nvGrpSpPr>
+        <p:cNvPr id="1" name=""/>
+        <p:cNvGrpSpPr/>
+        <p:nvPr/>
+      </p:nvGrpSpPr>
+      <p:grpSpPr>
+        <a:xfrm>
+          <a:off x="0" y="0"/>
+          <a:ext cx="0" cy="0"/>
+          <a:chOff x="0" y="0"/>
+          <a:chExt cx="0" cy="0"/>
+        </a:xfrm>
+      </p:grpSpPr>
+      <p:sp>
+        <p:nvSpPr>
+          <p:cNvPr id="218" name="PlaceHolder 1"/>
+          <p:cNvSpPr>
+            <a:spLocks noGrp="1"/>
+          </p:cNvSpPr>
+          <p:nvPr>
+            <p:ph type="title"/>
+          </p:nvPr>
+        </p:nvSpPr>
+        <p:spPr>
+          <a:xfrm>
+            <a:off x="609480" y="273600"/>
+            <a:ext cx="10972440" cy="1145160"/>
+          </a:xfrm>
+          <a:prstGeom prst="rect">
+            <a:avLst/>
+          </a:prstGeom>
+        </p:spPr>
+        <p:txBody>
+          <a:bodyPr lIns="0" rIns="0" tIns="0" bIns="0" anchor="ctr"/>
+          <a:p>
+            <a:pPr algn="ctr"/>
+            <a:endParaRPr/>
+          </a:p>
+        </p:txBody>
+      </p:sp>
+      <p:sp>
+        <p:nvSpPr>
+          <p:cNvPr id="219" name="PlaceHolder 2"/>
+          <p:cNvSpPr>
+            <a:spLocks noGrp="1"/>
+          </p:cNvSpPr>
+          <p:nvPr>
+            <p:ph type="subTitle"/>
+          </p:nvPr>
+        </p:nvSpPr>
+        <p:spPr>
+          <a:xfrm>
+            <a:off x="609480" y="1604520"/>
+            <a:ext cx="10972440" cy="3977640"/>
+          </a:xfrm>
+          <a:prstGeom prst="rect">
+            <a:avLst/>
+          </a:prstGeom>
+        </p:spPr>
+        <p:txBody>
+          <a:bodyPr lIns="0" rIns="0" tIns="0" bIns="0" anchor="ctr"/>
+          <a:p>
+            <a:pPr algn="ctr"/>
+            <a:endParaRPr/>
+          </a:p>
+        </p:txBody>
+      </p:sp>
+    </p:spTree>
+  </p:cSld>
+</p:sldLayout>
+</file>
+
+<file path=ppt/slideLayouts/slideLayout75.xml><?xml version="1.0" encoding="utf-8"?>
+<p:sldLayout xmlns:a="http://schemas.openxmlformats.org/drawingml/2006/main" xmlns:p="http://schemas.openxmlformats.org/presentationml/2006/main" xmlns:r="http://schemas.openxmlformats.org/officeDocument/2006/relationships" type="obj" preserve="1">
+  <p:cSld name="Title, Content">
+    <p:spTree>
+      <p:nvGrpSpPr>
+        <p:cNvPr id="1" name=""/>
+        <p:cNvGrpSpPr/>
+        <p:nvPr/>
+      </p:nvGrpSpPr>
+      <p:grpSpPr>
+        <a:xfrm>
+          <a:off x="0" y="0"/>
+          <a:ext cx="0" cy="0"/>
+          <a:chOff x="0" y="0"/>
+          <a:chExt cx="0" cy="0"/>
+        </a:xfrm>
+      </p:grpSpPr>
+      <p:sp>
+        <p:nvSpPr>
+          <p:cNvPr id="220" name="PlaceHolder 1"/>
+          <p:cNvSpPr>
+            <a:spLocks noGrp="1"/>
+          </p:cNvSpPr>
+          <p:nvPr>
+            <p:ph type="title"/>
+          </p:nvPr>
+        </p:nvSpPr>
+        <p:spPr>
+          <a:xfrm>
+            <a:off x="609480" y="273600"/>
+            <a:ext cx="10972440" cy="1145160"/>
+          </a:xfrm>
+          <a:prstGeom prst="rect">
+            <a:avLst/>
+          </a:prstGeom>
+        </p:spPr>
+        <p:txBody>
+          <a:bodyPr lIns="0" rIns="0" tIns="0" bIns="0" anchor="ctr"/>
+          <a:p>
+            <a:pPr algn="ctr"/>
+            <a:endParaRPr/>
+          </a:p>
+        </p:txBody>
+      </p:sp>
+      <p:sp>
+        <p:nvSpPr>
+          <p:cNvPr id="221" name="PlaceHolder 2"/>
+          <p:cNvSpPr>
+            <a:spLocks noGrp="1"/>
+          </p:cNvSpPr>
+          <p:nvPr>
+            <p:ph type="body"/>
+          </p:nvPr>
+        </p:nvSpPr>
+        <p:spPr>
+          <a:xfrm>
+            <a:off x="609480" y="1604520"/>
+            <a:ext cx="10972440" cy="3977280"/>
+          </a:xfrm>
+          <a:prstGeom prst="rect">
+            <a:avLst/>
+          </a:prstGeom>
+        </p:spPr>
+        <p:txBody>
+          <a:bodyPr lIns="0" rIns="0" tIns="0" bIns="0"/>
+          <a:p>
+            <a:endParaRPr/>
+          </a:p>
+        </p:txBody>
+      </p:sp>
+    </p:spTree>
+  </p:cSld>
+</p:sldLayout>
+</file>
+
+<file path=ppt/slideLayouts/slideLayout76.xml><?xml version="1.0" encoding="utf-8"?>
+<p:sldLayout xmlns:a="http://schemas.openxmlformats.org/drawingml/2006/main" xmlns:p="http://schemas.openxmlformats.org/presentationml/2006/main" xmlns:r="http://schemas.openxmlformats.org/officeDocument/2006/relationships" type="twoObj" preserve="1">
+  <p:cSld name="Title, 2 Content">
+    <p:spTree>
+      <p:nvGrpSpPr>
+        <p:cNvPr id="1" name=""/>
+        <p:cNvGrpSpPr/>
+        <p:nvPr/>
+      </p:nvGrpSpPr>
+      <p:grpSpPr>
+        <a:xfrm>
+          <a:off x="0" y="0"/>
+          <a:ext cx="0" cy="0"/>
+          <a:chOff x="0" y="0"/>
+          <a:chExt cx="0" cy="0"/>
+        </a:xfrm>
+      </p:grpSpPr>
+      <p:sp>
+        <p:nvSpPr>
+          <p:cNvPr id="222" name="PlaceHolder 1"/>
+          <p:cNvSpPr>
+            <a:spLocks noGrp="1"/>
+          </p:cNvSpPr>
+          <p:nvPr>
+            <p:ph type="title"/>
+          </p:nvPr>
+        </p:nvSpPr>
+        <p:spPr>
+          <a:xfrm>
+            <a:off x="609480" y="273600"/>
+            <a:ext cx="10972440" cy="1145160"/>
+          </a:xfrm>
+          <a:prstGeom prst="rect">
+            <a:avLst/>
+          </a:prstGeom>
+        </p:spPr>
+        <p:txBody>
+          <a:bodyPr lIns="0" rIns="0" tIns="0" bIns="0" anchor="ctr"/>
+          <a:p>
+            <a:pPr algn="ctr"/>
+            <a:endParaRPr/>
+          </a:p>
+        </p:txBody>
+      </p:sp>
+      <p:sp>
+        <p:nvSpPr>
+          <p:cNvPr id="223" name="PlaceHolder 2"/>
+          <p:cNvSpPr>
+            <a:spLocks noGrp="1"/>
+          </p:cNvSpPr>
+          <p:nvPr>
+            <p:ph type="body"/>
+          </p:nvPr>
+        </p:nvSpPr>
+        <p:spPr>
+          <a:xfrm>
+            <a:off x="609480" y="1604520"/>
+            <a:ext cx="5354280" cy="3977280"/>
+          </a:xfrm>
+          <a:prstGeom prst="rect">
+            <a:avLst/>
+          </a:prstGeom>
+        </p:spPr>
+        <p:txBody>
+          <a:bodyPr lIns="0" rIns="0" tIns="0" bIns="0"/>
+          <a:p>
+            <a:endParaRPr/>
+          </a:p>
+        </p:txBody>
+      </p:sp>
+      <p:sp>
+        <p:nvSpPr>
+          <p:cNvPr id="224" name="PlaceHolder 3"/>
+          <p:cNvSpPr>
+            <a:spLocks noGrp="1"/>
+          </p:cNvSpPr>
+          <p:nvPr>
+            <p:ph type="body"/>
+          </p:nvPr>
+        </p:nvSpPr>
+        <p:spPr>
+          <a:xfrm>
+            <a:off x="6231960" y="1604520"/>
+            <a:ext cx="5354280" cy="3977280"/>
+          </a:xfrm>
+          <a:prstGeom prst="rect">
+            <a:avLst/>
+          </a:prstGeom>
+        </p:spPr>
+        <p:txBody>
+          <a:bodyPr lIns="0" rIns="0" tIns="0" bIns="0"/>
+          <a:p>
+            <a:endParaRPr/>
+          </a:p>
+        </p:txBody>
+      </p:sp>
+    </p:spTree>
+  </p:cSld>
+</p:sldLayout>
+</file>
+
+<file path=ppt/slideLayouts/slideLayout77.xml><?xml version="1.0" encoding="utf-8"?>
+<p:sldLayout xmlns:a="http://schemas.openxmlformats.org/drawingml/2006/main" xmlns:p="http://schemas.openxmlformats.org/presentationml/2006/main" xmlns:r="http://schemas.openxmlformats.org/officeDocument/2006/relationships" type="titleOnly" preserve="1">
+  <p:cSld name="Title Only">
+    <p:spTree>
+      <p:nvGrpSpPr>
+        <p:cNvPr id="1" name=""/>
+        <p:cNvGrpSpPr/>
+        <p:nvPr/>
+      </p:nvGrpSpPr>
+      <p:grpSpPr>
+        <a:xfrm>
+          <a:off x="0" y="0"/>
+          <a:ext cx="0" cy="0"/>
+          <a:chOff x="0" y="0"/>
+          <a:chExt cx="0" cy="0"/>
+        </a:xfrm>
+      </p:grpSpPr>
+      <p:sp>
+        <p:nvSpPr>
+          <p:cNvPr id="225" name="PlaceHolder 1"/>
+          <p:cNvSpPr>
+            <a:spLocks noGrp="1"/>
+          </p:cNvSpPr>
+          <p:nvPr>
+            <p:ph type="title"/>
+          </p:nvPr>
+        </p:nvSpPr>
+        <p:spPr>
+          <a:xfrm>
+            <a:off x="609480" y="273600"/>
+            <a:ext cx="10972440" cy="1145160"/>
+          </a:xfrm>
+          <a:prstGeom prst="rect">
+            <a:avLst/>
+          </a:prstGeom>
+        </p:spPr>
+        <p:txBody>
+          <a:bodyPr lIns="0" rIns="0" tIns="0" bIns="0" anchor="ctr"/>
+          <a:p>
+            <a:pPr algn="ctr"/>
+            <a:endParaRPr/>
+          </a:p>
+        </p:txBody>
+      </p:sp>
+    </p:spTree>
+  </p:cSld>
+</p:sldLayout>
+</file>
+
+<file path=ppt/slideLayouts/slideLayout78.xml><?xml version="1.0" encoding="utf-8"?>
+<p:sldLayout xmlns:a="http://schemas.openxmlformats.org/drawingml/2006/main" xmlns:p="http://schemas.openxmlformats.org/presentationml/2006/main" xmlns:r="http://schemas.openxmlformats.org/officeDocument/2006/relationships" type="objOnly" preserve="1">
+  <p:cSld name="Centered Text">
+    <p:spTree>
+      <p:nvGrpSpPr>
+        <p:cNvPr id="1" name=""/>
+        <p:cNvGrpSpPr/>
+        <p:nvPr/>
+      </p:nvGrpSpPr>
+      <p:grpSpPr>
+        <a:xfrm>
+          <a:off x="0" y="0"/>
+          <a:ext cx="0" cy="0"/>
+          <a:chOff x="0" y="0"/>
+          <a:chExt cx="0" cy="0"/>
+        </a:xfrm>
+      </p:grpSpPr>
+      <p:sp>
+        <p:nvSpPr>
+          <p:cNvPr id="226" name="PlaceHolder 1"/>
+          <p:cNvSpPr>
+            <a:spLocks noGrp="1"/>
+          </p:cNvSpPr>
+          <p:nvPr>
+            <p:ph type="subTitle"/>
+          </p:nvPr>
+        </p:nvSpPr>
+        <p:spPr>
+          <a:xfrm>
+            <a:off x="609480" y="273600"/>
+            <a:ext cx="10972440" cy="5308200"/>
+          </a:xfrm>
+          <a:prstGeom prst="rect">
+            <a:avLst/>
+          </a:prstGeom>
+        </p:spPr>
+        <p:txBody>
+          <a:bodyPr lIns="0" rIns="0" tIns="0" bIns="0" anchor="ctr"/>
+          <a:p>
+            <a:pPr algn="ctr"/>
+            <a:endParaRPr/>
+          </a:p>
+        </p:txBody>
+      </p:sp>
+    </p:spTree>
+  </p:cSld>
+</p:sldLayout>
+</file>
+
+<file path=ppt/slideLayouts/slideLayout79.xml><?xml version="1.0" encoding="utf-8"?>
+<p:sldLayout xmlns:a="http://schemas.openxmlformats.org/drawingml/2006/main" xmlns:p="http://schemas.openxmlformats.org/presentationml/2006/main" xmlns:r="http://schemas.openxmlformats.org/officeDocument/2006/relationships" type="twoObjAndObj" preserve="1">
+  <p:cSld name="Title, 2 Content and Content">
+    <p:spTree>
+      <p:nvGrpSpPr>
+        <p:cNvPr id="1" name=""/>
+        <p:cNvGrpSpPr/>
+        <p:nvPr/>
+      </p:nvGrpSpPr>
+      <p:grpSpPr>
+        <a:xfrm>
+          <a:off x="0" y="0"/>
+          <a:ext cx="0" cy="0"/>
+          <a:chOff x="0" y="0"/>
+          <a:chExt cx="0" cy="0"/>
+        </a:xfrm>
+      </p:grpSpPr>
+      <p:sp>
+        <p:nvSpPr>
+          <p:cNvPr id="227" name="PlaceHolder 1"/>
+          <p:cNvSpPr>
+            <a:spLocks noGrp="1"/>
+          </p:cNvSpPr>
+          <p:nvPr>
+            <p:ph type="title"/>
+          </p:nvPr>
+        </p:nvSpPr>
+        <p:spPr>
+          <a:xfrm>
+            <a:off x="609480" y="273600"/>
+            <a:ext cx="10972440" cy="1145160"/>
+          </a:xfrm>
+          <a:prstGeom prst="rect">
+            <a:avLst/>
+          </a:prstGeom>
+        </p:spPr>
+        <p:txBody>
+          <a:bodyPr lIns="0" rIns="0" tIns="0" bIns="0" anchor="ctr"/>
+          <a:p>
+            <a:pPr algn="ctr"/>
+            <a:endParaRPr/>
+          </a:p>
+        </p:txBody>
+      </p:sp>
+      <p:sp>
+        <p:nvSpPr>
+          <p:cNvPr id="228" name="PlaceHolder 2"/>
+          <p:cNvSpPr>
+            <a:spLocks noGrp="1"/>
+          </p:cNvSpPr>
+          <p:nvPr>
+            <p:ph type="body"/>
+          </p:nvPr>
+        </p:nvSpPr>
+        <p:spPr>
+          <a:xfrm>
+            <a:off x="609480" y="1604520"/>
+            <a:ext cx="5354280" cy="1896840"/>
+          </a:xfrm>
+          <a:prstGeom prst="rect">
+            <a:avLst/>
+          </a:prstGeom>
+        </p:spPr>
+        <p:txBody>
+          <a:bodyPr lIns="0" rIns="0" tIns="0" bIns="0"/>
+          <a:p>
+            <a:endParaRPr/>
+          </a:p>
+        </p:txBody>
+      </p:sp>
+      <p:sp>
+        <p:nvSpPr>
+          <p:cNvPr id="229" name="PlaceHolder 3"/>
+          <p:cNvSpPr>
+            <a:spLocks noGrp="1"/>
+          </p:cNvSpPr>
+          <p:nvPr>
+            <p:ph type="body"/>
+          </p:nvPr>
+        </p:nvSpPr>
+        <p:spPr>
+          <a:xfrm>
+            <a:off x="609480" y="3682080"/>
+            <a:ext cx="5354280" cy="1896840"/>
+          </a:xfrm>
+          <a:prstGeom prst="rect">
+            <a:avLst/>
+          </a:prstGeom>
+        </p:spPr>
+        <p:txBody>
+          <a:bodyPr lIns="0" rIns="0" tIns="0" bIns="0"/>
+          <a:p>
+            <a:endParaRPr/>
+          </a:p>
+        </p:txBody>
+      </p:sp>
+      <p:sp>
+        <p:nvSpPr>
+          <p:cNvPr id="230" name="PlaceHolder 4"/>
+          <p:cNvSpPr>
+            <a:spLocks noGrp="1"/>
+          </p:cNvSpPr>
+          <p:nvPr>
+            <p:ph type="body"/>
+          </p:nvPr>
+        </p:nvSpPr>
+        <p:spPr>
+          <a:xfrm>
+            <a:off x="6231960" y="1604520"/>
+            <a:ext cx="5354280" cy="3977280"/>
+          </a:xfrm>
+          <a:prstGeom prst="rect">
+            <a:avLst/>
+          </a:prstGeom>
+        </p:spPr>
+        <p:txBody>
+          <a:bodyPr lIns="0" rIns="0" tIns="0" bIns="0"/>
+          <a:p>
+            <a:endParaRPr/>
+          </a:p>
+        </p:txBody>
+      </p:sp>
+    </p:spTree>
+  </p:cSld>
+</p:sldLayout>
+</file>
+
 <file path=ppt/slideLayouts/slideLayout8.xml><?xml version="1.0" encoding="utf-8"?>
 <p:sldLayout xmlns:a="http://schemas.openxmlformats.org/drawingml/2006/main" xmlns:p="http://schemas.openxmlformats.org/presentationml/2006/main" xmlns:r="http://schemas.openxmlformats.org/officeDocument/2006/relationships" type="objAndTwoObj" preserve="1">
   <p:cSld name="Title Content and 2 Content">
@@ -7621,6 +9108,988 @@
         <p:txBody>
           <a:bodyPr lIns="0" rIns="0" tIns="0" bIns="0"/>
           <a:p>
+            <a:endParaRPr/>
+          </a:p>
+        </p:txBody>
+      </p:sp>
+    </p:spTree>
+  </p:cSld>
+</p:sldLayout>
+</file>
+
+<file path=ppt/slideLayouts/slideLayout80.xml><?xml version="1.0" encoding="utf-8"?>
+<p:sldLayout xmlns:a="http://schemas.openxmlformats.org/drawingml/2006/main" xmlns:p="http://schemas.openxmlformats.org/presentationml/2006/main" xmlns:r="http://schemas.openxmlformats.org/officeDocument/2006/relationships" type="objAndTwoObj" preserve="1">
+  <p:cSld name="Title Content and 2 Content">
+    <p:spTree>
+      <p:nvGrpSpPr>
+        <p:cNvPr id="1" name=""/>
+        <p:cNvGrpSpPr/>
+        <p:nvPr/>
+      </p:nvGrpSpPr>
+      <p:grpSpPr>
+        <a:xfrm>
+          <a:off x="0" y="0"/>
+          <a:ext cx="0" cy="0"/>
+          <a:chOff x="0" y="0"/>
+          <a:chExt cx="0" cy="0"/>
+        </a:xfrm>
+      </p:grpSpPr>
+      <p:sp>
+        <p:nvSpPr>
+          <p:cNvPr id="231" name="PlaceHolder 1"/>
+          <p:cNvSpPr>
+            <a:spLocks noGrp="1"/>
+          </p:cNvSpPr>
+          <p:nvPr>
+            <p:ph type="title"/>
+          </p:nvPr>
+        </p:nvSpPr>
+        <p:spPr>
+          <a:xfrm>
+            <a:off x="609480" y="273600"/>
+            <a:ext cx="10972440" cy="1145160"/>
+          </a:xfrm>
+          <a:prstGeom prst="rect">
+            <a:avLst/>
+          </a:prstGeom>
+        </p:spPr>
+        <p:txBody>
+          <a:bodyPr lIns="0" rIns="0" tIns="0" bIns="0" anchor="ctr"/>
+          <a:p>
+            <a:pPr algn="ctr"/>
+            <a:endParaRPr/>
+          </a:p>
+        </p:txBody>
+      </p:sp>
+      <p:sp>
+        <p:nvSpPr>
+          <p:cNvPr id="232" name="PlaceHolder 2"/>
+          <p:cNvSpPr>
+            <a:spLocks noGrp="1"/>
+          </p:cNvSpPr>
+          <p:nvPr>
+            <p:ph type="body"/>
+          </p:nvPr>
+        </p:nvSpPr>
+        <p:spPr>
+          <a:xfrm>
+            <a:off x="609480" y="1604520"/>
+            <a:ext cx="5354280" cy="3977280"/>
+          </a:xfrm>
+          <a:prstGeom prst="rect">
+            <a:avLst/>
+          </a:prstGeom>
+        </p:spPr>
+        <p:txBody>
+          <a:bodyPr lIns="0" rIns="0" tIns="0" bIns="0"/>
+          <a:p>
+            <a:endParaRPr/>
+          </a:p>
+        </p:txBody>
+      </p:sp>
+      <p:sp>
+        <p:nvSpPr>
+          <p:cNvPr id="233" name="PlaceHolder 3"/>
+          <p:cNvSpPr>
+            <a:spLocks noGrp="1"/>
+          </p:cNvSpPr>
+          <p:nvPr>
+            <p:ph type="body"/>
+          </p:nvPr>
+        </p:nvSpPr>
+        <p:spPr>
+          <a:xfrm>
+            <a:off x="6231960" y="1604520"/>
+            <a:ext cx="5354280" cy="1896840"/>
+          </a:xfrm>
+          <a:prstGeom prst="rect">
+            <a:avLst/>
+          </a:prstGeom>
+        </p:spPr>
+        <p:txBody>
+          <a:bodyPr lIns="0" rIns="0" tIns="0" bIns="0"/>
+          <a:p>
+            <a:endParaRPr/>
+          </a:p>
+        </p:txBody>
+      </p:sp>
+      <p:sp>
+        <p:nvSpPr>
+          <p:cNvPr id="234" name="PlaceHolder 4"/>
+          <p:cNvSpPr>
+            <a:spLocks noGrp="1"/>
+          </p:cNvSpPr>
+          <p:nvPr>
+            <p:ph type="body"/>
+          </p:nvPr>
+        </p:nvSpPr>
+        <p:spPr>
+          <a:xfrm>
+            <a:off x="6231960" y="3682080"/>
+            <a:ext cx="5354280" cy="1896840"/>
+          </a:xfrm>
+          <a:prstGeom prst="rect">
+            <a:avLst/>
+          </a:prstGeom>
+        </p:spPr>
+        <p:txBody>
+          <a:bodyPr lIns="0" rIns="0" tIns="0" bIns="0"/>
+          <a:p>
+            <a:endParaRPr/>
+          </a:p>
+        </p:txBody>
+      </p:sp>
+    </p:spTree>
+  </p:cSld>
+</p:sldLayout>
+</file>
+
+<file path=ppt/slideLayouts/slideLayout81.xml><?xml version="1.0" encoding="utf-8"?>
+<p:sldLayout xmlns:a="http://schemas.openxmlformats.org/drawingml/2006/main" xmlns:p="http://schemas.openxmlformats.org/presentationml/2006/main" xmlns:r="http://schemas.openxmlformats.org/officeDocument/2006/relationships" type="twoObjOverTx" preserve="1">
+  <p:cSld name="Title, 2 Content over Content">
+    <p:spTree>
+      <p:nvGrpSpPr>
+        <p:cNvPr id="1" name=""/>
+        <p:cNvGrpSpPr/>
+        <p:nvPr/>
+      </p:nvGrpSpPr>
+      <p:grpSpPr>
+        <a:xfrm>
+          <a:off x="0" y="0"/>
+          <a:ext cx="0" cy="0"/>
+          <a:chOff x="0" y="0"/>
+          <a:chExt cx="0" cy="0"/>
+        </a:xfrm>
+      </p:grpSpPr>
+      <p:sp>
+        <p:nvSpPr>
+          <p:cNvPr id="235" name="PlaceHolder 1"/>
+          <p:cNvSpPr>
+            <a:spLocks noGrp="1"/>
+          </p:cNvSpPr>
+          <p:nvPr>
+            <p:ph type="title"/>
+          </p:nvPr>
+        </p:nvSpPr>
+        <p:spPr>
+          <a:xfrm>
+            <a:off x="609480" y="273600"/>
+            <a:ext cx="10972440" cy="1145160"/>
+          </a:xfrm>
+          <a:prstGeom prst="rect">
+            <a:avLst/>
+          </a:prstGeom>
+        </p:spPr>
+        <p:txBody>
+          <a:bodyPr lIns="0" rIns="0" tIns="0" bIns="0" anchor="ctr"/>
+          <a:p>
+            <a:pPr algn="ctr"/>
+            <a:endParaRPr/>
+          </a:p>
+        </p:txBody>
+      </p:sp>
+      <p:sp>
+        <p:nvSpPr>
+          <p:cNvPr id="236" name="PlaceHolder 2"/>
+          <p:cNvSpPr>
+            <a:spLocks noGrp="1"/>
+          </p:cNvSpPr>
+          <p:nvPr>
+            <p:ph type="body"/>
+          </p:nvPr>
+        </p:nvSpPr>
+        <p:spPr>
+          <a:xfrm>
+            <a:off x="609480" y="1604520"/>
+            <a:ext cx="5354280" cy="1896840"/>
+          </a:xfrm>
+          <a:prstGeom prst="rect">
+            <a:avLst/>
+          </a:prstGeom>
+        </p:spPr>
+        <p:txBody>
+          <a:bodyPr lIns="0" rIns="0" tIns="0" bIns="0"/>
+          <a:p>
+            <a:endParaRPr/>
+          </a:p>
+        </p:txBody>
+      </p:sp>
+      <p:sp>
+        <p:nvSpPr>
+          <p:cNvPr id="237" name="PlaceHolder 3"/>
+          <p:cNvSpPr>
+            <a:spLocks noGrp="1"/>
+          </p:cNvSpPr>
+          <p:nvPr>
+            <p:ph type="body"/>
+          </p:nvPr>
+        </p:nvSpPr>
+        <p:spPr>
+          <a:xfrm>
+            <a:off x="6231960" y="1604520"/>
+            <a:ext cx="5354280" cy="1896840"/>
+          </a:xfrm>
+          <a:prstGeom prst="rect">
+            <a:avLst/>
+          </a:prstGeom>
+        </p:spPr>
+        <p:txBody>
+          <a:bodyPr lIns="0" rIns="0" tIns="0" bIns="0"/>
+          <a:p>
+            <a:endParaRPr/>
+          </a:p>
+        </p:txBody>
+      </p:sp>
+      <p:sp>
+        <p:nvSpPr>
+          <p:cNvPr id="238" name="PlaceHolder 4"/>
+          <p:cNvSpPr>
+            <a:spLocks noGrp="1"/>
+          </p:cNvSpPr>
+          <p:nvPr>
+            <p:ph type="body"/>
+          </p:nvPr>
+        </p:nvSpPr>
+        <p:spPr>
+          <a:xfrm>
+            <a:off x="609480" y="3682080"/>
+            <a:ext cx="10972440" cy="1896840"/>
+          </a:xfrm>
+          <a:prstGeom prst="rect">
+            <a:avLst/>
+          </a:prstGeom>
+        </p:spPr>
+        <p:txBody>
+          <a:bodyPr lIns="0" rIns="0" tIns="0" bIns="0"/>
+          <a:p>
+            <a:endParaRPr/>
+          </a:p>
+        </p:txBody>
+      </p:sp>
+    </p:spTree>
+  </p:cSld>
+</p:sldLayout>
+</file>
+
+<file path=ppt/slideLayouts/slideLayout82.xml><?xml version="1.0" encoding="utf-8"?>
+<p:sldLayout xmlns:a="http://schemas.openxmlformats.org/drawingml/2006/main" xmlns:p="http://schemas.openxmlformats.org/presentationml/2006/main" xmlns:r="http://schemas.openxmlformats.org/officeDocument/2006/relationships" type="objOverTx" preserve="1">
+  <p:cSld name="Title, Content over Content">
+    <p:spTree>
+      <p:nvGrpSpPr>
+        <p:cNvPr id="1" name=""/>
+        <p:cNvGrpSpPr/>
+        <p:nvPr/>
+      </p:nvGrpSpPr>
+      <p:grpSpPr>
+        <a:xfrm>
+          <a:off x="0" y="0"/>
+          <a:ext cx="0" cy="0"/>
+          <a:chOff x="0" y="0"/>
+          <a:chExt cx="0" cy="0"/>
+        </a:xfrm>
+      </p:grpSpPr>
+      <p:sp>
+        <p:nvSpPr>
+          <p:cNvPr id="239" name="PlaceHolder 1"/>
+          <p:cNvSpPr>
+            <a:spLocks noGrp="1"/>
+          </p:cNvSpPr>
+          <p:nvPr>
+            <p:ph type="title"/>
+          </p:nvPr>
+        </p:nvSpPr>
+        <p:spPr>
+          <a:xfrm>
+            <a:off x="609480" y="273600"/>
+            <a:ext cx="10972440" cy="1145160"/>
+          </a:xfrm>
+          <a:prstGeom prst="rect">
+            <a:avLst/>
+          </a:prstGeom>
+        </p:spPr>
+        <p:txBody>
+          <a:bodyPr lIns="0" rIns="0" tIns="0" bIns="0" anchor="ctr"/>
+          <a:p>
+            <a:pPr algn="ctr"/>
+            <a:endParaRPr/>
+          </a:p>
+        </p:txBody>
+      </p:sp>
+      <p:sp>
+        <p:nvSpPr>
+          <p:cNvPr id="240" name="PlaceHolder 2"/>
+          <p:cNvSpPr>
+            <a:spLocks noGrp="1"/>
+          </p:cNvSpPr>
+          <p:nvPr>
+            <p:ph type="body"/>
+          </p:nvPr>
+        </p:nvSpPr>
+        <p:spPr>
+          <a:xfrm>
+            <a:off x="609480" y="1604520"/>
+            <a:ext cx="10972440" cy="1896840"/>
+          </a:xfrm>
+          <a:prstGeom prst="rect">
+            <a:avLst/>
+          </a:prstGeom>
+        </p:spPr>
+        <p:txBody>
+          <a:bodyPr lIns="0" rIns="0" tIns="0" bIns="0"/>
+          <a:p>
+            <a:endParaRPr/>
+          </a:p>
+        </p:txBody>
+      </p:sp>
+      <p:sp>
+        <p:nvSpPr>
+          <p:cNvPr id="241" name="PlaceHolder 3"/>
+          <p:cNvSpPr>
+            <a:spLocks noGrp="1"/>
+          </p:cNvSpPr>
+          <p:nvPr>
+            <p:ph type="body"/>
+          </p:nvPr>
+        </p:nvSpPr>
+        <p:spPr>
+          <a:xfrm>
+            <a:off x="609480" y="3682080"/>
+            <a:ext cx="10972440" cy="1896840"/>
+          </a:xfrm>
+          <a:prstGeom prst="rect">
+            <a:avLst/>
+          </a:prstGeom>
+        </p:spPr>
+        <p:txBody>
+          <a:bodyPr lIns="0" rIns="0" tIns="0" bIns="0"/>
+          <a:p>
+            <a:endParaRPr/>
+          </a:p>
+        </p:txBody>
+      </p:sp>
+    </p:spTree>
+  </p:cSld>
+</p:sldLayout>
+</file>
+
+<file path=ppt/slideLayouts/slideLayout83.xml><?xml version="1.0" encoding="utf-8"?>
+<p:sldLayout xmlns:a="http://schemas.openxmlformats.org/drawingml/2006/main" xmlns:p="http://schemas.openxmlformats.org/presentationml/2006/main" xmlns:r="http://schemas.openxmlformats.org/officeDocument/2006/relationships" type="fourObj" preserve="1">
+  <p:cSld name="Title, 4 Content">
+    <p:spTree>
+      <p:nvGrpSpPr>
+        <p:cNvPr id="1" name=""/>
+        <p:cNvGrpSpPr/>
+        <p:nvPr/>
+      </p:nvGrpSpPr>
+      <p:grpSpPr>
+        <a:xfrm>
+          <a:off x="0" y="0"/>
+          <a:ext cx="0" cy="0"/>
+          <a:chOff x="0" y="0"/>
+          <a:chExt cx="0" cy="0"/>
+        </a:xfrm>
+      </p:grpSpPr>
+      <p:sp>
+        <p:nvSpPr>
+          <p:cNvPr id="242" name="PlaceHolder 1"/>
+          <p:cNvSpPr>
+            <a:spLocks noGrp="1"/>
+          </p:cNvSpPr>
+          <p:nvPr>
+            <p:ph type="title"/>
+          </p:nvPr>
+        </p:nvSpPr>
+        <p:spPr>
+          <a:xfrm>
+            <a:off x="609480" y="273600"/>
+            <a:ext cx="10972440" cy="1145160"/>
+          </a:xfrm>
+          <a:prstGeom prst="rect">
+            <a:avLst/>
+          </a:prstGeom>
+        </p:spPr>
+        <p:txBody>
+          <a:bodyPr lIns="0" rIns="0" tIns="0" bIns="0" anchor="ctr"/>
+          <a:p>
+            <a:pPr algn="ctr"/>
+            <a:endParaRPr/>
+          </a:p>
+        </p:txBody>
+      </p:sp>
+      <p:sp>
+        <p:nvSpPr>
+          <p:cNvPr id="243" name="PlaceHolder 2"/>
+          <p:cNvSpPr>
+            <a:spLocks noGrp="1"/>
+          </p:cNvSpPr>
+          <p:nvPr>
+            <p:ph type="body"/>
+          </p:nvPr>
+        </p:nvSpPr>
+        <p:spPr>
+          <a:xfrm>
+            <a:off x="609480" y="1604520"/>
+            <a:ext cx="5354280" cy="1896840"/>
+          </a:xfrm>
+          <a:prstGeom prst="rect">
+            <a:avLst/>
+          </a:prstGeom>
+        </p:spPr>
+        <p:txBody>
+          <a:bodyPr lIns="0" rIns="0" tIns="0" bIns="0"/>
+          <a:p>
+            <a:endParaRPr/>
+          </a:p>
+        </p:txBody>
+      </p:sp>
+      <p:sp>
+        <p:nvSpPr>
+          <p:cNvPr id="244" name="PlaceHolder 3"/>
+          <p:cNvSpPr>
+            <a:spLocks noGrp="1"/>
+          </p:cNvSpPr>
+          <p:nvPr>
+            <p:ph type="body"/>
+          </p:nvPr>
+        </p:nvSpPr>
+        <p:spPr>
+          <a:xfrm>
+            <a:off x="6231960" y="1604520"/>
+            <a:ext cx="5354280" cy="1896840"/>
+          </a:xfrm>
+          <a:prstGeom prst="rect">
+            <a:avLst/>
+          </a:prstGeom>
+        </p:spPr>
+        <p:txBody>
+          <a:bodyPr lIns="0" rIns="0" tIns="0" bIns="0"/>
+          <a:p>
+            <a:endParaRPr/>
+          </a:p>
+        </p:txBody>
+      </p:sp>
+      <p:sp>
+        <p:nvSpPr>
+          <p:cNvPr id="245" name="PlaceHolder 4"/>
+          <p:cNvSpPr>
+            <a:spLocks noGrp="1"/>
+          </p:cNvSpPr>
+          <p:nvPr>
+            <p:ph type="body"/>
+          </p:nvPr>
+        </p:nvSpPr>
+        <p:spPr>
+          <a:xfrm>
+            <a:off x="6231960" y="3682080"/>
+            <a:ext cx="5354280" cy="1896840"/>
+          </a:xfrm>
+          <a:prstGeom prst="rect">
+            <a:avLst/>
+          </a:prstGeom>
+        </p:spPr>
+        <p:txBody>
+          <a:bodyPr lIns="0" rIns="0" tIns="0" bIns="0"/>
+          <a:p>
+            <a:endParaRPr/>
+          </a:p>
+        </p:txBody>
+      </p:sp>
+      <p:sp>
+        <p:nvSpPr>
+          <p:cNvPr id="246" name="PlaceHolder 5"/>
+          <p:cNvSpPr>
+            <a:spLocks noGrp="1"/>
+          </p:cNvSpPr>
+          <p:nvPr>
+            <p:ph type="body"/>
+          </p:nvPr>
+        </p:nvSpPr>
+        <p:spPr>
+          <a:xfrm>
+            <a:off x="609480" y="3682080"/>
+            <a:ext cx="5354280" cy="1896840"/>
+          </a:xfrm>
+          <a:prstGeom prst="rect">
+            <a:avLst/>
+          </a:prstGeom>
+        </p:spPr>
+        <p:txBody>
+          <a:bodyPr lIns="0" rIns="0" tIns="0" bIns="0"/>
+          <a:p>
+            <a:endParaRPr/>
+          </a:p>
+        </p:txBody>
+      </p:sp>
+    </p:spTree>
+  </p:cSld>
+</p:sldLayout>
+</file>
+
+<file path=ppt/slideLayouts/slideLayout84.xml><?xml version="1.0" encoding="utf-8"?>
+<p:sldLayout xmlns:a="http://schemas.openxmlformats.org/drawingml/2006/main" xmlns:p="http://schemas.openxmlformats.org/presentationml/2006/main" xmlns:r="http://schemas.openxmlformats.org/officeDocument/2006/relationships" type="blank" preserve="1">
+  <p:cSld name="Title, 6 Content">
+    <p:spTree>
+      <p:nvGrpSpPr>
+        <p:cNvPr id="1" name=""/>
+        <p:cNvGrpSpPr/>
+        <p:nvPr/>
+      </p:nvGrpSpPr>
+      <p:grpSpPr>
+        <a:xfrm>
+          <a:off x="0" y="0"/>
+          <a:ext cx="0" cy="0"/>
+          <a:chOff x="0" y="0"/>
+          <a:chExt cx="0" cy="0"/>
+        </a:xfrm>
+      </p:grpSpPr>
+      <p:sp>
+        <p:nvSpPr>
+          <p:cNvPr id="247" name="PlaceHolder 1"/>
+          <p:cNvSpPr>
+            <a:spLocks noGrp="1"/>
+          </p:cNvSpPr>
+          <p:nvPr>
+            <p:ph type="title"/>
+          </p:nvPr>
+        </p:nvSpPr>
+        <p:spPr>
+          <a:xfrm>
+            <a:off x="609480" y="273600"/>
+            <a:ext cx="10972440" cy="1145160"/>
+          </a:xfrm>
+          <a:prstGeom prst="rect">
+            <a:avLst/>
+          </a:prstGeom>
+        </p:spPr>
+        <p:txBody>
+          <a:bodyPr lIns="0" rIns="0" tIns="0" bIns="0" anchor="ctr"/>
+          <a:p>
+            <a:pPr algn="ctr"/>
+            <a:endParaRPr/>
+          </a:p>
+        </p:txBody>
+      </p:sp>
+      <p:sp>
+        <p:nvSpPr>
+          <p:cNvPr id="248" name="PlaceHolder 2"/>
+          <p:cNvSpPr>
+            <a:spLocks noGrp="1"/>
+          </p:cNvSpPr>
+          <p:nvPr>
+            <p:ph type="body"/>
+          </p:nvPr>
+        </p:nvSpPr>
+        <p:spPr>
+          <a:xfrm>
+            <a:off x="609480" y="1604520"/>
+            <a:ext cx="10972440" cy="3977280"/>
+          </a:xfrm>
+          <a:prstGeom prst="rect">
+            <a:avLst/>
+          </a:prstGeom>
+        </p:spPr>
+        <p:txBody>
+          <a:bodyPr lIns="0" rIns="0" tIns="0" bIns="0"/>
+          <a:p>
+            <a:endParaRPr/>
+          </a:p>
+        </p:txBody>
+      </p:sp>
+      <p:sp>
+        <p:nvSpPr>
+          <p:cNvPr id="249" name="PlaceHolder 3"/>
+          <p:cNvSpPr>
+            <a:spLocks noGrp="1"/>
+          </p:cNvSpPr>
+          <p:nvPr>
+            <p:ph type="body"/>
+          </p:nvPr>
+        </p:nvSpPr>
+        <p:spPr>
+          <a:xfrm>
+            <a:off x="609480" y="1604520"/>
+            <a:ext cx="10972440" cy="3977280"/>
+          </a:xfrm>
+          <a:prstGeom prst="rect">
+            <a:avLst/>
+          </a:prstGeom>
+        </p:spPr>
+        <p:txBody>
+          <a:bodyPr lIns="0" rIns="0" tIns="0" bIns="0"/>
+          <a:p>
+            <a:endParaRPr/>
+          </a:p>
+        </p:txBody>
+      </p:sp>
+      <p:pic>
+        <p:nvPicPr>
+          <p:cNvPr id="250" name="" descr=""/>
+          <p:cNvPicPr/>
+          <p:nvPr/>
+        </p:nvPicPr>
+        <p:blipFill>
+          <a:blip r:embed="rId2"/>
+          <a:stretch>
+            <a:fillRect/>
+          </a:stretch>
+        </p:blipFill>
+        <p:spPr>
+          <a:xfrm>
+            <a:off x="3602880" y="1604520"/>
+            <a:ext cx="4984920" cy="3977280"/>
+          </a:xfrm>
+          <a:prstGeom prst="rect">
+            <a:avLst/>
+          </a:prstGeom>
+          <a:ln>
+            <a:noFill/>
+          </a:ln>
+        </p:spPr>
+      </p:pic>
+      <p:pic>
+        <p:nvPicPr>
+          <p:cNvPr id="251" name="" descr=""/>
+          <p:cNvPicPr/>
+          <p:nvPr/>
+        </p:nvPicPr>
+        <p:blipFill>
+          <a:blip r:embed="rId3"/>
+          <a:stretch>
+            <a:fillRect/>
+          </a:stretch>
+        </p:blipFill>
+        <p:spPr>
+          <a:xfrm>
+            <a:off x="3602880" y="1604520"/>
+            <a:ext cx="4984920" cy="3977280"/>
+          </a:xfrm>
+          <a:prstGeom prst="rect">
+            <a:avLst/>
+          </a:prstGeom>
+          <a:ln>
+            <a:noFill/>
+          </a:ln>
+        </p:spPr>
+      </p:pic>
+    </p:spTree>
+  </p:cSld>
+</p:sldLayout>
+</file>
+
+<file path=ppt/slideLayouts/slideLayout85.xml><?xml version="1.0" encoding="utf-8"?>
+<p:sldLayout xmlns:a="http://schemas.openxmlformats.org/drawingml/2006/main" xmlns:p="http://schemas.openxmlformats.org/presentationml/2006/main" xmlns:r="http://schemas.openxmlformats.org/officeDocument/2006/relationships" type="blank" preserve="1">
+  <p:cSld name="Blank Slide">
+    <p:spTree>
+      <p:nvGrpSpPr>
+        <p:cNvPr id="1" name=""/>
+        <p:cNvGrpSpPr/>
+        <p:nvPr/>
+      </p:nvGrpSpPr>
+      <p:grpSpPr>
+        <a:xfrm>
+          <a:off x="0" y="0"/>
+          <a:ext cx="0" cy="0"/>
+          <a:chOff x="0" y="0"/>
+          <a:chExt cx="0" cy="0"/>
+        </a:xfrm>
+      </p:grpSpPr>
+    </p:spTree>
+  </p:cSld>
+</p:sldLayout>
+</file>
+
+<file path=ppt/slideLayouts/slideLayout86.xml><?xml version="1.0" encoding="utf-8"?>
+<p:sldLayout xmlns:a="http://schemas.openxmlformats.org/drawingml/2006/main" xmlns:p="http://schemas.openxmlformats.org/presentationml/2006/main" xmlns:r="http://schemas.openxmlformats.org/officeDocument/2006/relationships" type="tx" preserve="1">
+  <p:cSld name="Title Slide">
+    <p:spTree>
+      <p:nvGrpSpPr>
+        <p:cNvPr id="1" name=""/>
+        <p:cNvGrpSpPr/>
+        <p:nvPr/>
+      </p:nvGrpSpPr>
+      <p:grpSpPr>
+        <a:xfrm>
+          <a:off x="0" y="0"/>
+          <a:ext cx="0" cy="0"/>
+          <a:chOff x="0" y="0"/>
+          <a:chExt cx="0" cy="0"/>
+        </a:xfrm>
+      </p:grpSpPr>
+      <p:sp>
+        <p:nvSpPr>
+          <p:cNvPr id="254" name="PlaceHolder 1"/>
+          <p:cNvSpPr>
+            <a:spLocks noGrp="1"/>
+          </p:cNvSpPr>
+          <p:nvPr>
+            <p:ph type="title"/>
+          </p:nvPr>
+        </p:nvSpPr>
+        <p:spPr>
+          <a:xfrm>
+            <a:off x="609480" y="273600"/>
+            <a:ext cx="10972440" cy="1145160"/>
+          </a:xfrm>
+          <a:prstGeom prst="rect">
+            <a:avLst/>
+          </a:prstGeom>
+        </p:spPr>
+        <p:txBody>
+          <a:bodyPr lIns="0" rIns="0" tIns="0" bIns="0" anchor="ctr"/>
+          <a:p>
+            <a:pPr algn="ctr"/>
+            <a:endParaRPr/>
+          </a:p>
+        </p:txBody>
+      </p:sp>
+      <p:sp>
+        <p:nvSpPr>
+          <p:cNvPr id="255" name="PlaceHolder 2"/>
+          <p:cNvSpPr>
+            <a:spLocks noGrp="1"/>
+          </p:cNvSpPr>
+          <p:nvPr>
+            <p:ph type="subTitle"/>
+          </p:nvPr>
+        </p:nvSpPr>
+        <p:spPr>
+          <a:xfrm>
+            <a:off x="609480" y="1604520"/>
+            <a:ext cx="10972440" cy="3977640"/>
+          </a:xfrm>
+          <a:prstGeom prst="rect">
+            <a:avLst/>
+          </a:prstGeom>
+        </p:spPr>
+        <p:txBody>
+          <a:bodyPr lIns="0" rIns="0" tIns="0" bIns="0" anchor="ctr"/>
+          <a:p>
+            <a:pPr algn="ctr"/>
+            <a:endParaRPr/>
+          </a:p>
+        </p:txBody>
+      </p:sp>
+    </p:spTree>
+  </p:cSld>
+</p:sldLayout>
+</file>
+
+<file path=ppt/slideLayouts/slideLayout87.xml><?xml version="1.0" encoding="utf-8"?>
+<p:sldLayout xmlns:a="http://schemas.openxmlformats.org/drawingml/2006/main" xmlns:p="http://schemas.openxmlformats.org/presentationml/2006/main" xmlns:r="http://schemas.openxmlformats.org/officeDocument/2006/relationships" type="obj" preserve="1">
+  <p:cSld name="Title, Content">
+    <p:spTree>
+      <p:nvGrpSpPr>
+        <p:cNvPr id="1" name=""/>
+        <p:cNvGrpSpPr/>
+        <p:nvPr/>
+      </p:nvGrpSpPr>
+      <p:grpSpPr>
+        <a:xfrm>
+          <a:off x="0" y="0"/>
+          <a:ext cx="0" cy="0"/>
+          <a:chOff x="0" y="0"/>
+          <a:chExt cx="0" cy="0"/>
+        </a:xfrm>
+      </p:grpSpPr>
+      <p:sp>
+        <p:nvSpPr>
+          <p:cNvPr id="256" name="PlaceHolder 1"/>
+          <p:cNvSpPr>
+            <a:spLocks noGrp="1"/>
+          </p:cNvSpPr>
+          <p:nvPr>
+            <p:ph type="title"/>
+          </p:nvPr>
+        </p:nvSpPr>
+        <p:spPr>
+          <a:xfrm>
+            <a:off x="609480" y="273600"/>
+            <a:ext cx="10972440" cy="1145160"/>
+          </a:xfrm>
+          <a:prstGeom prst="rect">
+            <a:avLst/>
+          </a:prstGeom>
+        </p:spPr>
+        <p:txBody>
+          <a:bodyPr lIns="0" rIns="0" tIns="0" bIns="0" anchor="ctr"/>
+          <a:p>
+            <a:pPr algn="ctr"/>
+            <a:endParaRPr/>
+          </a:p>
+        </p:txBody>
+      </p:sp>
+      <p:sp>
+        <p:nvSpPr>
+          <p:cNvPr id="257" name="PlaceHolder 2"/>
+          <p:cNvSpPr>
+            <a:spLocks noGrp="1"/>
+          </p:cNvSpPr>
+          <p:nvPr>
+            <p:ph type="body"/>
+          </p:nvPr>
+        </p:nvSpPr>
+        <p:spPr>
+          <a:xfrm>
+            <a:off x="609480" y="1604520"/>
+            <a:ext cx="10972440" cy="3977280"/>
+          </a:xfrm>
+          <a:prstGeom prst="rect">
+            <a:avLst/>
+          </a:prstGeom>
+        </p:spPr>
+        <p:txBody>
+          <a:bodyPr lIns="0" rIns="0" tIns="0" bIns="0"/>
+          <a:p>
+            <a:endParaRPr/>
+          </a:p>
+        </p:txBody>
+      </p:sp>
+    </p:spTree>
+  </p:cSld>
+</p:sldLayout>
+</file>
+
+<file path=ppt/slideLayouts/slideLayout88.xml><?xml version="1.0" encoding="utf-8"?>
+<p:sldLayout xmlns:a="http://schemas.openxmlformats.org/drawingml/2006/main" xmlns:p="http://schemas.openxmlformats.org/presentationml/2006/main" xmlns:r="http://schemas.openxmlformats.org/officeDocument/2006/relationships" type="twoObj" preserve="1">
+  <p:cSld name="Title, 2 Content">
+    <p:spTree>
+      <p:nvGrpSpPr>
+        <p:cNvPr id="1" name=""/>
+        <p:cNvGrpSpPr/>
+        <p:nvPr/>
+      </p:nvGrpSpPr>
+      <p:grpSpPr>
+        <a:xfrm>
+          <a:off x="0" y="0"/>
+          <a:ext cx="0" cy="0"/>
+          <a:chOff x="0" y="0"/>
+          <a:chExt cx="0" cy="0"/>
+        </a:xfrm>
+      </p:grpSpPr>
+      <p:sp>
+        <p:nvSpPr>
+          <p:cNvPr id="258" name="PlaceHolder 1"/>
+          <p:cNvSpPr>
+            <a:spLocks noGrp="1"/>
+          </p:cNvSpPr>
+          <p:nvPr>
+            <p:ph type="title"/>
+          </p:nvPr>
+        </p:nvSpPr>
+        <p:spPr>
+          <a:xfrm>
+            <a:off x="609480" y="273600"/>
+            <a:ext cx="10972440" cy="1145160"/>
+          </a:xfrm>
+          <a:prstGeom prst="rect">
+            <a:avLst/>
+          </a:prstGeom>
+        </p:spPr>
+        <p:txBody>
+          <a:bodyPr lIns="0" rIns="0" tIns="0" bIns="0" anchor="ctr"/>
+          <a:p>
+            <a:pPr algn="ctr"/>
+            <a:endParaRPr/>
+          </a:p>
+        </p:txBody>
+      </p:sp>
+      <p:sp>
+        <p:nvSpPr>
+          <p:cNvPr id="259" name="PlaceHolder 2"/>
+          <p:cNvSpPr>
+            <a:spLocks noGrp="1"/>
+          </p:cNvSpPr>
+          <p:nvPr>
+            <p:ph type="body"/>
+          </p:nvPr>
+        </p:nvSpPr>
+        <p:spPr>
+          <a:xfrm>
+            <a:off x="609480" y="1604520"/>
+            <a:ext cx="5354280" cy="3977280"/>
+          </a:xfrm>
+          <a:prstGeom prst="rect">
+            <a:avLst/>
+          </a:prstGeom>
+        </p:spPr>
+        <p:txBody>
+          <a:bodyPr lIns="0" rIns="0" tIns="0" bIns="0"/>
+          <a:p>
+            <a:endParaRPr/>
+          </a:p>
+        </p:txBody>
+      </p:sp>
+      <p:sp>
+        <p:nvSpPr>
+          <p:cNvPr id="260" name="PlaceHolder 3"/>
+          <p:cNvSpPr>
+            <a:spLocks noGrp="1"/>
+          </p:cNvSpPr>
+          <p:nvPr>
+            <p:ph type="body"/>
+          </p:nvPr>
+        </p:nvSpPr>
+        <p:spPr>
+          <a:xfrm>
+            <a:off x="6231960" y="1604520"/>
+            <a:ext cx="5354280" cy="3977280"/>
+          </a:xfrm>
+          <a:prstGeom prst="rect">
+            <a:avLst/>
+          </a:prstGeom>
+        </p:spPr>
+        <p:txBody>
+          <a:bodyPr lIns="0" rIns="0" tIns="0" bIns="0"/>
+          <a:p>
+            <a:endParaRPr/>
+          </a:p>
+        </p:txBody>
+      </p:sp>
+    </p:spTree>
+  </p:cSld>
+</p:sldLayout>
+</file>
+
+<file path=ppt/slideLayouts/slideLayout89.xml><?xml version="1.0" encoding="utf-8"?>
+<p:sldLayout xmlns:a="http://schemas.openxmlformats.org/drawingml/2006/main" xmlns:p="http://schemas.openxmlformats.org/presentationml/2006/main" xmlns:r="http://schemas.openxmlformats.org/officeDocument/2006/relationships" type="titleOnly" preserve="1">
+  <p:cSld name="Title Only">
+    <p:spTree>
+      <p:nvGrpSpPr>
+        <p:cNvPr id="1" name=""/>
+        <p:cNvGrpSpPr/>
+        <p:nvPr/>
+      </p:nvGrpSpPr>
+      <p:grpSpPr>
+        <a:xfrm>
+          <a:off x="0" y="0"/>
+          <a:ext cx="0" cy="0"/>
+          <a:chOff x="0" y="0"/>
+          <a:chExt cx="0" cy="0"/>
+        </a:xfrm>
+      </p:grpSpPr>
+      <p:sp>
+        <p:nvSpPr>
+          <p:cNvPr id="261" name="PlaceHolder 1"/>
+          <p:cNvSpPr>
+            <a:spLocks noGrp="1"/>
+          </p:cNvSpPr>
+          <p:nvPr>
+            <p:ph type="title"/>
+          </p:nvPr>
+        </p:nvSpPr>
+        <p:spPr>
+          <a:xfrm>
+            <a:off x="609480" y="273600"/>
+            <a:ext cx="10972440" cy="1145160"/>
+          </a:xfrm>
+          <a:prstGeom prst="rect">
+            <a:avLst/>
+          </a:prstGeom>
+        </p:spPr>
+        <p:txBody>
+          <a:bodyPr lIns="0" rIns="0" tIns="0" bIns="0" anchor="ctr"/>
+          <a:p>
+            <a:pPr algn="ctr"/>
             <a:endParaRPr/>
           </a:p>
         </p:txBody>
@@ -7740,6 +10209,1014 @@
           <a:xfrm>
             <a:off x="609480" y="3682080"/>
             <a:ext cx="10972440" cy="1896840"/>
+          </a:xfrm>
+          <a:prstGeom prst="rect">
+            <a:avLst/>
+          </a:prstGeom>
+        </p:spPr>
+        <p:txBody>
+          <a:bodyPr lIns="0" rIns="0" tIns="0" bIns="0"/>
+          <a:p>
+            <a:endParaRPr/>
+          </a:p>
+        </p:txBody>
+      </p:sp>
+    </p:spTree>
+  </p:cSld>
+</p:sldLayout>
+</file>
+
+<file path=ppt/slideLayouts/slideLayout90.xml><?xml version="1.0" encoding="utf-8"?>
+<p:sldLayout xmlns:a="http://schemas.openxmlformats.org/drawingml/2006/main" xmlns:p="http://schemas.openxmlformats.org/presentationml/2006/main" xmlns:r="http://schemas.openxmlformats.org/officeDocument/2006/relationships" type="objOnly" preserve="1">
+  <p:cSld name="Centered Text">
+    <p:spTree>
+      <p:nvGrpSpPr>
+        <p:cNvPr id="1" name=""/>
+        <p:cNvGrpSpPr/>
+        <p:nvPr/>
+      </p:nvGrpSpPr>
+      <p:grpSpPr>
+        <a:xfrm>
+          <a:off x="0" y="0"/>
+          <a:ext cx="0" cy="0"/>
+          <a:chOff x="0" y="0"/>
+          <a:chExt cx="0" cy="0"/>
+        </a:xfrm>
+      </p:grpSpPr>
+      <p:sp>
+        <p:nvSpPr>
+          <p:cNvPr id="262" name="PlaceHolder 1"/>
+          <p:cNvSpPr>
+            <a:spLocks noGrp="1"/>
+          </p:cNvSpPr>
+          <p:nvPr>
+            <p:ph type="subTitle"/>
+          </p:nvPr>
+        </p:nvSpPr>
+        <p:spPr>
+          <a:xfrm>
+            <a:off x="609480" y="273600"/>
+            <a:ext cx="10972440" cy="5308200"/>
+          </a:xfrm>
+          <a:prstGeom prst="rect">
+            <a:avLst/>
+          </a:prstGeom>
+        </p:spPr>
+        <p:txBody>
+          <a:bodyPr lIns="0" rIns="0" tIns="0" bIns="0" anchor="ctr"/>
+          <a:p>
+            <a:pPr algn="ctr"/>
+            <a:endParaRPr/>
+          </a:p>
+        </p:txBody>
+      </p:sp>
+    </p:spTree>
+  </p:cSld>
+</p:sldLayout>
+</file>
+
+<file path=ppt/slideLayouts/slideLayout91.xml><?xml version="1.0" encoding="utf-8"?>
+<p:sldLayout xmlns:a="http://schemas.openxmlformats.org/drawingml/2006/main" xmlns:p="http://schemas.openxmlformats.org/presentationml/2006/main" xmlns:r="http://schemas.openxmlformats.org/officeDocument/2006/relationships" type="twoObjAndObj" preserve="1">
+  <p:cSld name="Title, 2 Content and Content">
+    <p:spTree>
+      <p:nvGrpSpPr>
+        <p:cNvPr id="1" name=""/>
+        <p:cNvGrpSpPr/>
+        <p:nvPr/>
+      </p:nvGrpSpPr>
+      <p:grpSpPr>
+        <a:xfrm>
+          <a:off x="0" y="0"/>
+          <a:ext cx="0" cy="0"/>
+          <a:chOff x="0" y="0"/>
+          <a:chExt cx="0" cy="0"/>
+        </a:xfrm>
+      </p:grpSpPr>
+      <p:sp>
+        <p:nvSpPr>
+          <p:cNvPr id="263" name="PlaceHolder 1"/>
+          <p:cNvSpPr>
+            <a:spLocks noGrp="1"/>
+          </p:cNvSpPr>
+          <p:nvPr>
+            <p:ph type="title"/>
+          </p:nvPr>
+        </p:nvSpPr>
+        <p:spPr>
+          <a:xfrm>
+            <a:off x="609480" y="273600"/>
+            <a:ext cx="10972440" cy="1145160"/>
+          </a:xfrm>
+          <a:prstGeom prst="rect">
+            <a:avLst/>
+          </a:prstGeom>
+        </p:spPr>
+        <p:txBody>
+          <a:bodyPr lIns="0" rIns="0" tIns="0" bIns="0" anchor="ctr"/>
+          <a:p>
+            <a:pPr algn="ctr"/>
+            <a:endParaRPr/>
+          </a:p>
+        </p:txBody>
+      </p:sp>
+      <p:sp>
+        <p:nvSpPr>
+          <p:cNvPr id="264" name="PlaceHolder 2"/>
+          <p:cNvSpPr>
+            <a:spLocks noGrp="1"/>
+          </p:cNvSpPr>
+          <p:nvPr>
+            <p:ph type="body"/>
+          </p:nvPr>
+        </p:nvSpPr>
+        <p:spPr>
+          <a:xfrm>
+            <a:off x="609480" y="1604520"/>
+            <a:ext cx="5354280" cy="1896840"/>
+          </a:xfrm>
+          <a:prstGeom prst="rect">
+            <a:avLst/>
+          </a:prstGeom>
+        </p:spPr>
+        <p:txBody>
+          <a:bodyPr lIns="0" rIns="0" tIns="0" bIns="0"/>
+          <a:p>
+            <a:endParaRPr/>
+          </a:p>
+        </p:txBody>
+      </p:sp>
+      <p:sp>
+        <p:nvSpPr>
+          <p:cNvPr id="265" name="PlaceHolder 3"/>
+          <p:cNvSpPr>
+            <a:spLocks noGrp="1"/>
+          </p:cNvSpPr>
+          <p:nvPr>
+            <p:ph type="body"/>
+          </p:nvPr>
+        </p:nvSpPr>
+        <p:spPr>
+          <a:xfrm>
+            <a:off x="609480" y="3682080"/>
+            <a:ext cx="5354280" cy="1896840"/>
+          </a:xfrm>
+          <a:prstGeom prst="rect">
+            <a:avLst/>
+          </a:prstGeom>
+        </p:spPr>
+        <p:txBody>
+          <a:bodyPr lIns="0" rIns="0" tIns="0" bIns="0"/>
+          <a:p>
+            <a:endParaRPr/>
+          </a:p>
+        </p:txBody>
+      </p:sp>
+      <p:sp>
+        <p:nvSpPr>
+          <p:cNvPr id="266" name="PlaceHolder 4"/>
+          <p:cNvSpPr>
+            <a:spLocks noGrp="1"/>
+          </p:cNvSpPr>
+          <p:nvPr>
+            <p:ph type="body"/>
+          </p:nvPr>
+        </p:nvSpPr>
+        <p:spPr>
+          <a:xfrm>
+            <a:off x="6231960" y="1604520"/>
+            <a:ext cx="5354280" cy="3977280"/>
+          </a:xfrm>
+          <a:prstGeom prst="rect">
+            <a:avLst/>
+          </a:prstGeom>
+        </p:spPr>
+        <p:txBody>
+          <a:bodyPr lIns="0" rIns="0" tIns="0" bIns="0"/>
+          <a:p>
+            <a:endParaRPr/>
+          </a:p>
+        </p:txBody>
+      </p:sp>
+    </p:spTree>
+  </p:cSld>
+</p:sldLayout>
+</file>
+
+<file path=ppt/slideLayouts/slideLayout92.xml><?xml version="1.0" encoding="utf-8"?>
+<p:sldLayout xmlns:a="http://schemas.openxmlformats.org/drawingml/2006/main" xmlns:p="http://schemas.openxmlformats.org/presentationml/2006/main" xmlns:r="http://schemas.openxmlformats.org/officeDocument/2006/relationships" type="objAndTwoObj" preserve="1">
+  <p:cSld name="Title Content and 2 Content">
+    <p:spTree>
+      <p:nvGrpSpPr>
+        <p:cNvPr id="1" name=""/>
+        <p:cNvGrpSpPr/>
+        <p:nvPr/>
+      </p:nvGrpSpPr>
+      <p:grpSpPr>
+        <a:xfrm>
+          <a:off x="0" y="0"/>
+          <a:ext cx="0" cy="0"/>
+          <a:chOff x="0" y="0"/>
+          <a:chExt cx="0" cy="0"/>
+        </a:xfrm>
+      </p:grpSpPr>
+      <p:sp>
+        <p:nvSpPr>
+          <p:cNvPr id="267" name="PlaceHolder 1"/>
+          <p:cNvSpPr>
+            <a:spLocks noGrp="1"/>
+          </p:cNvSpPr>
+          <p:nvPr>
+            <p:ph type="title"/>
+          </p:nvPr>
+        </p:nvSpPr>
+        <p:spPr>
+          <a:xfrm>
+            <a:off x="609480" y="273600"/>
+            <a:ext cx="10972440" cy="1145160"/>
+          </a:xfrm>
+          <a:prstGeom prst="rect">
+            <a:avLst/>
+          </a:prstGeom>
+        </p:spPr>
+        <p:txBody>
+          <a:bodyPr lIns="0" rIns="0" tIns="0" bIns="0" anchor="ctr"/>
+          <a:p>
+            <a:pPr algn="ctr"/>
+            <a:endParaRPr/>
+          </a:p>
+        </p:txBody>
+      </p:sp>
+      <p:sp>
+        <p:nvSpPr>
+          <p:cNvPr id="268" name="PlaceHolder 2"/>
+          <p:cNvSpPr>
+            <a:spLocks noGrp="1"/>
+          </p:cNvSpPr>
+          <p:nvPr>
+            <p:ph type="body"/>
+          </p:nvPr>
+        </p:nvSpPr>
+        <p:spPr>
+          <a:xfrm>
+            <a:off x="609480" y="1604520"/>
+            <a:ext cx="5354280" cy="3977280"/>
+          </a:xfrm>
+          <a:prstGeom prst="rect">
+            <a:avLst/>
+          </a:prstGeom>
+        </p:spPr>
+        <p:txBody>
+          <a:bodyPr lIns="0" rIns="0" tIns="0" bIns="0"/>
+          <a:p>
+            <a:endParaRPr/>
+          </a:p>
+        </p:txBody>
+      </p:sp>
+      <p:sp>
+        <p:nvSpPr>
+          <p:cNvPr id="269" name="PlaceHolder 3"/>
+          <p:cNvSpPr>
+            <a:spLocks noGrp="1"/>
+          </p:cNvSpPr>
+          <p:nvPr>
+            <p:ph type="body"/>
+          </p:nvPr>
+        </p:nvSpPr>
+        <p:spPr>
+          <a:xfrm>
+            <a:off x="6231960" y="1604520"/>
+            <a:ext cx="5354280" cy="1896840"/>
+          </a:xfrm>
+          <a:prstGeom prst="rect">
+            <a:avLst/>
+          </a:prstGeom>
+        </p:spPr>
+        <p:txBody>
+          <a:bodyPr lIns="0" rIns="0" tIns="0" bIns="0"/>
+          <a:p>
+            <a:endParaRPr/>
+          </a:p>
+        </p:txBody>
+      </p:sp>
+      <p:sp>
+        <p:nvSpPr>
+          <p:cNvPr id="270" name="PlaceHolder 4"/>
+          <p:cNvSpPr>
+            <a:spLocks noGrp="1"/>
+          </p:cNvSpPr>
+          <p:nvPr>
+            <p:ph type="body"/>
+          </p:nvPr>
+        </p:nvSpPr>
+        <p:spPr>
+          <a:xfrm>
+            <a:off x="6231960" y="3682080"/>
+            <a:ext cx="5354280" cy="1896840"/>
+          </a:xfrm>
+          <a:prstGeom prst="rect">
+            <a:avLst/>
+          </a:prstGeom>
+        </p:spPr>
+        <p:txBody>
+          <a:bodyPr lIns="0" rIns="0" tIns="0" bIns="0"/>
+          <a:p>
+            <a:endParaRPr/>
+          </a:p>
+        </p:txBody>
+      </p:sp>
+    </p:spTree>
+  </p:cSld>
+</p:sldLayout>
+</file>
+
+<file path=ppt/slideLayouts/slideLayout93.xml><?xml version="1.0" encoding="utf-8"?>
+<p:sldLayout xmlns:a="http://schemas.openxmlformats.org/drawingml/2006/main" xmlns:p="http://schemas.openxmlformats.org/presentationml/2006/main" xmlns:r="http://schemas.openxmlformats.org/officeDocument/2006/relationships" type="twoObjOverTx" preserve="1">
+  <p:cSld name="Title, 2 Content over Content">
+    <p:spTree>
+      <p:nvGrpSpPr>
+        <p:cNvPr id="1" name=""/>
+        <p:cNvGrpSpPr/>
+        <p:nvPr/>
+      </p:nvGrpSpPr>
+      <p:grpSpPr>
+        <a:xfrm>
+          <a:off x="0" y="0"/>
+          <a:ext cx="0" cy="0"/>
+          <a:chOff x="0" y="0"/>
+          <a:chExt cx="0" cy="0"/>
+        </a:xfrm>
+      </p:grpSpPr>
+      <p:sp>
+        <p:nvSpPr>
+          <p:cNvPr id="271" name="PlaceHolder 1"/>
+          <p:cNvSpPr>
+            <a:spLocks noGrp="1"/>
+          </p:cNvSpPr>
+          <p:nvPr>
+            <p:ph type="title"/>
+          </p:nvPr>
+        </p:nvSpPr>
+        <p:spPr>
+          <a:xfrm>
+            <a:off x="609480" y="273600"/>
+            <a:ext cx="10972440" cy="1145160"/>
+          </a:xfrm>
+          <a:prstGeom prst="rect">
+            <a:avLst/>
+          </a:prstGeom>
+        </p:spPr>
+        <p:txBody>
+          <a:bodyPr lIns="0" rIns="0" tIns="0" bIns="0" anchor="ctr"/>
+          <a:p>
+            <a:pPr algn="ctr"/>
+            <a:endParaRPr/>
+          </a:p>
+        </p:txBody>
+      </p:sp>
+      <p:sp>
+        <p:nvSpPr>
+          <p:cNvPr id="272" name="PlaceHolder 2"/>
+          <p:cNvSpPr>
+            <a:spLocks noGrp="1"/>
+          </p:cNvSpPr>
+          <p:nvPr>
+            <p:ph type="body"/>
+          </p:nvPr>
+        </p:nvSpPr>
+        <p:spPr>
+          <a:xfrm>
+            <a:off x="609480" y="1604520"/>
+            <a:ext cx="5354280" cy="1896840"/>
+          </a:xfrm>
+          <a:prstGeom prst="rect">
+            <a:avLst/>
+          </a:prstGeom>
+        </p:spPr>
+        <p:txBody>
+          <a:bodyPr lIns="0" rIns="0" tIns="0" bIns="0"/>
+          <a:p>
+            <a:endParaRPr/>
+          </a:p>
+        </p:txBody>
+      </p:sp>
+      <p:sp>
+        <p:nvSpPr>
+          <p:cNvPr id="273" name="PlaceHolder 3"/>
+          <p:cNvSpPr>
+            <a:spLocks noGrp="1"/>
+          </p:cNvSpPr>
+          <p:nvPr>
+            <p:ph type="body"/>
+          </p:nvPr>
+        </p:nvSpPr>
+        <p:spPr>
+          <a:xfrm>
+            <a:off x="6231960" y="1604520"/>
+            <a:ext cx="5354280" cy="1896840"/>
+          </a:xfrm>
+          <a:prstGeom prst="rect">
+            <a:avLst/>
+          </a:prstGeom>
+        </p:spPr>
+        <p:txBody>
+          <a:bodyPr lIns="0" rIns="0" tIns="0" bIns="0"/>
+          <a:p>
+            <a:endParaRPr/>
+          </a:p>
+        </p:txBody>
+      </p:sp>
+      <p:sp>
+        <p:nvSpPr>
+          <p:cNvPr id="274" name="PlaceHolder 4"/>
+          <p:cNvSpPr>
+            <a:spLocks noGrp="1"/>
+          </p:cNvSpPr>
+          <p:nvPr>
+            <p:ph type="body"/>
+          </p:nvPr>
+        </p:nvSpPr>
+        <p:spPr>
+          <a:xfrm>
+            <a:off x="609480" y="3682080"/>
+            <a:ext cx="10972440" cy="1896840"/>
+          </a:xfrm>
+          <a:prstGeom prst="rect">
+            <a:avLst/>
+          </a:prstGeom>
+        </p:spPr>
+        <p:txBody>
+          <a:bodyPr lIns="0" rIns="0" tIns="0" bIns="0"/>
+          <a:p>
+            <a:endParaRPr/>
+          </a:p>
+        </p:txBody>
+      </p:sp>
+    </p:spTree>
+  </p:cSld>
+</p:sldLayout>
+</file>
+
+<file path=ppt/slideLayouts/slideLayout94.xml><?xml version="1.0" encoding="utf-8"?>
+<p:sldLayout xmlns:a="http://schemas.openxmlformats.org/drawingml/2006/main" xmlns:p="http://schemas.openxmlformats.org/presentationml/2006/main" xmlns:r="http://schemas.openxmlformats.org/officeDocument/2006/relationships" type="objOverTx" preserve="1">
+  <p:cSld name="Title, Content over Content">
+    <p:spTree>
+      <p:nvGrpSpPr>
+        <p:cNvPr id="1" name=""/>
+        <p:cNvGrpSpPr/>
+        <p:nvPr/>
+      </p:nvGrpSpPr>
+      <p:grpSpPr>
+        <a:xfrm>
+          <a:off x="0" y="0"/>
+          <a:ext cx="0" cy="0"/>
+          <a:chOff x="0" y="0"/>
+          <a:chExt cx="0" cy="0"/>
+        </a:xfrm>
+      </p:grpSpPr>
+      <p:sp>
+        <p:nvSpPr>
+          <p:cNvPr id="275" name="PlaceHolder 1"/>
+          <p:cNvSpPr>
+            <a:spLocks noGrp="1"/>
+          </p:cNvSpPr>
+          <p:nvPr>
+            <p:ph type="title"/>
+          </p:nvPr>
+        </p:nvSpPr>
+        <p:spPr>
+          <a:xfrm>
+            <a:off x="609480" y="273600"/>
+            <a:ext cx="10972440" cy="1145160"/>
+          </a:xfrm>
+          <a:prstGeom prst="rect">
+            <a:avLst/>
+          </a:prstGeom>
+        </p:spPr>
+        <p:txBody>
+          <a:bodyPr lIns="0" rIns="0" tIns="0" bIns="0" anchor="ctr"/>
+          <a:p>
+            <a:pPr algn="ctr"/>
+            <a:endParaRPr/>
+          </a:p>
+        </p:txBody>
+      </p:sp>
+      <p:sp>
+        <p:nvSpPr>
+          <p:cNvPr id="276" name="PlaceHolder 2"/>
+          <p:cNvSpPr>
+            <a:spLocks noGrp="1"/>
+          </p:cNvSpPr>
+          <p:nvPr>
+            <p:ph type="body"/>
+          </p:nvPr>
+        </p:nvSpPr>
+        <p:spPr>
+          <a:xfrm>
+            <a:off x="609480" y="1604520"/>
+            <a:ext cx="10972440" cy="1896840"/>
+          </a:xfrm>
+          <a:prstGeom prst="rect">
+            <a:avLst/>
+          </a:prstGeom>
+        </p:spPr>
+        <p:txBody>
+          <a:bodyPr lIns="0" rIns="0" tIns="0" bIns="0"/>
+          <a:p>
+            <a:endParaRPr/>
+          </a:p>
+        </p:txBody>
+      </p:sp>
+      <p:sp>
+        <p:nvSpPr>
+          <p:cNvPr id="277" name="PlaceHolder 3"/>
+          <p:cNvSpPr>
+            <a:spLocks noGrp="1"/>
+          </p:cNvSpPr>
+          <p:nvPr>
+            <p:ph type="body"/>
+          </p:nvPr>
+        </p:nvSpPr>
+        <p:spPr>
+          <a:xfrm>
+            <a:off x="609480" y="3682080"/>
+            <a:ext cx="10972440" cy="1896840"/>
+          </a:xfrm>
+          <a:prstGeom prst="rect">
+            <a:avLst/>
+          </a:prstGeom>
+        </p:spPr>
+        <p:txBody>
+          <a:bodyPr lIns="0" rIns="0" tIns="0" bIns="0"/>
+          <a:p>
+            <a:endParaRPr/>
+          </a:p>
+        </p:txBody>
+      </p:sp>
+    </p:spTree>
+  </p:cSld>
+</p:sldLayout>
+</file>
+
+<file path=ppt/slideLayouts/slideLayout95.xml><?xml version="1.0" encoding="utf-8"?>
+<p:sldLayout xmlns:a="http://schemas.openxmlformats.org/drawingml/2006/main" xmlns:p="http://schemas.openxmlformats.org/presentationml/2006/main" xmlns:r="http://schemas.openxmlformats.org/officeDocument/2006/relationships" type="fourObj" preserve="1">
+  <p:cSld name="Title, 4 Content">
+    <p:spTree>
+      <p:nvGrpSpPr>
+        <p:cNvPr id="1" name=""/>
+        <p:cNvGrpSpPr/>
+        <p:nvPr/>
+      </p:nvGrpSpPr>
+      <p:grpSpPr>
+        <a:xfrm>
+          <a:off x="0" y="0"/>
+          <a:ext cx="0" cy="0"/>
+          <a:chOff x="0" y="0"/>
+          <a:chExt cx="0" cy="0"/>
+        </a:xfrm>
+      </p:grpSpPr>
+      <p:sp>
+        <p:nvSpPr>
+          <p:cNvPr id="278" name="PlaceHolder 1"/>
+          <p:cNvSpPr>
+            <a:spLocks noGrp="1"/>
+          </p:cNvSpPr>
+          <p:nvPr>
+            <p:ph type="title"/>
+          </p:nvPr>
+        </p:nvSpPr>
+        <p:spPr>
+          <a:xfrm>
+            <a:off x="609480" y="273600"/>
+            <a:ext cx="10972440" cy="1145160"/>
+          </a:xfrm>
+          <a:prstGeom prst="rect">
+            <a:avLst/>
+          </a:prstGeom>
+        </p:spPr>
+        <p:txBody>
+          <a:bodyPr lIns="0" rIns="0" tIns="0" bIns="0" anchor="ctr"/>
+          <a:p>
+            <a:pPr algn="ctr"/>
+            <a:endParaRPr/>
+          </a:p>
+        </p:txBody>
+      </p:sp>
+      <p:sp>
+        <p:nvSpPr>
+          <p:cNvPr id="279" name="PlaceHolder 2"/>
+          <p:cNvSpPr>
+            <a:spLocks noGrp="1"/>
+          </p:cNvSpPr>
+          <p:nvPr>
+            <p:ph type="body"/>
+          </p:nvPr>
+        </p:nvSpPr>
+        <p:spPr>
+          <a:xfrm>
+            <a:off x="609480" y="1604520"/>
+            <a:ext cx="5354280" cy="1896840"/>
+          </a:xfrm>
+          <a:prstGeom prst="rect">
+            <a:avLst/>
+          </a:prstGeom>
+        </p:spPr>
+        <p:txBody>
+          <a:bodyPr lIns="0" rIns="0" tIns="0" bIns="0"/>
+          <a:p>
+            <a:endParaRPr/>
+          </a:p>
+        </p:txBody>
+      </p:sp>
+      <p:sp>
+        <p:nvSpPr>
+          <p:cNvPr id="280" name="PlaceHolder 3"/>
+          <p:cNvSpPr>
+            <a:spLocks noGrp="1"/>
+          </p:cNvSpPr>
+          <p:nvPr>
+            <p:ph type="body"/>
+          </p:nvPr>
+        </p:nvSpPr>
+        <p:spPr>
+          <a:xfrm>
+            <a:off x="6231960" y="1604520"/>
+            <a:ext cx="5354280" cy="1896840"/>
+          </a:xfrm>
+          <a:prstGeom prst="rect">
+            <a:avLst/>
+          </a:prstGeom>
+        </p:spPr>
+        <p:txBody>
+          <a:bodyPr lIns="0" rIns="0" tIns="0" bIns="0"/>
+          <a:p>
+            <a:endParaRPr/>
+          </a:p>
+        </p:txBody>
+      </p:sp>
+      <p:sp>
+        <p:nvSpPr>
+          <p:cNvPr id="281" name="PlaceHolder 4"/>
+          <p:cNvSpPr>
+            <a:spLocks noGrp="1"/>
+          </p:cNvSpPr>
+          <p:nvPr>
+            <p:ph type="body"/>
+          </p:nvPr>
+        </p:nvSpPr>
+        <p:spPr>
+          <a:xfrm>
+            <a:off x="6231960" y="3682080"/>
+            <a:ext cx="5354280" cy="1896840"/>
+          </a:xfrm>
+          <a:prstGeom prst="rect">
+            <a:avLst/>
+          </a:prstGeom>
+        </p:spPr>
+        <p:txBody>
+          <a:bodyPr lIns="0" rIns="0" tIns="0" bIns="0"/>
+          <a:p>
+            <a:endParaRPr/>
+          </a:p>
+        </p:txBody>
+      </p:sp>
+      <p:sp>
+        <p:nvSpPr>
+          <p:cNvPr id="282" name="PlaceHolder 5"/>
+          <p:cNvSpPr>
+            <a:spLocks noGrp="1"/>
+          </p:cNvSpPr>
+          <p:nvPr>
+            <p:ph type="body"/>
+          </p:nvPr>
+        </p:nvSpPr>
+        <p:spPr>
+          <a:xfrm>
+            <a:off x="609480" y="3682080"/>
+            <a:ext cx="5354280" cy="1896840"/>
+          </a:xfrm>
+          <a:prstGeom prst="rect">
+            <a:avLst/>
+          </a:prstGeom>
+        </p:spPr>
+        <p:txBody>
+          <a:bodyPr lIns="0" rIns="0" tIns="0" bIns="0"/>
+          <a:p>
+            <a:endParaRPr/>
+          </a:p>
+        </p:txBody>
+      </p:sp>
+    </p:spTree>
+  </p:cSld>
+</p:sldLayout>
+</file>
+
+<file path=ppt/slideLayouts/slideLayout96.xml><?xml version="1.0" encoding="utf-8"?>
+<p:sldLayout xmlns:a="http://schemas.openxmlformats.org/drawingml/2006/main" xmlns:p="http://schemas.openxmlformats.org/presentationml/2006/main" xmlns:r="http://schemas.openxmlformats.org/officeDocument/2006/relationships" type="blank" preserve="1">
+  <p:cSld name="Title, 6 Content">
+    <p:spTree>
+      <p:nvGrpSpPr>
+        <p:cNvPr id="1" name=""/>
+        <p:cNvGrpSpPr/>
+        <p:nvPr/>
+      </p:nvGrpSpPr>
+      <p:grpSpPr>
+        <a:xfrm>
+          <a:off x="0" y="0"/>
+          <a:ext cx="0" cy="0"/>
+          <a:chOff x="0" y="0"/>
+          <a:chExt cx="0" cy="0"/>
+        </a:xfrm>
+      </p:grpSpPr>
+      <p:sp>
+        <p:nvSpPr>
+          <p:cNvPr id="283" name="PlaceHolder 1"/>
+          <p:cNvSpPr>
+            <a:spLocks noGrp="1"/>
+          </p:cNvSpPr>
+          <p:nvPr>
+            <p:ph type="title"/>
+          </p:nvPr>
+        </p:nvSpPr>
+        <p:spPr>
+          <a:xfrm>
+            <a:off x="609480" y="273600"/>
+            <a:ext cx="10972440" cy="1145160"/>
+          </a:xfrm>
+          <a:prstGeom prst="rect">
+            <a:avLst/>
+          </a:prstGeom>
+        </p:spPr>
+        <p:txBody>
+          <a:bodyPr lIns="0" rIns="0" tIns="0" bIns="0" anchor="ctr"/>
+          <a:p>
+            <a:pPr algn="ctr"/>
+            <a:endParaRPr/>
+          </a:p>
+        </p:txBody>
+      </p:sp>
+      <p:sp>
+        <p:nvSpPr>
+          <p:cNvPr id="284" name="PlaceHolder 2"/>
+          <p:cNvSpPr>
+            <a:spLocks noGrp="1"/>
+          </p:cNvSpPr>
+          <p:nvPr>
+            <p:ph type="body"/>
+          </p:nvPr>
+        </p:nvSpPr>
+        <p:spPr>
+          <a:xfrm>
+            <a:off x="609480" y="1604520"/>
+            <a:ext cx="10972440" cy="3977280"/>
+          </a:xfrm>
+          <a:prstGeom prst="rect">
+            <a:avLst/>
+          </a:prstGeom>
+        </p:spPr>
+        <p:txBody>
+          <a:bodyPr lIns="0" rIns="0" tIns="0" bIns="0"/>
+          <a:p>
+            <a:endParaRPr/>
+          </a:p>
+        </p:txBody>
+      </p:sp>
+      <p:sp>
+        <p:nvSpPr>
+          <p:cNvPr id="285" name="PlaceHolder 3"/>
+          <p:cNvSpPr>
+            <a:spLocks noGrp="1"/>
+          </p:cNvSpPr>
+          <p:nvPr>
+            <p:ph type="body"/>
+          </p:nvPr>
+        </p:nvSpPr>
+        <p:spPr>
+          <a:xfrm>
+            <a:off x="609480" y="1604520"/>
+            <a:ext cx="10972440" cy="3977280"/>
+          </a:xfrm>
+          <a:prstGeom prst="rect">
+            <a:avLst/>
+          </a:prstGeom>
+        </p:spPr>
+        <p:txBody>
+          <a:bodyPr lIns="0" rIns="0" tIns="0" bIns="0"/>
+          <a:p>
+            <a:endParaRPr/>
+          </a:p>
+        </p:txBody>
+      </p:sp>
+      <p:pic>
+        <p:nvPicPr>
+          <p:cNvPr id="286" name="" descr=""/>
+          <p:cNvPicPr/>
+          <p:nvPr/>
+        </p:nvPicPr>
+        <p:blipFill>
+          <a:blip r:embed="rId2"/>
+          <a:stretch>
+            <a:fillRect/>
+          </a:stretch>
+        </p:blipFill>
+        <p:spPr>
+          <a:xfrm>
+            <a:off x="3602880" y="1604520"/>
+            <a:ext cx="4984920" cy="3977280"/>
+          </a:xfrm>
+          <a:prstGeom prst="rect">
+            <a:avLst/>
+          </a:prstGeom>
+          <a:ln>
+            <a:noFill/>
+          </a:ln>
+        </p:spPr>
+      </p:pic>
+      <p:pic>
+        <p:nvPicPr>
+          <p:cNvPr id="287" name="" descr=""/>
+          <p:cNvPicPr/>
+          <p:nvPr/>
+        </p:nvPicPr>
+        <p:blipFill>
+          <a:blip r:embed="rId3"/>
+          <a:stretch>
+            <a:fillRect/>
+          </a:stretch>
+        </p:blipFill>
+        <p:spPr>
+          <a:xfrm>
+            <a:off x="3602880" y="1604520"/>
+            <a:ext cx="4984920" cy="3977280"/>
+          </a:xfrm>
+          <a:prstGeom prst="rect">
+            <a:avLst/>
+          </a:prstGeom>
+          <a:ln>
+            <a:noFill/>
+          </a:ln>
+        </p:spPr>
+      </p:pic>
+    </p:spTree>
+  </p:cSld>
+</p:sldLayout>
+</file>
+
+<file path=ppt/slideLayouts/slideLayout97.xml><?xml version="1.0" encoding="utf-8"?>
+<p:sldLayout xmlns:a="http://schemas.openxmlformats.org/drawingml/2006/main" xmlns:p="http://schemas.openxmlformats.org/presentationml/2006/main" xmlns:r="http://schemas.openxmlformats.org/officeDocument/2006/relationships" type="blank" preserve="1">
+  <p:cSld name="Blank Slide">
+    <p:spTree>
+      <p:nvGrpSpPr>
+        <p:cNvPr id="1" name=""/>
+        <p:cNvGrpSpPr/>
+        <p:nvPr/>
+      </p:nvGrpSpPr>
+      <p:grpSpPr>
+        <a:xfrm>
+          <a:off x="0" y="0"/>
+          <a:ext cx="0" cy="0"/>
+          <a:chOff x="0" y="0"/>
+          <a:chExt cx="0" cy="0"/>
+        </a:xfrm>
+      </p:grpSpPr>
+    </p:spTree>
+  </p:cSld>
+</p:sldLayout>
+</file>
+
+<file path=ppt/slideLayouts/slideLayout98.xml><?xml version="1.0" encoding="utf-8"?>
+<p:sldLayout xmlns:a="http://schemas.openxmlformats.org/drawingml/2006/main" xmlns:p="http://schemas.openxmlformats.org/presentationml/2006/main" xmlns:r="http://schemas.openxmlformats.org/officeDocument/2006/relationships" type="tx" preserve="1">
+  <p:cSld name="Title Slide">
+    <p:spTree>
+      <p:nvGrpSpPr>
+        <p:cNvPr id="1" name=""/>
+        <p:cNvGrpSpPr/>
+        <p:nvPr/>
+      </p:nvGrpSpPr>
+      <p:grpSpPr>
+        <a:xfrm>
+          <a:off x="0" y="0"/>
+          <a:ext cx="0" cy="0"/>
+          <a:chOff x="0" y="0"/>
+          <a:chExt cx="0" cy="0"/>
+        </a:xfrm>
+      </p:grpSpPr>
+      <p:sp>
+        <p:nvSpPr>
+          <p:cNvPr id="290" name="PlaceHolder 1"/>
+          <p:cNvSpPr>
+            <a:spLocks noGrp="1"/>
+          </p:cNvSpPr>
+          <p:nvPr>
+            <p:ph type="title"/>
+          </p:nvPr>
+        </p:nvSpPr>
+        <p:spPr>
+          <a:xfrm>
+            <a:off x="609480" y="273600"/>
+            <a:ext cx="10972440" cy="1145160"/>
+          </a:xfrm>
+          <a:prstGeom prst="rect">
+            <a:avLst/>
+          </a:prstGeom>
+        </p:spPr>
+        <p:txBody>
+          <a:bodyPr lIns="0" rIns="0" tIns="0" bIns="0" anchor="ctr"/>
+          <a:p>
+            <a:pPr algn="ctr"/>
+            <a:endParaRPr/>
+          </a:p>
+        </p:txBody>
+      </p:sp>
+      <p:sp>
+        <p:nvSpPr>
+          <p:cNvPr id="291" name="PlaceHolder 2"/>
+          <p:cNvSpPr>
+            <a:spLocks noGrp="1"/>
+          </p:cNvSpPr>
+          <p:nvPr>
+            <p:ph type="subTitle"/>
+          </p:nvPr>
+        </p:nvSpPr>
+        <p:spPr>
+          <a:xfrm>
+            <a:off x="609480" y="1604520"/>
+            <a:ext cx="10972440" cy="3977640"/>
+          </a:xfrm>
+          <a:prstGeom prst="rect">
+            <a:avLst/>
+          </a:prstGeom>
+        </p:spPr>
+        <p:txBody>
+          <a:bodyPr lIns="0" rIns="0" tIns="0" bIns="0" anchor="ctr"/>
+          <a:p>
+            <a:pPr algn="ctr"/>
+            <a:endParaRPr/>
+          </a:p>
+        </p:txBody>
+      </p:sp>
+    </p:spTree>
+  </p:cSld>
+</p:sldLayout>
+</file>
+
+<file path=ppt/slideLayouts/slideLayout99.xml><?xml version="1.0" encoding="utf-8"?>
+<p:sldLayout xmlns:a="http://schemas.openxmlformats.org/drawingml/2006/main" xmlns:p="http://schemas.openxmlformats.org/presentationml/2006/main" xmlns:r="http://schemas.openxmlformats.org/officeDocument/2006/relationships" type="obj" preserve="1">
+  <p:cSld name="Title, Content">
+    <p:spTree>
+      <p:nvGrpSpPr>
+        <p:cNvPr id="1" name=""/>
+        <p:cNvGrpSpPr/>
+        <p:nvPr/>
+      </p:nvGrpSpPr>
+      <p:grpSpPr>
+        <a:xfrm>
+          <a:off x="0" y="0"/>
+          <a:ext cx="0" cy="0"/>
+          <a:chOff x="0" y="0"/>
+          <a:chExt cx="0" cy="0"/>
+        </a:xfrm>
+      </p:grpSpPr>
+      <p:sp>
+        <p:nvSpPr>
+          <p:cNvPr id="292" name="PlaceHolder 1"/>
+          <p:cNvSpPr>
+            <a:spLocks noGrp="1"/>
+          </p:cNvSpPr>
+          <p:nvPr>
+            <p:ph type="title"/>
+          </p:nvPr>
+        </p:nvSpPr>
+        <p:spPr>
+          <a:xfrm>
+            <a:off x="609480" y="273600"/>
+            <a:ext cx="10972440" cy="1145160"/>
+          </a:xfrm>
+          <a:prstGeom prst="rect">
+            <a:avLst/>
+          </a:prstGeom>
+        </p:spPr>
+        <p:txBody>
+          <a:bodyPr lIns="0" rIns="0" tIns="0" bIns="0" anchor="ctr"/>
+          <a:p>
+            <a:pPr algn="ctr"/>
+            <a:endParaRPr/>
+          </a:p>
+        </p:txBody>
+      </p:sp>
+      <p:sp>
+        <p:nvSpPr>
+          <p:cNvPr id="293" name="PlaceHolder 2"/>
+          <p:cNvSpPr>
+            <a:spLocks noGrp="1"/>
+          </p:cNvSpPr>
+          <p:nvPr>
+            <p:ph type="body"/>
+          </p:nvPr>
+        </p:nvSpPr>
+        <p:spPr>
+          <a:xfrm>
+            <a:off x="609480" y="1604520"/>
+            <a:ext cx="10972440" cy="3977280"/>
           </a:xfrm>
           <a:prstGeom prst="rect">
             <a:avLst/>
@@ -8190,7 +11667,7 @@
         <p:spPr>
           <a:xfrm>
             <a:off x="609480" y="273600"/>
-            <a:ext cx="10972440" cy="1144800"/>
+            <a:ext cx="10972080" cy="1144800"/>
           </a:xfrm>
           <a:prstGeom prst="rect">
             <a:avLst/>
@@ -8784,7 +12261,7 @@
         <p:spPr>
           <a:xfrm>
             <a:off x="609480" y="273600"/>
-            <a:ext cx="10971720" cy="1144800"/>
+            <a:ext cx="10972440" cy="1144800"/>
           </a:xfrm>
           <a:prstGeom prst="rect">
             <a:avLst/>
@@ -8793,8 +12270,9 @@
         <p:txBody>
           <a:bodyPr lIns="0" rIns="0" tIns="0" bIns="0" anchor="ctr"/>
           <a:p>
+            <a:pPr algn="ctr"/>
             <a:r>
-              <a:rPr lang="en-US">
+              <a:rPr lang="en-US" sz="4400">
                 <a:latin typeface="Arial"/>
               </a:rPr>
               <a:t>Click to edit the title text format</a:t>
@@ -8816,7 +12294,7 @@
         <p:spPr>
           <a:xfrm>
             <a:off x="609480" y="1604520"/>
-            <a:ext cx="10971720" cy="3976560"/>
+            <a:ext cx="10972440" cy="3977280"/>
           </a:xfrm>
           <a:prstGeom prst="rect">
             <a:avLst/>
@@ -8831,7 +12309,7 @@
               <a:buChar char=""/>
             </a:pPr>
             <a:r>
-              <a:rPr lang="en-US">
+              <a:rPr lang="en-US" sz="3200">
                 <a:latin typeface="Arial"/>
               </a:rPr>
               <a:t>Click to edit the outline text format</a:t>
@@ -8845,7 +12323,7 @@
               <a:buChar char=""/>
             </a:pPr>
             <a:r>
-              <a:rPr lang="en-US">
+              <a:rPr lang="en-US" sz="2800">
                 <a:latin typeface="Arial"/>
               </a:rPr>
               <a:t>Second Outline Level</a:t>
@@ -8859,7 +12337,7 @@
               <a:buChar char=""/>
             </a:pPr>
             <a:r>
-              <a:rPr lang="en-US">
+              <a:rPr lang="en-US" sz="2400">
                 <a:latin typeface="Arial"/>
               </a:rPr>
               <a:t>Third Outline Level</a:t>
@@ -8873,7 +12351,7 @@
               <a:buChar char=""/>
             </a:pPr>
             <a:r>
-              <a:rPr lang="en-US">
+              <a:rPr lang="en-US" sz="2000">
                 <a:latin typeface="Arial"/>
               </a:rPr>
               <a:t>Fourth Outline Level</a:t>
@@ -8887,7 +12365,7 @@
               <a:buChar char=""/>
             </a:pPr>
             <a:r>
-              <a:rPr lang="en-US">
+              <a:rPr lang="en-US" sz="2000">
                 <a:latin typeface="Arial"/>
               </a:rPr>
               <a:t>Fifth Outline Level</a:t>
@@ -8901,7 +12379,7 @@
               <a:buChar char=""/>
             </a:pPr>
             <a:r>
-              <a:rPr lang="en-US">
+              <a:rPr lang="en-US" sz="2000">
                 <a:latin typeface="Arial"/>
               </a:rPr>
               <a:t>Sixth Outline Level</a:t>
@@ -8915,7 +12393,7 @@
               <a:buChar char=""/>
             </a:pPr>
             <a:r>
-              <a:rPr lang="en-US">
+              <a:rPr lang="en-US" sz="2000">
                 <a:latin typeface="Arial"/>
               </a:rPr>
               <a:t>Seventh Outline Level</a:t>
@@ -8940,6 +12418,600 @@
     <p:sldLayoutId id="2147483723" r:id="rId11"/>
     <p:sldLayoutId id="2147483724" r:id="rId12"/>
     <p:sldLayoutId id="2147483725" r:id="rId13"/>
+  </p:sldLayoutIdLst>
+</p:sldMaster>
+</file>
+
+<file path=ppt/slideMasters/slideMaster7.xml><?xml version="1.0" encoding="utf-8"?>
+<p:sldMaster xmlns:a="http://schemas.openxmlformats.org/drawingml/2006/main" xmlns:p="http://schemas.openxmlformats.org/presentationml/2006/main" xmlns:r="http://schemas.openxmlformats.org/officeDocument/2006/relationships">
+  <p:cSld>
+    <p:bg>
+      <p:bgPr>
+        <a:solidFill>
+          <a:srgbClr val="ffffff"/>
+        </a:solidFill>
+      </p:bgPr>
+    </p:bg>
+    <p:spTree>
+      <p:nvGrpSpPr>
+        <p:cNvPr id="1" name=""/>
+        <p:cNvGrpSpPr/>
+        <p:nvPr/>
+      </p:nvGrpSpPr>
+      <p:grpSpPr>
+        <a:xfrm>
+          <a:off x="0" y="0"/>
+          <a:ext cx="0" cy="0"/>
+          <a:chOff x="0" y="0"/>
+          <a:chExt cx="0" cy="0"/>
+        </a:xfrm>
+      </p:grpSpPr>
+      <p:sp>
+        <p:nvSpPr>
+          <p:cNvPr id="216" name="PlaceHolder 1"/>
+          <p:cNvSpPr>
+            <a:spLocks noGrp="1"/>
+          </p:cNvSpPr>
+          <p:nvPr>
+            <p:ph type="title"/>
+          </p:nvPr>
+        </p:nvSpPr>
+        <p:spPr>
+          <a:xfrm>
+            <a:off x="609480" y="273600"/>
+            <a:ext cx="10972440" cy="1144800"/>
+          </a:xfrm>
+          <a:prstGeom prst="rect">
+            <a:avLst/>
+          </a:prstGeom>
+        </p:spPr>
+        <p:txBody>
+          <a:bodyPr lIns="0" rIns="0" tIns="0" bIns="0" anchor="ctr"/>
+          <a:p>
+            <a:pPr algn="ctr"/>
+            <a:r>
+              <a:rPr lang="en-US" sz="4400">
+                <a:latin typeface="Arial"/>
+              </a:rPr>
+              <a:t>Click to edit the title text format</a:t>
+            </a:r>
+            <a:endParaRPr/>
+          </a:p>
+        </p:txBody>
+      </p:sp>
+      <p:sp>
+        <p:nvSpPr>
+          <p:cNvPr id="217" name="PlaceHolder 2"/>
+          <p:cNvSpPr>
+            <a:spLocks noGrp="1"/>
+          </p:cNvSpPr>
+          <p:nvPr>
+            <p:ph type="body"/>
+          </p:nvPr>
+        </p:nvSpPr>
+        <p:spPr>
+          <a:xfrm>
+            <a:off x="609480" y="1604520"/>
+            <a:ext cx="10972440" cy="3977280"/>
+          </a:xfrm>
+          <a:prstGeom prst="rect">
+            <a:avLst/>
+          </a:prstGeom>
+        </p:spPr>
+        <p:txBody>
+          <a:bodyPr lIns="0" rIns="0" tIns="0" bIns="0"/>
+          <a:p>
+            <a:pPr>
+              <a:buSzPct val="45000"/>
+              <a:buFont typeface="StarSymbol"/>
+              <a:buChar char=""/>
+            </a:pPr>
+            <a:r>
+              <a:rPr lang="en-US" sz="3200">
+                <a:latin typeface="Arial"/>
+              </a:rPr>
+              <a:t>Click to edit the outline text format</a:t>
+            </a:r>
+            <a:endParaRPr/>
+          </a:p>
+          <a:p>
+            <a:pPr lvl="1">
+              <a:buSzPct val="75000"/>
+              <a:buFont typeface="StarSymbol"/>
+              <a:buChar char=""/>
+            </a:pPr>
+            <a:r>
+              <a:rPr lang="en-US" sz="2800">
+                <a:latin typeface="Arial"/>
+              </a:rPr>
+              <a:t>Second Outline Level</a:t>
+            </a:r>
+            <a:endParaRPr/>
+          </a:p>
+          <a:p>
+            <a:pPr lvl="2">
+              <a:buSzPct val="45000"/>
+              <a:buFont typeface="StarSymbol"/>
+              <a:buChar char=""/>
+            </a:pPr>
+            <a:r>
+              <a:rPr lang="en-US" sz="2400">
+                <a:latin typeface="Arial"/>
+              </a:rPr>
+              <a:t>Third Outline Level</a:t>
+            </a:r>
+            <a:endParaRPr/>
+          </a:p>
+          <a:p>
+            <a:pPr lvl="3">
+              <a:buSzPct val="75000"/>
+              <a:buFont typeface="StarSymbol"/>
+              <a:buChar char=""/>
+            </a:pPr>
+            <a:r>
+              <a:rPr lang="en-US" sz="2000">
+                <a:latin typeface="Arial"/>
+              </a:rPr>
+              <a:t>Fourth Outline Level</a:t>
+            </a:r>
+            <a:endParaRPr/>
+          </a:p>
+          <a:p>
+            <a:pPr lvl="4">
+              <a:buSzPct val="45000"/>
+              <a:buFont typeface="StarSymbol"/>
+              <a:buChar char=""/>
+            </a:pPr>
+            <a:r>
+              <a:rPr lang="en-US" sz="2000">
+                <a:latin typeface="Arial"/>
+              </a:rPr>
+              <a:t>Fifth Outline Level</a:t>
+            </a:r>
+            <a:endParaRPr/>
+          </a:p>
+          <a:p>
+            <a:pPr lvl="5">
+              <a:buSzPct val="45000"/>
+              <a:buFont typeface="StarSymbol"/>
+              <a:buChar char=""/>
+            </a:pPr>
+            <a:r>
+              <a:rPr lang="en-US" sz="2000">
+                <a:latin typeface="Arial"/>
+              </a:rPr>
+              <a:t>Sixth Outline Level</a:t>
+            </a:r>
+            <a:endParaRPr/>
+          </a:p>
+          <a:p>
+            <a:pPr lvl="6">
+              <a:buSzPct val="45000"/>
+              <a:buFont typeface="StarSymbol"/>
+              <a:buChar char=""/>
+            </a:pPr>
+            <a:r>
+              <a:rPr lang="en-US" sz="2000">
+                <a:latin typeface="Arial"/>
+              </a:rPr>
+              <a:t>Seventh Outline Level</a:t>
+            </a:r>
+            <a:endParaRPr/>
+          </a:p>
+        </p:txBody>
+      </p:sp>
+    </p:spTree>
+  </p:cSld>
+  <p:clrMap bg1="lt1" bg2="lt2" tx1="dk1" tx2="dk2" accent1="accent1" accent2="accent2" accent3="accent3" accent4="accent4" accent5="accent5" accent6="accent6" hlink="hlink" folHlink="folHlink"/>
+  <p:sldLayoutIdLst>
+    <p:sldLayoutId id="2147483727" r:id="rId2"/>
+    <p:sldLayoutId id="2147483728" r:id="rId3"/>
+    <p:sldLayoutId id="2147483729" r:id="rId4"/>
+    <p:sldLayoutId id="2147483730" r:id="rId5"/>
+    <p:sldLayoutId id="2147483731" r:id="rId6"/>
+    <p:sldLayoutId id="2147483732" r:id="rId7"/>
+    <p:sldLayoutId id="2147483733" r:id="rId8"/>
+    <p:sldLayoutId id="2147483734" r:id="rId9"/>
+    <p:sldLayoutId id="2147483735" r:id="rId10"/>
+    <p:sldLayoutId id="2147483736" r:id="rId11"/>
+    <p:sldLayoutId id="2147483737" r:id="rId12"/>
+    <p:sldLayoutId id="2147483738" r:id="rId13"/>
+  </p:sldLayoutIdLst>
+</p:sldMaster>
+</file>
+
+<file path=ppt/slideMasters/slideMaster8.xml><?xml version="1.0" encoding="utf-8"?>
+<p:sldMaster xmlns:a="http://schemas.openxmlformats.org/drawingml/2006/main" xmlns:p="http://schemas.openxmlformats.org/presentationml/2006/main" xmlns:r="http://schemas.openxmlformats.org/officeDocument/2006/relationships">
+  <p:cSld>
+    <p:bg>
+      <p:bgPr>
+        <a:solidFill>
+          <a:srgbClr val="ffffff"/>
+        </a:solidFill>
+      </p:bgPr>
+    </p:bg>
+    <p:spTree>
+      <p:nvGrpSpPr>
+        <p:cNvPr id="1" name=""/>
+        <p:cNvGrpSpPr/>
+        <p:nvPr/>
+      </p:nvGrpSpPr>
+      <p:grpSpPr>
+        <a:xfrm>
+          <a:off x="0" y="0"/>
+          <a:ext cx="0" cy="0"/>
+          <a:chOff x="0" y="0"/>
+          <a:chExt cx="0" cy="0"/>
+        </a:xfrm>
+      </p:grpSpPr>
+      <p:sp>
+        <p:nvSpPr>
+          <p:cNvPr id="252" name="PlaceHolder 1"/>
+          <p:cNvSpPr>
+            <a:spLocks noGrp="1"/>
+          </p:cNvSpPr>
+          <p:nvPr>
+            <p:ph type="title"/>
+          </p:nvPr>
+        </p:nvSpPr>
+        <p:spPr>
+          <a:xfrm>
+            <a:off x="609480" y="273600"/>
+            <a:ext cx="10972080" cy="1144800"/>
+          </a:xfrm>
+          <a:prstGeom prst="rect">
+            <a:avLst/>
+          </a:prstGeom>
+        </p:spPr>
+        <p:txBody>
+          <a:bodyPr lIns="0" rIns="0" tIns="0" bIns="0" anchor="ctr"/>
+          <a:p>
+            <a:pPr algn="ctr"/>
+            <a:r>
+              <a:rPr lang="en-US" sz="4400">
+                <a:latin typeface="Arial"/>
+              </a:rPr>
+              <a:t>Click to edit the title text format</a:t>
+            </a:r>
+            <a:endParaRPr/>
+          </a:p>
+        </p:txBody>
+      </p:sp>
+      <p:sp>
+        <p:nvSpPr>
+          <p:cNvPr id="253" name="PlaceHolder 2"/>
+          <p:cNvSpPr>
+            <a:spLocks noGrp="1"/>
+          </p:cNvSpPr>
+          <p:nvPr>
+            <p:ph type="body"/>
+          </p:nvPr>
+        </p:nvSpPr>
+        <p:spPr>
+          <a:xfrm>
+            <a:off x="609480" y="1604520"/>
+            <a:ext cx="10972440" cy="3977280"/>
+          </a:xfrm>
+          <a:prstGeom prst="rect">
+            <a:avLst/>
+          </a:prstGeom>
+        </p:spPr>
+        <p:txBody>
+          <a:bodyPr lIns="0" rIns="0" tIns="0" bIns="0"/>
+          <a:p>
+            <a:pPr>
+              <a:buSzPct val="45000"/>
+              <a:buFont typeface="StarSymbol"/>
+              <a:buChar char=""/>
+            </a:pPr>
+            <a:r>
+              <a:rPr lang="en-US" sz="3200">
+                <a:latin typeface="Arial"/>
+              </a:rPr>
+              <a:t>Click to edit the outline text format</a:t>
+            </a:r>
+            <a:endParaRPr/>
+          </a:p>
+          <a:p>
+            <a:pPr lvl="1">
+              <a:buSzPct val="75000"/>
+              <a:buFont typeface="StarSymbol"/>
+              <a:buChar char=""/>
+            </a:pPr>
+            <a:r>
+              <a:rPr lang="en-US" sz="2800">
+                <a:latin typeface="Arial"/>
+              </a:rPr>
+              <a:t>Second Outline Level</a:t>
+            </a:r>
+            <a:endParaRPr/>
+          </a:p>
+          <a:p>
+            <a:pPr lvl="2">
+              <a:buSzPct val="45000"/>
+              <a:buFont typeface="StarSymbol"/>
+              <a:buChar char=""/>
+            </a:pPr>
+            <a:r>
+              <a:rPr lang="en-US" sz="2400">
+                <a:latin typeface="Arial"/>
+              </a:rPr>
+              <a:t>Third Outline Level</a:t>
+            </a:r>
+            <a:endParaRPr/>
+          </a:p>
+          <a:p>
+            <a:pPr lvl="3">
+              <a:buSzPct val="75000"/>
+              <a:buFont typeface="StarSymbol"/>
+              <a:buChar char=""/>
+            </a:pPr>
+            <a:r>
+              <a:rPr lang="en-US" sz="2000">
+                <a:latin typeface="Arial"/>
+              </a:rPr>
+              <a:t>Fourth Outline Level</a:t>
+            </a:r>
+            <a:endParaRPr/>
+          </a:p>
+          <a:p>
+            <a:pPr lvl="4">
+              <a:buSzPct val="45000"/>
+              <a:buFont typeface="StarSymbol"/>
+              <a:buChar char=""/>
+            </a:pPr>
+            <a:r>
+              <a:rPr lang="en-US" sz="2000">
+                <a:latin typeface="Arial"/>
+              </a:rPr>
+              <a:t>Fifth Outline Level</a:t>
+            </a:r>
+            <a:endParaRPr/>
+          </a:p>
+          <a:p>
+            <a:pPr lvl="5">
+              <a:buSzPct val="45000"/>
+              <a:buFont typeface="StarSymbol"/>
+              <a:buChar char=""/>
+            </a:pPr>
+            <a:r>
+              <a:rPr lang="en-US" sz="2000">
+                <a:latin typeface="Arial"/>
+              </a:rPr>
+              <a:t>Sixth Outline Level</a:t>
+            </a:r>
+            <a:endParaRPr/>
+          </a:p>
+          <a:p>
+            <a:pPr lvl="6">
+              <a:buSzPct val="45000"/>
+              <a:buFont typeface="StarSymbol"/>
+              <a:buChar char=""/>
+            </a:pPr>
+            <a:r>
+              <a:rPr lang="en-US" sz="2000">
+                <a:latin typeface="Arial"/>
+              </a:rPr>
+              <a:t>Seventh Outline Level</a:t>
+            </a:r>
+            <a:endParaRPr/>
+          </a:p>
+        </p:txBody>
+      </p:sp>
+    </p:spTree>
+  </p:cSld>
+  <p:clrMap bg1="lt1" bg2="lt2" tx1="dk1" tx2="dk2" accent1="accent1" accent2="accent2" accent3="accent3" accent4="accent4" accent5="accent5" accent6="accent6" hlink="hlink" folHlink="folHlink"/>
+  <p:sldLayoutIdLst>
+    <p:sldLayoutId id="2147483740" r:id="rId2"/>
+    <p:sldLayoutId id="2147483741" r:id="rId3"/>
+    <p:sldLayoutId id="2147483742" r:id="rId4"/>
+    <p:sldLayoutId id="2147483743" r:id="rId5"/>
+    <p:sldLayoutId id="2147483744" r:id="rId6"/>
+    <p:sldLayoutId id="2147483745" r:id="rId7"/>
+    <p:sldLayoutId id="2147483746" r:id="rId8"/>
+    <p:sldLayoutId id="2147483747" r:id="rId9"/>
+    <p:sldLayoutId id="2147483748" r:id="rId10"/>
+    <p:sldLayoutId id="2147483749" r:id="rId11"/>
+    <p:sldLayoutId id="2147483750" r:id="rId12"/>
+    <p:sldLayoutId id="2147483751" r:id="rId13"/>
+  </p:sldLayoutIdLst>
+</p:sldMaster>
+</file>
+
+<file path=ppt/slideMasters/slideMaster9.xml><?xml version="1.0" encoding="utf-8"?>
+<p:sldMaster xmlns:a="http://schemas.openxmlformats.org/drawingml/2006/main" xmlns:p="http://schemas.openxmlformats.org/presentationml/2006/main" xmlns:r="http://schemas.openxmlformats.org/officeDocument/2006/relationships">
+  <p:cSld>
+    <p:bg>
+      <p:bgPr>
+        <a:solidFill>
+          <a:srgbClr val="ffffff"/>
+        </a:solidFill>
+      </p:bgPr>
+    </p:bg>
+    <p:spTree>
+      <p:nvGrpSpPr>
+        <p:cNvPr id="1" name=""/>
+        <p:cNvGrpSpPr/>
+        <p:nvPr/>
+      </p:nvGrpSpPr>
+      <p:grpSpPr>
+        <a:xfrm>
+          <a:off x="0" y="0"/>
+          <a:ext cx="0" cy="0"/>
+          <a:chOff x="0" y="0"/>
+          <a:chExt cx="0" cy="0"/>
+        </a:xfrm>
+      </p:grpSpPr>
+      <p:sp>
+        <p:nvSpPr>
+          <p:cNvPr id="288" name="PlaceHolder 1"/>
+          <p:cNvSpPr>
+            <a:spLocks noGrp="1"/>
+          </p:cNvSpPr>
+          <p:nvPr>
+            <p:ph type="title"/>
+          </p:nvPr>
+        </p:nvSpPr>
+        <p:spPr>
+          <a:xfrm>
+            <a:off x="609480" y="273600"/>
+            <a:ext cx="10972080" cy="1144800"/>
+          </a:xfrm>
+          <a:prstGeom prst="rect">
+            <a:avLst/>
+          </a:prstGeom>
+        </p:spPr>
+        <p:txBody>
+          <a:bodyPr lIns="0" rIns="0" tIns="0" bIns="0" anchor="ctr"/>
+          <a:p>
+            <a:pPr algn="ctr"/>
+            <a:r>
+              <a:rPr lang="en-US" sz="4400">
+                <a:latin typeface="Arial"/>
+              </a:rPr>
+              <a:t>Click to edit the title text format</a:t>
+            </a:r>
+            <a:endParaRPr/>
+          </a:p>
+        </p:txBody>
+      </p:sp>
+      <p:sp>
+        <p:nvSpPr>
+          <p:cNvPr id="289" name="PlaceHolder 2"/>
+          <p:cNvSpPr>
+            <a:spLocks noGrp="1"/>
+          </p:cNvSpPr>
+          <p:nvPr>
+            <p:ph type="body"/>
+          </p:nvPr>
+        </p:nvSpPr>
+        <p:spPr>
+          <a:xfrm>
+            <a:off x="609480" y="1604520"/>
+            <a:ext cx="10972080" cy="3976920"/>
+          </a:xfrm>
+          <a:prstGeom prst="rect">
+            <a:avLst/>
+          </a:prstGeom>
+        </p:spPr>
+        <p:txBody>
+          <a:bodyPr lIns="0" rIns="0" tIns="0" bIns="0"/>
+          <a:p>
+            <a:pPr>
+              <a:buSzPct val="45000"/>
+              <a:buFont typeface="StarSymbol"/>
+              <a:buChar char=""/>
+            </a:pPr>
+            <a:r>
+              <a:rPr lang="en-US" sz="3200">
+                <a:latin typeface="Arial"/>
+              </a:rPr>
+              <a:t>Click to edit the outline text format</a:t>
+            </a:r>
+            <a:endParaRPr/>
+          </a:p>
+          <a:p>
+            <a:pPr lvl="1">
+              <a:buSzPct val="75000"/>
+              <a:buFont typeface="StarSymbol"/>
+              <a:buChar char=""/>
+            </a:pPr>
+            <a:r>
+              <a:rPr lang="en-US" sz="2800">
+                <a:latin typeface="Arial"/>
+              </a:rPr>
+              <a:t>Second Outline Level</a:t>
+            </a:r>
+            <a:endParaRPr/>
+          </a:p>
+          <a:p>
+            <a:pPr lvl="2">
+              <a:buSzPct val="45000"/>
+              <a:buFont typeface="StarSymbol"/>
+              <a:buChar char=""/>
+            </a:pPr>
+            <a:r>
+              <a:rPr lang="en-US" sz="2400">
+                <a:latin typeface="Arial"/>
+              </a:rPr>
+              <a:t>Third Outline Level</a:t>
+            </a:r>
+            <a:endParaRPr/>
+          </a:p>
+          <a:p>
+            <a:pPr lvl="3">
+              <a:buSzPct val="75000"/>
+              <a:buFont typeface="StarSymbol"/>
+              <a:buChar char=""/>
+            </a:pPr>
+            <a:r>
+              <a:rPr lang="en-US" sz="2000">
+                <a:latin typeface="Arial"/>
+              </a:rPr>
+              <a:t>Fourth Outline Level</a:t>
+            </a:r>
+            <a:endParaRPr/>
+          </a:p>
+          <a:p>
+            <a:pPr lvl="4">
+              <a:buSzPct val="45000"/>
+              <a:buFont typeface="StarSymbol"/>
+              <a:buChar char=""/>
+            </a:pPr>
+            <a:r>
+              <a:rPr lang="en-US" sz="2000">
+                <a:latin typeface="Arial"/>
+              </a:rPr>
+              <a:t>Fifth Outline Level</a:t>
+            </a:r>
+            <a:endParaRPr/>
+          </a:p>
+          <a:p>
+            <a:pPr lvl="5">
+              <a:buSzPct val="45000"/>
+              <a:buFont typeface="StarSymbol"/>
+              <a:buChar char=""/>
+            </a:pPr>
+            <a:r>
+              <a:rPr lang="en-US" sz="2000">
+                <a:latin typeface="Arial"/>
+              </a:rPr>
+              <a:t>Sixth Outline Level</a:t>
+            </a:r>
+            <a:endParaRPr/>
+          </a:p>
+          <a:p>
+            <a:pPr lvl="6">
+              <a:buSzPct val="45000"/>
+              <a:buFont typeface="StarSymbol"/>
+              <a:buChar char=""/>
+            </a:pPr>
+            <a:r>
+              <a:rPr lang="en-US" sz="2000">
+                <a:latin typeface="Arial"/>
+              </a:rPr>
+              <a:t>Seventh Outline Level</a:t>
+            </a:r>
+            <a:endParaRPr/>
+          </a:p>
+        </p:txBody>
+      </p:sp>
+    </p:spTree>
+  </p:cSld>
+  <p:clrMap bg1="lt1" bg2="lt2" tx1="dk1" tx2="dk2" accent1="accent1" accent2="accent2" accent3="accent3" accent4="accent4" accent5="accent5" accent6="accent6" hlink="hlink" folHlink="folHlink"/>
+  <p:sldLayoutIdLst>
+    <p:sldLayoutId id="2147483753" r:id="rId2"/>
+    <p:sldLayoutId id="2147483754" r:id="rId3"/>
+    <p:sldLayoutId id="2147483755" r:id="rId4"/>
+    <p:sldLayoutId id="2147483756" r:id="rId5"/>
+    <p:sldLayoutId id="2147483757" r:id="rId6"/>
+    <p:sldLayoutId id="2147483758" r:id="rId7"/>
+    <p:sldLayoutId id="2147483759" r:id="rId8"/>
+    <p:sldLayoutId id="2147483760" r:id="rId9"/>
+    <p:sldLayoutId id="2147483761" r:id="rId10"/>
+    <p:sldLayoutId id="2147483762" r:id="rId11"/>
+    <p:sldLayoutId id="2147483763" r:id="rId12"/>
+    <p:sldLayoutId id="2147483764" r:id="rId13"/>
   </p:sldLayoutIdLst>
 </p:sldMaster>
 </file>
@@ -8963,14 +13035,14 @@
       </p:grpSpPr>
       <p:sp>
         <p:nvSpPr>
-          <p:cNvPr id="216" name="CustomShape 1"/>
+          <p:cNvPr id="324" name="CustomShape 1"/>
           <p:cNvSpPr/>
           <p:nvPr/>
         </p:nvSpPr>
         <p:spPr>
           <a:xfrm>
-            <a:off x="1554480" y="2628720"/>
-            <a:ext cx="9111960" cy="2400480"/>
+            <a:off x="1586880" y="1005840"/>
+            <a:ext cx="9111600" cy="2400120"/>
           </a:xfrm>
           <a:prstGeom prst="rect">
             <a:avLst/>
@@ -9000,7 +13072,7 @@
               <a:t>Team </a:t>
             </a:r>
             <a:r>
-              <a:rPr lang="en-US" sz="66600">
+              <a:rPr lang="en-US" sz="12800">
                 <a:solidFill>
                   <a:srgbClr val="000000"/>
                 </a:solidFill>
@@ -9014,14 +13086,14 @@
       </p:sp>
       <p:sp>
         <p:nvSpPr>
-          <p:cNvPr id="217" name="CustomShape 2"/>
+          <p:cNvPr id="325" name="CustomShape 2"/>
           <p:cNvSpPr/>
           <p:nvPr/>
         </p:nvSpPr>
         <p:spPr>
           <a:xfrm>
-            <a:off x="1554480" y="5102280"/>
-            <a:ext cx="9111960" cy="1664280"/>
+            <a:off x="1586880" y="4279680"/>
+            <a:ext cx="9111600" cy="1663920"/>
           </a:xfrm>
           <a:prstGeom prst="rect">
             <a:avLst/>
@@ -9056,33 +13128,6 @@
       </p:sp>
     </p:spTree>
   </p:cSld>
-  <p:timing>
-    <p:tnLst>
-      <p:par>
-        <p:cTn id="1" dur="indefinite" restart="never" nodeType="tmRoot">
-          <p:childTnLst>
-            <p:seq>
-              <p:cTn id="2" nodeType="mainSeq"/>
-              <p:prevCondLst>
-                <p:cond delay="0" evt="onPrev">
-                  <p:tgtEl>
-                    <p:sldTgt/>
-                  </p:tgtEl>
-                </p:cond>
-              </p:prevCondLst>
-              <p:nextCondLst>
-                <p:cond delay="0" evt="onNext">
-                  <p:tgtEl>
-                    <p:sldTgt/>
-                  </p:tgtEl>
-                </p:cond>
-              </p:nextCondLst>
-            </p:seq>
-          </p:childTnLst>
-        </p:cTn>
-      </p:par>
-    </p:tnLst>
-  </p:timing>
 </p:sld>
 </file>
 
@@ -9105,14 +13150,14 @@
       </p:grpSpPr>
       <p:sp>
         <p:nvSpPr>
-          <p:cNvPr id="230" name="CustomShape 1"/>
+          <p:cNvPr id="338" name="CustomShape 1"/>
           <p:cNvSpPr/>
           <p:nvPr/>
         </p:nvSpPr>
         <p:spPr>
           <a:xfrm>
             <a:off x="609480" y="273600"/>
-            <a:ext cx="10971720" cy="1144080"/>
+            <a:ext cx="10971360" cy="1143720"/>
           </a:xfrm>
           <a:prstGeom prst="rect">
             <a:avLst/>
@@ -9144,13 +13189,13 @@
       </p:sp>
       <p:graphicFrame>
         <p:nvGraphicFramePr>
-          <p:cNvPr id="231" name="Chart 3"/>
+          <p:cNvPr id="339" name="Chart 3"/>
           <p:cNvGraphicFramePr/>
           <p:nvPr/>
         </p:nvGraphicFramePr>
         <p:xfrm>
           <a:off x="1645920" y="1188720"/>
-          <a:ext cx="8758800" cy="5375520"/>
+          <a:ext cx="8758440" cy="5375160"/>
         </p:xfrm>
         <a:graphic>
           <a:graphicData uri="http://schemas.openxmlformats.org/drawingml/2006/chart">
@@ -9160,33 +13205,6 @@
       </p:graphicFrame>
     </p:spTree>
   </p:cSld>
-  <p:timing>
-    <p:tnLst>
-      <p:par>
-        <p:cTn id="19" dur="indefinite" restart="never" nodeType="tmRoot">
-          <p:childTnLst>
-            <p:seq>
-              <p:cTn id="20" nodeType="mainSeq"/>
-              <p:prevCondLst>
-                <p:cond delay="0" evt="onPrev">
-                  <p:tgtEl>
-                    <p:sldTgt/>
-                  </p:tgtEl>
-                </p:cond>
-              </p:prevCondLst>
-              <p:nextCondLst>
-                <p:cond delay="0" evt="onNext">
-                  <p:tgtEl>
-                    <p:sldTgt/>
-                  </p:tgtEl>
-                </p:cond>
-              </p:nextCondLst>
-            </p:seq>
-          </p:childTnLst>
-        </p:cTn>
-      </p:par>
-    </p:tnLst>
-  </p:timing>
 </p:sld>
 </file>
 
@@ -9209,14 +13227,14 @@
       </p:grpSpPr>
       <p:sp>
         <p:nvSpPr>
-          <p:cNvPr id="232" name="CustomShape 1"/>
+          <p:cNvPr id="340" name="CustomShape 1"/>
           <p:cNvSpPr/>
           <p:nvPr/>
         </p:nvSpPr>
         <p:spPr>
           <a:xfrm>
             <a:off x="854640" y="2795400"/>
-            <a:ext cx="10514160" cy="1324080"/>
+            <a:ext cx="10513800" cy="1323720"/>
           </a:xfrm>
           <a:prstGeom prst="rect">
             <a:avLst/>
@@ -9251,33 +13269,6 @@
       </p:sp>
     </p:spTree>
   </p:cSld>
-  <p:timing>
-    <p:tnLst>
-      <p:par>
-        <p:cTn id="21" dur="indefinite" restart="never" nodeType="tmRoot">
-          <p:childTnLst>
-            <p:seq>
-              <p:cTn id="22" nodeType="mainSeq"/>
-              <p:prevCondLst>
-                <p:cond delay="0" evt="onPrev">
-                  <p:tgtEl>
-                    <p:sldTgt/>
-                  </p:tgtEl>
-                </p:cond>
-              </p:prevCondLst>
-              <p:nextCondLst>
-                <p:cond delay="0" evt="onNext">
-                  <p:tgtEl>
-                    <p:sldTgt/>
-                  </p:tgtEl>
-                </p:cond>
-              </p:nextCondLst>
-            </p:seq>
-          </p:childTnLst>
-        </p:cTn>
-      </p:par>
-    </p:tnLst>
-  </p:timing>
 </p:sld>
 </file>
 
@@ -9300,14 +13291,14 @@
       </p:grpSpPr>
       <p:sp>
         <p:nvSpPr>
-          <p:cNvPr id="233" name="CustomShape 1"/>
+          <p:cNvPr id="341" name="CustomShape 1"/>
           <p:cNvSpPr/>
           <p:nvPr/>
         </p:nvSpPr>
         <p:spPr>
           <a:xfrm>
             <a:off x="838080" y="365040"/>
-            <a:ext cx="10514160" cy="1324080"/>
+            <a:ext cx="10513800" cy="1323720"/>
           </a:xfrm>
           <a:prstGeom prst="rect">
             <a:avLst/>
@@ -9320,14 +13311,14 @@
       </p:sp>
       <p:sp>
         <p:nvSpPr>
-          <p:cNvPr id="234" name="CustomShape 2"/>
+          <p:cNvPr id="342" name="CustomShape 2"/>
           <p:cNvSpPr/>
           <p:nvPr/>
         </p:nvSpPr>
         <p:spPr>
           <a:xfrm>
             <a:off x="838080" y="1825560"/>
-            <a:ext cx="10514160" cy="4349880"/>
+            <a:ext cx="10513800" cy="4349520"/>
           </a:xfrm>
           <a:prstGeom prst="rect">
             <a:avLst/>
@@ -9340,14 +13331,14 @@
       </p:sp>
       <p:sp>
         <p:nvSpPr>
-          <p:cNvPr id="235" name="CustomShape 3"/>
+          <p:cNvPr id="343" name="CustomShape 3"/>
           <p:cNvSpPr/>
           <p:nvPr/>
         </p:nvSpPr>
         <p:spPr>
           <a:xfrm>
             <a:off x="823680" y="274320"/>
-            <a:ext cx="10514160" cy="1324440"/>
+            <a:ext cx="10513800" cy="1324080"/>
           </a:xfrm>
           <a:prstGeom prst="rect">
             <a:avLst/>
@@ -9374,14 +13365,14 @@
       </p:sp>
       <p:sp>
         <p:nvSpPr>
-          <p:cNvPr id="236" name="CustomShape 4"/>
+          <p:cNvPr id="344" name="CustomShape 4"/>
           <p:cNvSpPr/>
           <p:nvPr/>
         </p:nvSpPr>
         <p:spPr>
           <a:xfrm>
             <a:off x="838080" y="1825560"/>
-            <a:ext cx="10514160" cy="4349880"/>
+            <a:ext cx="10513800" cy="4349520"/>
           </a:xfrm>
           <a:prstGeom prst="rect">
             <a:avLst/>
@@ -9450,33 +13441,6 @@
       </p:sp>
     </p:spTree>
   </p:cSld>
-  <p:timing>
-    <p:tnLst>
-      <p:par>
-        <p:cTn id="23" dur="indefinite" restart="never" nodeType="tmRoot">
-          <p:childTnLst>
-            <p:seq>
-              <p:cTn id="24" nodeType="mainSeq"/>
-              <p:prevCondLst>
-                <p:cond delay="0" evt="onPrev">
-                  <p:tgtEl>
-                    <p:sldTgt/>
-                  </p:tgtEl>
-                </p:cond>
-              </p:prevCondLst>
-              <p:nextCondLst>
-                <p:cond delay="0" evt="onNext">
-                  <p:tgtEl>
-                    <p:sldTgt/>
-                  </p:tgtEl>
-                </p:cond>
-              </p:nextCondLst>
-            </p:seq>
-          </p:childTnLst>
-        </p:cTn>
-      </p:par>
-    </p:tnLst>
-  </p:timing>
 </p:sld>
 </file>
 
@@ -9499,14 +13463,14 @@
       </p:grpSpPr>
       <p:sp>
         <p:nvSpPr>
-          <p:cNvPr id="237" name="CustomShape 1"/>
+          <p:cNvPr id="345" name="CustomShape 1"/>
           <p:cNvSpPr/>
           <p:nvPr/>
         </p:nvSpPr>
         <p:spPr>
           <a:xfrm>
             <a:off x="838080" y="365040"/>
-            <a:ext cx="10514160" cy="1324080"/>
+            <a:ext cx="10513800" cy="1323720"/>
           </a:xfrm>
           <a:prstGeom prst="rect">
             <a:avLst/>
@@ -9519,14 +13483,14 @@
       </p:sp>
       <p:sp>
         <p:nvSpPr>
-          <p:cNvPr id="238" name="CustomShape 2"/>
+          <p:cNvPr id="346" name="CustomShape 2"/>
           <p:cNvSpPr/>
           <p:nvPr/>
         </p:nvSpPr>
         <p:spPr>
           <a:xfrm>
             <a:off x="838080" y="1825560"/>
-            <a:ext cx="10514160" cy="4349880"/>
+            <a:ext cx="10513800" cy="4349520"/>
           </a:xfrm>
           <a:prstGeom prst="rect">
             <a:avLst/>
@@ -9539,14 +13503,14 @@
       </p:sp>
       <p:sp>
         <p:nvSpPr>
-          <p:cNvPr id="239" name="CustomShape 3"/>
+          <p:cNvPr id="347" name="CustomShape 3"/>
           <p:cNvSpPr/>
           <p:nvPr/>
         </p:nvSpPr>
         <p:spPr>
           <a:xfrm>
             <a:off x="838080" y="365040"/>
-            <a:ext cx="10514160" cy="1324440"/>
+            <a:ext cx="10513800" cy="1324080"/>
           </a:xfrm>
           <a:prstGeom prst="rect">
             <a:avLst/>
@@ -9573,14 +13537,14 @@
       </p:sp>
       <p:sp>
         <p:nvSpPr>
-          <p:cNvPr id="240" name="CustomShape 4"/>
+          <p:cNvPr id="348" name="CustomShape 4"/>
           <p:cNvSpPr/>
           <p:nvPr/>
         </p:nvSpPr>
         <p:spPr>
           <a:xfrm>
             <a:off x="838080" y="1825560"/>
-            <a:ext cx="10514160" cy="4349880"/>
+            <a:ext cx="10513800" cy="4349520"/>
           </a:xfrm>
           <a:prstGeom prst="rect">
             <a:avLst/>
@@ -9649,33 +13613,6 @@
       </p:sp>
     </p:spTree>
   </p:cSld>
-  <p:timing>
-    <p:tnLst>
-      <p:par>
-        <p:cTn id="25" dur="indefinite" restart="never" nodeType="tmRoot">
-          <p:childTnLst>
-            <p:seq>
-              <p:cTn id="26" nodeType="mainSeq"/>
-              <p:prevCondLst>
-                <p:cond delay="0" evt="onPrev">
-                  <p:tgtEl>
-                    <p:sldTgt/>
-                  </p:tgtEl>
-                </p:cond>
-              </p:prevCondLst>
-              <p:nextCondLst>
-                <p:cond delay="0" evt="onNext">
-                  <p:tgtEl>
-                    <p:sldTgt/>
-                  </p:tgtEl>
-                </p:cond>
-              </p:nextCondLst>
-            </p:seq>
-          </p:childTnLst>
-        </p:cTn>
-      </p:par>
-    </p:tnLst>
-  </p:timing>
 </p:sld>
 </file>
 
@@ -9698,7 +13635,7 @@
       </p:grpSpPr>
       <p:pic>
         <p:nvPicPr>
-          <p:cNvPr id="241" name="Picture 4" descr=""/>
+          <p:cNvPr id="349" name="Picture 4" descr=""/>
           <p:cNvPicPr/>
           <p:nvPr/>
         </p:nvPicPr>
@@ -9711,7 +13648,7 @@
         <p:spPr>
           <a:xfrm>
             <a:off x="609480" y="0"/>
-            <a:ext cx="10971360" cy="6856560"/>
+            <a:ext cx="10971000" cy="6856200"/>
           </a:xfrm>
           <a:prstGeom prst="rect">
             <a:avLst/>
@@ -9723,33 +13660,6 @@
       </p:pic>
     </p:spTree>
   </p:cSld>
-  <p:timing>
-    <p:tnLst>
-      <p:par>
-        <p:cTn id="27" dur="indefinite" restart="never" nodeType="tmRoot">
-          <p:childTnLst>
-            <p:seq>
-              <p:cTn id="28" nodeType="mainSeq"/>
-              <p:prevCondLst>
-                <p:cond delay="0" evt="onPrev">
-                  <p:tgtEl>
-                    <p:sldTgt/>
-                  </p:tgtEl>
-                </p:cond>
-              </p:prevCondLst>
-              <p:nextCondLst>
-                <p:cond delay="0" evt="onNext">
-                  <p:tgtEl>
-                    <p:sldTgt/>
-                  </p:tgtEl>
-                </p:cond>
-              </p:nextCondLst>
-            </p:seq>
-          </p:childTnLst>
-        </p:cTn>
-      </p:par>
-    </p:tnLst>
-  </p:timing>
 </p:sld>
 </file>
 
@@ -9772,7 +13682,7 @@
       </p:grpSpPr>
       <p:pic>
         <p:nvPicPr>
-          <p:cNvPr id="242" name="Picture 3" descr=""/>
+          <p:cNvPr id="350" name="Picture 3" descr=""/>
           <p:cNvPicPr/>
           <p:nvPr/>
         </p:nvPicPr>
@@ -9785,7 +13695,7 @@
         <p:spPr>
           <a:xfrm>
             <a:off x="609480" y="0"/>
-            <a:ext cx="10971360" cy="6856560"/>
+            <a:ext cx="10971000" cy="6856200"/>
           </a:xfrm>
           <a:prstGeom prst="rect">
             <a:avLst/>
@@ -9797,33 +13707,6 @@
       </p:pic>
     </p:spTree>
   </p:cSld>
-  <p:timing>
-    <p:tnLst>
-      <p:par>
-        <p:cTn id="29" dur="indefinite" restart="never" nodeType="tmRoot">
-          <p:childTnLst>
-            <p:seq>
-              <p:cTn id="30" nodeType="mainSeq"/>
-              <p:prevCondLst>
-                <p:cond delay="0" evt="onPrev">
-                  <p:tgtEl>
-                    <p:sldTgt/>
-                  </p:tgtEl>
-                </p:cond>
-              </p:prevCondLst>
-              <p:nextCondLst>
-                <p:cond delay="0" evt="onNext">
-                  <p:tgtEl>
-                    <p:sldTgt/>
-                  </p:tgtEl>
-                </p:cond>
-              </p:nextCondLst>
-            </p:seq>
-          </p:childTnLst>
-        </p:cTn>
-      </p:par>
-    </p:tnLst>
-  </p:timing>
 </p:sld>
 </file>
 
@@ -9846,7 +13729,7 @@
       </p:grpSpPr>
       <p:pic>
         <p:nvPicPr>
-          <p:cNvPr id="243" name="Picture 3" descr=""/>
+          <p:cNvPr id="351" name="Picture 3" descr=""/>
           <p:cNvPicPr/>
           <p:nvPr/>
         </p:nvPicPr>
@@ -9859,7 +13742,7 @@
         <p:spPr>
           <a:xfrm>
             <a:off x="609480" y="0"/>
-            <a:ext cx="10971360" cy="6856560"/>
+            <a:ext cx="10971000" cy="6856200"/>
           </a:xfrm>
           <a:prstGeom prst="rect">
             <a:avLst/>
@@ -9871,33 +13754,6 @@
       </p:pic>
     </p:spTree>
   </p:cSld>
-  <p:timing>
-    <p:tnLst>
-      <p:par>
-        <p:cTn id="31" dur="indefinite" restart="never" nodeType="tmRoot">
-          <p:childTnLst>
-            <p:seq>
-              <p:cTn id="32" nodeType="mainSeq"/>
-              <p:prevCondLst>
-                <p:cond delay="0" evt="onPrev">
-                  <p:tgtEl>
-                    <p:sldTgt/>
-                  </p:tgtEl>
-                </p:cond>
-              </p:prevCondLst>
-              <p:nextCondLst>
-                <p:cond delay="0" evt="onNext">
-                  <p:tgtEl>
-                    <p:sldTgt/>
-                  </p:tgtEl>
-                </p:cond>
-              </p:nextCondLst>
-            </p:seq>
-          </p:childTnLst>
-        </p:cTn>
-      </p:par>
-    </p:tnLst>
-  </p:timing>
 </p:sld>
 </file>
 
@@ -9920,14 +13776,14 @@
       </p:grpSpPr>
       <p:sp>
         <p:nvSpPr>
-          <p:cNvPr id="244" name="CustomShape 1"/>
+          <p:cNvPr id="352" name="CustomShape 1"/>
           <p:cNvSpPr/>
           <p:nvPr/>
         </p:nvSpPr>
         <p:spPr>
           <a:xfrm>
             <a:off x="609480" y="273600"/>
-            <a:ext cx="10971720" cy="1144080"/>
+            <a:ext cx="10971360" cy="1143720"/>
           </a:xfrm>
           <a:prstGeom prst="rect">
             <a:avLst/>
@@ -9957,7 +13813,7 @@
       </p:sp>
       <p:pic>
         <p:nvPicPr>
-          <p:cNvPr id="245" name="" descr=""/>
+          <p:cNvPr id="353" name="" descr=""/>
           <p:cNvPicPr/>
           <p:nvPr/>
         </p:nvPicPr>
@@ -9970,7 +13826,7 @@
         <p:spPr>
           <a:xfrm>
             <a:off x="1829160" y="1280520"/>
-            <a:ext cx="8685720" cy="5576760"/>
+            <a:ext cx="8685360" cy="5576400"/>
           </a:xfrm>
           <a:prstGeom prst="rect">
             <a:avLst/>
@@ -9982,33 +13838,6 @@
       </p:pic>
     </p:spTree>
   </p:cSld>
-  <p:timing>
-    <p:tnLst>
-      <p:par>
-        <p:cTn id="33" dur="indefinite" restart="never" nodeType="tmRoot">
-          <p:childTnLst>
-            <p:seq>
-              <p:cTn id="34" nodeType="mainSeq"/>
-              <p:prevCondLst>
-                <p:cond delay="0" evt="onPrev">
-                  <p:tgtEl>
-                    <p:sldTgt/>
-                  </p:tgtEl>
-                </p:cond>
-              </p:prevCondLst>
-              <p:nextCondLst>
-                <p:cond delay="0" evt="onNext">
-                  <p:tgtEl>
-                    <p:sldTgt/>
-                  </p:tgtEl>
-                </p:cond>
-              </p:nextCondLst>
-            </p:seq>
-          </p:childTnLst>
-        </p:cTn>
-      </p:par>
-    </p:tnLst>
-  </p:timing>
 </p:sld>
 </file>
 
@@ -10031,14 +13860,14 @@
       </p:grpSpPr>
       <p:sp>
         <p:nvSpPr>
-          <p:cNvPr id="246" name="CustomShape 1"/>
+          <p:cNvPr id="354" name="CustomShape 1"/>
           <p:cNvSpPr/>
           <p:nvPr/>
         </p:nvSpPr>
         <p:spPr>
           <a:xfrm>
             <a:off x="609480" y="273600"/>
-            <a:ext cx="10971720" cy="1144080"/>
+            <a:ext cx="10971360" cy="1143720"/>
           </a:xfrm>
           <a:prstGeom prst="rect">
             <a:avLst/>
@@ -10065,14 +13894,14 @@
       </p:sp>
       <p:sp>
         <p:nvSpPr>
-          <p:cNvPr id="247" name="CustomShape 2"/>
+          <p:cNvPr id="355" name="CustomShape 2"/>
           <p:cNvSpPr/>
           <p:nvPr/>
         </p:nvSpPr>
         <p:spPr>
           <a:xfrm>
             <a:off x="609480" y="1604520"/>
-            <a:ext cx="10971720" cy="3976560"/>
+            <a:ext cx="10971360" cy="3976200"/>
           </a:xfrm>
           <a:prstGeom prst="rect">
             <a:avLst/>
@@ -10174,33 +14003,6 @@
       </p:sp>
     </p:spTree>
   </p:cSld>
-  <p:timing>
-    <p:tnLst>
-      <p:par>
-        <p:cTn id="35" dur="indefinite" restart="never" nodeType="tmRoot">
-          <p:childTnLst>
-            <p:seq>
-              <p:cTn id="36" nodeType="mainSeq"/>
-              <p:prevCondLst>
-                <p:cond delay="0" evt="onPrev">
-                  <p:tgtEl>
-                    <p:sldTgt/>
-                  </p:tgtEl>
-                </p:cond>
-              </p:prevCondLst>
-              <p:nextCondLst>
-                <p:cond delay="0" evt="onNext">
-                  <p:tgtEl>
-                    <p:sldTgt/>
-                  </p:tgtEl>
-                </p:cond>
-              </p:nextCondLst>
-            </p:seq>
-          </p:childTnLst>
-        </p:cTn>
-      </p:par>
-    </p:tnLst>
-  </p:timing>
 </p:sld>
 </file>
 
@@ -10223,14 +14025,14 @@
       </p:grpSpPr>
       <p:sp>
         <p:nvSpPr>
-          <p:cNvPr id="248" name="CustomShape 1"/>
+          <p:cNvPr id="356" name="CustomShape 1"/>
           <p:cNvSpPr/>
           <p:nvPr/>
         </p:nvSpPr>
         <p:spPr>
           <a:xfrm>
             <a:off x="821880" y="2811600"/>
-            <a:ext cx="10514160" cy="1324080"/>
+            <a:ext cx="10513800" cy="1323720"/>
           </a:xfrm>
           <a:prstGeom prst="rect">
             <a:avLst/>
@@ -10265,33 +14067,6 @@
       </p:sp>
     </p:spTree>
   </p:cSld>
-  <p:timing>
-    <p:tnLst>
-      <p:par>
-        <p:cTn id="37" dur="indefinite" restart="never" nodeType="tmRoot">
-          <p:childTnLst>
-            <p:seq>
-              <p:cTn id="38" nodeType="mainSeq"/>
-              <p:prevCondLst>
-                <p:cond delay="0" evt="onPrev">
-                  <p:tgtEl>
-                    <p:sldTgt/>
-                  </p:tgtEl>
-                </p:cond>
-              </p:prevCondLst>
-              <p:nextCondLst>
-                <p:cond delay="0" evt="onNext">
-                  <p:tgtEl>
-                    <p:sldTgt/>
-                  </p:tgtEl>
-                </p:cond>
-              </p:nextCondLst>
-            </p:seq>
-          </p:childTnLst>
-        </p:cTn>
-      </p:par>
-    </p:tnLst>
-  </p:timing>
 </p:sld>
 </file>
 
@@ -10314,14 +14089,14 @@
       </p:grpSpPr>
       <p:sp>
         <p:nvSpPr>
-          <p:cNvPr id="218" name="CustomShape 1"/>
+          <p:cNvPr id="326" name="CustomShape 1"/>
           <p:cNvSpPr/>
           <p:nvPr/>
         </p:nvSpPr>
         <p:spPr>
           <a:xfrm>
             <a:off x="838080" y="365040"/>
-            <a:ext cx="10514160" cy="1324080"/>
+            <a:ext cx="10513800" cy="1323720"/>
           </a:xfrm>
           <a:prstGeom prst="rect">
             <a:avLst/>
@@ -10356,14 +14131,14 @@
       </p:sp>
       <p:sp>
         <p:nvSpPr>
-          <p:cNvPr id="219" name="CustomShape 2"/>
+          <p:cNvPr id="327" name="CustomShape 2"/>
           <p:cNvSpPr/>
           <p:nvPr/>
         </p:nvSpPr>
         <p:spPr>
           <a:xfrm>
             <a:off x="838080" y="1825560"/>
-            <a:ext cx="10514160" cy="4349880"/>
+            <a:ext cx="10513800" cy="4349520"/>
           </a:xfrm>
           <a:prstGeom prst="rect">
             <a:avLst/>
@@ -10438,33 +14213,6 @@
       </p:sp>
     </p:spTree>
   </p:cSld>
-  <p:timing>
-    <p:tnLst>
-      <p:par>
-        <p:cTn id="3" dur="indefinite" restart="never" nodeType="tmRoot">
-          <p:childTnLst>
-            <p:seq>
-              <p:cTn id="4" nodeType="mainSeq"/>
-              <p:prevCondLst>
-                <p:cond delay="0" evt="onPrev">
-                  <p:tgtEl>
-                    <p:sldTgt/>
-                  </p:tgtEl>
-                </p:cond>
-              </p:prevCondLst>
-              <p:nextCondLst>
-                <p:cond delay="0" evt="onNext">
-                  <p:tgtEl>
-                    <p:sldTgt/>
-                  </p:tgtEl>
-                </p:cond>
-              </p:nextCondLst>
-            </p:seq>
-          </p:childTnLst>
-        </p:cTn>
-      </p:par>
-    </p:tnLst>
-  </p:timing>
 </p:sld>
 </file>
 
@@ -10487,14 +14235,14 @@
       </p:grpSpPr>
       <p:sp>
         <p:nvSpPr>
-          <p:cNvPr id="249" name="CustomShape 1"/>
+          <p:cNvPr id="357" name="CustomShape 1"/>
           <p:cNvSpPr/>
           <p:nvPr/>
         </p:nvSpPr>
         <p:spPr>
           <a:xfrm>
             <a:off x="838080" y="365040"/>
-            <a:ext cx="10514160" cy="1324080"/>
+            <a:ext cx="10513800" cy="1323720"/>
           </a:xfrm>
           <a:prstGeom prst="rect">
             <a:avLst/>
@@ -10507,14 +14255,14 @@
       </p:sp>
       <p:sp>
         <p:nvSpPr>
-          <p:cNvPr id="250" name="CustomShape 2"/>
+          <p:cNvPr id="358" name="CustomShape 2"/>
           <p:cNvSpPr/>
           <p:nvPr/>
         </p:nvSpPr>
         <p:spPr>
           <a:xfrm>
             <a:off x="838080" y="1825560"/>
-            <a:ext cx="10514160" cy="4349880"/>
+            <a:ext cx="10513800" cy="4349520"/>
           </a:xfrm>
           <a:prstGeom prst="rect">
             <a:avLst/>
@@ -10527,14 +14275,14 @@
       </p:sp>
       <p:sp>
         <p:nvSpPr>
-          <p:cNvPr id="251" name="CustomShape 3"/>
+          <p:cNvPr id="359" name="CustomShape 3"/>
           <p:cNvSpPr/>
           <p:nvPr/>
         </p:nvSpPr>
         <p:spPr>
           <a:xfrm>
             <a:off x="838080" y="365040"/>
-            <a:ext cx="10514160" cy="1324440"/>
+            <a:ext cx="10513800" cy="1324080"/>
           </a:xfrm>
           <a:prstGeom prst="rect">
             <a:avLst/>
@@ -10561,14 +14309,14 @@
       </p:sp>
       <p:sp>
         <p:nvSpPr>
-          <p:cNvPr id="252" name="CustomShape 4"/>
+          <p:cNvPr id="360" name="CustomShape 4"/>
           <p:cNvSpPr/>
           <p:nvPr/>
         </p:nvSpPr>
         <p:spPr>
           <a:xfrm>
             <a:off x="838080" y="1825560"/>
-            <a:ext cx="10514160" cy="4349880"/>
+            <a:ext cx="10513800" cy="4349520"/>
           </a:xfrm>
           <a:prstGeom prst="rect">
             <a:avLst/>
@@ -10637,33 +14385,6 @@
       </p:sp>
     </p:spTree>
   </p:cSld>
-  <p:timing>
-    <p:tnLst>
-      <p:par>
-        <p:cTn id="39" dur="indefinite" restart="never" nodeType="tmRoot">
-          <p:childTnLst>
-            <p:seq>
-              <p:cTn id="40" nodeType="mainSeq"/>
-              <p:prevCondLst>
-                <p:cond delay="0" evt="onPrev">
-                  <p:tgtEl>
-                    <p:sldTgt/>
-                  </p:tgtEl>
-                </p:cond>
-              </p:prevCondLst>
-              <p:nextCondLst>
-                <p:cond delay="0" evt="onNext">
-                  <p:tgtEl>
-                    <p:sldTgt/>
-                  </p:tgtEl>
-                </p:cond>
-              </p:nextCondLst>
-            </p:seq>
-          </p:childTnLst>
-        </p:cTn>
-      </p:par>
-    </p:tnLst>
-  </p:timing>
 </p:sld>
 </file>
 
@@ -10686,14 +14407,14 @@
       </p:grpSpPr>
       <p:sp>
         <p:nvSpPr>
-          <p:cNvPr id="253" name="CustomShape 1"/>
+          <p:cNvPr id="361" name="CustomShape 1"/>
           <p:cNvSpPr/>
           <p:nvPr/>
         </p:nvSpPr>
         <p:spPr>
           <a:xfrm>
             <a:off x="838080" y="1825560"/>
-            <a:ext cx="10514160" cy="4349880"/>
+            <a:ext cx="10513800" cy="4349520"/>
           </a:xfrm>
           <a:prstGeom prst="rect">
             <a:avLst/>
@@ -10706,14 +14427,14 @@
       </p:sp>
       <p:sp>
         <p:nvSpPr>
-          <p:cNvPr id="254" name="CustomShape 2"/>
+          <p:cNvPr id="362" name="CustomShape 2"/>
           <p:cNvSpPr/>
           <p:nvPr/>
         </p:nvSpPr>
         <p:spPr>
           <a:xfrm>
             <a:off x="838080" y="365040"/>
-            <a:ext cx="10514160" cy="1324440"/>
+            <a:ext cx="10513800" cy="1324080"/>
           </a:xfrm>
           <a:prstGeom prst="rect">
             <a:avLst/>
@@ -10740,14 +14461,14 @@
       </p:sp>
       <p:sp>
         <p:nvSpPr>
-          <p:cNvPr id="255" name="CustomShape 3"/>
+          <p:cNvPr id="363" name="CustomShape 3"/>
           <p:cNvSpPr/>
           <p:nvPr/>
         </p:nvSpPr>
         <p:spPr>
           <a:xfrm>
             <a:off x="838080" y="1825560"/>
-            <a:ext cx="10514160" cy="4349880"/>
+            <a:ext cx="10513800" cy="4349520"/>
           </a:xfrm>
           <a:prstGeom prst="rect">
             <a:avLst/>
@@ -10799,33 +14520,6 @@
       </p:sp>
     </p:spTree>
   </p:cSld>
-  <p:timing>
-    <p:tnLst>
-      <p:par>
-        <p:cTn id="41" dur="indefinite" restart="never" nodeType="tmRoot">
-          <p:childTnLst>
-            <p:seq>
-              <p:cTn id="42" nodeType="mainSeq"/>
-              <p:prevCondLst>
-                <p:cond delay="0" evt="onPrev">
-                  <p:tgtEl>
-                    <p:sldTgt/>
-                  </p:tgtEl>
-                </p:cond>
-              </p:prevCondLst>
-              <p:nextCondLst>
-                <p:cond delay="0" evt="onNext">
-                  <p:tgtEl>
-                    <p:sldTgt/>
-                  </p:tgtEl>
-                </p:cond>
-              </p:nextCondLst>
-            </p:seq>
-          </p:childTnLst>
-        </p:cTn>
-      </p:par>
-    </p:tnLst>
-  </p:timing>
 </p:sld>
 </file>
 
@@ -10848,7 +14542,7 @@
       </p:grpSpPr>
       <p:pic>
         <p:nvPicPr>
-          <p:cNvPr id="256" name="Picture 3" descr=""/>
+          <p:cNvPr id="364" name="Picture 3" descr=""/>
           <p:cNvPicPr/>
           <p:nvPr/>
         </p:nvPicPr>
@@ -10861,7 +14555,7 @@
         <p:spPr>
           <a:xfrm>
             <a:off x="609480" y="0"/>
-            <a:ext cx="10971360" cy="6856560"/>
+            <a:ext cx="10971000" cy="6856200"/>
           </a:xfrm>
           <a:prstGeom prst="rect">
             <a:avLst/>
@@ -10873,33 +14567,6 @@
       </p:pic>
     </p:spTree>
   </p:cSld>
-  <p:timing>
-    <p:tnLst>
-      <p:par>
-        <p:cTn id="43" dur="indefinite" restart="never" nodeType="tmRoot">
-          <p:childTnLst>
-            <p:seq>
-              <p:cTn id="44" nodeType="mainSeq"/>
-              <p:prevCondLst>
-                <p:cond delay="0" evt="onPrev">
-                  <p:tgtEl>
-                    <p:sldTgt/>
-                  </p:tgtEl>
-                </p:cond>
-              </p:prevCondLst>
-              <p:nextCondLst>
-                <p:cond delay="0" evt="onNext">
-                  <p:tgtEl>
-                    <p:sldTgt/>
-                  </p:tgtEl>
-                </p:cond>
-              </p:nextCondLst>
-            </p:seq>
-          </p:childTnLst>
-        </p:cTn>
-      </p:par>
-    </p:tnLst>
-  </p:timing>
 </p:sld>
 </file>
 
@@ -10922,7 +14589,7 @@
       </p:grpSpPr>
       <p:pic>
         <p:nvPicPr>
-          <p:cNvPr id="257" name="Picture 3" descr=""/>
+          <p:cNvPr id="365" name="Picture 3" descr=""/>
           <p:cNvPicPr/>
           <p:nvPr/>
         </p:nvPicPr>
@@ -10935,7 +14602,7 @@
         <p:spPr>
           <a:xfrm>
             <a:off x="609480" y="0"/>
-            <a:ext cx="10971360" cy="6856560"/>
+            <a:ext cx="10971000" cy="6856200"/>
           </a:xfrm>
           <a:prstGeom prst="rect">
             <a:avLst/>
@@ -10947,33 +14614,6 @@
       </p:pic>
     </p:spTree>
   </p:cSld>
-  <p:timing>
-    <p:tnLst>
-      <p:par>
-        <p:cTn id="45" dur="indefinite" restart="never" nodeType="tmRoot">
-          <p:childTnLst>
-            <p:seq>
-              <p:cTn id="46" nodeType="mainSeq"/>
-              <p:prevCondLst>
-                <p:cond delay="0" evt="onPrev">
-                  <p:tgtEl>
-                    <p:sldTgt/>
-                  </p:tgtEl>
-                </p:cond>
-              </p:prevCondLst>
-              <p:nextCondLst>
-                <p:cond delay="0" evt="onNext">
-                  <p:tgtEl>
-                    <p:sldTgt/>
-                  </p:tgtEl>
-                </p:cond>
-              </p:nextCondLst>
-            </p:seq>
-          </p:childTnLst>
-        </p:cTn>
-      </p:par>
-    </p:tnLst>
-  </p:timing>
 </p:sld>
 </file>
 
@@ -10996,7 +14636,7 @@
       </p:grpSpPr>
       <p:pic>
         <p:nvPicPr>
-          <p:cNvPr id="258" name="Picture 3" descr=""/>
+          <p:cNvPr id="366" name="Picture 3" descr=""/>
           <p:cNvPicPr/>
           <p:nvPr/>
         </p:nvPicPr>
@@ -11009,7 +14649,7 @@
         <p:spPr>
           <a:xfrm>
             <a:off x="609480" y="0"/>
-            <a:ext cx="10971360" cy="6856560"/>
+            <a:ext cx="10971000" cy="6856200"/>
           </a:xfrm>
           <a:prstGeom prst="rect">
             <a:avLst/>
@@ -11021,33 +14661,6 @@
       </p:pic>
     </p:spTree>
   </p:cSld>
-  <p:timing>
-    <p:tnLst>
-      <p:par>
-        <p:cTn id="47" dur="indefinite" restart="never" nodeType="tmRoot">
-          <p:childTnLst>
-            <p:seq>
-              <p:cTn id="48" nodeType="mainSeq"/>
-              <p:prevCondLst>
-                <p:cond delay="0" evt="onPrev">
-                  <p:tgtEl>
-                    <p:sldTgt/>
-                  </p:tgtEl>
-                </p:cond>
-              </p:prevCondLst>
-              <p:nextCondLst>
-                <p:cond delay="0" evt="onNext">
-                  <p:tgtEl>
-                    <p:sldTgt/>
-                  </p:tgtEl>
-                </p:cond>
-              </p:nextCondLst>
-            </p:seq>
-          </p:childTnLst>
-        </p:cTn>
-      </p:par>
-    </p:tnLst>
-  </p:timing>
 </p:sld>
 </file>
 
@@ -11070,14 +14683,14 @@
       </p:grpSpPr>
       <p:sp>
         <p:nvSpPr>
-          <p:cNvPr id="259" name="CustomShape 1"/>
+          <p:cNvPr id="367" name="CustomShape 1"/>
           <p:cNvSpPr/>
           <p:nvPr/>
         </p:nvSpPr>
         <p:spPr>
           <a:xfrm>
             <a:off x="609480" y="273600"/>
-            <a:ext cx="10971720" cy="1144080"/>
+            <a:ext cx="10971360" cy="1143720"/>
           </a:xfrm>
           <a:prstGeom prst="rect">
             <a:avLst/>
@@ -11107,13 +14720,13 @@
       </p:sp>
       <p:graphicFrame>
         <p:nvGraphicFramePr>
-          <p:cNvPr id="260" name=""/>
+          <p:cNvPr id="368" name=""/>
           <p:cNvGraphicFramePr/>
           <p:nvPr/>
         </p:nvGraphicFramePr>
         <p:xfrm>
           <a:off x="1920600" y="1271160"/>
-          <a:ext cx="8685720" cy="5494680"/>
+          <a:ext cx="8685360" cy="5494320"/>
         </p:xfrm>
         <a:graphic>
           <a:graphicData uri="http://schemas.openxmlformats.org/drawingml/2006/chart">
@@ -11123,33 +14736,6 @@
       </p:graphicFrame>
     </p:spTree>
   </p:cSld>
-  <p:timing>
-    <p:tnLst>
-      <p:par>
-        <p:cTn id="49" dur="indefinite" restart="never" nodeType="tmRoot">
-          <p:childTnLst>
-            <p:seq>
-              <p:cTn id="50" nodeType="mainSeq"/>
-              <p:prevCondLst>
-                <p:cond delay="0" evt="onPrev">
-                  <p:tgtEl>
-                    <p:sldTgt/>
-                  </p:tgtEl>
-                </p:cond>
-              </p:prevCondLst>
-              <p:nextCondLst>
-                <p:cond delay="0" evt="onNext">
-                  <p:tgtEl>
-                    <p:sldTgt/>
-                  </p:tgtEl>
-                </p:cond>
-              </p:nextCondLst>
-            </p:seq>
-          </p:childTnLst>
-        </p:cTn>
-      </p:par>
-    </p:tnLst>
-  </p:timing>
 </p:sld>
 </file>
 
@@ -11172,14 +14758,14 @@
       </p:grpSpPr>
       <p:sp>
         <p:nvSpPr>
-          <p:cNvPr id="261" name="CustomShape 1"/>
+          <p:cNvPr id="369" name="CustomShape 1"/>
           <p:cNvSpPr/>
           <p:nvPr/>
         </p:nvSpPr>
         <p:spPr>
           <a:xfrm>
             <a:off x="731520" y="2743200"/>
-            <a:ext cx="10971720" cy="1144080"/>
+            <a:ext cx="10971360" cy="1143720"/>
           </a:xfrm>
           <a:prstGeom prst="rect">
             <a:avLst/>
@@ -11194,7 +14780,11 @@
         <p:txBody>
           <a:bodyPr lIns="0" rIns="0" tIns="0" bIns="0" anchor="ctr"/>
           <a:p>
-            <a:pPr algn="ctr"/>
+            <a:pPr algn="ctr">
+              <a:lnSpc>
+                <a:spcPct val="100000"/>
+              </a:lnSpc>
+            </a:pPr>
             <a:r>
               <a:rPr lang="en-US" sz="4400">
                 <a:latin typeface="Arial"/>
@@ -11207,14 +14797,14 @@
       </p:sp>
       <p:sp>
         <p:nvSpPr>
-          <p:cNvPr id="262" name="CustomShape 2"/>
+          <p:cNvPr id="370" name="CustomShape 2"/>
           <p:cNvSpPr/>
           <p:nvPr/>
         </p:nvSpPr>
         <p:spPr>
           <a:xfrm>
             <a:off x="609480" y="1604520"/>
-            <a:ext cx="10971720" cy="3976560"/>
+            <a:ext cx="10971360" cy="3976200"/>
           </a:xfrm>
           <a:prstGeom prst="rect">
             <a:avLst/>
@@ -11227,33 +14817,6 @@
       </p:sp>
     </p:spTree>
   </p:cSld>
-  <p:timing>
-    <p:tnLst>
-      <p:par>
-        <p:cTn id="51" dur="indefinite" restart="never" nodeType="tmRoot">
-          <p:childTnLst>
-            <p:seq>
-              <p:cTn id="52" nodeType="mainSeq"/>
-              <p:prevCondLst>
-                <p:cond delay="0" evt="onPrev">
-                  <p:tgtEl>
-                    <p:sldTgt/>
-                  </p:tgtEl>
-                </p:cond>
-              </p:prevCondLst>
-              <p:nextCondLst>
-                <p:cond delay="0" evt="onNext">
-                  <p:tgtEl>
-                    <p:sldTgt/>
-                  </p:tgtEl>
-                </p:cond>
-              </p:nextCondLst>
-            </p:seq>
-          </p:childTnLst>
-        </p:cTn>
-      </p:par>
-    </p:tnLst>
-  </p:timing>
 </p:sld>
 </file>
 
@@ -11276,18 +14839,22 @@
       </p:grpSpPr>
       <p:sp>
         <p:nvSpPr>
-          <p:cNvPr id="263" name="TextShape 1"/>
-          <p:cNvSpPr txBox="1"/>
+          <p:cNvPr id="371" name="CustomShape 1"/>
+          <p:cNvSpPr/>
           <p:nvPr/>
         </p:nvSpPr>
         <p:spPr>
           <a:xfrm>
             <a:off x="609480" y="273600"/>
-            <a:ext cx="10972440" cy="1144800"/>
-          </a:xfrm>
-          <a:prstGeom prst="rect">
-            <a:avLst/>
-          </a:prstGeom>
+            <a:ext cx="10972080" cy="1144440"/>
+          </a:xfrm>
+          <a:prstGeom prst="rect">
+            <a:avLst/>
+          </a:prstGeom>
+          <a:noFill/>
+          <a:ln>
+            <a:noFill/>
+          </a:ln>
         </p:spPr>
         <p:txBody>
           <a:bodyPr lIns="0" rIns="0" tIns="0" bIns="0" anchor="ctr"/>
@@ -11304,18 +14871,22 @@
       </p:sp>
       <p:sp>
         <p:nvSpPr>
-          <p:cNvPr id="264" name="TextShape 2"/>
-          <p:cNvSpPr txBox="1"/>
+          <p:cNvPr id="372" name="CustomShape 2"/>
+          <p:cNvSpPr/>
           <p:nvPr/>
         </p:nvSpPr>
         <p:spPr>
           <a:xfrm>
             <a:off x="609480" y="1604520"/>
-            <a:ext cx="10972440" cy="3790440"/>
-          </a:xfrm>
-          <a:prstGeom prst="rect">
-            <a:avLst/>
-          </a:prstGeom>
+            <a:ext cx="10972080" cy="3790080"/>
+          </a:xfrm>
+          <a:prstGeom prst="rect">
+            <a:avLst/>
+          </a:prstGeom>
+          <a:noFill/>
+          <a:ln>
+            <a:noFill/>
+          </a:ln>
         </p:spPr>
         <p:txBody>
           <a:bodyPr lIns="0" rIns="0" tIns="0" bIns="0"/>
@@ -11359,33 +14930,6 @@
       </p:sp>
     </p:spTree>
   </p:cSld>
-  <p:timing>
-    <p:tnLst>
-      <p:par>
-        <p:cTn id="53" dur="indefinite" restart="never" nodeType="tmRoot">
-          <p:childTnLst>
-            <p:seq>
-              <p:cTn id="54" nodeType="mainSeq"/>
-              <p:prevCondLst>
-                <p:cond delay="0" evt="onPrev">
-                  <p:tgtEl>
-                    <p:sldTgt/>
-                  </p:tgtEl>
-                </p:cond>
-              </p:prevCondLst>
-              <p:nextCondLst>
-                <p:cond delay="0" evt="onNext">
-                  <p:tgtEl>
-                    <p:sldTgt/>
-                  </p:tgtEl>
-                </p:cond>
-              </p:nextCondLst>
-            </p:seq>
-          </p:childTnLst>
-        </p:cTn>
-      </p:par>
-    </p:tnLst>
-  </p:timing>
 </p:sld>
 </file>
 
@@ -11408,18 +14952,22 @@
       </p:grpSpPr>
       <p:sp>
         <p:nvSpPr>
-          <p:cNvPr id="265" name="TextShape 1"/>
-          <p:cNvSpPr txBox="1"/>
+          <p:cNvPr id="373" name="CustomShape 1"/>
+          <p:cNvSpPr/>
           <p:nvPr/>
         </p:nvSpPr>
         <p:spPr>
           <a:xfrm>
             <a:off x="609480" y="273600"/>
-            <a:ext cx="10972440" cy="1144800"/>
-          </a:xfrm>
-          <a:prstGeom prst="rect">
-            <a:avLst/>
-          </a:prstGeom>
+            <a:ext cx="10972080" cy="1144440"/>
+          </a:xfrm>
+          <a:prstGeom prst="rect">
+            <a:avLst/>
+          </a:prstGeom>
+          <a:noFill/>
+          <a:ln>
+            <a:noFill/>
+          </a:ln>
         </p:spPr>
         <p:txBody>
           <a:bodyPr lIns="0" rIns="0" tIns="0" bIns="0" anchor="ctr"/>
@@ -11436,26 +14984,33 @@
       </p:sp>
       <p:sp>
         <p:nvSpPr>
-          <p:cNvPr id="266" name="TextShape 2"/>
-          <p:cNvSpPr txBox="1"/>
+          <p:cNvPr id="374" name="CustomShape 2"/>
+          <p:cNvSpPr/>
           <p:nvPr/>
         </p:nvSpPr>
         <p:spPr>
           <a:xfrm>
             <a:off x="609480" y="1604520"/>
-            <a:ext cx="10972440" cy="3977280"/>
-          </a:xfrm>
-          <a:prstGeom prst="rect">
-            <a:avLst/>
-          </a:prstGeom>
+            <a:ext cx="10972080" cy="3976920"/>
+          </a:xfrm>
+          <a:prstGeom prst="rect">
+            <a:avLst/>
+          </a:prstGeom>
+          <a:noFill/>
+          <a:ln>
+            <a:noFill/>
+          </a:ln>
         </p:spPr>
         <p:txBody>
           <a:bodyPr lIns="0" rIns="0" tIns="0" bIns="0"/>
           <a:p>
             <a:pPr>
+              <a:lnSpc>
+                <a:spcPct val="100000"/>
+              </a:lnSpc>
               <a:buSzPct val="45000"/>
               <a:buFont typeface="StarSymbol"/>
-              <a:buChar char=""/>
+              <a:buChar char="l"/>
             </a:pPr>
             <a:r>
               <a:rPr lang="en-US" sz="3200">
@@ -11467,9 +15022,12 @@
           </a:p>
           <a:p>
             <a:pPr>
+              <a:lnSpc>
+                <a:spcPct val="100000"/>
+              </a:lnSpc>
               <a:buSzPct val="45000"/>
               <a:buFont typeface="StarSymbol"/>
-              <a:buChar char=""/>
+              <a:buChar char="l"/>
             </a:pPr>
             <a:r>
               <a:rPr lang="en-US" sz="3200">
@@ -11481,9 +15039,12 @@
           </a:p>
           <a:p>
             <a:pPr>
+              <a:lnSpc>
+                <a:spcPct val="100000"/>
+              </a:lnSpc>
               <a:buSzPct val="45000"/>
               <a:buFont typeface="StarSymbol"/>
-              <a:buChar char=""/>
+              <a:buChar char="l"/>
             </a:pPr>
             <a:r>
               <a:rPr lang="en-US" sz="3200">
@@ -11495,9 +15056,12 @@
           </a:p>
           <a:p>
             <a:pPr>
+              <a:lnSpc>
+                <a:spcPct val="100000"/>
+              </a:lnSpc>
               <a:buSzPct val="45000"/>
               <a:buFont typeface="StarSymbol"/>
-              <a:buChar char=""/>
+              <a:buChar char="l"/>
             </a:pPr>
             <a:r>
               <a:rPr lang="en-US" sz="3200">
@@ -11515,9 +15079,12 @@
           </a:p>
           <a:p>
             <a:pPr>
+              <a:lnSpc>
+                <a:spcPct val="100000"/>
+              </a:lnSpc>
               <a:buSzPct val="45000"/>
               <a:buFont typeface="StarSymbol"/>
-              <a:buChar char=""/>
+              <a:buChar char="l"/>
             </a:pPr>
             <a:r>
               <a:rPr lang="en-US" sz="3200">
@@ -11531,33 +15098,6 @@
       </p:sp>
     </p:spTree>
   </p:cSld>
-  <p:timing>
-    <p:tnLst>
-      <p:par>
-        <p:cTn id="55" dur="indefinite" restart="never" nodeType="tmRoot">
-          <p:childTnLst>
-            <p:seq>
-              <p:cTn id="56" nodeType="mainSeq"/>
-              <p:prevCondLst>
-                <p:cond delay="0" evt="onPrev">
-                  <p:tgtEl>
-                    <p:sldTgt/>
-                  </p:tgtEl>
-                </p:cond>
-              </p:prevCondLst>
-              <p:nextCondLst>
-                <p:cond delay="0" evt="onNext">
-                  <p:tgtEl>
-                    <p:sldTgt/>
-                  </p:tgtEl>
-                </p:cond>
-              </p:nextCondLst>
-            </p:seq>
-          </p:childTnLst>
-        </p:cTn>
-      </p:par>
-    </p:tnLst>
-  </p:timing>
 </p:sld>
 </file>
 
@@ -11580,14 +15120,14 @@
       </p:grpSpPr>
       <p:sp>
         <p:nvSpPr>
-          <p:cNvPr id="267" name="CustomShape 1"/>
+          <p:cNvPr id="375" name="CustomShape 1"/>
           <p:cNvSpPr/>
           <p:nvPr/>
         </p:nvSpPr>
         <p:spPr>
           <a:xfrm>
             <a:off x="640440" y="2743200"/>
-            <a:ext cx="10971720" cy="1144080"/>
+            <a:ext cx="10971360" cy="1143720"/>
           </a:xfrm>
           <a:prstGeom prst="rect">
             <a:avLst/>
@@ -11619,33 +15159,6 @@
       </p:sp>
     </p:spTree>
   </p:cSld>
-  <p:timing>
-    <p:tnLst>
-      <p:par>
-        <p:cTn id="57" dur="indefinite" restart="never" nodeType="tmRoot">
-          <p:childTnLst>
-            <p:seq>
-              <p:cTn id="58" nodeType="mainSeq"/>
-              <p:prevCondLst>
-                <p:cond delay="0" evt="onPrev">
-                  <p:tgtEl>
-                    <p:sldTgt/>
-                  </p:tgtEl>
-                </p:cond>
-              </p:prevCondLst>
-              <p:nextCondLst>
-                <p:cond delay="0" evt="onNext">
-                  <p:tgtEl>
-                    <p:sldTgt/>
-                  </p:tgtEl>
-                </p:cond>
-              </p:nextCondLst>
-            </p:seq>
-          </p:childTnLst>
-        </p:cTn>
-      </p:par>
-    </p:tnLst>
-  </p:timing>
 </p:sld>
 </file>
 
@@ -11668,18 +15181,22 @@
       </p:grpSpPr>
       <p:sp>
         <p:nvSpPr>
-          <p:cNvPr id="220" name="TextShape 1"/>
-          <p:cNvSpPr txBox="1"/>
+          <p:cNvPr id="328" name="CustomShape 1"/>
+          <p:cNvSpPr/>
           <p:nvPr/>
         </p:nvSpPr>
         <p:spPr>
           <a:xfrm>
             <a:off x="609480" y="273600"/>
-            <a:ext cx="10972440" cy="1144800"/>
-          </a:xfrm>
-          <a:prstGeom prst="rect">
-            <a:avLst/>
-          </a:prstGeom>
+            <a:ext cx="10972080" cy="1144440"/>
+          </a:xfrm>
+          <a:prstGeom prst="rect">
+            <a:avLst/>
+          </a:prstGeom>
+          <a:noFill/>
+          <a:ln>
+            <a:noFill/>
+          </a:ln>
         </p:spPr>
         <p:txBody>
           <a:bodyPr lIns="0" rIns="0" tIns="0" bIns="0" anchor="ctr"/>
@@ -11696,18 +15213,22 @@
       </p:sp>
       <p:sp>
         <p:nvSpPr>
-          <p:cNvPr id="221" name="TextShape 2"/>
-          <p:cNvSpPr txBox="1"/>
+          <p:cNvPr id="329" name="CustomShape 2"/>
+          <p:cNvSpPr/>
           <p:nvPr/>
         </p:nvSpPr>
         <p:spPr>
           <a:xfrm>
             <a:off x="609480" y="1604520"/>
-            <a:ext cx="10972440" cy="3977280"/>
-          </a:xfrm>
-          <a:prstGeom prst="rect">
-            <a:avLst/>
-          </a:prstGeom>
+            <a:ext cx="10972080" cy="3976920"/>
+          </a:xfrm>
+          <a:prstGeom prst="rect">
+            <a:avLst/>
+          </a:prstGeom>
+          <a:noFill/>
+          <a:ln>
+            <a:noFill/>
+          </a:ln>
         </p:spPr>
         <p:txBody>
           <a:bodyPr lIns="0" rIns="0" tIns="0" bIns="0"/>
@@ -11781,33 +15302,6 @@
       </p:sp>
     </p:spTree>
   </p:cSld>
-  <p:timing>
-    <p:tnLst>
-      <p:par>
-        <p:cTn id="5" dur="indefinite" restart="never" nodeType="tmRoot">
-          <p:childTnLst>
-            <p:seq>
-              <p:cTn id="6" nodeType="mainSeq"/>
-              <p:prevCondLst>
-                <p:cond delay="0" evt="onPrev">
-                  <p:tgtEl>
-                    <p:sldTgt/>
-                  </p:tgtEl>
-                </p:cond>
-              </p:prevCondLst>
-              <p:nextCondLst>
-                <p:cond delay="0" evt="onNext">
-                  <p:tgtEl>
-                    <p:sldTgt/>
-                  </p:tgtEl>
-                </p:cond>
-              </p:nextCondLst>
-            </p:seq>
-          </p:childTnLst>
-        </p:cTn>
-      </p:par>
-    </p:tnLst>
-  </p:timing>
 </p:sld>
 </file>
 
@@ -11830,14 +15324,14 @@
       </p:grpSpPr>
       <p:sp>
         <p:nvSpPr>
-          <p:cNvPr id="268" name="CustomShape 1"/>
+          <p:cNvPr id="376" name="CustomShape 1"/>
           <p:cNvSpPr/>
           <p:nvPr/>
         </p:nvSpPr>
         <p:spPr>
           <a:xfrm>
             <a:off x="731880" y="2834640"/>
-            <a:ext cx="10971720" cy="1144080"/>
+            <a:ext cx="10971360" cy="1143720"/>
           </a:xfrm>
           <a:prstGeom prst="rect">
             <a:avLst/>
@@ -11867,33 +15361,6 @@
       </p:sp>
     </p:spTree>
   </p:cSld>
-  <p:timing>
-    <p:tnLst>
-      <p:par>
-        <p:cTn id="59" dur="indefinite" restart="never" nodeType="tmRoot">
-          <p:childTnLst>
-            <p:seq>
-              <p:cTn id="60" nodeType="mainSeq"/>
-              <p:prevCondLst>
-                <p:cond delay="0" evt="onPrev">
-                  <p:tgtEl>
-                    <p:sldTgt/>
-                  </p:tgtEl>
-                </p:cond>
-              </p:prevCondLst>
-              <p:nextCondLst>
-                <p:cond delay="0" evt="onNext">
-                  <p:tgtEl>
-                    <p:sldTgt/>
-                  </p:tgtEl>
-                </p:cond>
-              </p:nextCondLst>
-            </p:seq>
-          </p:childTnLst>
-        </p:cTn>
-      </p:par>
-    </p:tnLst>
-  </p:timing>
 </p:sld>
 </file>
 
@@ -11916,14 +15383,14 @@
       </p:grpSpPr>
       <p:sp>
         <p:nvSpPr>
-          <p:cNvPr id="222" name="CustomShape 1"/>
+          <p:cNvPr id="330" name="CustomShape 1"/>
           <p:cNvSpPr/>
           <p:nvPr/>
         </p:nvSpPr>
         <p:spPr>
           <a:xfrm>
             <a:off x="763920" y="2671560"/>
-            <a:ext cx="10514160" cy="1324080"/>
+            <a:ext cx="10513800" cy="1323720"/>
           </a:xfrm>
           <a:prstGeom prst="rect">
             <a:avLst/>
@@ -11958,33 +15425,6 @@
       </p:sp>
     </p:spTree>
   </p:cSld>
-  <p:timing>
-    <p:tnLst>
-      <p:par>
-        <p:cTn id="7" dur="indefinite" restart="never" nodeType="tmRoot">
-          <p:childTnLst>
-            <p:seq>
-              <p:cTn id="8" nodeType="mainSeq"/>
-              <p:prevCondLst>
-                <p:cond delay="0" evt="onPrev">
-                  <p:tgtEl>
-                    <p:sldTgt/>
-                  </p:tgtEl>
-                </p:cond>
-              </p:prevCondLst>
-              <p:nextCondLst>
-                <p:cond delay="0" evt="onNext">
-                  <p:tgtEl>
-                    <p:sldTgt/>
-                  </p:tgtEl>
-                </p:cond>
-              </p:nextCondLst>
-            </p:seq>
-          </p:childTnLst>
-        </p:cTn>
-      </p:par>
-    </p:tnLst>
-  </p:timing>
 </p:sld>
 </file>
 
@@ -12007,7 +15447,7 @@
       </p:grpSpPr>
       <p:pic>
         <p:nvPicPr>
-          <p:cNvPr id="223" name="" descr=""/>
+          <p:cNvPr id="331" name="" descr=""/>
           <p:cNvPicPr/>
           <p:nvPr/>
         </p:nvPicPr>
@@ -12020,7 +15460,7 @@
         <p:spPr>
           <a:xfrm>
             <a:off x="548640" y="360"/>
-            <a:ext cx="10971360" cy="6856560"/>
+            <a:ext cx="10971000" cy="6856200"/>
           </a:xfrm>
           <a:prstGeom prst="rect">
             <a:avLst/>
@@ -12032,33 +15472,6 @@
       </p:pic>
     </p:spTree>
   </p:cSld>
-  <p:timing>
-    <p:tnLst>
-      <p:par>
-        <p:cTn id="9" dur="indefinite" restart="never" nodeType="tmRoot">
-          <p:childTnLst>
-            <p:seq>
-              <p:cTn id="10" nodeType="mainSeq"/>
-              <p:prevCondLst>
-                <p:cond delay="0" evt="onPrev">
-                  <p:tgtEl>
-                    <p:sldTgt/>
-                  </p:tgtEl>
-                </p:cond>
-              </p:prevCondLst>
-              <p:nextCondLst>
-                <p:cond delay="0" evt="onNext">
-                  <p:tgtEl>
-                    <p:sldTgt/>
-                  </p:tgtEl>
-                </p:cond>
-              </p:nextCondLst>
-            </p:seq>
-          </p:childTnLst>
-        </p:cTn>
-      </p:par>
-    </p:tnLst>
-  </p:timing>
 </p:sld>
 </file>
 
@@ -12081,14 +15494,14 @@
       </p:grpSpPr>
       <p:sp>
         <p:nvSpPr>
-          <p:cNvPr id="224" name="CustomShape 1"/>
+          <p:cNvPr id="332" name="CustomShape 1"/>
           <p:cNvSpPr/>
           <p:nvPr/>
         </p:nvSpPr>
         <p:spPr>
           <a:xfrm>
             <a:off x="838080" y="365040"/>
-            <a:ext cx="10514160" cy="1324080"/>
+            <a:ext cx="10513800" cy="1323720"/>
           </a:xfrm>
           <a:prstGeom prst="rect">
             <a:avLst/>
@@ -12115,14 +15528,14 @@
       </p:sp>
       <p:sp>
         <p:nvSpPr>
-          <p:cNvPr id="225" name="CustomShape 2"/>
+          <p:cNvPr id="333" name="CustomShape 2"/>
           <p:cNvSpPr/>
           <p:nvPr/>
         </p:nvSpPr>
         <p:spPr>
           <a:xfrm>
             <a:off x="838080" y="1825560"/>
-            <a:ext cx="10514160" cy="4349880"/>
+            <a:ext cx="10513800" cy="4349520"/>
           </a:xfrm>
           <a:prstGeom prst="rect">
             <a:avLst/>
@@ -12191,33 +15604,6 @@
       </p:sp>
     </p:spTree>
   </p:cSld>
-  <p:timing>
-    <p:tnLst>
-      <p:par>
-        <p:cTn id="11" dur="indefinite" restart="never" nodeType="tmRoot">
-          <p:childTnLst>
-            <p:seq>
-              <p:cTn id="12" nodeType="mainSeq"/>
-              <p:prevCondLst>
-                <p:cond delay="0" evt="onPrev">
-                  <p:tgtEl>
-                    <p:sldTgt/>
-                  </p:tgtEl>
-                </p:cond>
-              </p:prevCondLst>
-              <p:nextCondLst>
-                <p:cond delay="0" evt="onNext">
-                  <p:tgtEl>
-                    <p:sldTgt/>
-                  </p:tgtEl>
-                </p:cond>
-              </p:nextCondLst>
-            </p:seq>
-          </p:childTnLst>
-        </p:cTn>
-      </p:par>
-    </p:tnLst>
-  </p:timing>
 </p:sld>
 </file>
 
@@ -12240,14 +15626,14 @@
       </p:grpSpPr>
       <p:sp>
         <p:nvSpPr>
-          <p:cNvPr id="226" name="CustomShape 1"/>
+          <p:cNvPr id="334" name="CustomShape 1"/>
           <p:cNvSpPr/>
           <p:nvPr/>
         </p:nvSpPr>
         <p:spPr>
           <a:xfrm>
             <a:off x="838080" y="365040"/>
-            <a:ext cx="10514160" cy="1324080"/>
+            <a:ext cx="10513800" cy="1323720"/>
           </a:xfrm>
           <a:prstGeom prst="rect">
             <a:avLst/>
@@ -12274,14 +15660,14 @@
       </p:sp>
       <p:sp>
         <p:nvSpPr>
-          <p:cNvPr id="227" name="CustomShape 2"/>
+          <p:cNvPr id="335" name="CustomShape 2"/>
           <p:cNvSpPr/>
           <p:nvPr/>
         </p:nvSpPr>
         <p:spPr>
           <a:xfrm>
             <a:off x="838080" y="1825560"/>
-            <a:ext cx="10514160" cy="4349880"/>
+            <a:ext cx="10513800" cy="4349520"/>
           </a:xfrm>
           <a:prstGeom prst="rect">
             <a:avLst/>
@@ -12367,33 +15753,6 @@
       </p:sp>
     </p:spTree>
   </p:cSld>
-  <p:timing>
-    <p:tnLst>
-      <p:par>
-        <p:cTn id="13" dur="indefinite" restart="never" nodeType="tmRoot">
-          <p:childTnLst>
-            <p:seq>
-              <p:cTn id="14" nodeType="mainSeq"/>
-              <p:prevCondLst>
-                <p:cond delay="0" evt="onPrev">
-                  <p:tgtEl>
-                    <p:sldTgt/>
-                  </p:tgtEl>
-                </p:cond>
-              </p:prevCondLst>
-              <p:nextCondLst>
-                <p:cond delay="0" evt="onNext">
-                  <p:tgtEl>
-                    <p:sldTgt/>
-                  </p:tgtEl>
-                </p:cond>
-              </p:nextCondLst>
-            </p:seq>
-          </p:childTnLst>
-        </p:cTn>
-      </p:par>
-    </p:tnLst>
-  </p:timing>
 </p:sld>
 </file>
 
@@ -12416,7 +15775,7 @@
       </p:grpSpPr>
       <p:pic>
         <p:nvPicPr>
-          <p:cNvPr id="228" name="Picture 3" descr=""/>
+          <p:cNvPr id="336" name="Picture 3" descr=""/>
           <p:cNvPicPr/>
           <p:nvPr/>
         </p:nvPicPr>
@@ -12429,7 +15788,7 @@
         <p:spPr>
           <a:xfrm>
             <a:off x="609480" y="0"/>
-            <a:ext cx="10971360" cy="6856560"/>
+            <a:ext cx="10971000" cy="6856200"/>
           </a:xfrm>
           <a:prstGeom prst="rect">
             <a:avLst/>
@@ -12441,33 +15800,6 @@
       </p:pic>
     </p:spTree>
   </p:cSld>
-  <p:timing>
-    <p:tnLst>
-      <p:par>
-        <p:cTn id="15" dur="indefinite" restart="never" nodeType="tmRoot">
-          <p:childTnLst>
-            <p:seq>
-              <p:cTn id="16" nodeType="mainSeq"/>
-              <p:prevCondLst>
-                <p:cond delay="0" evt="onPrev">
-                  <p:tgtEl>
-                    <p:sldTgt/>
-                  </p:tgtEl>
-                </p:cond>
-              </p:prevCondLst>
-              <p:nextCondLst>
-                <p:cond delay="0" evt="onNext">
-                  <p:tgtEl>
-                    <p:sldTgt/>
-                  </p:tgtEl>
-                </p:cond>
-              </p:nextCondLst>
-            </p:seq>
-          </p:childTnLst>
-        </p:cTn>
-      </p:par>
-    </p:tnLst>
-  </p:timing>
 </p:sld>
 </file>
 
@@ -12490,7 +15822,7 @@
       </p:grpSpPr>
       <p:pic>
         <p:nvPicPr>
-          <p:cNvPr id="229" name="Picture 3" descr=""/>
+          <p:cNvPr id="337" name="Picture 3" descr=""/>
           <p:cNvPicPr/>
           <p:nvPr/>
         </p:nvPicPr>
@@ -12503,7 +15835,7 @@
         <p:spPr>
           <a:xfrm>
             <a:off x="609480" y="0"/>
-            <a:ext cx="10971360" cy="6856560"/>
+            <a:ext cx="10971000" cy="6856200"/>
           </a:xfrm>
           <a:prstGeom prst="rect">
             <a:avLst/>
@@ -12515,33 +15847,6 @@
       </p:pic>
     </p:spTree>
   </p:cSld>
-  <p:timing>
-    <p:tnLst>
-      <p:par>
-        <p:cTn id="17" dur="indefinite" restart="never" nodeType="tmRoot">
-          <p:childTnLst>
-            <p:seq>
-              <p:cTn id="18" nodeType="mainSeq"/>
-              <p:prevCondLst>
-                <p:cond delay="0" evt="onPrev">
-                  <p:tgtEl>
-                    <p:sldTgt/>
-                  </p:tgtEl>
-                </p:cond>
-              </p:prevCondLst>
-              <p:nextCondLst>
-                <p:cond delay="0" evt="onNext">
-                  <p:tgtEl>
-                    <p:sldTgt/>
-                  </p:tgtEl>
-                </p:cond>
-              </p:nextCondLst>
-            </p:seq>
-          </p:childTnLst>
-        </p:cTn>
-      </p:par>
-    </p:tnLst>
-  </p:timing>
 </p:sld>
 </file>
 
@@ -13881,4 +17186,673 @@
     </a:fmtScheme>
   </a:themeElements>
 </a:theme>
+</file>
+
+<file path=ppt/theme/theme7.xml><?xml version="1.0" encoding="utf-8"?>
+<a:theme xmlns:a="http://schemas.openxmlformats.org/drawingml/2006/main" name="Office Theme">
+  <a:themeElements>
+    <a:clrScheme name="Office">
+      <a:dk1>
+        <a:sysClr val="windowText" lastClr="000000"/>
+      </a:dk1>
+      <a:lt1>
+        <a:sysClr val="window" lastClr="FFFFFF"/>
+      </a:lt1>
+      <a:dk2>
+        <a:srgbClr val="1F497D"/>
+      </a:dk2>
+      <a:lt2>
+        <a:srgbClr val="EEECE1"/>
+      </a:lt2>
+      <a:accent1>
+        <a:srgbClr val="4F81BD"/>
+      </a:accent1>
+      <a:accent2>
+        <a:srgbClr val="C0504D"/>
+      </a:accent2>
+      <a:accent3>
+        <a:srgbClr val="9BBB59"/>
+      </a:accent3>
+      <a:accent4>
+        <a:srgbClr val="8064A2"/>
+      </a:accent4>
+      <a:accent5>
+        <a:srgbClr val="4BACC6"/>
+      </a:accent5>
+      <a:accent6>
+        <a:srgbClr val="F79646"/>
+      </a:accent6>
+      <a:hlink>
+        <a:srgbClr val="0000FF"/>
+      </a:hlink>
+      <a:folHlink>
+        <a:srgbClr val="800080"/>
+      </a:folHlink>
+    </a:clrScheme>
+    <a:fontScheme name="Office">
+      <a:majorFont>
+        <a:latin typeface="Arial"/>
+        <a:ea typeface="DejaVu Sans"/>
+        <a:cs typeface="DejaVu Sans"/>
+      </a:majorFont>
+      <a:minorFont>
+        <a:latin typeface="Arial"/>
+        <a:ea typeface="DejaVu Sans"/>
+        <a:cs typeface="DejaVu Sans"/>
+      </a:minorFont>
+    </a:fontScheme>
+    <a:fmtScheme name="Office">
+      <a:fillStyleLst>
+        <a:solidFill>
+          <a:schemeClr val="phClr"/>
+        </a:solidFill>
+        <a:gradFill rotWithShape="1">
+          <a:gsLst>
+            <a:gs pos="0">
+              <a:schemeClr val="phClr">
+                <a:tint val="50000"/>
+                <a:satMod val="300000"/>
+              </a:schemeClr>
+            </a:gs>
+            <a:gs pos="35000">
+              <a:schemeClr val="phClr">
+                <a:tint val="37000"/>
+                <a:satMod val="300000"/>
+              </a:schemeClr>
+            </a:gs>
+            <a:gs pos="100000">
+              <a:schemeClr val="phClr">
+                <a:tint val="15000"/>
+                <a:satMod val="350000"/>
+              </a:schemeClr>
+            </a:gs>
+          </a:gsLst>
+          <a:lin ang="16200000" scaled="1"/>
+        </a:gradFill>
+        <a:gradFill rotWithShape="1">
+          <a:gsLst>
+            <a:gs pos="0">
+              <a:schemeClr val="phClr">
+                <a:shade val="51000"/>
+                <a:satMod val="130000"/>
+              </a:schemeClr>
+            </a:gs>
+            <a:gs pos="80000">
+              <a:schemeClr val="phClr">
+                <a:shade val="93000"/>
+                <a:satMod val="130000"/>
+              </a:schemeClr>
+            </a:gs>
+            <a:gs pos="100000">
+              <a:schemeClr val="phClr">
+                <a:shade val="94000"/>
+                <a:satMod val="135000"/>
+              </a:schemeClr>
+            </a:gs>
+          </a:gsLst>
+          <a:lin ang="16200000" scaled="0"/>
+        </a:gradFill>
+      </a:fillStyleLst>
+      <a:lnStyleLst>
+        <a:ln w="9525" cap="flat" cmpd="sng" algn="ctr">
+          <a:solidFill>
+            <a:schemeClr val="phClr">
+              <a:shade val="95000"/>
+              <a:satMod val="105000"/>
+            </a:schemeClr>
+          </a:solidFill>
+          <a:prstDash val="solid"/>
+        </a:ln>
+        <a:ln w="25400" cap="flat" cmpd="sng" algn="ctr">
+          <a:solidFill>
+            <a:schemeClr val="phClr"/>
+          </a:solidFill>
+          <a:prstDash val="solid"/>
+        </a:ln>
+        <a:ln w="38100" cap="flat" cmpd="sng" algn="ctr">
+          <a:solidFill>
+            <a:schemeClr val="phClr"/>
+          </a:solidFill>
+          <a:prstDash val="solid"/>
+        </a:ln>
+      </a:lnStyleLst>
+      <a:effectStyleLst>
+        <a:effectStyle>
+          <a:effectLst>
+            <a:outerShdw blurRad="40000" dist="20000" dir="5400000" rotWithShape="0">
+              <a:srgbClr val="000000">
+                <a:alpha val="38000"/>
+              </a:srgbClr>
+            </a:outerShdw>
+          </a:effectLst>
+        </a:effectStyle>
+        <a:effectStyle>
+          <a:effectLst>
+            <a:outerShdw blurRad="40000" dist="23000" dir="5400000" rotWithShape="0">
+              <a:srgbClr val="000000">
+                <a:alpha val="35000"/>
+              </a:srgbClr>
+            </a:outerShdw>
+          </a:effectLst>
+        </a:effectStyle>
+        <a:effectStyle>
+          <a:effectLst>
+            <a:outerShdw blurRad="40000" dist="23000" dir="5400000" rotWithShape="0">
+              <a:srgbClr val="000000">
+                <a:alpha val="35000"/>
+              </a:srgbClr>
+            </a:outerShdw>
+          </a:effectLst>
+          <a:scene3d>
+            <a:camera prst="orthographicFront">
+              <a:rot lat="0" lon="0" rev="0"/>
+            </a:camera>
+            <a:lightRig rig="threePt" dir="t">
+              <a:rot lat="0" lon="0" rev="1200000"/>
+            </a:lightRig>
+          </a:scene3d>
+          <a:sp3d>
+            <a:bevelT w="63500" h="25400"/>
+          </a:sp3d>
+        </a:effectStyle>
+      </a:effectStyleLst>
+      <a:bgFillStyleLst>
+        <a:solidFill>
+          <a:schemeClr val="phClr"/>
+        </a:solidFill>
+        <a:gradFill rotWithShape="1">
+          <a:gsLst>
+            <a:gs pos="0">
+              <a:schemeClr val="phClr">
+                <a:tint val="40000"/>
+                <a:satMod val="350000"/>
+              </a:schemeClr>
+            </a:gs>
+            <a:gs pos="40000">
+              <a:schemeClr val="phClr">
+                <a:tint val="45000"/>
+                <a:shade val="99000"/>
+                <a:satMod val="350000"/>
+              </a:schemeClr>
+            </a:gs>
+            <a:gs pos="100000">
+              <a:schemeClr val="phClr">
+                <a:shade val="20000"/>
+                <a:satMod val="255000"/>
+              </a:schemeClr>
+            </a:gs>
+          </a:gsLst>
+          <a:path path="circle">
+            <a:fillToRect l="50000" t="-80000" r="50000" b="180000"/>
+          </a:path>
+        </a:gradFill>
+        <a:gradFill rotWithShape="1">
+          <a:gsLst>
+            <a:gs pos="0">
+              <a:schemeClr val="phClr">
+                <a:tint val="80000"/>
+                <a:satMod val="300000"/>
+              </a:schemeClr>
+            </a:gs>
+            <a:gs pos="100000">
+              <a:schemeClr val="phClr">
+                <a:shade val="30000"/>
+                <a:satMod val="200000"/>
+              </a:schemeClr>
+            </a:gs>
+          </a:gsLst>
+          <a:path path="circle">
+            <a:fillToRect l="50000" t="50000" r="50000" b="50000"/>
+          </a:path>
+        </a:gradFill>
+      </a:bgFillStyleLst>
+    </a:fmtScheme>
+  </a:themeElements>
+</a:theme>
+</file>
+
+<file path=ppt/theme/theme8.xml><?xml version="1.0" encoding="utf-8"?>
+<a:theme xmlns:a="http://schemas.openxmlformats.org/drawingml/2006/main" name="Office Theme">
+  <a:themeElements>
+    <a:clrScheme name="Office">
+      <a:dk1>
+        <a:sysClr val="windowText" lastClr="000000"/>
+      </a:dk1>
+      <a:lt1>
+        <a:sysClr val="window" lastClr="FFFFFF"/>
+      </a:lt1>
+      <a:dk2>
+        <a:srgbClr val="1F497D"/>
+      </a:dk2>
+      <a:lt2>
+        <a:srgbClr val="EEECE1"/>
+      </a:lt2>
+      <a:accent1>
+        <a:srgbClr val="4F81BD"/>
+      </a:accent1>
+      <a:accent2>
+        <a:srgbClr val="C0504D"/>
+      </a:accent2>
+      <a:accent3>
+        <a:srgbClr val="9BBB59"/>
+      </a:accent3>
+      <a:accent4>
+        <a:srgbClr val="8064A2"/>
+      </a:accent4>
+      <a:accent5>
+        <a:srgbClr val="4BACC6"/>
+      </a:accent5>
+      <a:accent6>
+        <a:srgbClr val="F79646"/>
+      </a:accent6>
+      <a:hlink>
+        <a:srgbClr val="0000FF"/>
+      </a:hlink>
+      <a:folHlink>
+        <a:srgbClr val="800080"/>
+      </a:folHlink>
+    </a:clrScheme>
+    <a:fontScheme name="Office">
+      <a:majorFont>
+        <a:latin typeface="Arial"/>
+        <a:ea typeface="DejaVu Sans"/>
+        <a:cs typeface="DejaVu Sans"/>
+      </a:majorFont>
+      <a:minorFont>
+        <a:latin typeface="Arial"/>
+        <a:ea typeface="DejaVu Sans"/>
+        <a:cs typeface="DejaVu Sans"/>
+      </a:minorFont>
+    </a:fontScheme>
+    <a:fmtScheme name="Office">
+      <a:fillStyleLst>
+        <a:solidFill>
+          <a:schemeClr val="phClr"/>
+        </a:solidFill>
+        <a:gradFill rotWithShape="1">
+          <a:gsLst>
+            <a:gs pos="0">
+              <a:schemeClr val="phClr">
+                <a:tint val="50000"/>
+                <a:satMod val="300000"/>
+              </a:schemeClr>
+            </a:gs>
+            <a:gs pos="35000">
+              <a:schemeClr val="phClr">
+                <a:tint val="37000"/>
+                <a:satMod val="300000"/>
+              </a:schemeClr>
+            </a:gs>
+            <a:gs pos="100000">
+              <a:schemeClr val="phClr">
+                <a:tint val="15000"/>
+                <a:satMod val="350000"/>
+              </a:schemeClr>
+            </a:gs>
+          </a:gsLst>
+          <a:lin ang="16200000" scaled="1"/>
+        </a:gradFill>
+        <a:gradFill rotWithShape="1">
+          <a:gsLst>
+            <a:gs pos="0">
+              <a:schemeClr val="phClr">
+                <a:shade val="51000"/>
+                <a:satMod val="130000"/>
+              </a:schemeClr>
+            </a:gs>
+            <a:gs pos="80000">
+              <a:schemeClr val="phClr">
+                <a:shade val="93000"/>
+                <a:satMod val="130000"/>
+              </a:schemeClr>
+            </a:gs>
+            <a:gs pos="100000">
+              <a:schemeClr val="phClr">
+                <a:shade val="94000"/>
+                <a:satMod val="135000"/>
+              </a:schemeClr>
+            </a:gs>
+          </a:gsLst>
+          <a:lin ang="16200000" scaled="0"/>
+        </a:gradFill>
+      </a:fillStyleLst>
+      <a:lnStyleLst>
+        <a:ln w="9525" cap="flat" cmpd="sng" algn="ctr">
+          <a:solidFill>
+            <a:schemeClr val="phClr">
+              <a:shade val="95000"/>
+              <a:satMod val="105000"/>
+            </a:schemeClr>
+          </a:solidFill>
+          <a:prstDash val="solid"/>
+        </a:ln>
+        <a:ln w="25400" cap="flat" cmpd="sng" algn="ctr">
+          <a:solidFill>
+            <a:schemeClr val="phClr"/>
+          </a:solidFill>
+          <a:prstDash val="solid"/>
+        </a:ln>
+        <a:ln w="38100" cap="flat" cmpd="sng" algn="ctr">
+          <a:solidFill>
+            <a:schemeClr val="phClr"/>
+          </a:solidFill>
+          <a:prstDash val="solid"/>
+        </a:ln>
+      </a:lnStyleLst>
+      <a:effectStyleLst>
+        <a:effectStyle>
+          <a:effectLst>
+            <a:outerShdw blurRad="40000" dist="20000" dir="5400000" rotWithShape="0">
+              <a:srgbClr val="000000">
+                <a:alpha val="38000"/>
+              </a:srgbClr>
+            </a:outerShdw>
+          </a:effectLst>
+        </a:effectStyle>
+        <a:effectStyle>
+          <a:effectLst>
+            <a:outerShdw blurRad="40000" dist="23000" dir="5400000" rotWithShape="0">
+              <a:srgbClr val="000000">
+                <a:alpha val="35000"/>
+              </a:srgbClr>
+            </a:outerShdw>
+          </a:effectLst>
+        </a:effectStyle>
+        <a:effectStyle>
+          <a:effectLst>
+            <a:outerShdw blurRad="40000" dist="23000" dir="5400000" rotWithShape="0">
+              <a:srgbClr val="000000">
+                <a:alpha val="35000"/>
+              </a:srgbClr>
+            </a:outerShdw>
+          </a:effectLst>
+          <a:scene3d>
+            <a:camera prst="orthographicFront">
+              <a:rot lat="0" lon="0" rev="0"/>
+            </a:camera>
+            <a:lightRig rig="threePt" dir="t">
+              <a:rot lat="0" lon="0" rev="1200000"/>
+            </a:lightRig>
+          </a:scene3d>
+          <a:sp3d>
+            <a:bevelT w="63500" h="25400"/>
+          </a:sp3d>
+        </a:effectStyle>
+      </a:effectStyleLst>
+      <a:bgFillStyleLst>
+        <a:solidFill>
+          <a:schemeClr val="phClr"/>
+        </a:solidFill>
+        <a:gradFill rotWithShape="1">
+          <a:gsLst>
+            <a:gs pos="0">
+              <a:schemeClr val="phClr">
+                <a:tint val="40000"/>
+                <a:satMod val="350000"/>
+              </a:schemeClr>
+            </a:gs>
+            <a:gs pos="40000">
+              <a:schemeClr val="phClr">
+                <a:tint val="45000"/>
+                <a:shade val="99000"/>
+                <a:satMod val="350000"/>
+              </a:schemeClr>
+            </a:gs>
+            <a:gs pos="100000">
+              <a:schemeClr val="phClr">
+                <a:shade val="20000"/>
+                <a:satMod val="255000"/>
+              </a:schemeClr>
+            </a:gs>
+          </a:gsLst>
+          <a:path path="circle">
+            <a:fillToRect l="50000" t="-80000" r="50000" b="180000"/>
+          </a:path>
+        </a:gradFill>
+        <a:gradFill rotWithShape="1">
+          <a:gsLst>
+            <a:gs pos="0">
+              <a:schemeClr val="phClr">
+                <a:tint val="80000"/>
+                <a:satMod val="300000"/>
+              </a:schemeClr>
+            </a:gs>
+            <a:gs pos="100000">
+              <a:schemeClr val="phClr">
+                <a:shade val="30000"/>
+                <a:satMod val="200000"/>
+              </a:schemeClr>
+            </a:gs>
+          </a:gsLst>
+          <a:path path="circle">
+            <a:fillToRect l="50000" t="50000" r="50000" b="50000"/>
+          </a:path>
+        </a:gradFill>
+      </a:bgFillStyleLst>
+    </a:fmtScheme>
+  </a:themeElements>
+</a:theme>
+</file>
+
+<file path=ppt/theme/theme9.xml><?xml version="1.0" encoding="utf-8"?>
+<a:theme xmlns:a="http://schemas.openxmlformats.org/drawingml/2006/main" name="Office Theme">
+  <a:themeElements>
+    <a:clrScheme name="Office">
+      <a:dk1>
+        <a:sysClr val="windowText" lastClr="000000"/>
+      </a:dk1>
+      <a:lt1>
+        <a:sysClr val="window" lastClr="FFFFFF"/>
+      </a:lt1>
+      <a:dk2>
+        <a:srgbClr val="1F497D"/>
+      </a:dk2>
+      <a:lt2>
+        <a:srgbClr val="EEECE1"/>
+      </a:lt2>
+      <a:accent1>
+        <a:srgbClr val="4F81BD"/>
+      </a:accent1>
+      <a:accent2>
+        <a:srgbClr val="C0504D"/>
+      </a:accent2>
+      <a:accent3>
+        <a:srgbClr val="9BBB59"/>
+      </a:accent3>
+      <a:accent4>
+        <a:srgbClr val="8064A2"/>
+      </a:accent4>
+      <a:accent5>
+        <a:srgbClr val="4BACC6"/>
+      </a:accent5>
+      <a:accent6>
+        <a:srgbClr val="F79646"/>
+      </a:accent6>
+      <a:hlink>
+        <a:srgbClr val="0000FF"/>
+      </a:hlink>
+      <a:folHlink>
+        <a:srgbClr val="800080"/>
+      </a:folHlink>
+    </a:clrScheme>
+    <a:fontScheme name="Office">
+      <a:majorFont>
+        <a:latin typeface="Arial"/>
+        <a:ea typeface="DejaVu Sans"/>
+        <a:cs typeface="DejaVu Sans"/>
+      </a:majorFont>
+      <a:minorFont>
+        <a:latin typeface="Arial"/>
+        <a:ea typeface="DejaVu Sans"/>
+        <a:cs typeface="DejaVu Sans"/>
+      </a:minorFont>
+    </a:fontScheme>
+    <a:fmtScheme name="Office">
+      <a:fillStyleLst>
+        <a:solidFill>
+          <a:schemeClr val="phClr"/>
+        </a:solidFill>
+        <a:gradFill rotWithShape="1">
+          <a:gsLst>
+            <a:gs pos="0">
+              <a:schemeClr val="phClr">
+                <a:tint val="50000"/>
+                <a:satMod val="300000"/>
+              </a:schemeClr>
+            </a:gs>
+            <a:gs pos="35000">
+              <a:schemeClr val="phClr">
+                <a:tint val="37000"/>
+                <a:satMod val="300000"/>
+              </a:schemeClr>
+            </a:gs>
+            <a:gs pos="100000">
+              <a:schemeClr val="phClr">
+                <a:tint val="15000"/>
+                <a:satMod val="350000"/>
+              </a:schemeClr>
+            </a:gs>
+          </a:gsLst>
+          <a:lin ang="16200000" scaled="1"/>
+        </a:gradFill>
+        <a:gradFill rotWithShape="1">
+          <a:gsLst>
+            <a:gs pos="0">
+              <a:schemeClr val="phClr">
+                <a:shade val="51000"/>
+                <a:satMod val="130000"/>
+              </a:schemeClr>
+            </a:gs>
+            <a:gs pos="80000">
+              <a:schemeClr val="phClr">
+                <a:shade val="93000"/>
+                <a:satMod val="130000"/>
+              </a:schemeClr>
+            </a:gs>
+            <a:gs pos="100000">
+              <a:schemeClr val="phClr">
+                <a:shade val="94000"/>
+                <a:satMod val="135000"/>
+              </a:schemeClr>
+            </a:gs>
+          </a:gsLst>
+          <a:lin ang="16200000" scaled="0"/>
+        </a:gradFill>
+      </a:fillStyleLst>
+      <a:lnStyleLst>
+        <a:ln w="9525" cap="flat" cmpd="sng" algn="ctr">
+          <a:solidFill>
+            <a:schemeClr val="phClr">
+              <a:shade val="95000"/>
+              <a:satMod val="105000"/>
+            </a:schemeClr>
+          </a:solidFill>
+          <a:prstDash val="solid"/>
+        </a:ln>
+        <a:ln w="25400" cap="flat" cmpd="sng" algn="ctr">
+          <a:solidFill>
+            <a:schemeClr val="phClr"/>
+          </a:solidFill>
+          <a:prstDash val="solid"/>
+        </a:ln>
+        <a:ln w="38100" cap="flat" cmpd="sng" algn="ctr">
+          <a:solidFill>
+            <a:schemeClr val="phClr"/>
+          </a:solidFill>
+          <a:prstDash val="solid"/>
+        </a:ln>
+      </a:lnStyleLst>
+      <a:effectStyleLst>
+        <a:effectStyle>
+          <a:effectLst>
+            <a:outerShdw blurRad="40000" dist="20000" dir="5400000" rotWithShape="0">
+              <a:srgbClr val="000000">
+                <a:alpha val="38000"/>
+              </a:srgbClr>
+            </a:outerShdw>
+          </a:effectLst>
+        </a:effectStyle>
+        <a:effectStyle>
+          <a:effectLst>
+            <a:outerShdw blurRad="40000" dist="23000" dir="5400000" rotWithShape="0">
+              <a:srgbClr val="000000">
+                <a:alpha val="35000"/>
+              </a:srgbClr>
+            </a:outerShdw>
+          </a:effectLst>
+        </a:effectStyle>
+        <a:effectStyle>
+          <a:effectLst>
+            <a:outerShdw blurRad="40000" dist="23000" dir="5400000" rotWithShape="0">
+              <a:srgbClr val="000000">
+                <a:alpha val="35000"/>
+              </a:srgbClr>
+            </a:outerShdw>
+          </a:effectLst>
+          <a:scene3d>
+            <a:camera prst="orthographicFront">
+              <a:rot lat="0" lon="0" rev="0"/>
+            </a:camera>
+            <a:lightRig rig="threePt" dir="t">
+              <a:rot lat="0" lon="0" rev="1200000"/>
+            </a:lightRig>
+          </a:scene3d>
+          <a:sp3d>
+            <a:bevelT w="63500" h="25400"/>
+          </a:sp3d>
+        </a:effectStyle>
+      </a:effectStyleLst>
+      <a:bgFillStyleLst>
+        <a:solidFill>
+          <a:schemeClr val="phClr"/>
+        </a:solidFill>
+        <a:gradFill rotWithShape="1">
+          <a:gsLst>
+            <a:gs pos="0">
+              <a:schemeClr val="phClr">
+                <a:tint val="40000"/>
+                <a:satMod val="350000"/>
+              </a:schemeClr>
+            </a:gs>
+            <a:gs pos="40000">
+              <a:schemeClr val="phClr">
+                <a:tint val="45000"/>
+                <a:shade val="99000"/>
+                <a:satMod val="350000"/>
+              </a:schemeClr>
+            </a:gs>
+            <a:gs pos="100000">
+              <a:schemeClr val="phClr">
+                <a:shade val="20000"/>
+                <a:satMod val="255000"/>
+              </a:schemeClr>
+            </a:gs>
+          </a:gsLst>
+          <a:path path="circle">
+            <a:fillToRect l="50000" t="-80000" r="50000" b="180000"/>
+          </a:path>
+        </a:gradFill>
+        <a:gradFill rotWithShape="1">
+          <a:gsLst>
+            <a:gs pos="0">
+              <a:schemeClr val="phClr">
+                <a:tint val="80000"/>
+                <a:satMod val="300000"/>
+              </a:schemeClr>
+            </a:gs>
+            <a:gs pos="100000">
+              <a:schemeClr val="phClr">
+                <a:shade val="30000"/>
+                <a:satMod val="200000"/>
+              </a:schemeClr>
+            </a:gs>
+          </a:gsLst>
+          <a:path path="circle">
+            <a:fillToRect l="50000" t="50000" r="50000" b="50000"/>
+          </a:path>
+        </a:gradFill>
+      </a:bgFillStyleLst>
+    </a:fmtScheme>
+  </a:themeElements>
+</a:theme>
 </file>